--- a/Design/Digital Asset - Design.pptx
+++ b/Design/Digital Asset - Design.pptx
@@ -8,10 +8,12 @@
     <p:sldId id="8322" r:id="rId5"/>
     <p:sldId id="8341" r:id="rId6"/>
     <p:sldId id="8335" r:id="rId7"/>
-    <p:sldId id="8336" r:id="rId8"/>
-    <p:sldId id="8338" r:id="rId9"/>
-    <p:sldId id="8344" r:id="rId10"/>
-    <p:sldId id="8345" r:id="rId11"/>
+    <p:sldId id="8346" r:id="rId8"/>
+    <p:sldId id="8347" r:id="rId9"/>
+    <p:sldId id="8336" r:id="rId10"/>
+    <p:sldId id="8338" r:id="rId11"/>
+    <p:sldId id="8344" r:id="rId12"/>
+    <p:sldId id="8345" r:id="rId13"/>
   </p:sldIdLst>
   <p:sldSz cx="12192000" cy="6858000"/>
   <p:notesSz cx="6858000" cy="9144000"/>
@@ -265,7 +267,7 @@
           <a:p>
             <a:fld id="{8FBEF592-9A5F-4028-BE74-EE215189E296}" type="datetimeFigureOut">
               <a:rPr lang="en-US" smtClean="0"/>
-              <a:t>6/22/2021</a:t>
+              <a:t>6/27/2021</a:t>
             </a:fld>
             <a:endParaRPr lang="en-US"/>
           </a:p>
@@ -463,7 +465,7 @@
           <a:p>
             <a:fld id="{8FBEF592-9A5F-4028-BE74-EE215189E296}" type="datetimeFigureOut">
               <a:rPr lang="en-US" smtClean="0"/>
-              <a:t>6/22/2021</a:t>
+              <a:t>6/27/2021</a:t>
             </a:fld>
             <a:endParaRPr lang="en-US"/>
           </a:p>
@@ -671,7 +673,7 @@
           <a:p>
             <a:fld id="{8FBEF592-9A5F-4028-BE74-EE215189E296}" type="datetimeFigureOut">
               <a:rPr lang="en-US" smtClean="0"/>
-              <a:t>6/22/2021</a:t>
+              <a:t>6/27/2021</a:t>
             </a:fld>
             <a:endParaRPr lang="en-US"/>
           </a:p>
@@ -784,7 +786,7 @@
           <a:p>
             <a:fld id="{708BE3AE-D757-42E3-9D32-22A977FECB4E}" type="datetime4">
               <a:rPr lang="en-US" smtClean="0"/>
-              <a:t>June 22, 2021</a:t>
+              <a:t>June 27, 2021</a:t>
             </a:fld>
             <a:endParaRPr lang="en-US" dirty="0"/>
           </a:p>
@@ -986,7 +988,7 @@
           <a:p>
             <a:fld id="{8FBEF592-9A5F-4028-BE74-EE215189E296}" type="datetimeFigureOut">
               <a:rPr lang="en-US" smtClean="0"/>
-              <a:t>6/22/2021</a:t>
+              <a:t>6/27/2021</a:t>
             </a:fld>
             <a:endParaRPr lang="en-US"/>
           </a:p>
@@ -1261,7 +1263,7 @@
           <a:p>
             <a:fld id="{8FBEF592-9A5F-4028-BE74-EE215189E296}" type="datetimeFigureOut">
               <a:rPr lang="en-US" smtClean="0"/>
-              <a:t>6/22/2021</a:t>
+              <a:t>6/27/2021</a:t>
             </a:fld>
             <a:endParaRPr lang="en-US"/>
           </a:p>
@@ -1526,7 +1528,7 @@
           <a:p>
             <a:fld id="{8FBEF592-9A5F-4028-BE74-EE215189E296}" type="datetimeFigureOut">
               <a:rPr lang="en-US" smtClean="0"/>
-              <a:t>6/22/2021</a:t>
+              <a:t>6/27/2021</a:t>
             </a:fld>
             <a:endParaRPr lang="en-US"/>
           </a:p>
@@ -1938,7 +1940,7 @@
           <a:p>
             <a:fld id="{8FBEF592-9A5F-4028-BE74-EE215189E296}" type="datetimeFigureOut">
               <a:rPr lang="en-US" smtClean="0"/>
-              <a:t>6/22/2021</a:t>
+              <a:t>6/27/2021</a:t>
             </a:fld>
             <a:endParaRPr lang="en-US"/>
           </a:p>
@@ -2079,7 +2081,7 @@
           <a:p>
             <a:fld id="{8FBEF592-9A5F-4028-BE74-EE215189E296}" type="datetimeFigureOut">
               <a:rPr lang="en-US" smtClean="0"/>
-              <a:t>6/22/2021</a:t>
+              <a:t>6/27/2021</a:t>
             </a:fld>
             <a:endParaRPr lang="en-US"/>
           </a:p>
@@ -2192,7 +2194,7 @@
           <a:p>
             <a:fld id="{8FBEF592-9A5F-4028-BE74-EE215189E296}" type="datetimeFigureOut">
               <a:rPr lang="en-US" smtClean="0"/>
-              <a:t>6/22/2021</a:t>
+              <a:t>6/27/2021</a:t>
             </a:fld>
             <a:endParaRPr lang="en-US"/>
           </a:p>
@@ -2503,7 +2505,7 @@
           <a:p>
             <a:fld id="{8FBEF592-9A5F-4028-BE74-EE215189E296}" type="datetimeFigureOut">
               <a:rPr lang="en-US" smtClean="0"/>
-              <a:t>6/22/2021</a:t>
+              <a:t>6/27/2021</a:t>
             </a:fld>
             <a:endParaRPr lang="en-US"/>
           </a:p>
@@ -2791,7 +2793,7 @@
           <a:p>
             <a:fld id="{8FBEF592-9A5F-4028-BE74-EE215189E296}" type="datetimeFigureOut">
               <a:rPr lang="en-US" smtClean="0"/>
-              <a:t>6/22/2021</a:t>
+              <a:t>6/27/2021</a:t>
             </a:fld>
             <a:endParaRPr lang="en-US"/>
           </a:p>
@@ -3032,7 +3034,7 @@
           <a:p>
             <a:fld id="{8FBEF592-9A5F-4028-BE74-EE215189E296}" type="datetimeFigureOut">
               <a:rPr lang="en-US" smtClean="0"/>
-              <a:t>6/22/2021</a:t>
+              <a:t>6/27/2021</a:t>
             </a:fld>
             <a:endParaRPr lang="en-US"/>
           </a:p>
@@ -3777,11 +3779,7 @@
             </a:pPr>
             <a:r>
               <a:rPr lang="en-US" sz="1600" b="1" dirty="0" smtClean="0"/>
-              <a:t>Backend</a:t>
-            </a:r>
-            <a:r>
-              <a:rPr lang="en-US" sz="1600" b="1" dirty="0" smtClean="0"/>
-              <a:t>:</a:t>
+              <a:t>Backend:</a:t>
             </a:r>
             <a:r>
               <a:rPr lang="en-US" sz="1600" dirty="0" smtClean="0"/>
@@ -3795,7 +3793,6 @@
               <a:rPr lang="en-US" sz="1600" dirty="0" smtClean="0"/>
               <a:t> Core, SQL Database, Azure</a:t>
             </a:r>
-            <a:endParaRPr lang="en-US" sz="1600" dirty="0" smtClean="0"/>
           </a:p>
           <a:p>
             <a:pPr marL="342900" indent="-342900">
@@ -3851,6 +3848,1412 @@
       </p:grpSpPr>
       <p:sp>
         <p:nvSpPr>
+          <p:cNvPr id="109" name="Title 1">
+            <a:extLst>
+              <a:ext uri="{FF2B5EF4-FFF2-40B4-BE49-F238E27FC236}">
+                <a16:creationId xmlns:a16="http://schemas.microsoft.com/office/drawing/2014/main" id="{78C07964-174A-4A54-84D3-E88913B49D0E}"/>
+              </a:ext>
+            </a:extLst>
+          </p:cNvPr>
+          <p:cNvSpPr txBox="1">
+            <a:spLocks/>
+          </p:cNvSpPr>
+          <p:nvPr/>
+        </p:nvSpPr>
+        <p:spPr>
+          <a:xfrm>
+            <a:off x="555171" y="-4998"/>
+            <a:ext cx="11070772" cy="1039142"/>
+          </a:xfrm>
+          <a:prstGeom prst="rect">
+            <a:avLst/>
+          </a:prstGeom>
+        </p:spPr>
+        <p:txBody>
+          <a:bodyPr anchor="ctr"/>
+          <a:lstStyle>
+            <a:lvl1pPr algn="l" defTabSz="914400" rtl="0" eaLnBrk="1" latinLnBrk="0" hangingPunct="1">
+              <a:lnSpc>
+                <a:spcPct val="90000"/>
+              </a:lnSpc>
+              <a:spcBef>
+                <a:spcPct val="0"/>
+              </a:spcBef>
+              <a:buNone/>
+              <a:defRPr sz="4400" kern="1200">
+                <a:solidFill>
+                  <a:schemeClr val="tx1"/>
+                </a:solidFill>
+                <a:latin typeface="+mj-lt"/>
+                <a:ea typeface="+mj-ea"/>
+                <a:cs typeface="+mj-cs"/>
+              </a:defRPr>
+            </a:lvl1pPr>
+          </a:lstStyle>
+          <a:p>
+            <a:r>
+              <a:rPr lang="en-US" sz="3600" dirty="0" smtClean="0"/>
+              <a:t>Application Architecture</a:t>
+            </a:r>
+            <a:endParaRPr lang="en-US" sz="3600" dirty="0"/>
+          </a:p>
+        </p:txBody>
+      </p:sp>
+      <p:grpSp>
+        <p:nvGrpSpPr>
+          <p:cNvPr id="15" name="Group 14"/>
+          <p:cNvGrpSpPr/>
+          <p:nvPr/>
+        </p:nvGrpSpPr>
+        <p:grpSpPr>
+          <a:xfrm>
+            <a:off x="6578814" y="1983119"/>
+            <a:ext cx="5047129" cy="2698379"/>
+            <a:chOff x="6002510" y="1983119"/>
+            <a:chExt cx="5047129" cy="2698379"/>
+          </a:xfrm>
+        </p:grpSpPr>
+        <p:sp>
+          <p:nvSpPr>
+            <p:cNvPr id="6" name="Oval 5"/>
+            <p:cNvSpPr/>
+            <p:nvPr/>
+          </p:nvSpPr>
+          <p:spPr>
+            <a:xfrm>
+              <a:off x="6002510" y="1983119"/>
+              <a:ext cx="2841812" cy="2698379"/>
+            </a:xfrm>
+            <a:prstGeom prst="ellipse">
+              <a:avLst/>
+            </a:prstGeom>
+            <a:solidFill>
+              <a:schemeClr val="accent5">
+                <a:lumMod val="50000"/>
+              </a:schemeClr>
+            </a:solidFill>
+          </p:spPr>
+          <p:style>
+            <a:lnRef idx="0">
+              <a:schemeClr val="accent1"/>
+            </a:lnRef>
+            <a:fillRef idx="3">
+              <a:schemeClr val="accent1"/>
+            </a:fillRef>
+            <a:effectRef idx="3">
+              <a:schemeClr val="accent1"/>
+            </a:effectRef>
+            <a:fontRef idx="minor">
+              <a:schemeClr val="lt1"/>
+            </a:fontRef>
+          </p:style>
+          <p:txBody>
+            <a:bodyPr rtlCol="0" anchor="t"/>
+            <a:lstStyle/>
+            <a:p>
+              <a:pPr algn="ctr"/>
+              <a:endParaRPr lang="en-US" sz="1200" dirty="0"/>
+            </a:p>
+          </p:txBody>
+        </p:sp>
+        <p:sp>
+          <p:nvSpPr>
+            <p:cNvPr id="4" name="Oval 3"/>
+            <p:cNvSpPr/>
+            <p:nvPr/>
+          </p:nvSpPr>
+          <p:spPr>
+            <a:xfrm>
+              <a:off x="6477639" y="2449285"/>
+              <a:ext cx="1864659" cy="1766047"/>
+            </a:xfrm>
+            <a:prstGeom prst="ellipse">
+              <a:avLst/>
+            </a:prstGeom>
+            <a:solidFill>
+              <a:schemeClr val="accent4">
+                <a:lumMod val="40000"/>
+                <a:lumOff val="60000"/>
+              </a:schemeClr>
+            </a:solidFill>
+          </p:spPr>
+          <p:style>
+            <a:lnRef idx="0">
+              <a:schemeClr val="accent1"/>
+            </a:lnRef>
+            <a:fillRef idx="3">
+              <a:schemeClr val="accent1"/>
+            </a:fillRef>
+            <a:effectRef idx="3">
+              <a:schemeClr val="accent1"/>
+            </a:effectRef>
+            <a:fontRef idx="minor">
+              <a:schemeClr val="lt1"/>
+            </a:fontRef>
+          </p:style>
+          <p:txBody>
+            <a:bodyPr rtlCol="0" anchor="t"/>
+            <a:lstStyle/>
+            <a:p>
+              <a:pPr algn="ctr"/>
+              <a:endParaRPr lang="en-US" sz="1200" dirty="0"/>
+            </a:p>
+          </p:txBody>
+        </p:sp>
+        <p:sp>
+          <p:nvSpPr>
+            <p:cNvPr id="3" name="Oval 2"/>
+            <p:cNvSpPr/>
+            <p:nvPr/>
+          </p:nvSpPr>
+          <p:spPr>
+            <a:xfrm>
+              <a:off x="6898981" y="2843733"/>
+              <a:ext cx="1013012" cy="959224"/>
+            </a:xfrm>
+            <a:prstGeom prst="ellipse">
+              <a:avLst/>
+            </a:prstGeom>
+            <a:solidFill>
+              <a:schemeClr val="accent6">
+                <a:lumMod val="60000"/>
+                <a:lumOff val="40000"/>
+              </a:schemeClr>
+            </a:solidFill>
+          </p:spPr>
+          <p:style>
+            <a:lnRef idx="0">
+              <a:schemeClr val="accent1"/>
+            </a:lnRef>
+            <a:fillRef idx="3">
+              <a:schemeClr val="accent1"/>
+            </a:fillRef>
+            <a:effectRef idx="3">
+              <a:schemeClr val="accent1"/>
+            </a:effectRef>
+            <a:fontRef idx="minor">
+              <a:schemeClr val="lt1"/>
+            </a:fontRef>
+          </p:style>
+          <p:txBody>
+            <a:bodyPr rtlCol="0" anchor="ctr"/>
+            <a:lstStyle/>
+            <a:p>
+              <a:pPr algn="ctr"/>
+              <a:r>
+                <a:rPr lang="en-US" sz="1200" dirty="0" smtClean="0">
+                  <a:solidFill>
+                    <a:schemeClr val="tx1"/>
+                  </a:solidFill>
+                </a:rPr>
+                <a:t>Domain</a:t>
+              </a:r>
+              <a:endParaRPr lang="en-US" sz="1200" dirty="0">
+                <a:solidFill>
+                  <a:schemeClr val="tx1"/>
+                </a:solidFill>
+              </a:endParaRPr>
+            </a:p>
+          </p:txBody>
+        </p:sp>
+        <p:sp>
+          <p:nvSpPr>
+            <p:cNvPr id="5" name="Rounded Rectangle 4"/>
+            <p:cNvSpPr/>
+            <p:nvPr/>
+          </p:nvSpPr>
+          <p:spPr>
+            <a:xfrm>
+              <a:off x="9830439" y="3085780"/>
+              <a:ext cx="1219200" cy="475129"/>
+            </a:xfrm>
+            <a:prstGeom prst="roundRect">
+              <a:avLst/>
+            </a:prstGeom>
+          </p:spPr>
+          <p:style>
+            <a:lnRef idx="0">
+              <a:schemeClr val="accent1"/>
+            </a:lnRef>
+            <a:fillRef idx="3">
+              <a:schemeClr val="accent1"/>
+            </a:fillRef>
+            <a:effectRef idx="3">
+              <a:schemeClr val="accent1"/>
+            </a:effectRef>
+            <a:fontRef idx="minor">
+              <a:schemeClr val="lt1"/>
+            </a:fontRef>
+          </p:style>
+          <p:txBody>
+            <a:bodyPr rtlCol="0" anchor="ctr"/>
+            <a:lstStyle/>
+            <a:p>
+              <a:pPr algn="ctr"/>
+              <a:r>
+                <a:rPr lang="en-US" sz="1200" dirty="0" smtClean="0"/>
+                <a:t>Persistence</a:t>
+              </a:r>
+              <a:endParaRPr lang="en-US" sz="1200" dirty="0"/>
+            </a:p>
+          </p:txBody>
+        </p:sp>
+        <p:sp>
+          <p:nvSpPr>
+            <p:cNvPr id="7" name="TextBox 6"/>
+            <p:cNvSpPr txBox="1"/>
+            <p:nvPr/>
+          </p:nvSpPr>
+          <p:spPr>
+            <a:xfrm>
+              <a:off x="6978166" y="2508010"/>
+              <a:ext cx="890500" cy="276999"/>
+            </a:xfrm>
+            <a:prstGeom prst="rect">
+              <a:avLst/>
+            </a:prstGeom>
+            <a:noFill/>
+          </p:spPr>
+          <p:txBody>
+            <a:bodyPr wrap="none" rtlCol="0">
+              <a:spAutoFit/>
+            </a:bodyPr>
+            <a:lstStyle/>
+            <a:p>
+              <a:r>
+                <a:rPr lang="en-US" sz="1200" dirty="0" smtClean="0"/>
+                <a:t>Application</a:t>
+              </a:r>
+              <a:endParaRPr lang="en-US" sz="1200" dirty="0"/>
+            </a:p>
+          </p:txBody>
+        </p:sp>
+        <p:sp>
+          <p:nvSpPr>
+            <p:cNvPr id="9" name="TextBox 8"/>
+            <p:cNvSpPr txBox="1"/>
+            <p:nvPr/>
+          </p:nvSpPr>
+          <p:spPr>
+            <a:xfrm>
+              <a:off x="7208959" y="2073673"/>
+              <a:ext cx="393056" cy="276999"/>
+            </a:xfrm>
+            <a:prstGeom prst="rect">
+              <a:avLst/>
+            </a:prstGeom>
+            <a:noFill/>
+          </p:spPr>
+          <p:txBody>
+            <a:bodyPr wrap="none" rtlCol="0">
+              <a:spAutoFit/>
+            </a:bodyPr>
+            <a:lstStyle/>
+            <a:p>
+              <a:r>
+                <a:rPr lang="en-US" sz="1200" dirty="0" smtClean="0">
+                  <a:solidFill>
+                    <a:schemeClr val="bg1"/>
+                  </a:solidFill>
+                </a:rPr>
+                <a:t>API</a:t>
+              </a:r>
+              <a:endParaRPr lang="en-US" sz="1200" dirty="0">
+                <a:solidFill>
+                  <a:schemeClr val="bg1"/>
+                </a:solidFill>
+              </a:endParaRPr>
+            </a:p>
+          </p:txBody>
+        </p:sp>
+        <p:sp>
+          <p:nvSpPr>
+            <p:cNvPr id="8" name="Down Arrow 7"/>
+            <p:cNvSpPr/>
+            <p:nvPr/>
+          </p:nvSpPr>
+          <p:spPr>
+            <a:xfrm>
+              <a:off x="7330780" y="2758115"/>
+              <a:ext cx="149414" cy="182880"/>
+            </a:xfrm>
+            <a:prstGeom prst="downArrow">
+              <a:avLst/>
+            </a:prstGeom>
+            <a:solidFill>
+              <a:srgbClr val="FFC000"/>
+            </a:solidFill>
+            <a:effectLst>
+              <a:outerShdw blurRad="50800" dist="38100" dir="2700000" algn="tl" rotWithShape="0">
+                <a:prstClr val="black">
+                  <a:alpha val="40000"/>
+                </a:prstClr>
+              </a:outerShdw>
+            </a:effectLst>
+          </p:spPr>
+          <p:style>
+            <a:lnRef idx="2">
+              <a:schemeClr val="accent1">
+                <a:shade val="50000"/>
+              </a:schemeClr>
+            </a:lnRef>
+            <a:fillRef idx="1">
+              <a:schemeClr val="accent1"/>
+            </a:fillRef>
+            <a:effectRef idx="0">
+              <a:schemeClr val="accent1"/>
+            </a:effectRef>
+            <a:fontRef idx="minor">
+              <a:schemeClr val="lt1"/>
+            </a:fontRef>
+          </p:style>
+          <p:txBody>
+            <a:bodyPr rtlCol="0" anchor="ctr"/>
+            <a:lstStyle/>
+            <a:p>
+              <a:pPr algn="ctr"/>
+              <a:endParaRPr lang="en-US"/>
+            </a:p>
+          </p:txBody>
+        </p:sp>
+        <p:sp>
+          <p:nvSpPr>
+            <p:cNvPr id="11" name="Down Arrow 10"/>
+            <p:cNvSpPr/>
+            <p:nvPr/>
+          </p:nvSpPr>
+          <p:spPr>
+            <a:xfrm>
+              <a:off x="7330780" y="2323555"/>
+              <a:ext cx="149414" cy="182880"/>
+            </a:xfrm>
+            <a:prstGeom prst="downArrow">
+              <a:avLst/>
+            </a:prstGeom>
+            <a:solidFill>
+              <a:srgbClr val="FFC000"/>
+            </a:solidFill>
+            <a:effectLst>
+              <a:outerShdw blurRad="50800" dist="38100" dir="2700000" algn="tl" rotWithShape="0">
+                <a:prstClr val="black">
+                  <a:alpha val="40000"/>
+                </a:prstClr>
+              </a:outerShdw>
+            </a:effectLst>
+          </p:spPr>
+          <p:style>
+            <a:lnRef idx="2">
+              <a:schemeClr val="accent1">
+                <a:shade val="50000"/>
+              </a:schemeClr>
+            </a:lnRef>
+            <a:fillRef idx="1">
+              <a:schemeClr val="accent1"/>
+            </a:fillRef>
+            <a:effectRef idx="0">
+              <a:schemeClr val="accent1"/>
+            </a:effectRef>
+            <a:fontRef idx="minor">
+              <a:schemeClr val="lt1"/>
+            </a:fontRef>
+          </p:style>
+          <p:txBody>
+            <a:bodyPr rtlCol="0" anchor="ctr"/>
+            <a:lstStyle/>
+            <a:p>
+              <a:pPr algn="ctr"/>
+              <a:endParaRPr lang="en-US"/>
+            </a:p>
+          </p:txBody>
+        </p:sp>
+        <p:sp>
+          <p:nvSpPr>
+            <p:cNvPr id="12" name="Left Arrow 11"/>
+            <p:cNvSpPr/>
+            <p:nvPr/>
+          </p:nvSpPr>
+          <p:spPr>
+            <a:xfrm>
+              <a:off x="7777522" y="3157498"/>
+              <a:ext cx="1927412" cy="182880"/>
+            </a:xfrm>
+            <a:prstGeom prst="leftArrow">
+              <a:avLst/>
+            </a:prstGeom>
+            <a:solidFill>
+              <a:srgbClr val="FFC000"/>
+            </a:solidFill>
+            <a:effectLst>
+              <a:outerShdw blurRad="50800" dist="38100" dir="2700000" algn="tl" rotWithShape="0">
+                <a:prstClr val="black">
+                  <a:alpha val="40000"/>
+                </a:prstClr>
+              </a:outerShdw>
+            </a:effectLst>
+          </p:spPr>
+          <p:style>
+            <a:lnRef idx="2">
+              <a:schemeClr val="accent1">
+                <a:shade val="50000"/>
+              </a:schemeClr>
+            </a:lnRef>
+            <a:fillRef idx="1">
+              <a:schemeClr val="accent1"/>
+            </a:fillRef>
+            <a:effectRef idx="0">
+              <a:schemeClr val="accent1"/>
+            </a:effectRef>
+            <a:fontRef idx="minor">
+              <a:schemeClr val="lt1"/>
+            </a:fontRef>
+          </p:style>
+          <p:txBody>
+            <a:bodyPr rtlCol="0" anchor="ctr"/>
+            <a:lstStyle/>
+            <a:p>
+              <a:pPr algn="ctr"/>
+              <a:endParaRPr lang="en-US"/>
+            </a:p>
+          </p:txBody>
+        </p:sp>
+        <p:sp>
+          <p:nvSpPr>
+            <p:cNvPr id="13" name="Right Arrow 12"/>
+            <p:cNvSpPr/>
+            <p:nvPr/>
+          </p:nvSpPr>
+          <p:spPr>
+            <a:xfrm>
+              <a:off x="8118181" y="3392820"/>
+              <a:ext cx="1586753" cy="182880"/>
+            </a:xfrm>
+            <a:prstGeom prst="rightArrow">
+              <a:avLst/>
+            </a:prstGeom>
+            <a:solidFill>
+              <a:srgbClr val="FFC000"/>
+            </a:solidFill>
+            <a:effectLst>
+              <a:outerShdw blurRad="50800" dist="38100" dir="2700000" algn="tl" rotWithShape="0">
+                <a:prstClr val="black">
+                  <a:alpha val="40000"/>
+                </a:prstClr>
+              </a:outerShdw>
+            </a:effectLst>
+          </p:spPr>
+          <p:style>
+            <a:lnRef idx="2">
+              <a:schemeClr val="accent1">
+                <a:shade val="50000"/>
+              </a:schemeClr>
+            </a:lnRef>
+            <a:fillRef idx="1">
+              <a:schemeClr val="accent1"/>
+            </a:fillRef>
+            <a:effectRef idx="0">
+              <a:schemeClr val="accent1"/>
+            </a:effectRef>
+            <a:fontRef idx="minor">
+              <a:schemeClr val="lt1"/>
+            </a:fontRef>
+          </p:style>
+          <p:txBody>
+            <a:bodyPr rtlCol="0" anchor="ctr"/>
+            <a:lstStyle/>
+            <a:p>
+              <a:pPr algn="ctr"/>
+              <a:endParaRPr lang="en-US"/>
+            </a:p>
+          </p:txBody>
+        </p:sp>
+      </p:grpSp>
+      <p:sp>
+        <p:nvSpPr>
+          <p:cNvPr id="14" name="TextBox 13"/>
+          <p:cNvSpPr txBox="1"/>
+          <p:nvPr/>
+        </p:nvSpPr>
+        <p:spPr>
+          <a:xfrm>
+            <a:off x="555171" y="1230086"/>
+            <a:ext cx="5817455" cy="2492990"/>
+          </a:xfrm>
+          <a:prstGeom prst="rect">
+            <a:avLst/>
+          </a:prstGeom>
+          <a:noFill/>
+        </p:spPr>
+        <p:txBody>
+          <a:bodyPr wrap="square" rtlCol="0">
+            <a:spAutoFit/>
+          </a:bodyPr>
+          <a:lstStyle/>
+          <a:p>
+            <a:r>
+              <a:rPr lang="en-US" sz="1600" b="1" dirty="0" smtClean="0"/>
+              <a:t>Clean architecture layers (Onion view)</a:t>
+            </a:r>
+          </a:p>
+          <a:p>
+            <a:r>
+              <a:rPr lang="en-US" sz="1400" dirty="0"/>
+              <a:t>Clean architecture puts the business logic and application model at the center of the application</a:t>
+            </a:r>
+            <a:r>
+              <a:rPr lang="en-US" sz="1400" dirty="0" smtClean="0"/>
+              <a:t>.</a:t>
+            </a:r>
+          </a:p>
+          <a:p>
+            <a:endParaRPr lang="en-US" sz="1400" dirty="0" smtClean="0"/>
+          </a:p>
+          <a:p>
+            <a:pPr marL="285750" indent="-285750">
+              <a:buFont typeface="Arial" panose="020B0604020202020204" pitchFamily="34" charset="0"/>
+              <a:buChar char="•"/>
+            </a:pPr>
+            <a:r>
+              <a:rPr lang="en-US" sz="1400" dirty="0" smtClean="0"/>
+              <a:t>Domain centric (domain entities), it has no dependencies</a:t>
+            </a:r>
+          </a:p>
+          <a:p>
+            <a:pPr marL="285750" indent="-285750">
+              <a:buFont typeface="Arial" panose="020B0604020202020204" pitchFamily="34" charset="0"/>
+              <a:buChar char="•"/>
+            </a:pPr>
+            <a:r>
+              <a:rPr lang="en-US" sz="1400" dirty="0" smtClean="0"/>
+              <a:t>Application layer sits above the Domain layer. This layer contains all the business logic and it will have dependency on the Domain and Persistence</a:t>
+            </a:r>
+          </a:p>
+          <a:p>
+            <a:pPr marL="285750" indent="-285750">
+              <a:buFont typeface="Arial" panose="020B0604020202020204" pitchFamily="34" charset="0"/>
+              <a:buChar char="•"/>
+            </a:pPr>
+            <a:r>
+              <a:rPr lang="en-US" sz="1400" dirty="0" smtClean="0"/>
+              <a:t>API layer sits above the Application layer.</a:t>
+            </a:r>
+            <a:endParaRPr lang="en-US" sz="1400" dirty="0"/>
+          </a:p>
+          <a:p>
+            <a:pPr marL="285750" indent="-285750">
+              <a:buFont typeface="Arial" panose="020B0604020202020204" pitchFamily="34" charset="0"/>
+              <a:buChar char="•"/>
+            </a:pPr>
+            <a:r>
+              <a:rPr lang="en-US" sz="1400" dirty="0" smtClean="0"/>
+              <a:t>Persistence layer, will have dependency on the Domain (access to the entities)</a:t>
+            </a:r>
+          </a:p>
+          <a:p>
+            <a:pPr marL="285750" indent="-285750">
+              <a:buFont typeface="Arial" panose="020B0604020202020204" pitchFamily="34" charset="0"/>
+              <a:buChar char="•"/>
+            </a:pPr>
+            <a:endParaRPr lang="en-US" sz="1400" dirty="0"/>
+          </a:p>
+        </p:txBody>
+      </p:sp>
+    </p:spTree>
+    <p:extLst>
+      <p:ext uri="{BB962C8B-B14F-4D97-AF65-F5344CB8AC3E}">
+        <p14:creationId xmlns:p14="http://schemas.microsoft.com/office/powerpoint/2010/main" val="4119689304"/>
+      </p:ext>
+    </p:extLst>
+  </p:cSld>
+  <p:clrMapOvr>
+    <a:masterClrMapping/>
+  </p:clrMapOvr>
+  <p:timing>
+    <p:tnLst>
+      <p:par>
+        <p:cTn id="1" dur="indefinite" restart="never" nodeType="tmRoot"/>
+      </p:par>
+    </p:tnLst>
+  </p:timing>
+</p:sld>
+</file>
+
+<file path=ppt/slides/slide5.xml><?xml version="1.0" encoding="utf-8"?>
+<p:sld xmlns:a="http://schemas.openxmlformats.org/drawingml/2006/main" xmlns:r="http://schemas.openxmlformats.org/officeDocument/2006/relationships" xmlns:p="http://schemas.openxmlformats.org/presentationml/2006/main">
+  <p:cSld>
+    <p:spTree>
+      <p:nvGrpSpPr>
+        <p:cNvPr id="1" name=""/>
+        <p:cNvGrpSpPr/>
+        <p:nvPr/>
+      </p:nvGrpSpPr>
+      <p:grpSpPr>
+        <a:xfrm>
+          <a:off x="0" y="0"/>
+          <a:ext cx="0" cy="0"/>
+          <a:chOff x="0" y="0"/>
+          <a:chExt cx="0" cy="0"/>
+        </a:xfrm>
+      </p:grpSpPr>
+      <p:sp>
+        <p:nvSpPr>
+          <p:cNvPr id="109" name="Title 1">
+            <a:extLst>
+              <a:ext uri="{FF2B5EF4-FFF2-40B4-BE49-F238E27FC236}">
+                <a16:creationId xmlns:a16="http://schemas.microsoft.com/office/drawing/2014/main" id="{78C07964-174A-4A54-84D3-E88913B49D0E}"/>
+              </a:ext>
+            </a:extLst>
+          </p:cNvPr>
+          <p:cNvSpPr txBox="1">
+            <a:spLocks/>
+          </p:cNvSpPr>
+          <p:nvPr/>
+        </p:nvSpPr>
+        <p:spPr>
+          <a:xfrm>
+            <a:off x="555171" y="-4998"/>
+            <a:ext cx="11070772" cy="1039142"/>
+          </a:xfrm>
+          <a:prstGeom prst="rect">
+            <a:avLst/>
+          </a:prstGeom>
+        </p:spPr>
+        <p:txBody>
+          <a:bodyPr anchor="ctr"/>
+          <a:lstStyle>
+            <a:lvl1pPr algn="l" defTabSz="914400" rtl="0" eaLnBrk="1" latinLnBrk="0" hangingPunct="1">
+              <a:lnSpc>
+                <a:spcPct val="90000"/>
+              </a:lnSpc>
+              <a:spcBef>
+                <a:spcPct val="0"/>
+              </a:spcBef>
+              <a:buNone/>
+              <a:defRPr sz="4400" kern="1200">
+                <a:solidFill>
+                  <a:schemeClr val="tx1"/>
+                </a:solidFill>
+                <a:latin typeface="+mj-lt"/>
+                <a:ea typeface="+mj-ea"/>
+                <a:cs typeface="+mj-cs"/>
+              </a:defRPr>
+            </a:lvl1pPr>
+          </a:lstStyle>
+          <a:p>
+            <a:r>
+              <a:rPr lang="en-US" sz="3600" dirty="0" smtClean="0"/>
+              <a:t>Application projects</a:t>
+            </a:r>
+            <a:endParaRPr lang="en-US" sz="3600" dirty="0"/>
+          </a:p>
+        </p:txBody>
+      </p:sp>
+      <p:sp>
+        <p:nvSpPr>
+          <p:cNvPr id="14" name="TextBox 13"/>
+          <p:cNvSpPr txBox="1"/>
+          <p:nvPr/>
+        </p:nvSpPr>
+        <p:spPr>
+          <a:xfrm>
+            <a:off x="555171" y="1230086"/>
+            <a:ext cx="5535065" cy="369332"/>
+          </a:xfrm>
+          <a:prstGeom prst="rect">
+            <a:avLst/>
+          </a:prstGeom>
+          <a:noFill/>
+        </p:spPr>
+        <p:txBody>
+          <a:bodyPr wrap="square" rtlCol="0">
+            <a:spAutoFit/>
+          </a:bodyPr>
+          <a:lstStyle/>
+          <a:p>
+            <a:r>
+              <a:rPr lang="en-US" dirty="0"/>
+              <a:t>&gt;</a:t>
+            </a:r>
+          </a:p>
+        </p:txBody>
+      </p:sp>
+      <p:grpSp>
+        <p:nvGrpSpPr>
+          <p:cNvPr id="33" name="Group 32"/>
+          <p:cNvGrpSpPr/>
+          <p:nvPr/>
+        </p:nvGrpSpPr>
+        <p:grpSpPr>
+          <a:xfrm>
+            <a:off x="6882652" y="1230086"/>
+            <a:ext cx="4613301" cy="4111405"/>
+            <a:chOff x="6882652" y="1230086"/>
+            <a:chExt cx="4613301" cy="4111405"/>
+          </a:xfrm>
+        </p:grpSpPr>
+        <p:sp>
+          <p:nvSpPr>
+            <p:cNvPr id="16" name="Rounded Rectangle 15"/>
+            <p:cNvSpPr/>
+            <p:nvPr/>
+          </p:nvSpPr>
+          <p:spPr>
+            <a:xfrm>
+              <a:off x="9982839" y="2140519"/>
+              <a:ext cx="1219200" cy="475129"/>
+            </a:xfrm>
+            <a:prstGeom prst="roundRect">
+              <a:avLst/>
+            </a:prstGeom>
+            <a:solidFill>
+              <a:schemeClr val="accent5">
+                <a:lumMod val="50000"/>
+              </a:schemeClr>
+            </a:solidFill>
+          </p:spPr>
+          <p:style>
+            <a:lnRef idx="0">
+              <a:schemeClr val="accent1"/>
+            </a:lnRef>
+            <a:fillRef idx="3">
+              <a:schemeClr val="accent1"/>
+            </a:fillRef>
+            <a:effectRef idx="3">
+              <a:schemeClr val="accent1"/>
+            </a:effectRef>
+            <a:fontRef idx="minor">
+              <a:schemeClr val="lt1"/>
+            </a:fontRef>
+          </p:style>
+          <p:txBody>
+            <a:bodyPr rtlCol="0" anchor="ctr"/>
+            <a:lstStyle/>
+            <a:p>
+              <a:pPr algn="ctr"/>
+              <a:r>
+                <a:rPr lang="en-US" sz="1200" dirty="0" smtClean="0">
+                  <a:solidFill>
+                    <a:schemeClr val="bg1"/>
+                  </a:solidFill>
+                </a:rPr>
+                <a:t>API</a:t>
+              </a:r>
+              <a:endParaRPr lang="en-US" sz="1200" dirty="0">
+                <a:solidFill>
+                  <a:schemeClr val="bg1"/>
+                </a:solidFill>
+              </a:endParaRPr>
+            </a:p>
+          </p:txBody>
+        </p:sp>
+        <p:sp>
+          <p:nvSpPr>
+            <p:cNvPr id="17" name="Rounded Rectangle 16"/>
+            <p:cNvSpPr/>
+            <p:nvPr/>
+          </p:nvSpPr>
+          <p:spPr>
+            <a:xfrm>
+              <a:off x="9982839" y="2956948"/>
+              <a:ext cx="1219200" cy="475129"/>
+            </a:xfrm>
+            <a:prstGeom prst="roundRect">
+              <a:avLst/>
+            </a:prstGeom>
+            <a:solidFill>
+              <a:schemeClr val="accent5">
+                <a:lumMod val="50000"/>
+              </a:schemeClr>
+            </a:solidFill>
+          </p:spPr>
+          <p:style>
+            <a:lnRef idx="0">
+              <a:schemeClr val="accent1"/>
+            </a:lnRef>
+            <a:fillRef idx="3">
+              <a:schemeClr val="accent1"/>
+            </a:fillRef>
+            <a:effectRef idx="3">
+              <a:schemeClr val="accent1"/>
+            </a:effectRef>
+            <a:fontRef idx="minor">
+              <a:schemeClr val="lt1"/>
+            </a:fontRef>
+          </p:style>
+          <p:txBody>
+            <a:bodyPr rtlCol="0" anchor="ctr"/>
+            <a:lstStyle/>
+            <a:p>
+              <a:pPr algn="ctr"/>
+              <a:r>
+                <a:rPr lang="en-US" sz="1200" dirty="0" smtClean="0">
+                  <a:solidFill>
+                    <a:schemeClr val="bg1"/>
+                  </a:solidFill>
+                </a:rPr>
+                <a:t>Application</a:t>
+              </a:r>
+              <a:endParaRPr lang="en-US" sz="1200" dirty="0">
+                <a:solidFill>
+                  <a:schemeClr val="bg1"/>
+                </a:solidFill>
+              </a:endParaRPr>
+            </a:p>
+          </p:txBody>
+        </p:sp>
+        <p:sp>
+          <p:nvSpPr>
+            <p:cNvPr id="18" name="Rounded Rectangle 17"/>
+            <p:cNvSpPr/>
+            <p:nvPr/>
+          </p:nvSpPr>
+          <p:spPr>
+            <a:xfrm>
+              <a:off x="9982839" y="3773377"/>
+              <a:ext cx="1219200" cy="475129"/>
+            </a:xfrm>
+            <a:prstGeom prst="roundRect">
+              <a:avLst/>
+            </a:prstGeom>
+            <a:solidFill>
+              <a:schemeClr val="accent5">
+                <a:lumMod val="50000"/>
+              </a:schemeClr>
+            </a:solidFill>
+          </p:spPr>
+          <p:style>
+            <a:lnRef idx="0">
+              <a:schemeClr val="accent1"/>
+            </a:lnRef>
+            <a:fillRef idx="3">
+              <a:schemeClr val="accent1"/>
+            </a:fillRef>
+            <a:effectRef idx="3">
+              <a:schemeClr val="accent1"/>
+            </a:effectRef>
+            <a:fontRef idx="minor">
+              <a:schemeClr val="lt1"/>
+            </a:fontRef>
+          </p:style>
+          <p:txBody>
+            <a:bodyPr rtlCol="0" anchor="ctr"/>
+            <a:lstStyle/>
+            <a:p>
+              <a:pPr algn="ctr"/>
+              <a:r>
+                <a:rPr lang="en-US" sz="1200" dirty="0" smtClean="0">
+                  <a:solidFill>
+                    <a:schemeClr val="bg1"/>
+                  </a:solidFill>
+                </a:rPr>
+                <a:t>Domain</a:t>
+              </a:r>
+              <a:endParaRPr lang="en-US" sz="1200" dirty="0">
+                <a:solidFill>
+                  <a:schemeClr val="bg1"/>
+                </a:solidFill>
+              </a:endParaRPr>
+            </a:p>
+          </p:txBody>
+        </p:sp>
+        <p:sp>
+          <p:nvSpPr>
+            <p:cNvPr id="19" name="Rounded Rectangle 18"/>
+            <p:cNvSpPr/>
+            <p:nvPr/>
+          </p:nvSpPr>
+          <p:spPr>
+            <a:xfrm>
+              <a:off x="8056067" y="3789048"/>
+              <a:ext cx="1219200" cy="475129"/>
+            </a:xfrm>
+            <a:prstGeom prst="roundRect">
+              <a:avLst/>
+            </a:prstGeom>
+            <a:solidFill>
+              <a:schemeClr val="accent5">
+                <a:lumMod val="50000"/>
+              </a:schemeClr>
+            </a:solidFill>
+          </p:spPr>
+          <p:style>
+            <a:lnRef idx="0">
+              <a:schemeClr val="accent1"/>
+            </a:lnRef>
+            <a:fillRef idx="3">
+              <a:schemeClr val="accent1"/>
+            </a:fillRef>
+            <a:effectRef idx="3">
+              <a:schemeClr val="accent1"/>
+            </a:effectRef>
+            <a:fontRef idx="minor">
+              <a:schemeClr val="lt1"/>
+            </a:fontRef>
+          </p:style>
+          <p:txBody>
+            <a:bodyPr rtlCol="0" anchor="ctr"/>
+            <a:lstStyle/>
+            <a:p>
+              <a:pPr algn="ctr"/>
+              <a:r>
+                <a:rPr lang="en-US" sz="1200" dirty="0" err="1" smtClean="0">
+                  <a:solidFill>
+                    <a:schemeClr val="bg1"/>
+                  </a:solidFill>
+                </a:rPr>
+                <a:t>Perrsistence</a:t>
+              </a:r>
+              <a:endParaRPr lang="en-US" sz="1200" dirty="0">
+                <a:solidFill>
+                  <a:schemeClr val="bg1"/>
+                </a:solidFill>
+              </a:endParaRPr>
+            </a:p>
+          </p:txBody>
+        </p:sp>
+        <p:cxnSp>
+          <p:nvCxnSpPr>
+            <p:cNvPr id="24" name="Straight Arrow Connector 23"/>
+            <p:cNvCxnSpPr>
+              <a:stCxn id="16" idx="2"/>
+              <a:endCxn id="17" idx="0"/>
+            </p:cNvCxnSpPr>
+            <p:nvPr/>
+          </p:nvCxnSpPr>
+          <p:spPr>
+            <a:xfrm>
+              <a:off x="10592439" y="2615648"/>
+              <a:ext cx="0" cy="341300"/>
+            </a:xfrm>
+            <a:prstGeom prst="straightConnector1">
+              <a:avLst/>
+            </a:prstGeom>
+            <a:ln w="41275">
+              <a:solidFill>
+                <a:srgbClr val="7030A0"/>
+              </a:solidFill>
+              <a:tailEnd type="triangle"/>
+            </a:ln>
+          </p:spPr>
+          <p:style>
+            <a:lnRef idx="1">
+              <a:schemeClr val="accent1"/>
+            </a:lnRef>
+            <a:fillRef idx="0">
+              <a:schemeClr val="accent1"/>
+            </a:fillRef>
+            <a:effectRef idx="0">
+              <a:schemeClr val="accent1"/>
+            </a:effectRef>
+            <a:fontRef idx="minor">
+              <a:schemeClr val="tx1"/>
+            </a:fontRef>
+          </p:style>
+        </p:cxnSp>
+        <p:cxnSp>
+          <p:nvCxnSpPr>
+            <p:cNvPr id="26" name="Straight Arrow Connector 25"/>
+            <p:cNvCxnSpPr>
+              <a:stCxn id="17" idx="2"/>
+              <a:endCxn id="18" idx="0"/>
+            </p:cNvCxnSpPr>
+            <p:nvPr/>
+          </p:nvCxnSpPr>
+          <p:spPr>
+            <a:xfrm>
+              <a:off x="10592439" y="3432077"/>
+              <a:ext cx="0" cy="341300"/>
+            </a:xfrm>
+            <a:prstGeom prst="straightConnector1">
+              <a:avLst/>
+            </a:prstGeom>
+            <a:ln w="41275">
+              <a:solidFill>
+                <a:srgbClr val="7030A0"/>
+              </a:solidFill>
+              <a:tailEnd type="triangle"/>
+            </a:ln>
+          </p:spPr>
+          <p:style>
+            <a:lnRef idx="1">
+              <a:schemeClr val="accent1"/>
+            </a:lnRef>
+            <a:fillRef idx="0">
+              <a:schemeClr val="accent1"/>
+            </a:fillRef>
+            <a:effectRef idx="0">
+              <a:schemeClr val="accent1"/>
+            </a:effectRef>
+            <a:fontRef idx="minor">
+              <a:schemeClr val="tx1"/>
+            </a:fontRef>
+          </p:style>
+        </p:cxnSp>
+        <p:cxnSp>
+          <p:nvCxnSpPr>
+            <p:cNvPr id="28" name="Straight Arrow Connector 27"/>
+            <p:cNvCxnSpPr>
+              <a:stCxn id="19" idx="3"/>
+              <a:endCxn id="18" idx="1"/>
+            </p:cNvCxnSpPr>
+            <p:nvPr/>
+          </p:nvCxnSpPr>
+          <p:spPr>
+            <a:xfrm flipV="1">
+              <a:off x="9275267" y="4010942"/>
+              <a:ext cx="707572" cy="15671"/>
+            </a:xfrm>
+            <a:prstGeom prst="straightConnector1">
+              <a:avLst/>
+            </a:prstGeom>
+            <a:ln w="41275">
+              <a:solidFill>
+                <a:srgbClr val="7030A0"/>
+              </a:solidFill>
+              <a:tailEnd type="triangle"/>
+            </a:ln>
+          </p:spPr>
+          <p:style>
+            <a:lnRef idx="1">
+              <a:schemeClr val="accent1"/>
+            </a:lnRef>
+            <a:fillRef idx="0">
+              <a:schemeClr val="accent1"/>
+            </a:fillRef>
+            <a:effectRef idx="0">
+              <a:schemeClr val="accent1"/>
+            </a:effectRef>
+            <a:fontRef idx="minor">
+              <a:schemeClr val="tx1"/>
+            </a:fontRef>
+          </p:style>
+        </p:cxnSp>
+        <p:cxnSp>
+          <p:nvCxnSpPr>
+            <p:cNvPr id="30" name="Straight Arrow Connector 29"/>
+            <p:cNvCxnSpPr>
+              <a:stCxn id="17" idx="1"/>
+              <a:endCxn id="19" idx="0"/>
+            </p:cNvCxnSpPr>
+            <p:nvPr/>
+          </p:nvCxnSpPr>
+          <p:spPr>
+            <a:xfrm flipH="1">
+              <a:off x="8665667" y="3194513"/>
+              <a:ext cx="1317172" cy="594535"/>
+            </a:xfrm>
+            <a:prstGeom prst="straightConnector1">
+              <a:avLst/>
+            </a:prstGeom>
+            <a:ln w="41275">
+              <a:solidFill>
+                <a:srgbClr val="7030A0"/>
+              </a:solidFill>
+              <a:tailEnd type="triangle"/>
+            </a:ln>
+          </p:spPr>
+          <p:style>
+            <a:lnRef idx="1">
+              <a:schemeClr val="accent1"/>
+            </a:lnRef>
+            <a:fillRef idx="0">
+              <a:schemeClr val="accent1"/>
+            </a:fillRef>
+            <a:effectRef idx="0">
+              <a:schemeClr val="accent1"/>
+            </a:effectRef>
+            <a:fontRef idx="minor">
+              <a:schemeClr val="tx1"/>
+            </a:fontRef>
+          </p:style>
+        </p:cxnSp>
+        <p:sp>
+          <p:nvSpPr>
+            <p:cNvPr id="32" name="Rounded Rectangular Callout 31"/>
+            <p:cNvSpPr/>
+            <p:nvPr/>
+          </p:nvSpPr>
+          <p:spPr>
+            <a:xfrm>
+              <a:off x="8349343" y="1230086"/>
+              <a:ext cx="1513114" cy="555172"/>
+            </a:xfrm>
+            <a:prstGeom prst="wedgeRoundRectCallout">
+              <a:avLst>
+                <a:gd name="adj1" fmla="val 55710"/>
+                <a:gd name="adj2" fmla="val 121324"/>
+                <a:gd name="adj3" fmla="val 16667"/>
+              </a:avLst>
+            </a:prstGeom>
+            <a:solidFill>
+              <a:schemeClr val="accent4">
+                <a:lumMod val="20000"/>
+                <a:lumOff val="80000"/>
+              </a:schemeClr>
+            </a:solidFill>
+          </p:spPr>
+          <p:style>
+            <a:lnRef idx="2">
+              <a:schemeClr val="accent1">
+                <a:shade val="50000"/>
+              </a:schemeClr>
+            </a:lnRef>
+            <a:fillRef idx="1">
+              <a:schemeClr val="accent1"/>
+            </a:fillRef>
+            <a:effectRef idx="0">
+              <a:schemeClr val="accent1"/>
+            </a:effectRef>
+            <a:fontRef idx="minor">
+              <a:schemeClr val="lt1"/>
+            </a:fontRef>
+          </p:style>
+          <p:txBody>
+            <a:bodyPr rtlCol="0" anchor="ctr"/>
+            <a:lstStyle/>
+            <a:p>
+              <a:pPr algn="ctr"/>
+              <a:r>
+                <a:rPr lang="en-US" sz="1000" dirty="0" smtClean="0">
+                  <a:solidFill>
+                    <a:schemeClr val="tx1"/>
+                  </a:solidFill>
+                </a:rPr>
+                <a:t>I receive HTTP requests and respond to them.</a:t>
+              </a:r>
+              <a:endParaRPr lang="en-US" sz="1000" dirty="0">
+                <a:solidFill>
+                  <a:schemeClr val="tx1"/>
+                </a:solidFill>
+              </a:endParaRPr>
+            </a:p>
+          </p:txBody>
+        </p:sp>
+        <p:sp>
+          <p:nvSpPr>
+            <p:cNvPr id="34" name="Rounded Rectangular Callout 33"/>
+            <p:cNvSpPr/>
+            <p:nvPr/>
+          </p:nvSpPr>
+          <p:spPr>
+            <a:xfrm>
+              <a:off x="7560767" y="2441798"/>
+              <a:ext cx="1513114" cy="555172"/>
+            </a:xfrm>
+            <a:prstGeom prst="wedgeRoundRectCallout">
+              <a:avLst>
+                <a:gd name="adj1" fmla="val 108948"/>
+                <a:gd name="adj2" fmla="val 50735"/>
+                <a:gd name="adj3" fmla="val 16667"/>
+              </a:avLst>
+            </a:prstGeom>
+            <a:solidFill>
+              <a:schemeClr val="accent4">
+                <a:lumMod val="20000"/>
+                <a:lumOff val="80000"/>
+              </a:schemeClr>
+            </a:solidFill>
+          </p:spPr>
+          <p:style>
+            <a:lnRef idx="2">
+              <a:schemeClr val="accent1">
+                <a:shade val="50000"/>
+              </a:schemeClr>
+            </a:lnRef>
+            <a:fillRef idx="1">
+              <a:schemeClr val="accent1"/>
+            </a:fillRef>
+            <a:effectRef idx="0">
+              <a:schemeClr val="accent1"/>
+            </a:effectRef>
+            <a:fontRef idx="minor">
+              <a:schemeClr val="lt1"/>
+            </a:fontRef>
+          </p:style>
+          <p:txBody>
+            <a:bodyPr rtlCol="0" anchor="ctr"/>
+            <a:lstStyle/>
+            <a:p>
+              <a:pPr algn="ctr"/>
+              <a:r>
+                <a:rPr lang="en-US" sz="1000" dirty="0" smtClean="0">
+                  <a:solidFill>
+                    <a:schemeClr val="tx1"/>
+                  </a:solidFill>
+                </a:rPr>
+                <a:t>I process business logic</a:t>
+              </a:r>
+              <a:endParaRPr lang="en-US" sz="1000" dirty="0">
+                <a:solidFill>
+                  <a:schemeClr val="tx1"/>
+                </a:solidFill>
+              </a:endParaRPr>
+            </a:p>
+          </p:txBody>
+        </p:sp>
+        <p:sp>
+          <p:nvSpPr>
+            <p:cNvPr id="35" name="Rounded Rectangular Callout 34"/>
+            <p:cNvSpPr/>
+            <p:nvPr/>
+          </p:nvSpPr>
+          <p:spPr>
+            <a:xfrm>
+              <a:off x="9982839" y="4786319"/>
+              <a:ext cx="1513114" cy="555172"/>
+            </a:xfrm>
+            <a:prstGeom prst="wedgeRoundRectCallout">
+              <a:avLst>
+                <a:gd name="adj1" fmla="val -6880"/>
+                <a:gd name="adj2" fmla="val -145342"/>
+                <a:gd name="adj3" fmla="val 16667"/>
+              </a:avLst>
+            </a:prstGeom>
+            <a:solidFill>
+              <a:schemeClr val="accent4">
+                <a:lumMod val="20000"/>
+                <a:lumOff val="80000"/>
+              </a:schemeClr>
+            </a:solidFill>
+          </p:spPr>
+          <p:style>
+            <a:lnRef idx="2">
+              <a:schemeClr val="accent1">
+                <a:shade val="50000"/>
+              </a:schemeClr>
+            </a:lnRef>
+            <a:fillRef idx="1">
+              <a:schemeClr val="accent1"/>
+            </a:fillRef>
+            <a:effectRef idx="0">
+              <a:schemeClr val="accent1"/>
+            </a:effectRef>
+            <a:fontRef idx="minor">
+              <a:schemeClr val="lt1"/>
+            </a:fontRef>
+          </p:style>
+          <p:txBody>
+            <a:bodyPr rtlCol="0" anchor="ctr"/>
+            <a:lstStyle/>
+            <a:p>
+              <a:pPr algn="ctr"/>
+              <a:r>
+                <a:rPr lang="en-US" sz="1000" dirty="0" smtClean="0">
+                  <a:solidFill>
+                    <a:schemeClr val="tx1"/>
+                  </a:solidFill>
+                </a:rPr>
+                <a:t>I contain the business entities. I am at the center of everything.</a:t>
+              </a:r>
+              <a:endParaRPr lang="en-US" sz="1000" dirty="0">
+                <a:solidFill>
+                  <a:schemeClr val="tx1"/>
+                </a:solidFill>
+              </a:endParaRPr>
+            </a:p>
+          </p:txBody>
+        </p:sp>
+        <p:sp>
+          <p:nvSpPr>
+            <p:cNvPr id="36" name="Rounded Rectangular Callout 35"/>
+            <p:cNvSpPr/>
+            <p:nvPr/>
+          </p:nvSpPr>
+          <p:spPr>
+            <a:xfrm>
+              <a:off x="6882652" y="4786319"/>
+              <a:ext cx="1783015" cy="555172"/>
+            </a:xfrm>
+            <a:prstGeom prst="wedgeRoundRectCallout">
+              <a:avLst>
+                <a:gd name="adj1" fmla="val 61650"/>
+                <a:gd name="adj2" fmla="val -157108"/>
+                <a:gd name="adj3" fmla="val 16667"/>
+              </a:avLst>
+            </a:prstGeom>
+            <a:solidFill>
+              <a:schemeClr val="accent4">
+                <a:lumMod val="20000"/>
+                <a:lumOff val="80000"/>
+              </a:schemeClr>
+            </a:solidFill>
+          </p:spPr>
+          <p:style>
+            <a:lnRef idx="2">
+              <a:schemeClr val="accent1">
+                <a:shade val="50000"/>
+              </a:schemeClr>
+            </a:lnRef>
+            <a:fillRef idx="1">
+              <a:schemeClr val="accent1"/>
+            </a:fillRef>
+            <a:effectRef idx="0">
+              <a:schemeClr val="accent1"/>
+            </a:effectRef>
+            <a:fontRef idx="minor">
+              <a:schemeClr val="lt1"/>
+            </a:fontRef>
+          </p:style>
+          <p:txBody>
+            <a:bodyPr rtlCol="0" anchor="ctr"/>
+            <a:lstStyle/>
+            <a:p>
+              <a:pPr algn="ctr"/>
+              <a:r>
+                <a:rPr lang="en-US" sz="1000" dirty="0" smtClean="0">
+                  <a:solidFill>
+                    <a:schemeClr val="tx1"/>
+                  </a:solidFill>
+                </a:rPr>
+                <a:t>I provide the connection to the database and translate the code into SQL queries.</a:t>
+              </a:r>
+              <a:endParaRPr lang="en-US" sz="1000" dirty="0">
+                <a:solidFill>
+                  <a:schemeClr val="tx1"/>
+                </a:solidFill>
+              </a:endParaRPr>
+            </a:p>
+          </p:txBody>
+        </p:sp>
+      </p:grpSp>
+    </p:spTree>
+    <p:extLst>
+      <p:ext uri="{BB962C8B-B14F-4D97-AF65-F5344CB8AC3E}">
+        <p14:creationId xmlns:p14="http://schemas.microsoft.com/office/powerpoint/2010/main" val="91705766"/>
+      </p:ext>
+    </p:extLst>
+  </p:cSld>
+  <p:clrMapOvr>
+    <a:masterClrMapping/>
+  </p:clrMapOvr>
+  <p:timing>
+    <p:tnLst>
+      <p:par>
+        <p:cTn id="1" dur="indefinite" restart="never" nodeType="tmRoot"/>
+      </p:par>
+    </p:tnLst>
+  </p:timing>
+</p:sld>
+</file>
+
+<file path=ppt/slides/slide6.xml><?xml version="1.0" encoding="utf-8"?>
+<p:sld xmlns:a="http://schemas.openxmlformats.org/drawingml/2006/main" xmlns:r="http://schemas.openxmlformats.org/officeDocument/2006/relationships" xmlns:p="http://schemas.openxmlformats.org/presentationml/2006/main">
+  <p:cSld>
+    <p:spTree>
+      <p:nvGrpSpPr>
+        <p:cNvPr id="1" name=""/>
+        <p:cNvGrpSpPr/>
+        <p:nvPr/>
+      </p:nvGrpSpPr>
+      <p:grpSpPr>
+        <a:xfrm>
+          <a:off x="0" y="0"/>
+          <a:ext cx="0" cy="0"/>
+          <a:chOff x="0" y="0"/>
+          <a:chExt cx="0" cy="0"/>
+        </a:xfrm>
+      </p:grpSpPr>
+      <p:sp>
+        <p:nvSpPr>
           <p:cNvPr id="62" name="Rectangle 61"/>
           <p:cNvSpPr/>
           <p:nvPr/>
@@ -3986,7 +5389,7 @@
                   <a:schemeClr val="tx1"/>
                 </a:solidFill>
               </a:rPr>
-              <a:t>Providers</a:t>
+              <a:t>Domain</a:t>
             </a:r>
             <a:endParaRPr lang="en-US" sz="1200" dirty="0">
               <a:solidFill>
@@ -4381,14 +5784,7 @@
             <a:pPr algn="ctr"/>
             <a:r>
               <a:rPr lang="en-US" sz="1200" dirty="0" smtClean="0"/>
-              <a:t>JIRA </a:t>
-            </a:r>
-          </a:p>
-          <a:p>
-            <a:pPr algn="ctr"/>
-            <a:r>
-              <a:rPr lang="en-US" sz="1200" dirty="0" smtClean="0"/>
-              <a:t>Provider</a:t>
+              <a:t>Entities</a:t>
             </a:r>
             <a:endParaRPr lang="en-US" sz="1200" dirty="0"/>
           </a:p>
@@ -4818,97 +6214,6 @@
           </a:fontRef>
         </p:style>
       </p:cxnSp>
-      <p:sp>
-        <p:nvSpPr>
-          <p:cNvPr id="61" name="Rectangle 60"/>
-          <p:cNvSpPr/>
-          <p:nvPr/>
-        </p:nvSpPr>
-        <p:spPr>
-          <a:xfrm>
-            <a:off x="6852677" y="5425123"/>
-            <a:ext cx="1072123" cy="555171"/>
-          </a:xfrm>
-          <a:prstGeom prst="rect">
-            <a:avLst/>
-          </a:prstGeom>
-          <a:solidFill>
-            <a:schemeClr val="bg1">
-              <a:lumMod val="75000"/>
-            </a:schemeClr>
-          </a:solidFill>
-        </p:spPr>
-        <p:style>
-          <a:lnRef idx="2">
-            <a:schemeClr val="accent1"/>
-          </a:lnRef>
-          <a:fillRef idx="1">
-            <a:schemeClr val="lt1"/>
-          </a:fillRef>
-          <a:effectRef idx="0">
-            <a:schemeClr val="accent1"/>
-          </a:effectRef>
-          <a:fontRef idx="minor">
-            <a:schemeClr val="dk1"/>
-          </a:fontRef>
-        </p:style>
-        <p:txBody>
-          <a:bodyPr rtlCol="0" anchor="ctr"/>
-          <a:lstStyle/>
-          <a:p>
-            <a:pPr algn="ctr"/>
-            <a:r>
-              <a:rPr lang="en-US" sz="1200" dirty="0" smtClean="0">
-                <a:solidFill>
-                  <a:schemeClr val="tx1"/>
-                </a:solidFill>
-              </a:rPr>
-              <a:t>Jira API</a:t>
-            </a:r>
-            <a:endParaRPr lang="en-US" sz="1200" dirty="0">
-              <a:solidFill>
-                <a:schemeClr val="tx1"/>
-              </a:solidFill>
-            </a:endParaRPr>
-          </a:p>
-        </p:txBody>
-      </p:sp>
-      <p:cxnSp>
-        <p:nvCxnSpPr>
-          <p:cNvPr id="66" name="Straight Arrow Connector 65"/>
-          <p:cNvCxnSpPr>
-            <a:stCxn id="12" idx="3"/>
-            <a:endCxn id="61" idx="1"/>
-          </p:cNvCxnSpPr>
-          <p:nvPr/>
-        </p:nvCxnSpPr>
-        <p:spPr>
-          <a:xfrm flipV="1">
-            <a:off x="4770689" y="5702709"/>
-            <a:ext cx="2081988" cy="1"/>
-          </a:xfrm>
-          <a:prstGeom prst="straightConnector1">
-            <a:avLst/>
-          </a:prstGeom>
-          <a:ln>
-            <a:tailEnd type="triangle"/>
-          </a:ln>
-        </p:spPr>
-        <p:style>
-          <a:lnRef idx="1">
-            <a:schemeClr val="accent1"/>
-          </a:lnRef>
-          <a:fillRef idx="0">
-            <a:schemeClr val="accent1"/>
-          </a:fillRef>
-          <a:effectRef idx="0">
-            <a:schemeClr val="accent1"/>
-          </a:effectRef>
-          <a:fontRef idx="minor">
-            <a:schemeClr val="tx1"/>
-          </a:fontRef>
-        </p:style>
-      </p:cxnSp>
     </p:spTree>
     <p:extLst>
       <p:ext uri="{BB962C8B-B14F-4D97-AF65-F5344CB8AC3E}">
@@ -4929,7 +6234,7 @@
 </p:sld>
 </file>
 
-<file path=ppt/slides/slide5.xml><?xml version="1.0" encoding="utf-8"?>
+<file path=ppt/slides/slide7.xml><?xml version="1.0" encoding="utf-8"?>
 <p:sld xmlns:a="http://schemas.openxmlformats.org/drawingml/2006/main" xmlns:r="http://schemas.openxmlformats.org/officeDocument/2006/relationships" xmlns:p="http://schemas.openxmlformats.org/presentationml/2006/main">
   <p:cSld>
     <p:spTree>
@@ -6780,11 +8085,7 @@
                     <a:p>
                       <a:r>
                         <a:rPr lang="en-US" sz="1000" dirty="0" smtClean="0"/>
-                        <a:t>Name of the </a:t>
-                      </a:r>
-                      <a:r>
-                        <a:rPr lang="en-US" sz="1000" dirty="0" smtClean="0"/>
-                        <a:t>file</a:t>
+                        <a:t>Name of the file</a:t>
                       </a:r>
                       <a:endParaRPr lang="en-US" sz="1000" dirty="0"/>
                     </a:p>
@@ -7148,7 +8449,7 @@
 </p:sld>
 </file>
 
-<file path=ppt/slides/slide6.xml><?xml version="1.0" encoding="utf-8"?>
+<file path=ppt/slides/slide8.xml><?xml version="1.0" encoding="utf-8"?>
 <p:sld xmlns:a="http://schemas.openxmlformats.org/drawingml/2006/main" xmlns:r="http://schemas.openxmlformats.org/officeDocument/2006/relationships" xmlns:p="http://schemas.openxmlformats.org/presentationml/2006/main">
   <p:cSld>
     <p:spTree>
@@ -7250,11 +8551,7 @@
           <a:p>
             <a:r>
               <a:rPr lang="en-US" sz="3600" dirty="0" smtClean="0"/>
-              <a:t>High level </a:t>
-            </a:r>
-            <a:r>
-              <a:rPr lang="en-US" sz="3600" dirty="0" smtClean="0"/>
-              <a:t>design</a:t>
+              <a:t>High level design</a:t>
             </a:r>
             <a:endParaRPr lang="en-US" sz="3600" dirty="0"/>
           </a:p>
@@ -7520,7 +8817,7 @@
 </p:sld>
 </file>
 
-<file path=ppt/slides/slide7.xml><?xml version="1.0" encoding="utf-8"?>
+<file path=ppt/slides/slide9.xml><?xml version="1.0" encoding="utf-8"?>
 <p:sld xmlns:a="http://schemas.openxmlformats.org/drawingml/2006/main" xmlns:r="http://schemas.openxmlformats.org/officeDocument/2006/relationships" xmlns:p="http://schemas.openxmlformats.org/presentationml/2006/main">
   <p:cSld>
     <p:spTree>
@@ -7584,11 +8881,7 @@
           <a:p>
             <a:r>
               <a:rPr lang="en-US" sz="3600" dirty="0" smtClean="0"/>
-              <a:t>Building </a:t>
-            </a:r>
-            <a:r>
-              <a:rPr lang="en-US" sz="3600" dirty="0" smtClean="0"/>
-              <a:t>blocks</a:t>
+              <a:t>Building blocks</a:t>
             </a:r>
             <a:endParaRPr lang="en-US" sz="3600" dirty="0"/>
           </a:p>
@@ -7626,7 +8919,6 @@
               <a:rPr lang="en-US" sz="1600" dirty="0" smtClean="0"/>
               <a:t>a</a:t>
             </a:r>
-            <a:endParaRPr lang="en-US" sz="1600" dirty="0" smtClean="0"/>
           </a:p>
           <a:p>
             <a:endParaRPr lang="en-US" sz="1600" b="1" dirty="0" smtClean="0"/>
@@ -7640,14 +8932,12 @@
               <a:rPr lang="en-US" sz="1600" b="1" dirty="0" smtClean="0"/>
               <a:t>Asset Types</a:t>
             </a:r>
-            <a:endParaRPr lang="en-US" sz="1600" b="1" dirty="0" smtClean="0"/>
           </a:p>
           <a:p>
             <a:r>
               <a:rPr lang="en-US" sz="1600" dirty="0" smtClean="0"/>
               <a:t>a</a:t>
             </a:r>
-            <a:endParaRPr lang="en-US" sz="1600" dirty="0" smtClean="0"/>
           </a:p>
           <a:p>
             <a:endParaRPr lang="en-US" sz="1600" dirty="0" smtClean="0"/>
@@ -7661,7 +8951,6 @@
               <a:rPr lang="en-US" sz="1600" b="1" dirty="0" smtClean="0"/>
               <a:t>Assets</a:t>
             </a:r>
-            <a:endParaRPr lang="en-US" sz="1600" b="1" dirty="0" smtClean="0"/>
           </a:p>
           <a:p>
             <a:r>
@@ -7682,7 +8971,6 @@
               <a:rPr lang="en-US" sz="1600" b="1" dirty="0" smtClean="0"/>
               <a:t>Asset Files</a:t>
             </a:r>
-            <a:endParaRPr lang="en-US" sz="1600" b="1" dirty="0" smtClean="0"/>
           </a:p>
           <a:p>
             <a:r>
@@ -8009,12 +9297,9 @@
 </file>
 
 <file path=customXml/item1.xml><?xml version="1.0" encoding="utf-8"?>
-<?mso-contentType ?>
-<FormTemplates xmlns="http://schemas.microsoft.com/sharepoint/v3/contenttype/forms">
-  <Display>DocumentLibraryForm</Display>
-  <Edit>DocumentLibraryForm</Edit>
-  <New>DocumentLibraryForm</New>
-</FormTemplates>
+<p:properties xmlns:p="http://schemas.microsoft.com/office/2006/metadata/properties" xmlns:xsi="http://www.w3.org/2001/XMLSchema-instance" xmlns:pc="http://schemas.microsoft.com/office/infopath/2007/PartnerControls">
+  <documentManagement/>
+</p:properties>
 </file>
 
 <file path=customXml/item2.xml><?xml version="1.0" encoding="utf-8"?>
@@ -8190,15 +9475,19 @@
 </file>
 
 <file path=customXml/item3.xml><?xml version="1.0" encoding="utf-8"?>
-<p:properties xmlns:p="http://schemas.microsoft.com/office/2006/metadata/properties" xmlns:xsi="http://www.w3.org/2001/XMLSchema-instance" xmlns:pc="http://schemas.microsoft.com/office/infopath/2007/PartnerControls">
-  <documentManagement/>
-</p:properties>
+<?mso-contentType ?>
+<FormTemplates xmlns="http://schemas.microsoft.com/sharepoint/v3/contenttype/forms">
+  <Display>DocumentLibraryForm</Display>
+  <Edit>DocumentLibraryForm</Edit>
+  <New>DocumentLibraryForm</New>
+</FormTemplates>
 </file>
 
 <file path=customXml/itemProps1.xml><?xml version="1.0" encoding="utf-8"?>
-<ds:datastoreItem xmlns:ds="http://schemas.openxmlformats.org/officeDocument/2006/customXml" ds:itemID="{8CDB702E-3F50-4264-9CFC-35B79A02A69A}">
+<ds:datastoreItem xmlns:ds="http://schemas.openxmlformats.org/officeDocument/2006/customXml" ds:itemID="{2B86CB2E-7645-4F93-82AF-04EAF2AF8C03}">
   <ds:schemaRefs>
-    <ds:schemaRef ds:uri="http://schemas.microsoft.com/sharepoint/v3/contenttype/forms"/>
+    <ds:schemaRef ds:uri="http://schemas.microsoft.com/office/2006/metadata/properties"/>
+    <ds:schemaRef ds:uri="http://schemas.microsoft.com/office/infopath/2007/PartnerControls"/>
   </ds:schemaRefs>
 </ds:datastoreItem>
 </file>
@@ -8222,10 +9511,9 @@
 </file>
 
 <file path=customXml/itemProps3.xml><?xml version="1.0" encoding="utf-8"?>
-<ds:datastoreItem xmlns:ds="http://schemas.openxmlformats.org/officeDocument/2006/customXml" ds:itemID="{2B86CB2E-7645-4F93-82AF-04EAF2AF8C03}">
+<ds:datastoreItem xmlns:ds="http://schemas.openxmlformats.org/officeDocument/2006/customXml" ds:itemID="{8CDB702E-3F50-4264-9CFC-35B79A02A69A}">
   <ds:schemaRefs>
-    <ds:schemaRef ds:uri="http://schemas.microsoft.com/office/2006/metadata/properties"/>
-    <ds:schemaRef ds:uri="http://schemas.microsoft.com/office/infopath/2007/PartnerControls"/>
+    <ds:schemaRef ds:uri="http://schemas.microsoft.com/sharepoint/v3/contenttype/forms"/>
   </ds:schemaRefs>
 </ds:datastoreItem>
 </file>
--- a/Design/Digital Asset - Design.pptx
+++ b/Design/Digital Asset - Design.pptx
@@ -9,11 +9,13 @@
     <p:sldId id="8341" r:id="rId6"/>
     <p:sldId id="8335" r:id="rId7"/>
     <p:sldId id="8346" r:id="rId8"/>
-    <p:sldId id="8347" r:id="rId9"/>
-    <p:sldId id="8336" r:id="rId10"/>
-    <p:sldId id="8338" r:id="rId11"/>
-    <p:sldId id="8344" r:id="rId12"/>
-    <p:sldId id="8345" r:id="rId13"/>
+    <p:sldId id="8348" r:id="rId9"/>
+    <p:sldId id="8349" r:id="rId10"/>
+    <p:sldId id="8347" r:id="rId11"/>
+    <p:sldId id="8336" r:id="rId12"/>
+    <p:sldId id="8338" r:id="rId13"/>
+    <p:sldId id="8344" r:id="rId14"/>
+    <p:sldId id="8345" r:id="rId15"/>
   </p:sldIdLst>
   <p:sldSz cx="12192000" cy="6858000"/>
   <p:notesSz cx="6858000" cy="9144000"/>
@@ -267,7 +269,7 @@
           <a:p>
             <a:fld id="{8FBEF592-9A5F-4028-BE74-EE215189E296}" type="datetimeFigureOut">
               <a:rPr lang="en-US" smtClean="0"/>
-              <a:t>6/27/2021</a:t>
+              <a:t>6/28/2021</a:t>
             </a:fld>
             <a:endParaRPr lang="en-US"/>
           </a:p>
@@ -465,7 +467,7 @@
           <a:p>
             <a:fld id="{8FBEF592-9A5F-4028-BE74-EE215189E296}" type="datetimeFigureOut">
               <a:rPr lang="en-US" smtClean="0"/>
-              <a:t>6/27/2021</a:t>
+              <a:t>6/28/2021</a:t>
             </a:fld>
             <a:endParaRPr lang="en-US"/>
           </a:p>
@@ -673,7 +675,7 @@
           <a:p>
             <a:fld id="{8FBEF592-9A5F-4028-BE74-EE215189E296}" type="datetimeFigureOut">
               <a:rPr lang="en-US" smtClean="0"/>
-              <a:t>6/27/2021</a:t>
+              <a:t>6/28/2021</a:t>
             </a:fld>
             <a:endParaRPr lang="en-US"/>
           </a:p>
@@ -786,7 +788,7 @@
           <a:p>
             <a:fld id="{708BE3AE-D757-42E3-9D32-22A977FECB4E}" type="datetime4">
               <a:rPr lang="en-US" smtClean="0"/>
-              <a:t>June 27, 2021</a:t>
+              <a:t>June 28, 2021</a:t>
             </a:fld>
             <a:endParaRPr lang="en-US" dirty="0"/>
           </a:p>
@@ -988,7 +990,7 @@
           <a:p>
             <a:fld id="{8FBEF592-9A5F-4028-BE74-EE215189E296}" type="datetimeFigureOut">
               <a:rPr lang="en-US" smtClean="0"/>
-              <a:t>6/27/2021</a:t>
+              <a:t>6/28/2021</a:t>
             </a:fld>
             <a:endParaRPr lang="en-US"/>
           </a:p>
@@ -1263,7 +1265,7 @@
           <a:p>
             <a:fld id="{8FBEF592-9A5F-4028-BE74-EE215189E296}" type="datetimeFigureOut">
               <a:rPr lang="en-US" smtClean="0"/>
-              <a:t>6/27/2021</a:t>
+              <a:t>6/28/2021</a:t>
             </a:fld>
             <a:endParaRPr lang="en-US"/>
           </a:p>
@@ -1528,7 +1530,7 @@
           <a:p>
             <a:fld id="{8FBEF592-9A5F-4028-BE74-EE215189E296}" type="datetimeFigureOut">
               <a:rPr lang="en-US" smtClean="0"/>
-              <a:t>6/27/2021</a:t>
+              <a:t>6/28/2021</a:t>
             </a:fld>
             <a:endParaRPr lang="en-US"/>
           </a:p>
@@ -1940,7 +1942,7 @@
           <a:p>
             <a:fld id="{8FBEF592-9A5F-4028-BE74-EE215189E296}" type="datetimeFigureOut">
               <a:rPr lang="en-US" smtClean="0"/>
-              <a:t>6/27/2021</a:t>
+              <a:t>6/28/2021</a:t>
             </a:fld>
             <a:endParaRPr lang="en-US"/>
           </a:p>
@@ -2081,7 +2083,7 @@
           <a:p>
             <a:fld id="{8FBEF592-9A5F-4028-BE74-EE215189E296}" type="datetimeFigureOut">
               <a:rPr lang="en-US" smtClean="0"/>
-              <a:t>6/27/2021</a:t>
+              <a:t>6/28/2021</a:t>
             </a:fld>
             <a:endParaRPr lang="en-US"/>
           </a:p>
@@ -2194,7 +2196,7 @@
           <a:p>
             <a:fld id="{8FBEF592-9A5F-4028-BE74-EE215189E296}" type="datetimeFigureOut">
               <a:rPr lang="en-US" smtClean="0"/>
-              <a:t>6/27/2021</a:t>
+              <a:t>6/28/2021</a:t>
             </a:fld>
             <a:endParaRPr lang="en-US"/>
           </a:p>
@@ -2505,7 +2507,7 @@
           <a:p>
             <a:fld id="{8FBEF592-9A5F-4028-BE74-EE215189E296}" type="datetimeFigureOut">
               <a:rPr lang="en-US" smtClean="0"/>
-              <a:t>6/27/2021</a:t>
+              <a:t>6/28/2021</a:t>
             </a:fld>
             <a:endParaRPr lang="en-US"/>
           </a:p>
@@ -2793,7 +2795,7 @@
           <a:p>
             <a:fld id="{8FBEF592-9A5F-4028-BE74-EE215189E296}" type="datetimeFigureOut">
               <a:rPr lang="en-US" smtClean="0"/>
-              <a:t>6/27/2021</a:t>
+              <a:t>6/28/2021</a:t>
             </a:fld>
             <a:endParaRPr lang="en-US"/>
           </a:p>
@@ -3034,7 +3036,7 @@
           <a:p>
             <a:fld id="{8FBEF592-9A5F-4028-BE74-EE215189E296}" type="datetimeFigureOut">
               <a:rPr lang="en-US" smtClean="0"/>
-              <a:t>6/27/2021</a:t>
+              <a:t>6/28/2021</a:t>
             </a:fld>
             <a:endParaRPr lang="en-US"/>
           </a:p>
@@ -3509,6 +3511,558 @@
 </p:sld>
 </file>
 
+<file path=ppt/slides/slide10.xml><?xml version="1.0" encoding="utf-8"?>
+<p:sld xmlns:a="http://schemas.openxmlformats.org/drawingml/2006/main" xmlns:r="http://schemas.openxmlformats.org/officeDocument/2006/relationships" xmlns:p="http://schemas.openxmlformats.org/presentationml/2006/main">
+  <p:cSld>
+    <p:spTree>
+      <p:nvGrpSpPr>
+        <p:cNvPr id="1" name=""/>
+        <p:cNvGrpSpPr/>
+        <p:nvPr/>
+      </p:nvGrpSpPr>
+      <p:grpSpPr>
+        <a:xfrm>
+          <a:off x="0" y="0"/>
+          <a:ext cx="0" cy="0"/>
+          <a:chOff x="0" y="0"/>
+          <a:chExt cx="0" cy="0"/>
+        </a:xfrm>
+      </p:grpSpPr>
+      <p:sp>
+        <p:nvSpPr>
+          <p:cNvPr id="6" name="Rectangle 5"/>
+          <p:cNvSpPr/>
+          <p:nvPr/>
+        </p:nvSpPr>
+        <p:spPr>
+          <a:xfrm>
+            <a:off x="4473388" y="3935503"/>
+            <a:ext cx="2985247" cy="1246095"/>
+          </a:xfrm>
+          <a:prstGeom prst="rect">
+            <a:avLst/>
+          </a:prstGeom>
+        </p:spPr>
+        <p:style>
+          <a:lnRef idx="2">
+            <a:schemeClr val="accent1"/>
+          </a:lnRef>
+          <a:fillRef idx="1">
+            <a:schemeClr val="lt1"/>
+          </a:fillRef>
+          <a:effectRef idx="0">
+            <a:schemeClr val="accent1"/>
+          </a:effectRef>
+          <a:fontRef idx="minor">
+            <a:schemeClr val="dk1"/>
+          </a:fontRef>
+        </p:style>
+        <p:txBody>
+          <a:bodyPr rtlCol="0" anchor="ctr"/>
+          <a:lstStyle/>
+          <a:p>
+            <a:pPr algn="ctr"/>
+            <a:endParaRPr lang="en-US"/>
+          </a:p>
+        </p:txBody>
+      </p:sp>
+      <p:sp>
+        <p:nvSpPr>
+          <p:cNvPr id="109" name="Title 1">
+            <a:extLst>
+              <a:ext uri="{FF2B5EF4-FFF2-40B4-BE49-F238E27FC236}">
+                <a16:creationId xmlns:a16="http://schemas.microsoft.com/office/drawing/2014/main" id="{78C07964-174A-4A54-84D3-E88913B49D0E}"/>
+              </a:ext>
+            </a:extLst>
+          </p:cNvPr>
+          <p:cNvSpPr txBox="1">
+            <a:spLocks/>
+          </p:cNvSpPr>
+          <p:nvPr/>
+        </p:nvSpPr>
+        <p:spPr>
+          <a:xfrm>
+            <a:off x="555171" y="-4998"/>
+            <a:ext cx="11070772" cy="1039142"/>
+          </a:xfrm>
+          <a:prstGeom prst="rect">
+            <a:avLst/>
+          </a:prstGeom>
+        </p:spPr>
+        <p:txBody>
+          <a:bodyPr anchor="ctr"/>
+          <a:lstStyle>
+            <a:lvl1pPr algn="l" defTabSz="914400" rtl="0" eaLnBrk="1" latinLnBrk="0" hangingPunct="1">
+              <a:lnSpc>
+                <a:spcPct val="90000"/>
+              </a:lnSpc>
+              <a:spcBef>
+                <a:spcPct val="0"/>
+              </a:spcBef>
+              <a:buNone/>
+              <a:defRPr sz="4400" kern="1200">
+                <a:solidFill>
+                  <a:schemeClr val="tx1"/>
+                </a:solidFill>
+                <a:latin typeface="+mj-lt"/>
+                <a:ea typeface="+mj-ea"/>
+                <a:cs typeface="+mj-cs"/>
+              </a:defRPr>
+            </a:lvl1pPr>
+          </a:lstStyle>
+          <a:p>
+            <a:r>
+              <a:rPr lang="en-US" sz="3600" dirty="0" smtClean="0"/>
+              <a:t>High level design</a:t>
+            </a:r>
+            <a:endParaRPr lang="en-US" sz="3600" dirty="0"/>
+          </a:p>
+        </p:txBody>
+      </p:sp>
+      <p:sp>
+        <p:nvSpPr>
+          <p:cNvPr id="2" name="Rectangle 1"/>
+          <p:cNvSpPr/>
+          <p:nvPr/>
+        </p:nvSpPr>
+        <p:spPr>
+          <a:xfrm>
+            <a:off x="5136778" y="1506071"/>
+            <a:ext cx="1649506" cy="591670"/>
+          </a:xfrm>
+          <a:prstGeom prst="rect">
+            <a:avLst/>
+          </a:prstGeom>
+        </p:spPr>
+        <p:style>
+          <a:lnRef idx="0">
+            <a:schemeClr val="accent4"/>
+          </a:lnRef>
+          <a:fillRef idx="3">
+            <a:schemeClr val="accent4"/>
+          </a:fillRef>
+          <a:effectRef idx="3">
+            <a:schemeClr val="accent4"/>
+          </a:effectRef>
+          <a:fontRef idx="minor">
+            <a:schemeClr val="lt1"/>
+          </a:fontRef>
+        </p:style>
+        <p:txBody>
+          <a:bodyPr rtlCol="0" anchor="ctr"/>
+          <a:lstStyle/>
+          <a:p>
+            <a:pPr algn="ctr"/>
+            <a:r>
+              <a:rPr lang="en-US" sz="1400" dirty="0" smtClean="0"/>
+              <a:t>UI</a:t>
+            </a:r>
+            <a:endParaRPr lang="en-US" sz="1400" dirty="0"/>
+          </a:p>
+        </p:txBody>
+      </p:sp>
+      <p:sp>
+        <p:nvSpPr>
+          <p:cNvPr id="18" name="Rectangle 17"/>
+          <p:cNvSpPr/>
+          <p:nvPr/>
+        </p:nvSpPr>
+        <p:spPr>
+          <a:xfrm>
+            <a:off x="5136778" y="2680448"/>
+            <a:ext cx="1649506" cy="591670"/>
+          </a:xfrm>
+          <a:prstGeom prst="rect">
+            <a:avLst/>
+          </a:prstGeom>
+        </p:spPr>
+        <p:style>
+          <a:lnRef idx="0">
+            <a:schemeClr val="accent4"/>
+          </a:lnRef>
+          <a:fillRef idx="3">
+            <a:schemeClr val="accent4"/>
+          </a:fillRef>
+          <a:effectRef idx="3">
+            <a:schemeClr val="accent4"/>
+          </a:effectRef>
+          <a:fontRef idx="minor">
+            <a:schemeClr val="lt1"/>
+          </a:fontRef>
+        </p:style>
+        <p:txBody>
+          <a:bodyPr rtlCol="0" anchor="ctr"/>
+          <a:lstStyle/>
+          <a:p>
+            <a:pPr algn="ctr"/>
+            <a:r>
+              <a:rPr lang="en-US" sz="1400" dirty="0" smtClean="0"/>
+              <a:t>DAM API</a:t>
+            </a:r>
+            <a:endParaRPr lang="en-US" sz="1400" dirty="0"/>
+          </a:p>
+        </p:txBody>
+      </p:sp>
+      <p:cxnSp>
+        <p:nvCxnSpPr>
+          <p:cNvPr id="4" name="Straight Arrow Connector 3"/>
+          <p:cNvCxnSpPr>
+            <a:stCxn id="2" idx="2"/>
+            <a:endCxn id="18" idx="0"/>
+          </p:cNvCxnSpPr>
+          <p:nvPr/>
+        </p:nvCxnSpPr>
+        <p:spPr>
+          <a:xfrm>
+            <a:off x="5961531" y="2097741"/>
+            <a:ext cx="0" cy="582707"/>
+          </a:xfrm>
+          <a:prstGeom prst="straightConnector1">
+            <a:avLst/>
+          </a:prstGeom>
+          <a:ln>
+            <a:tailEnd type="triangle"/>
+          </a:ln>
+        </p:spPr>
+        <p:style>
+          <a:lnRef idx="1">
+            <a:schemeClr val="accent1"/>
+          </a:lnRef>
+          <a:fillRef idx="0">
+            <a:schemeClr val="accent1"/>
+          </a:fillRef>
+          <a:effectRef idx="0">
+            <a:schemeClr val="accent1"/>
+          </a:effectRef>
+          <a:fontRef idx="minor">
+            <a:schemeClr val="tx1"/>
+          </a:fontRef>
+        </p:style>
+      </p:cxnSp>
+      <p:sp>
+        <p:nvSpPr>
+          <p:cNvPr id="5" name="Flowchart: Magnetic Disk 4"/>
+          <p:cNvSpPr/>
+          <p:nvPr/>
+        </p:nvSpPr>
+        <p:spPr>
+          <a:xfrm>
+            <a:off x="4778188" y="4213411"/>
+            <a:ext cx="1013013" cy="681318"/>
+          </a:xfrm>
+          <a:prstGeom prst="flowChartMagneticDisk">
+            <a:avLst/>
+          </a:prstGeom>
+        </p:spPr>
+        <p:style>
+          <a:lnRef idx="1">
+            <a:schemeClr val="accent5"/>
+          </a:lnRef>
+          <a:fillRef idx="2">
+            <a:schemeClr val="accent5"/>
+          </a:fillRef>
+          <a:effectRef idx="1">
+            <a:schemeClr val="accent5"/>
+          </a:effectRef>
+          <a:fontRef idx="minor">
+            <a:schemeClr val="dk1"/>
+          </a:fontRef>
+        </p:style>
+        <p:txBody>
+          <a:bodyPr rtlCol="0" anchor="ctr"/>
+          <a:lstStyle/>
+          <a:p>
+            <a:pPr algn="ctr"/>
+            <a:r>
+              <a:rPr lang="en-US" sz="1400" dirty="0" smtClean="0"/>
+              <a:t>Assets</a:t>
+            </a:r>
+            <a:endParaRPr lang="en-US" sz="1400" dirty="0"/>
+          </a:p>
+        </p:txBody>
+      </p:sp>
+      <p:sp>
+        <p:nvSpPr>
+          <p:cNvPr id="26" name="Flowchart: Magnetic Disk 25"/>
+          <p:cNvSpPr/>
+          <p:nvPr/>
+        </p:nvSpPr>
+        <p:spPr>
+          <a:xfrm>
+            <a:off x="6051175" y="4213411"/>
+            <a:ext cx="1013013" cy="681318"/>
+          </a:xfrm>
+          <a:prstGeom prst="flowChartMagneticDisk">
+            <a:avLst/>
+          </a:prstGeom>
+        </p:spPr>
+        <p:style>
+          <a:lnRef idx="1">
+            <a:schemeClr val="accent5"/>
+          </a:lnRef>
+          <a:fillRef idx="2">
+            <a:schemeClr val="accent5"/>
+          </a:fillRef>
+          <a:effectRef idx="1">
+            <a:schemeClr val="accent5"/>
+          </a:effectRef>
+          <a:fontRef idx="minor">
+            <a:schemeClr val="dk1"/>
+          </a:fontRef>
+        </p:style>
+        <p:txBody>
+          <a:bodyPr rtlCol="0" anchor="ctr"/>
+          <a:lstStyle/>
+          <a:p>
+            <a:pPr algn="ctr"/>
+            <a:r>
+              <a:rPr lang="en-US" sz="1400" dirty="0" smtClean="0"/>
+              <a:t>Files</a:t>
+            </a:r>
+            <a:endParaRPr lang="en-US" sz="1400" dirty="0"/>
+          </a:p>
+        </p:txBody>
+      </p:sp>
+      <p:cxnSp>
+        <p:nvCxnSpPr>
+          <p:cNvPr id="8" name="Straight Arrow Connector 7"/>
+          <p:cNvCxnSpPr>
+            <a:stCxn id="18" idx="2"/>
+            <a:endCxn id="6" idx="0"/>
+          </p:cNvCxnSpPr>
+          <p:nvPr/>
+        </p:nvCxnSpPr>
+        <p:spPr>
+          <a:xfrm>
+            <a:off x="5961531" y="3272118"/>
+            <a:ext cx="4481" cy="663385"/>
+          </a:xfrm>
+          <a:prstGeom prst="straightConnector1">
+            <a:avLst/>
+          </a:prstGeom>
+          <a:ln>
+            <a:tailEnd type="triangle"/>
+          </a:ln>
+        </p:spPr>
+        <p:style>
+          <a:lnRef idx="1">
+            <a:schemeClr val="accent1"/>
+          </a:lnRef>
+          <a:fillRef idx="0">
+            <a:schemeClr val="accent1"/>
+          </a:fillRef>
+          <a:effectRef idx="0">
+            <a:schemeClr val="accent1"/>
+          </a:effectRef>
+          <a:fontRef idx="minor">
+            <a:schemeClr val="tx1"/>
+          </a:fontRef>
+        </p:style>
+      </p:cxnSp>
+    </p:spTree>
+    <p:extLst>
+      <p:ext uri="{BB962C8B-B14F-4D97-AF65-F5344CB8AC3E}">
+        <p14:creationId xmlns:p14="http://schemas.microsoft.com/office/powerpoint/2010/main" val="433319383"/>
+      </p:ext>
+    </p:extLst>
+  </p:cSld>
+  <p:clrMapOvr>
+    <a:masterClrMapping/>
+  </p:clrMapOvr>
+  <p:timing>
+    <p:tnLst>
+      <p:par>
+        <p:cTn id="1" dur="indefinite" restart="never" nodeType="tmRoot"/>
+      </p:par>
+    </p:tnLst>
+  </p:timing>
+</p:sld>
+</file>
+
+<file path=ppt/slides/slide11.xml><?xml version="1.0" encoding="utf-8"?>
+<p:sld xmlns:a="http://schemas.openxmlformats.org/drawingml/2006/main" xmlns:r="http://schemas.openxmlformats.org/officeDocument/2006/relationships" xmlns:p="http://schemas.openxmlformats.org/presentationml/2006/main">
+  <p:cSld>
+    <p:spTree>
+      <p:nvGrpSpPr>
+        <p:cNvPr id="1" name=""/>
+        <p:cNvGrpSpPr/>
+        <p:nvPr/>
+      </p:nvGrpSpPr>
+      <p:grpSpPr>
+        <a:xfrm>
+          <a:off x="0" y="0"/>
+          <a:ext cx="0" cy="0"/>
+          <a:chOff x="0" y="0"/>
+          <a:chExt cx="0" cy="0"/>
+        </a:xfrm>
+      </p:grpSpPr>
+      <p:sp>
+        <p:nvSpPr>
+          <p:cNvPr id="109" name="Title 1">
+            <a:extLst>
+              <a:ext uri="{FF2B5EF4-FFF2-40B4-BE49-F238E27FC236}">
+                <a16:creationId xmlns:a16="http://schemas.microsoft.com/office/drawing/2014/main" id="{78C07964-174A-4A54-84D3-E88913B49D0E}"/>
+              </a:ext>
+            </a:extLst>
+          </p:cNvPr>
+          <p:cNvSpPr txBox="1">
+            <a:spLocks/>
+          </p:cNvSpPr>
+          <p:nvPr/>
+        </p:nvSpPr>
+        <p:spPr>
+          <a:xfrm>
+            <a:off x="555171" y="-4998"/>
+            <a:ext cx="11070772" cy="1039142"/>
+          </a:xfrm>
+          <a:prstGeom prst="rect">
+            <a:avLst/>
+          </a:prstGeom>
+        </p:spPr>
+        <p:txBody>
+          <a:bodyPr anchor="ctr"/>
+          <a:lstStyle>
+            <a:lvl1pPr algn="l" defTabSz="914400" rtl="0" eaLnBrk="1" latinLnBrk="0" hangingPunct="1">
+              <a:lnSpc>
+                <a:spcPct val="90000"/>
+              </a:lnSpc>
+              <a:spcBef>
+                <a:spcPct val="0"/>
+              </a:spcBef>
+              <a:buNone/>
+              <a:defRPr sz="4400" kern="1200">
+                <a:solidFill>
+                  <a:schemeClr val="tx1"/>
+                </a:solidFill>
+                <a:latin typeface="+mj-lt"/>
+                <a:ea typeface="+mj-ea"/>
+                <a:cs typeface="+mj-cs"/>
+              </a:defRPr>
+            </a:lvl1pPr>
+          </a:lstStyle>
+          <a:p>
+            <a:r>
+              <a:rPr lang="en-US" sz="3600" dirty="0" smtClean="0"/>
+              <a:t>Building blocks</a:t>
+            </a:r>
+            <a:endParaRPr lang="en-US" sz="3600" dirty="0"/>
+          </a:p>
+        </p:txBody>
+      </p:sp>
+      <p:sp>
+        <p:nvSpPr>
+          <p:cNvPr id="2" name="TextBox 1">
+            <a:extLst>
+              <a:ext uri="{FF2B5EF4-FFF2-40B4-BE49-F238E27FC236}">
+                <a16:creationId xmlns:a16="http://schemas.microsoft.com/office/drawing/2014/main" id="{8726C6FA-44FA-4E6F-8D8E-4F457920CF7B}"/>
+              </a:ext>
+            </a:extLst>
+          </p:cNvPr>
+          <p:cNvSpPr txBox="1"/>
+          <p:nvPr/>
+        </p:nvSpPr>
+        <p:spPr>
+          <a:xfrm>
+            <a:off x="555171" y="1390979"/>
+            <a:ext cx="11070772" cy="2554545"/>
+          </a:xfrm>
+          <a:prstGeom prst="rect">
+            <a:avLst/>
+          </a:prstGeom>
+          <a:noFill/>
+        </p:spPr>
+        <p:txBody>
+          <a:bodyPr wrap="square" rtlCol="0">
+            <a:spAutoFit/>
+          </a:bodyPr>
+          <a:lstStyle/>
+          <a:p>
+            <a:r>
+              <a:rPr lang="en-US" sz="1600" dirty="0" smtClean="0"/>
+              <a:t>a</a:t>
+            </a:r>
+          </a:p>
+          <a:p>
+            <a:endParaRPr lang="en-US" sz="1600" b="1" dirty="0" smtClean="0"/>
+          </a:p>
+          <a:p>
+            <a:pPr marL="342900" indent="-342900">
+              <a:buFont typeface="+mj-lt"/>
+              <a:buAutoNum type="arabicPeriod"/>
+            </a:pPr>
+            <a:r>
+              <a:rPr lang="en-US" sz="1600" b="1" dirty="0" smtClean="0"/>
+              <a:t>Asset Types</a:t>
+            </a:r>
+          </a:p>
+          <a:p>
+            <a:r>
+              <a:rPr lang="en-US" sz="1600" dirty="0" smtClean="0"/>
+              <a:t>a</a:t>
+            </a:r>
+          </a:p>
+          <a:p>
+            <a:endParaRPr lang="en-US" sz="1600" dirty="0" smtClean="0"/>
+          </a:p>
+          <a:p>
+            <a:pPr marL="342900" indent="-342900">
+              <a:buFont typeface="+mj-lt"/>
+              <a:buAutoNum type="arabicPeriod" startAt="2"/>
+            </a:pPr>
+            <a:r>
+              <a:rPr lang="en-US" sz="1600" b="1" dirty="0" smtClean="0"/>
+              <a:t>Assets</a:t>
+            </a:r>
+          </a:p>
+          <a:p>
+            <a:r>
+              <a:rPr lang="en-US" sz="1600" b="1" dirty="0" smtClean="0"/>
+              <a:t>a</a:t>
+            </a:r>
+            <a:endParaRPr lang="en-US" sz="1600" dirty="0" smtClean="0"/>
+          </a:p>
+          <a:p>
+            <a:endParaRPr lang="en-US" sz="1600" dirty="0" smtClean="0"/>
+          </a:p>
+          <a:p>
+            <a:pPr marL="342900" indent="-342900">
+              <a:buFont typeface="+mj-lt"/>
+              <a:buAutoNum type="arabicPeriod" startAt="3"/>
+            </a:pPr>
+            <a:r>
+              <a:rPr lang="en-US" sz="1600" b="1" dirty="0" smtClean="0"/>
+              <a:t>Asset Files</a:t>
+            </a:r>
+          </a:p>
+          <a:p>
+            <a:r>
+              <a:rPr lang="en-US" sz="1600" dirty="0" smtClean="0"/>
+              <a:t>a</a:t>
+            </a:r>
+            <a:endParaRPr lang="en-US" sz="1600" dirty="0"/>
+          </a:p>
+        </p:txBody>
+      </p:sp>
+    </p:spTree>
+    <p:extLst>
+      <p:ext uri="{BB962C8B-B14F-4D97-AF65-F5344CB8AC3E}">
+        <p14:creationId xmlns:p14="http://schemas.microsoft.com/office/powerpoint/2010/main" val="87195330"/>
+      </p:ext>
+    </p:extLst>
+  </p:cSld>
+  <p:clrMapOvr>
+    <a:masterClrMapping/>
+  </p:clrMapOvr>
+  <p:timing>
+    <p:tnLst>
+      <p:par>
+        <p:cTn id="1" dur="indefinite" restart="never" nodeType="tmRoot"/>
+      </p:par>
+    </p:tnLst>
+  </p:timing>
+</p:sld>
+</file>
+
 <file path=ppt/slides/slide2.xml><?xml version="1.0" encoding="utf-8"?>
 <p:sld xmlns:a="http://schemas.openxmlformats.org/drawingml/2006/main" xmlns:r="http://schemas.openxmlformats.org/officeDocument/2006/relationships" xmlns:p="http://schemas.openxmlformats.org/presentationml/2006/main">
   <p:cSld>
@@ -3893,7 +4447,7 @@
           <a:p>
             <a:r>
               <a:rPr lang="en-US" sz="3600" dirty="0" smtClean="0"/>
-              <a:t>Application Architecture</a:t>
+              <a:t>Clean architecture</a:t>
             </a:r>
             <a:endParaRPr lang="en-US" sz="3600" dirty="0"/>
           </a:p>
@@ -4376,7 +4930,7 @@
         <p:spPr>
           <a:xfrm>
             <a:off x="555171" y="1230086"/>
-            <a:ext cx="5817455" cy="2492990"/>
+            <a:ext cx="5817455" cy="4431983"/>
           </a:xfrm>
           <a:prstGeom prst="rect">
             <a:avLst/>
@@ -4414,8 +4968,13 @@
             </a:pPr>
             <a:r>
               <a:rPr lang="en-US" sz="1400" dirty="0" smtClean="0"/>
-              <a:t>Domain centric (domain entities), it has no dependencies</a:t>
-            </a:r>
+              <a:t>Domain centric (domain entities), it has no </a:t>
+            </a:r>
+            <a:r>
+              <a:rPr lang="en-US" sz="1400" dirty="0" smtClean="0"/>
+              <a:t>dependencies on any layer.</a:t>
+            </a:r>
+            <a:endParaRPr lang="en-US" sz="1400" dirty="0" smtClean="0"/>
           </a:p>
           <a:p>
             <a:pPr marL="285750" indent="-285750">
@@ -4424,8 +4983,46 @@
             </a:pPr>
             <a:r>
               <a:rPr lang="en-US" sz="1400" dirty="0" smtClean="0"/>
-              <a:t>Application layer sits above the Domain layer. This layer contains all the business logic and it will have dependency on the Domain and Persistence</a:t>
-            </a:r>
+              <a:t>Application </a:t>
+            </a:r>
+            <a:r>
+              <a:rPr lang="en-US" sz="1400" dirty="0" smtClean="0"/>
+              <a:t>layer (business use cases) </a:t>
+            </a:r>
+            <a:r>
+              <a:rPr lang="en-US" sz="1400" dirty="0" smtClean="0"/>
+              <a:t>sits above the Domain layer. </a:t>
+            </a:r>
+            <a:endParaRPr lang="en-US" sz="1400" dirty="0" smtClean="0"/>
+          </a:p>
+          <a:p>
+            <a:pPr marL="742950" lvl="1" indent="-285750">
+              <a:buFont typeface="Arial" panose="020B0604020202020204" pitchFamily="34" charset="0"/>
+              <a:buChar char="•"/>
+            </a:pPr>
+            <a:r>
+              <a:rPr lang="en-US" sz="1400" dirty="0" smtClean="0"/>
+              <a:t>This </a:t>
+            </a:r>
+            <a:r>
+              <a:rPr lang="en-US" sz="1400" dirty="0" smtClean="0"/>
+              <a:t>layer contains all the business logic and it will have dependency on the Domain and </a:t>
+            </a:r>
+            <a:r>
+              <a:rPr lang="en-US" sz="1400" dirty="0" smtClean="0"/>
+              <a:t>Persistence</a:t>
+            </a:r>
+          </a:p>
+          <a:p>
+            <a:pPr marL="742950" lvl="1" indent="-285750">
+              <a:buFont typeface="Arial" panose="020B0604020202020204" pitchFamily="34" charset="0"/>
+              <a:buChar char="•"/>
+            </a:pPr>
+            <a:r>
+              <a:rPr lang="en-US" sz="1400" dirty="0" smtClean="0"/>
+              <a:t>Each use case will have separate classes</a:t>
+            </a:r>
+            <a:endParaRPr lang="en-US" sz="1400" dirty="0" smtClean="0"/>
           </a:p>
           <a:p>
             <a:pPr marL="285750" indent="-285750">
@@ -4445,8 +5042,68 @@
             </a:pPr>
             <a:r>
               <a:rPr lang="en-US" sz="1400" dirty="0" smtClean="0"/>
-              <a:t>Persistence layer, will have dependency on the Domain (access to the entities)</a:t>
-            </a:r>
+              <a:t>Persistence layer, will have dependency on the Domain (access to the entities</a:t>
+            </a:r>
+            <a:r>
+              <a:rPr lang="en-US" sz="1400" dirty="0" smtClean="0"/>
+              <a:t>)</a:t>
+            </a:r>
+          </a:p>
+          <a:p>
+            <a:pPr marL="285750" indent="-285750">
+              <a:buFont typeface="Arial" panose="020B0604020202020204" pitchFamily="34" charset="0"/>
+              <a:buChar char="•"/>
+            </a:pPr>
+            <a:endParaRPr lang="en-US" sz="1400" dirty="0"/>
+          </a:p>
+          <a:p>
+            <a:r>
+              <a:rPr lang="en-US" sz="1400" b="1" dirty="0" smtClean="0"/>
+              <a:t>Recommendations</a:t>
+            </a:r>
+          </a:p>
+          <a:p>
+            <a:pPr marL="285750" indent="-285750">
+              <a:buFont typeface="Arial" panose="020B0604020202020204" pitchFamily="34" charset="0"/>
+              <a:buChar char="•"/>
+            </a:pPr>
+            <a:r>
+              <a:rPr lang="en-US" sz="1400" dirty="0" smtClean="0"/>
+              <a:t>Independent from frameworks</a:t>
+            </a:r>
+          </a:p>
+          <a:p>
+            <a:pPr marL="285750" indent="-285750">
+              <a:buFont typeface="Arial" panose="020B0604020202020204" pitchFamily="34" charset="0"/>
+              <a:buChar char="•"/>
+            </a:pPr>
+            <a:r>
+              <a:rPr lang="en-US" sz="1400" dirty="0" smtClean="0"/>
+              <a:t>Testable</a:t>
+            </a:r>
+          </a:p>
+          <a:p>
+            <a:pPr marL="285750" indent="-285750">
+              <a:buFont typeface="Arial" panose="020B0604020202020204" pitchFamily="34" charset="0"/>
+              <a:buChar char="•"/>
+            </a:pPr>
+            <a:r>
+              <a:rPr lang="en-US" sz="1400" dirty="0" smtClean="0"/>
+              <a:t>Independent from the interface</a:t>
+            </a:r>
+          </a:p>
+          <a:p>
+            <a:pPr marL="285750" indent="-285750">
+              <a:buFont typeface="Arial" panose="020B0604020202020204" pitchFamily="34" charset="0"/>
+              <a:buChar char="•"/>
+            </a:pPr>
+            <a:r>
+              <a:rPr lang="en-US" sz="1400" dirty="0" smtClean="0"/>
+              <a:t>Independent from the database</a:t>
+            </a:r>
+          </a:p>
+          <a:p>
+            <a:endParaRPr lang="en-US" sz="1400" dirty="0" smtClean="0"/>
           </a:p>
           <a:p>
             <a:pPr marL="285750" indent="-285750">
@@ -4478,6 +5135,1271 @@
 </file>
 
 <file path=ppt/slides/slide5.xml><?xml version="1.0" encoding="utf-8"?>
+<p:sld xmlns:a="http://schemas.openxmlformats.org/drawingml/2006/main" xmlns:r="http://schemas.openxmlformats.org/officeDocument/2006/relationships" xmlns:p="http://schemas.openxmlformats.org/presentationml/2006/main">
+  <p:cSld>
+    <p:spTree>
+      <p:nvGrpSpPr>
+        <p:cNvPr id="1" name=""/>
+        <p:cNvGrpSpPr/>
+        <p:nvPr/>
+      </p:nvGrpSpPr>
+      <p:grpSpPr>
+        <a:xfrm>
+          <a:off x="0" y="0"/>
+          <a:ext cx="0" cy="0"/>
+          <a:chOff x="0" y="0"/>
+          <a:chExt cx="0" cy="0"/>
+        </a:xfrm>
+      </p:grpSpPr>
+      <p:sp>
+        <p:nvSpPr>
+          <p:cNvPr id="60" name="Rounded Rectangle 59"/>
+          <p:cNvSpPr/>
+          <p:nvPr/>
+        </p:nvSpPr>
+        <p:spPr>
+          <a:xfrm>
+            <a:off x="7272977" y="2799472"/>
+            <a:ext cx="4862732" cy="3742006"/>
+          </a:xfrm>
+          <a:prstGeom prst="roundRect">
+            <a:avLst/>
+          </a:prstGeom>
+        </p:spPr>
+        <p:style>
+          <a:lnRef idx="2">
+            <a:schemeClr val="dk1"/>
+          </a:lnRef>
+          <a:fillRef idx="1">
+            <a:schemeClr val="lt1"/>
+          </a:fillRef>
+          <a:effectRef idx="0">
+            <a:schemeClr val="dk1"/>
+          </a:effectRef>
+          <a:fontRef idx="minor">
+            <a:schemeClr val="dk1"/>
+          </a:fontRef>
+        </p:style>
+        <p:txBody>
+          <a:bodyPr rtlCol="0" anchor="ctr"/>
+          <a:lstStyle/>
+          <a:p>
+            <a:pPr algn="ctr"/>
+            <a:endParaRPr lang="en-US"/>
+          </a:p>
+        </p:txBody>
+      </p:sp>
+      <p:sp>
+        <p:nvSpPr>
+          <p:cNvPr id="59" name="Rounded Rectangle 58"/>
+          <p:cNvSpPr/>
+          <p:nvPr/>
+        </p:nvSpPr>
+        <p:spPr>
+          <a:xfrm>
+            <a:off x="527035" y="2799472"/>
+            <a:ext cx="6155118" cy="3742006"/>
+          </a:xfrm>
+          <a:prstGeom prst="roundRect">
+            <a:avLst/>
+          </a:prstGeom>
+        </p:spPr>
+        <p:style>
+          <a:lnRef idx="2">
+            <a:schemeClr val="dk1"/>
+          </a:lnRef>
+          <a:fillRef idx="1">
+            <a:schemeClr val="lt1"/>
+          </a:fillRef>
+          <a:effectRef idx="0">
+            <a:schemeClr val="dk1"/>
+          </a:effectRef>
+          <a:fontRef idx="minor">
+            <a:schemeClr val="dk1"/>
+          </a:fontRef>
+        </p:style>
+        <p:txBody>
+          <a:bodyPr rtlCol="0" anchor="ctr"/>
+          <a:lstStyle/>
+          <a:p>
+            <a:pPr algn="ctr"/>
+            <a:endParaRPr lang="en-US"/>
+          </a:p>
+        </p:txBody>
+      </p:sp>
+      <p:sp>
+        <p:nvSpPr>
+          <p:cNvPr id="109" name="Title 1">
+            <a:extLst>
+              <a:ext uri="{FF2B5EF4-FFF2-40B4-BE49-F238E27FC236}">
+                <a16:creationId xmlns:a16="http://schemas.microsoft.com/office/drawing/2014/main" id="{78C07964-174A-4A54-84D3-E88913B49D0E}"/>
+              </a:ext>
+            </a:extLst>
+          </p:cNvPr>
+          <p:cNvSpPr txBox="1">
+            <a:spLocks/>
+          </p:cNvSpPr>
+          <p:nvPr/>
+        </p:nvSpPr>
+        <p:spPr>
+          <a:xfrm>
+            <a:off x="555171" y="-4998"/>
+            <a:ext cx="11070772" cy="1039142"/>
+          </a:xfrm>
+          <a:prstGeom prst="rect">
+            <a:avLst/>
+          </a:prstGeom>
+        </p:spPr>
+        <p:txBody>
+          <a:bodyPr anchor="ctr"/>
+          <a:lstStyle>
+            <a:lvl1pPr algn="l" defTabSz="914400" rtl="0" eaLnBrk="1" latinLnBrk="0" hangingPunct="1">
+              <a:lnSpc>
+                <a:spcPct val="90000"/>
+              </a:lnSpc>
+              <a:spcBef>
+                <a:spcPct val="0"/>
+              </a:spcBef>
+              <a:buNone/>
+              <a:defRPr sz="4400" kern="1200">
+                <a:solidFill>
+                  <a:schemeClr val="tx1"/>
+                </a:solidFill>
+                <a:latin typeface="+mj-lt"/>
+                <a:ea typeface="+mj-ea"/>
+                <a:cs typeface="+mj-cs"/>
+              </a:defRPr>
+            </a:lvl1pPr>
+          </a:lstStyle>
+          <a:p>
+            <a:r>
+              <a:rPr lang="en-US" sz="3600" dirty="0" smtClean="0"/>
+              <a:t>Flow of control</a:t>
+            </a:r>
+            <a:endParaRPr lang="en-US" sz="3600" dirty="0"/>
+          </a:p>
+        </p:txBody>
+      </p:sp>
+      <p:sp>
+        <p:nvSpPr>
+          <p:cNvPr id="14" name="TextBox 13"/>
+          <p:cNvSpPr txBox="1"/>
+          <p:nvPr/>
+        </p:nvSpPr>
+        <p:spPr>
+          <a:xfrm>
+            <a:off x="555171" y="1230086"/>
+            <a:ext cx="11070772" cy="338554"/>
+          </a:xfrm>
+          <a:prstGeom prst="rect">
+            <a:avLst/>
+          </a:prstGeom>
+          <a:noFill/>
+        </p:spPr>
+        <p:txBody>
+          <a:bodyPr wrap="square" rtlCol="0">
+            <a:spAutoFit/>
+          </a:bodyPr>
+          <a:lstStyle/>
+          <a:p>
+            <a:r>
+              <a:rPr lang="en-US" sz="1600" dirty="0" smtClean="0"/>
+              <a:t>The flow of control and how it will be implemented in our web </a:t>
+            </a:r>
+            <a:r>
+              <a:rPr lang="en-US" sz="1600" dirty="0" err="1" smtClean="0"/>
+              <a:t>api</a:t>
+            </a:r>
+            <a:endParaRPr lang="en-US" sz="1400" dirty="0"/>
+          </a:p>
+        </p:txBody>
+      </p:sp>
+      <p:grpSp>
+        <p:nvGrpSpPr>
+          <p:cNvPr id="44" name="Group 43"/>
+          <p:cNvGrpSpPr/>
+          <p:nvPr/>
+        </p:nvGrpSpPr>
+        <p:grpSpPr>
+          <a:xfrm>
+            <a:off x="667777" y="2997595"/>
+            <a:ext cx="5806376" cy="3119505"/>
+            <a:chOff x="6013500" y="1815908"/>
+            <a:chExt cx="5806376" cy="3119505"/>
+          </a:xfrm>
+        </p:grpSpPr>
+        <p:sp>
+          <p:nvSpPr>
+            <p:cNvPr id="2" name="Rectangle 1"/>
+            <p:cNvSpPr/>
+            <p:nvPr/>
+          </p:nvSpPr>
+          <p:spPr>
+            <a:xfrm>
+              <a:off x="10382962" y="2196569"/>
+              <a:ext cx="1436914" cy="574766"/>
+            </a:xfrm>
+            <a:prstGeom prst="rect">
+              <a:avLst/>
+            </a:prstGeom>
+          </p:spPr>
+          <p:style>
+            <a:lnRef idx="0">
+              <a:schemeClr val="accent6"/>
+            </a:lnRef>
+            <a:fillRef idx="3">
+              <a:schemeClr val="accent6"/>
+            </a:fillRef>
+            <a:effectRef idx="3">
+              <a:schemeClr val="accent6"/>
+            </a:effectRef>
+            <a:fontRef idx="minor">
+              <a:schemeClr val="lt1"/>
+            </a:fontRef>
+          </p:style>
+          <p:txBody>
+            <a:bodyPr rtlCol="0" anchor="ctr"/>
+            <a:lstStyle/>
+            <a:p>
+              <a:pPr algn="ctr"/>
+              <a:r>
+                <a:rPr lang="en-US" sz="1400" dirty="0" smtClean="0"/>
+                <a:t>Use case output port</a:t>
+              </a:r>
+              <a:endParaRPr lang="en-US" sz="1400" dirty="0"/>
+            </a:p>
+          </p:txBody>
+        </p:sp>
+        <p:sp>
+          <p:nvSpPr>
+            <p:cNvPr id="16" name="Rectangle 15"/>
+            <p:cNvSpPr/>
+            <p:nvPr/>
+          </p:nvSpPr>
+          <p:spPr>
+            <a:xfrm>
+              <a:off x="10382962" y="3278608"/>
+              <a:ext cx="1436914" cy="574766"/>
+            </a:xfrm>
+            <a:prstGeom prst="rect">
+              <a:avLst/>
+            </a:prstGeom>
+          </p:spPr>
+          <p:style>
+            <a:lnRef idx="0">
+              <a:schemeClr val="accent6"/>
+            </a:lnRef>
+            <a:fillRef idx="3">
+              <a:schemeClr val="accent6"/>
+            </a:fillRef>
+            <a:effectRef idx="3">
+              <a:schemeClr val="accent6"/>
+            </a:effectRef>
+            <a:fontRef idx="minor">
+              <a:schemeClr val="lt1"/>
+            </a:fontRef>
+          </p:style>
+          <p:txBody>
+            <a:bodyPr rtlCol="0" anchor="ctr"/>
+            <a:lstStyle/>
+            <a:p>
+              <a:pPr algn="ctr"/>
+              <a:r>
+                <a:rPr lang="en-US" sz="1400" dirty="0" smtClean="0"/>
+                <a:t>Use case interactor</a:t>
+              </a:r>
+              <a:endParaRPr lang="en-US" sz="1400" dirty="0"/>
+            </a:p>
+          </p:txBody>
+        </p:sp>
+        <p:sp>
+          <p:nvSpPr>
+            <p:cNvPr id="17" name="Rectangle 16"/>
+            <p:cNvSpPr/>
+            <p:nvPr/>
+          </p:nvSpPr>
+          <p:spPr>
+            <a:xfrm>
+              <a:off x="10382962" y="4360647"/>
+              <a:ext cx="1436914" cy="574766"/>
+            </a:xfrm>
+            <a:prstGeom prst="rect">
+              <a:avLst/>
+            </a:prstGeom>
+          </p:spPr>
+          <p:style>
+            <a:lnRef idx="0">
+              <a:schemeClr val="accent6"/>
+            </a:lnRef>
+            <a:fillRef idx="3">
+              <a:schemeClr val="accent6"/>
+            </a:fillRef>
+            <a:effectRef idx="3">
+              <a:schemeClr val="accent6"/>
+            </a:effectRef>
+            <a:fontRef idx="minor">
+              <a:schemeClr val="lt1"/>
+            </a:fontRef>
+          </p:style>
+          <p:txBody>
+            <a:bodyPr rtlCol="0" anchor="ctr"/>
+            <a:lstStyle/>
+            <a:p>
+              <a:pPr algn="ctr"/>
+              <a:r>
+                <a:rPr lang="en-US" sz="1400" dirty="0" smtClean="0"/>
+                <a:t>Use case input port</a:t>
+              </a:r>
+              <a:endParaRPr lang="en-US" sz="1400" dirty="0"/>
+            </a:p>
+          </p:txBody>
+        </p:sp>
+        <p:sp>
+          <p:nvSpPr>
+            <p:cNvPr id="18" name="Rectangle 17"/>
+            <p:cNvSpPr/>
+            <p:nvPr/>
+          </p:nvSpPr>
+          <p:spPr>
+            <a:xfrm>
+              <a:off x="7922791" y="4360647"/>
+              <a:ext cx="1436914" cy="574766"/>
+            </a:xfrm>
+            <a:prstGeom prst="rect">
+              <a:avLst/>
+            </a:prstGeom>
+            <a:solidFill>
+              <a:srgbClr val="00B0F0"/>
+            </a:solidFill>
+          </p:spPr>
+          <p:style>
+            <a:lnRef idx="0">
+              <a:schemeClr val="accent6"/>
+            </a:lnRef>
+            <a:fillRef idx="3">
+              <a:schemeClr val="accent6"/>
+            </a:fillRef>
+            <a:effectRef idx="3">
+              <a:schemeClr val="accent6"/>
+            </a:effectRef>
+            <a:fontRef idx="minor">
+              <a:schemeClr val="lt1"/>
+            </a:fontRef>
+          </p:style>
+          <p:txBody>
+            <a:bodyPr rtlCol="0" anchor="ctr"/>
+            <a:lstStyle/>
+            <a:p>
+              <a:pPr algn="ctr"/>
+              <a:r>
+                <a:rPr lang="en-US" sz="1400" dirty="0" smtClean="0"/>
+                <a:t>Controller</a:t>
+              </a:r>
+              <a:endParaRPr lang="en-US" sz="1400" dirty="0"/>
+            </a:p>
+          </p:txBody>
+        </p:sp>
+        <p:sp>
+          <p:nvSpPr>
+            <p:cNvPr id="19" name="Rectangle 18"/>
+            <p:cNvSpPr/>
+            <p:nvPr/>
+          </p:nvSpPr>
+          <p:spPr>
+            <a:xfrm>
+              <a:off x="7922791" y="2196569"/>
+              <a:ext cx="1436914" cy="574766"/>
+            </a:xfrm>
+            <a:prstGeom prst="rect">
+              <a:avLst/>
+            </a:prstGeom>
+            <a:solidFill>
+              <a:srgbClr val="00B0F0"/>
+            </a:solidFill>
+          </p:spPr>
+          <p:style>
+            <a:lnRef idx="0">
+              <a:schemeClr val="accent6"/>
+            </a:lnRef>
+            <a:fillRef idx="3">
+              <a:schemeClr val="accent6"/>
+            </a:fillRef>
+            <a:effectRef idx="3">
+              <a:schemeClr val="accent6"/>
+            </a:effectRef>
+            <a:fontRef idx="minor">
+              <a:schemeClr val="lt1"/>
+            </a:fontRef>
+          </p:style>
+          <p:txBody>
+            <a:bodyPr rtlCol="0" anchor="ctr"/>
+            <a:lstStyle/>
+            <a:p>
+              <a:pPr algn="ctr"/>
+              <a:r>
+                <a:rPr lang="en-US" sz="1400" dirty="0" smtClean="0"/>
+                <a:t>Presenter</a:t>
+              </a:r>
+              <a:endParaRPr lang="en-US" sz="1400" dirty="0"/>
+            </a:p>
+          </p:txBody>
+        </p:sp>
+        <p:cxnSp>
+          <p:nvCxnSpPr>
+            <p:cNvPr id="20" name="Straight Arrow Connector 19"/>
+            <p:cNvCxnSpPr>
+              <a:stCxn id="18" idx="3"/>
+              <a:endCxn id="17" idx="1"/>
+            </p:cNvCxnSpPr>
+            <p:nvPr/>
+          </p:nvCxnSpPr>
+          <p:spPr>
+            <a:xfrm>
+              <a:off x="9359705" y="4648030"/>
+              <a:ext cx="1023257" cy="0"/>
+            </a:xfrm>
+            <a:prstGeom prst="straightConnector1">
+              <a:avLst/>
+            </a:prstGeom>
+            <a:ln w="22225">
+              <a:solidFill>
+                <a:schemeClr val="accent1">
+                  <a:lumMod val="50000"/>
+                </a:schemeClr>
+              </a:solidFill>
+              <a:tailEnd type="triangle"/>
+            </a:ln>
+          </p:spPr>
+          <p:style>
+            <a:lnRef idx="1">
+              <a:schemeClr val="accent1"/>
+            </a:lnRef>
+            <a:fillRef idx="0">
+              <a:schemeClr val="accent1"/>
+            </a:fillRef>
+            <a:effectRef idx="0">
+              <a:schemeClr val="accent1"/>
+            </a:effectRef>
+            <a:fontRef idx="minor">
+              <a:schemeClr val="tx1"/>
+            </a:fontRef>
+          </p:style>
+        </p:cxnSp>
+        <p:cxnSp>
+          <p:nvCxnSpPr>
+            <p:cNvPr id="22" name="Straight Arrow Connector 21"/>
+            <p:cNvCxnSpPr>
+              <a:stCxn id="16" idx="2"/>
+              <a:endCxn id="17" idx="0"/>
+            </p:cNvCxnSpPr>
+            <p:nvPr/>
+          </p:nvCxnSpPr>
+          <p:spPr>
+            <a:xfrm>
+              <a:off x="11101419" y="3853374"/>
+              <a:ext cx="0" cy="507273"/>
+            </a:xfrm>
+            <a:prstGeom prst="straightConnector1">
+              <a:avLst/>
+            </a:prstGeom>
+            <a:ln w="22225">
+              <a:solidFill>
+                <a:schemeClr val="accent1">
+                  <a:lumMod val="50000"/>
+                </a:schemeClr>
+              </a:solidFill>
+              <a:prstDash val="dash"/>
+              <a:tailEnd type="triangle"/>
+            </a:ln>
+          </p:spPr>
+          <p:style>
+            <a:lnRef idx="1">
+              <a:schemeClr val="accent1"/>
+            </a:lnRef>
+            <a:fillRef idx="0">
+              <a:schemeClr val="accent1"/>
+            </a:fillRef>
+            <a:effectRef idx="0">
+              <a:schemeClr val="accent1"/>
+            </a:effectRef>
+            <a:fontRef idx="minor">
+              <a:schemeClr val="tx1"/>
+            </a:fontRef>
+          </p:style>
+        </p:cxnSp>
+        <p:cxnSp>
+          <p:nvCxnSpPr>
+            <p:cNvPr id="24" name="Straight Arrow Connector 23"/>
+            <p:cNvCxnSpPr>
+              <a:stCxn id="16" idx="0"/>
+              <a:endCxn id="2" idx="2"/>
+            </p:cNvCxnSpPr>
+            <p:nvPr/>
+          </p:nvCxnSpPr>
+          <p:spPr>
+            <a:xfrm flipV="1">
+              <a:off x="11101419" y="2771335"/>
+              <a:ext cx="0" cy="507273"/>
+            </a:xfrm>
+            <a:prstGeom prst="straightConnector1">
+              <a:avLst/>
+            </a:prstGeom>
+            <a:ln w="22225">
+              <a:solidFill>
+                <a:schemeClr val="accent1">
+                  <a:lumMod val="50000"/>
+                </a:schemeClr>
+              </a:solidFill>
+              <a:tailEnd type="triangle"/>
+            </a:ln>
+          </p:spPr>
+          <p:style>
+            <a:lnRef idx="1">
+              <a:schemeClr val="accent1"/>
+            </a:lnRef>
+            <a:fillRef idx="0">
+              <a:schemeClr val="accent1"/>
+            </a:fillRef>
+            <a:effectRef idx="0">
+              <a:schemeClr val="accent1"/>
+            </a:effectRef>
+            <a:fontRef idx="minor">
+              <a:schemeClr val="tx1"/>
+            </a:fontRef>
+          </p:style>
+        </p:cxnSp>
+        <p:cxnSp>
+          <p:nvCxnSpPr>
+            <p:cNvPr id="26" name="Straight Arrow Connector 25"/>
+            <p:cNvCxnSpPr>
+              <a:stCxn id="19" idx="3"/>
+              <a:endCxn id="2" idx="1"/>
+            </p:cNvCxnSpPr>
+            <p:nvPr/>
+          </p:nvCxnSpPr>
+          <p:spPr>
+            <a:xfrm>
+              <a:off x="9359705" y="2483952"/>
+              <a:ext cx="1023257" cy="0"/>
+            </a:xfrm>
+            <a:prstGeom prst="straightConnector1">
+              <a:avLst/>
+            </a:prstGeom>
+            <a:ln w="22225">
+              <a:solidFill>
+                <a:schemeClr val="accent1">
+                  <a:lumMod val="50000"/>
+                </a:schemeClr>
+              </a:solidFill>
+              <a:prstDash val="dash"/>
+              <a:tailEnd type="triangle"/>
+            </a:ln>
+          </p:spPr>
+          <p:style>
+            <a:lnRef idx="1">
+              <a:schemeClr val="accent1"/>
+            </a:lnRef>
+            <a:fillRef idx="0">
+              <a:schemeClr val="accent1"/>
+            </a:fillRef>
+            <a:effectRef idx="0">
+              <a:schemeClr val="accent1"/>
+            </a:effectRef>
+            <a:fontRef idx="minor">
+              <a:schemeClr val="tx1"/>
+            </a:fontRef>
+          </p:style>
+        </p:cxnSp>
+        <p:sp>
+          <p:nvSpPr>
+            <p:cNvPr id="37" name="Curved Up Arrow 36"/>
+            <p:cNvSpPr/>
+            <p:nvPr/>
+          </p:nvSpPr>
+          <p:spPr>
+            <a:xfrm rot="16446340">
+              <a:off x="8953873" y="3027716"/>
+              <a:ext cx="1554480" cy="914400"/>
+            </a:xfrm>
+            <a:prstGeom prst="curvedUpArrow">
+              <a:avLst/>
+            </a:prstGeom>
+            <a:solidFill>
+              <a:schemeClr val="accent4">
+                <a:lumMod val="40000"/>
+                <a:lumOff val="60000"/>
+              </a:schemeClr>
+            </a:solidFill>
+          </p:spPr>
+          <p:style>
+            <a:lnRef idx="2">
+              <a:schemeClr val="accent1">
+                <a:shade val="50000"/>
+              </a:schemeClr>
+            </a:lnRef>
+            <a:fillRef idx="1">
+              <a:schemeClr val="accent1"/>
+            </a:fillRef>
+            <a:effectRef idx="0">
+              <a:schemeClr val="accent1"/>
+            </a:effectRef>
+            <a:fontRef idx="minor">
+              <a:schemeClr val="lt1"/>
+            </a:fontRef>
+          </p:style>
+          <p:txBody>
+            <a:bodyPr rtlCol="0" anchor="ctr"/>
+            <a:lstStyle/>
+            <a:p>
+              <a:pPr algn="ctr"/>
+              <a:endParaRPr lang="en-US">
+                <a:solidFill>
+                  <a:schemeClr val="tx1"/>
+                </a:solidFill>
+              </a:endParaRPr>
+            </a:p>
+          </p:txBody>
+        </p:sp>
+        <p:sp>
+          <p:nvSpPr>
+            <p:cNvPr id="38" name="TextBox 37"/>
+            <p:cNvSpPr txBox="1"/>
+            <p:nvPr/>
+          </p:nvSpPr>
+          <p:spPr>
+            <a:xfrm>
+              <a:off x="9194207" y="3253767"/>
+              <a:ext cx="759439" cy="523220"/>
+            </a:xfrm>
+            <a:prstGeom prst="rect">
+              <a:avLst/>
+            </a:prstGeom>
+            <a:noFill/>
+          </p:spPr>
+          <p:txBody>
+            <a:bodyPr wrap="none" rtlCol="0">
+              <a:spAutoFit/>
+            </a:bodyPr>
+            <a:lstStyle/>
+            <a:p>
+              <a:r>
+                <a:rPr lang="en-US" sz="1400" dirty="0" smtClean="0"/>
+                <a:t>Flow of </a:t>
+              </a:r>
+            </a:p>
+            <a:p>
+              <a:r>
+                <a:rPr lang="en-US" sz="1400" dirty="0" smtClean="0"/>
+                <a:t>control</a:t>
+              </a:r>
+              <a:endParaRPr lang="en-US" sz="1400" dirty="0"/>
+            </a:p>
+          </p:txBody>
+        </p:sp>
+        <p:sp>
+          <p:nvSpPr>
+            <p:cNvPr id="40" name="TextBox 39"/>
+            <p:cNvSpPr txBox="1"/>
+            <p:nvPr/>
+          </p:nvSpPr>
+          <p:spPr>
+            <a:xfrm>
+              <a:off x="6119683" y="4494141"/>
+              <a:ext cx="1201483" cy="307777"/>
+            </a:xfrm>
+            <a:prstGeom prst="rect">
+              <a:avLst/>
+            </a:prstGeom>
+            <a:solidFill>
+              <a:schemeClr val="accent2">
+                <a:lumMod val="60000"/>
+                <a:lumOff val="40000"/>
+              </a:schemeClr>
+            </a:solidFill>
+          </p:spPr>
+          <p:txBody>
+            <a:bodyPr wrap="none" rtlCol="0">
+              <a:spAutoFit/>
+            </a:bodyPr>
+            <a:lstStyle/>
+            <a:p>
+              <a:r>
+                <a:rPr lang="en-US" sz="1400" dirty="0" smtClean="0"/>
+                <a:t>HTTP Request</a:t>
+              </a:r>
+              <a:endParaRPr lang="en-US" sz="1400" dirty="0"/>
+            </a:p>
+          </p:txBody>
+        </p:sp>
+        <p:sp>
+          <p:nvSpPr>
+            <p:cNvPr id="41" name="TextBox 40"/>
+            <p:cNvSpPr txBox="1"/>
+            <p:nvPr/>
+          </p:nvSpPr>
+          <p:spPr>
+            <a:xfrm>
+              <a:off x="6013500" y="2330063"/>
+              <a:ext cx="1307666" cy="307777"/>
+            </a:xfrm>
+            <a:prstGeom prst="rect">
+              <a:avLst/>
+            </a:prstGeom>
+            <a:solidFill>
+              <a:schemeClr val="accent2">
+                <a:lumMod val="60000"/>
+                <a:lumOff val="40000"/>
+              </a:schemeClr>
+            </a:solidFill>
+          </p:spPr>
+          <p:txBody>
+            <a:bodyPr wrap="none" rtlCol="0">
+              <a:spAutoFit/>
+            </a:bodyPr>
+            <a:lstStyle/>
+            <a:p>
+              <a:r>
+                <a:rPr lang="en-US" sz="1400" dirty="0" smtClean="0"/>
+                <a:t>HTTP Response</a:t>
+              </a:r>
+              <a:endParaRPr lang="en-US" sz="1400" dirty="0"/>
+            </a:p>
+          </p:txBody>
+        </p:sp>
+        <p:sp>
+          <p:nvSpPr>
+            <p:cNvPr id="39" name="Right Arrow 38"/>
+            <p:cNvSpPr/>
+            <p:nvPr/>
+          </p:nvSpPr>
+          <p:spPr>
+            <a:xfrm>
+              <a:off x="7420142" y="4537743"/>
+              <a:ext cx="289456" cy="220571"/>
+            </a:xfrm>
+            <a:prstGeom prst="rightArrow">
+              <a:avLst/>
+            </a:prstGeom>
+            <a:solidFill>
+              <a:srgbClr val="FFFF00"/>
+            </a:solidFill>
+            <a:effectLst>
+              <a:outerShdw blurRad="50800" dist="38100" dir="2700000" algn="tl" rotWithShape="0">
+                <a:prstClr val="black">
+                  <a:alpha val="40000"/>
+                </a:prstClr>
+              </a:outerShdw>
+            </a:effectLst>
+          </p:spPr>
+          <p:style>
+            <a:lnRef idx="2">
+              <a:schemeClr val="accent1">
+                <a:shade val="50000"/>
+              </a:schemeClr>
+            </a:lnRef>
+            <a:fillRef idx="1">
+              <a:schemeClr val="accent1"/>
+            </a:fillRef>
+            <a:effectRef idx="0">
+              <a:schemeClr val="accent1"/>
+            </a:effectRef>
+            <a:fontRef idx="minor">
+              <a:schemeClr val="lt1"/>
+            </a:fontRef>
+          </p:style>
+          <p:txBody>
+            <a:bodyPr rtlCol="0" anchor="ctr"/>
+            <a:lstStyle/>
+            <a:p>
+              <a:pPr algn="ctr"/>
+              <a:endParaRPr lang="en-US"/>
+            </a:p>
+          </p:txBody>
+        </p:sp>
+        <p:sp>
+          <p:nvSpPr>
+            <p:cNvPr id="42" name="Left Arrow 41"/>
+            <p:cNvSpPr/>
+            <p:nvPr/>
+          </p:nvSpPr>
+          <p:spPr>
+            <a:xfrm>
+              <a:off x="7420142" y="2385206"/>
+              <a:ext cx="289456" cy="225048"/>
+            </a:xfrm>
+            <a:prstGeom prst="leftArrow">
+              <a:avLst/>
+            </a:prstGeom>
+            <a:solidFill>
+              <a:srgbClr val="FFFF00"/>
+            </a:solidFill>
+            <a:effectLst>
+              <a:outerShdw blurRad="50800" dist="38100" dir="2700000" algn="tl" rotWithShape="0">
+                <a:prstClr val="black">
+                  <a:alpha val="40000"/>
+                </a:prstClr>
+              </a:outerShdw>
+            </a:effectLst>
+          </p:spPr>
+          <p:style>
+            <a:lnRef idx="2">
+              <a:schemeClr val="accent1">
+                <a:shade val="50000"/>
+              </a:schemeClr>
+            </a:lnRef>
+            <a:fillRef idx="1">
+              <a:schemeClr val="accent1"/>
+            </a:fillRef>
+            <a:effectRef idx="0">
+              <a:schemeClr val="accent1"/>
+            </a:effectRef>
+            <a:fontRef idx="minor">
+              <a:schemeClr val="lt1"/>
+            </a:fontRef>
+          </p:style>
+          <p:txBody>
+            <a:bodyPr rtlCol="0" anchor="ctr"/>
+            <a:lstStyle/>
+            <a:p>
+              <a:pPr algn="ctr"/>
+              <a:endParaRPr lang="en-US"/>
+            </a:p>
+          </p:txBody>
+        </p:sp>
+        <p:sp>
+          <p:nvSpPr>
+            <p:cNvPr id="45" name="TextBox 44"/>
+            <p:cNvSpPr txBox="1"/>
+            <p:nvPr/>
+          </p:nvSpPr>
+          <p:spPr>
+            <a:xfrm>
+              <a:off x="10595479" y="1815908"/>
+              <a:ext cx="1036374" cy="307777"/>
+            </a:xfrm>
+            <a:prstGeom prst="rect">
+              <a:avLst/>
+            </a:prstGeom>
+            <a:noFill/>
+          </p:spPr>
+          <p:txBody>
+            <a:bodyPr wrap="none" rtlCol="0">
+              <a:spAutoFit/>
+            </a:bodyPr>
+            <a:lstStyle/>
+            <a:p>
+              <a:r>
+                <a:rPr lang="en-US" sz="1400" b="1" dirty="0" smtClean="0"/>
+                <a:t>Application</a:t>
+              </a:r>
+              <a:endParaRPr lang="en-US" sz="1400" b="1" dirty="0"/>
+            </a:p>
+          </p:txBody>
+        </p:sp>
+        <p:sp>
+          <p:nvSpPr>
+            <p:cNvPr id="46" name="TextBox 45"/>
+            <p:cNvSpPr txBox="1"/>
+            <p:nvPr/>
+          </p:nvSpPr>
+          <p:spPr>
+            <a:xfrm>
+              <a:off x="8427888" y="1827640"/>
+              <a:ext cx="437940" cy="307777"/>
+            </a:xfrm>
+            <a:prstGeom prst="rect">
+              <a:avLst/>
+            </a:prstGeom>
+            <a:noFill/>
+          </p:spPr>
+          <p:txBody>
+            <a:bodyPr wrap="none" rtlCol="0">
+              <a:spAutoFit/>
+            </a:bodyPr>
+            <a:lstStyle/>
+            <a:p>
+              <a:r>
+                <a:rPr lang="en-US" sz="1400" b="1" dirty="0" smtClean="0"/>
+                <a:t>API</a:t>
+              </a:r>
+              <a:endParaRPr lang="en-US" sz="1400" b="1" dirty="0"/>
+            </a:p>
+          </p:txBody>
+        </p:sp>
+      </p:grpSp>
+      <p:sp>
+        <p:nvSpPr>
+          <p:cNvPr id="47" name="Rounded Rectangle 46"/>
+          <p:cNvSpPr/>
+          <p:nvPr/>
+        </p:nvSpPr>
+        <p:spPr>
+          <a:xfrm>
+            <a:off x="7737231" y="3317104"/>
+            <a:ext cx="1561514" cy="574766"/>
+          </a:xfrm>
+          <a:prstGeom prst="roundRect">
+            <a:avLst/>
+          </a:prstGeom>
+        </p:spPr>
+        <p:style>
+          <a:lnRef idx="2">
+            <a:schemeClr val="accent2"/>
+          </a:lnRef>
+          <a:fillRef idx="1">
+            <a:schemeClr val="lt1"/>
+          </a:fillRef>
+          <a:effectRef idx="0">
+            <a:schemeClr val="accent2"/>
+          </a:effectRef>
+          <a:fontRef idx="minor">
+            <a:schemeClr val="dk1"/>
+          </a:fontRef>
+        </p:style>
+        <p:txBody>
+          <a:bodyPr rtlCol="0" anchor="ctr"/>
+          <a:lstStyle/>
+          <a:p>
+            <a:pPr algn="ctr"/>
+            <a:r>
+              <a:rPr lang="en-US" sz="1400" dirty="0" smtClean="0"/>
+              <a:t>Object out</a:t>
+            </a:r>
+            <a:endParaRPr lang="en-US" sz="1400" dirty="0"/>
+          </a:p>
+        </p:txBody>
+      </p:sp>
+      <p:sp>
+        <p:nvSpPr>
+          <p:cNvPr id="49" name="Rounded Rectangle 48"/>
+          <p:cNvSpPr/>
+          <p:nvPr/>
+        </p:nvSpPr>
+        <p:spPr>
+          <a:xfrm>
+            <a:off x="7737231" y="4460295"/>
+            <a:ext cx="1561514" cy="574766"/>
+          </a:xfrm>
+          <a:prstGeom prst="roundRect">
+            <a:avLst/>
+          </a:prstGeom>
+        </p:spPr>
+        <p:style>
+          <a:lnRef idx="2">
+            <a:schemeClr val="accent2"/>
+          </a:lnRef>
+          <a:fillRef idx="1">
+            <a:schemeClr val="lt1"/>
+          </a:fillRef>
+          <a:effectRef idx="0">
+            <a:schemeClr val="accent2"/>
+          </a:effectRef>
+          <a:fontRef idx="minor">
+            <a:schemeClr val="dk1"/>
+          </a:fontRef>
+        </p:style>
+        <p:txBody>
+          <a:bodyPr rtlCol="0" anchor="ctr"/>
+          <a:lstStyle/>
+          <a:p>
+            <a:pPr algn="ctr"/>
+            <a:r>
+              <a:rPr lang="en-US" sz="1400" dirty="0" smtClean="0"/>
+              <a:t>Mediator Handler</a:t>
+            </a:r>
+            <a:endParaRPr lang="en-US" sz="1400" dirty="0"/>
+          </a:p>
+        </p:txBody>
+      </p:sp>
+      <p:sp>
+        <p:nvSpPr>
+          <p:cNvPr id="50" name="Rounded Rectangle 49"/>
+          <p:cNvSpPr/>
+          <p:nvPr/>
+        </p:nvSpPr>
+        <p:spPr>
+          <a:xfrm>
+            <a:off x="7737231" y="5538463"/>
+            <a:ext cx="1561514" cy="574766"/>
+          </a:xfrm>
+          <a:prstGeom prst="roundRect">
+            <a:avLst/>
+          </a:prstGeom>
+        </p:spPr>
+        <p:style>
+          <a:lnRef idx="2">
+            <a:schemeClr val="accent2"/>
+          </a:lnRef>
+          <a:fillRef idx="1">
+            <a:schemeClr val="lt1"/>
+          </a:fillRef>
+          <a:effectRef idx="0">
+            <a:schemeClr val="accent2"/>
+          </a:effectRef>
+          <a:fontRef idx="minor">
+            <a:schemeClr val="dk1"/>
+          </a:fontRef>
+        </p:style>
+        <p:txBody>
+          <a:bodyPr rtlCol="0" anchor="ctr"/>
+          <a:lstStyle/>
+          <a:p>
+            <a:pPr algn="ctr"/>
+            <a:r>
+              <a:rPr lang="en-US" sz="1400" dirty="0" err="1" smtClean="0"/>
+              <a:t>Mediator.Send</a:t>
+            </a:r>
+            <a:r>
+              <a:rPr lang="en-US" sz="1400" dirty="0" smtClean="0"/>
+              <a:t>()</a:t>
+            </a:r>
+            <a:endParaRPr lang="en-US" sz="1400" dirty="0"/>
+          </a:p>
+        </p:txBody>
+      </p:sp>
+      <p:sp>
+        <p:nvSpPr>
+          <p:cNvPr id="51" name="Rounded Rectangle 50"/>
+          <p:cNvSpPr/>
+          <p:nvPr/>
+        </p:nvSpPr>
+        <p:spPr>
+          <a:xfrm>
+            <a:off x="10367889" y="4460295"/>
+            <a:ext cx="1561514" cy="574766"/>
+          </a:xfrm>
+          <a:prstGeom prst="roundRect">
+            <a:avLst/>
+          </a:prstGeom>
+        </p:spPr>
+        <p:style>
+          <a:lnRef idx="2">
+            <a:schemeClr val="accent2"/>
+          </a:lnRef>
+          <a:fillRef idx="1">
+            <a:schemeClr val="lt1"/>
+          </a:fillRef>
+          <a:effectRef idx="0">
+            <a:schemeClr val="accent2"/>
+          </a:effectRef>
+          <a:fontRef idx="minor">
+            <a:schemeClr val="dk1"/>
+          </a:fontRef>
+        </p:style>
+        <p:txBody>
+          <a:bodyPr rtlCol="0" anchor="ctr"/>
+          <a:lstStyle/>
+          <a:p>
+            <a:pPr algn="ctr"/>
+            <a:r>
+              <a:rPr lang="en-US" sz="1400" dirty="0" smtClean="0"/>
+              <a:t>API Controller</a:t>
+            </a:r>
+            <a:endParaRPr lang="en-US" sz="1400" dirty="0"/>
+          </a:p>
+        </p:txBody>
+      </p:sp>
+      <p:cxnSp>
+        <p:nvCxnSpPr>
+          <p:cNvPr id="52" name="Straight Arrow Connector 51"/>
+          <p:cNvCxnSpPr>
+            <a:stCxn id="51" idx="2"/>
+            <a:endCxn id="50" idx="3"/>
+          </p:cNvCxnSpPr>
+          <p:nvPr/>
+        </p:nvCxnSpPr>
+        <p:spPr>
+          <a:xfrm flipH="1">
+            <a:off x="9298745" y="5035061"/>
+            <a:ext cx="1849901" cy="790785"/>
+          </a:xfrm>
+          <a:prstGeom prst="straightConnector1">
+            <a:avLst/>
+          </a:prstGeom>
+          <a:ln w="22225">
+            <a:tailEnd type="triangle"/>
+          </a:ln>
+        </p:spPr>
+        <p:style>
+          <a:lnRef idx="1">
+            <a:schemeClr val="accent1"/>
+          </a:lnRef>
+          <a:fillRef idx="0">
+            <a:schemeClr val="accent1"/>
+          </a:fillRef>
+          <a:effectRef idx="0">
+            <a:schemeClr val="accent1"/>
+          </a:effectRef>
+          <a:fontRef idx="minor">
+            <a:schemeClr val="tx1"/>
+          </a:fontRef>
+        </p:style>
+      </p:cxnSp>
+      <p:cxnSp>
+        <p:nvCxnSpPr>
+          <p:cNvPr id="54" name="Straight Arrow Connector 53"/>
+          <p:cNvCxnSpPr>
+            <a:stCxn id="50" idx="0"/>
+            <a:endCxn id="49" idx="2"/>
+          </p:cNvCxnSpPr>
+          <p:nvPr/>
+        </p:nvCxnSpPr>
+        <p:spPr>
+          <a:xfrm flipV="1">
+            <a:off x="8517988" y="5035061"/>
+            <a:ext cx="0" cy="503402"/>
+          </a:xfrm>
+          <a:prstGeom prst="straightConnector1">
+            <a:avLst/>
+          </a:prstGeom>
+          <a:ln w="22225">
+            <a:tailEnd type="triangle"/>
+          </a:ln>
+        </p:spPr>
+        <p:style>
+          <a:lnRef idx="1">
+            <a:schemeClr val="accent1"/>
+          </a:lnRef>
+          <a:fillRef idx="0">
+            <a:schemeClr val="accent1"/>
+          </a:fillRef>
+          <a:effectRef idx="0">
+            <a:schemeClr val="accent1"/>
+          </a:effectRef>
+          <a:fontRef idx="minor">
+            <a:schemeClr val="tx1"/>
+          </a:fontRef>
+        </p:style>
+      </p:cxnSp>
+      <p:cxnSp>
+        <p:nvCxnSpPr>
+          <p:cNvPr id="56" name="Straight Arrow Connector 55"/>
+          <p:cNvCxnSpPr>
+            <a:stCxn id="49" idx="0"/>
+            <a:endCxn id="47" idx="2"/>
+          </p:cNvCxnSpPr>
+          <p:nvPr/>
+        </p:nvCxnSpPr>
+        <p:spPr>
+          <a:xfrm flipV="1">
+            <a:off x="8517988" y="3891870"/>
+            <a:ext cx="0" cy="568425"/>
+          </a:xfrm>
+          <a:prstGeom prst="straightConnector1">
+            <a:avLst/>
+          </a:prstGeom>
+          <a:ln w="22225">
+            <a:tailEnd type="triangle"/>
+          </a:ln>
+        </p:spPr>
+        <p:style>
+          <a:lnRef idx="1">
+            <a:schemeClr val="accent1"/>
+          </a:lnRef>
+          <a:fillRef idx="0">
+            <a:schemeClr val="accent1"/>
+          </a:fillRef>
+          <a:effectRef idx="0">
+            <a:schemeClr val="accent1"/>
+          </a:effectRef>
+          <a:fontRef idx="minor">
+            <a:schemeClr val="tx1"/>
+          </a:fontRef>
+        </p:style>
+      </p:cxnSp>
+      <p:cxnSp>
+        <p:nvCxnSpPr>
+          <p:cNvPr id="58" name="Straight Arrow Connector 57"/>
+          <p:cNvCxnSpPr>
+            <a:stCxn id="47" idx="3"/>
+            <a:endCxn id="51" idx="0"/>
+          </p:cNvCxnSpPr>
+          <p:nvPr/>
+        </p:nvCxnSpPr>
+        <p:spPr>
+          <a:xfrm>
+            <a:off x="9298745" y="3604487"/>
+            <a:ext cx="1849901" cy="855808"/>
+          </a:xfrm>
+          <a:prstGeom prst="straightConnector1">
+            <a:avLst/>
+          </a:prstGeom>
+          <a:ln w="22225">
+            <a:tailEnd type="triangle"/>
+          </a:ln>
+        </p:spPr>
+        <p:style>
+          <a:lnRef idx="1">
+            <a:schemeClr val="accent1"/>
+          </a:lnRef>
+          <a:fillRef idx="0">
+            <a:schemeClr val="accent1"/>
+          </a:fillRef>
+          <a:effectRef idx="0">
+            <a:schemeClr val="accent1"/>
+          </a:effectRef>
+          <a:fontRef idx="minor">
+            <a:schemeClr val="tx1"/>
+          </a:fontRef>
+        </p:style>
+      </p:cxnSp>
+      <p:sp>
+        <p:nvSpPr>
+          <p:cNvPr id="62" name="TextBox 61"/>
+          <p:cNvSpPr txBox="1"/>
+          <p:nvPr/>
+        </p:nvSpPr>
+        <p:spPr>
+          <a:xfrm>
+            <a:off x="10185705" y="5348217"/>
+            <a:ext cx="936475" cy="523220"/>
+          </a:xfrm>
+          <a:prstGeom prst="rect">
+            <a:avLst/>
+          </a:prstGeom>
+          <a:noFill/>
+        </p:spPr>
+        <p:txBody>
+          <a:bodyPr wrap="none" rtlCol="0">
+            <a:spAutoFit/>
+          </a:bodyPr>
+          <a:lstStyle/>
+          <a:p>
+            <a:r>
+              <a:rPr lang="en-US" sz="1400" dirty="0" smtClean="0"/>
+              <a:t>Query or </a:t>
+            </a:r>
+          </a:p>
+          <a:p>
+            <a:r>
+              <a:rPr lang="en-US" sz="1400" dirty="0" smtClean="0"/>
+              <a:t>Command</a:t>
+            </a:r>
+            <a:endParaRPr lang="en-US" sz="1400" dirty="0"/>
+          </a:p>
+        </p:txBody>
+      </p:sp>
+    </p:spTree>
+    <p:extLst>
+      <p:ext uri="{BB962C8B-B14F-4D97-AF65-F5344CB8AC3E}">
+        <p14:creationId xmlns:p14="http://schemas.microsoft.com/office/powerpoint/2010/main" val="2534320306"/>
+      </p:ext>
+    </p:extLst>
+  </p:cSld>
+  <p:clrMapOvr>
+    <a:masterClrMapping/>
+  </p:clrMapOvr>
+  <p:timing>
+    <p:tnLst>
+      <p:par>
+        <p:cTn id="1" dur="indefinite" restart="never" nodeType="tmRoot"/>
+      </p:par>
+    </p:tnLst>
+  </p:timing>
+</p:sld>
+</file>
+
+<file path=ppt/slides/slide6.xml><?xml version="1.0" encoding="utf-8"?>
 <p:sld xmlns:a="http://schemas.openxmlformats.org/drawingml/2006/main" xmlns:r="http://schemas.openxmlformats.org/officeDocument/2006/relationships" xmlns:p="http://schemas.openxmlformats.org/presentationml/2006/main">
   <p:cSld>
     <p:spTree>
@@ -4541,6 +6463,1163 @@
           <a:p>
             <a:r>
               <a:rPr lang="en-US" sz="3600" dirty="0" smtClean="0"/>
+              <a:t>CQRS</a:t>
+            </a:r>
+            <a:endParaRPr lang="en-US" sz="3600" dirty="0"/>
+          </a:p>
+        </p:txBody>
+      </p:sp>
+      <p:sp>
+        <p:nvSpPr>
+          <p:cNvPr id="3" name="TextBox 2"/>
+          <p:cNvSpPr txBox="1"/>
+          <p:nvPr/>
+        </p:nvSpPr>
+        <p:spPr>
+          <a:xfrm>
+            <a:off x="555171" y="1294226"/>
+            <a:ext cx="5015635" cy="1231106"/>
+          </a:xfrm>
+          <a:prstGeom prst="rect">
+            <a:avLst/>
+          </a:prstGeom>
+          <a:noFill/>
+        </p:spPr>
+        <p:txBody>
+          <a:bodyPr wrap="square" rtlCol="0">
+            <a:spAutoFit/>
+          </a:bodyPr>
+          <a:lstStyle/>
+          <a:p>
+            <a:r>
+              <a:rPr lang="en-US" b="1" dirty="0" smtClean="0"/>
+              <a:t>Command</a:t>
+            </a:r>
+          </a:p>
+          <a:p>
+            <a:pPr marL="285750" indent="-285750">
+              <a:buFont typeface="Arial" panose="020B0604020202020204" pitchFamily="34" charset="0"/>
+              <a:buChar char="•"/>
+            </a:pPr>
+            <a:endParaRPr lang="en-US" sz="1400" dirty="0" smtClean="0"/>
+          </a:p>
+          <a:p>
+            <a:pPr marL="285750" indent="-285750">
+              <a:buFont typeface="Arial" panose="020B0604020202020204" pitchFamily="34" charset="0"/>
+              <a:buChar char="•"/>
+            </a:pPr>
+            <a:r>
+              <a:rPr lang="en-US" sz="1400" dirty="0" smtClean="0"/>
+              <a:t>Does something</a:t>
+            </a:r>
+          </a:p>
+          <a:p>
+            <a:pPr marL="285750" indent="-285750">
+              <a:buFont typeface="Arial" panose="020B0604020202020204" pitchFamily="34" charset="0"/>
+              <a:buChar char="•"/>
+            </a:pPr>
+            <a:r>
+              <a:rPr lang="en-US" sz="1400" dirty="0" smtClean="0"/>
+              <a:t>Modifies state</a:t>
+            </a:r>
+          </a:p>
+          <a:p>
+            <a:pPr marL="285750" indent="-285750">
+              <a:buFont typeface="Arial" panose="020B0604020202020204" pitchFamily="34" charset="0"/>
+              <a:buChar char="•"/>
+            </a:pPr>
+            <a:r>
+              <a:rPr lang="en-US" sz="1400" dirty="0" smtClean="0"/>
+              <a:t>Should not return a value</a:t>
+            </a:r>
+            <a:endParaRPr lang="en-US" sz="1400" dirty="0"/>
+          </a:p>
+        </p:txBody>
+      </p:sp>
+      <p:sp>
+        <p:nvSpPr>
+          <p:cNvPr id="34" name="TextBox 33"/>
+          <p:cNvSpPr txBox="1"/>
+          <p:nvPr/>
+        </p:nvSpPr>
+        <p:spPr>
+          <a:xfrm>
+            <a:off x="6090558" y="1294226"/>
+            <a:ext cx="5535386" cy="1231106"/>
+          </a:xfrm>
+          <a:prstGeom prst="rect">
+            <a:avLst/>
+          </a:prstGeom>
+          <a:noFill/>
+        </p:spPr>
+        <p:txBody>
+          <a:bodyPr wrap="square" rtlCol="0">
+            <a:spAutoFit/>
+          </a:bodyPr>
+          <a:lstStyle/>
+          <a:p>
+            <a:r>
+              <a:rPr lang="en-US" b="1" dirty="0" smtClean="0"/>
+              <a:t>Query</a:t>
+            </a:r>
+          </a:p>
+          <a:p>
+            <a:pPr marL="285750" indent="-285750">
+              <a:buFont typeface="Arial" panose="020B0604020202020204" pitchFamily="34" charset="0"/>
+              <a:buChar char="•"/>
+            </a:pPr>
+            <a:endParaRPr lang="en-US" sz="1400" dirty="0" smtClean="0"/>
+          </a:p>
+          <a:p>
+            <a:pPr marL="285750" indent="-285750">
+              <a:buFont typeface="Arial" panose="020B0604020202020204" pitchFamily="34" charset="0"/>
+              <a:buChar char="•"/>
+            </a:pPr>
+            <a:r>
+              <a:rPr lang="en-US" sz="1400" dirty="0" smtClean="0"/>
+              <a:t>Answers a question</a:t>
+            </a:r>
+          </a:p>
+          <a:p>
+            <a:pPr marL="285750" indent="-285750">
+              <a:buFont typeface="Arial" panose="020B0604020202020204" pitchFamily="34" charset="0"/>
+              <a:buChar char="•"/>
+            </a:pPr>
+            <a:r>
+              <a:rPr lang="en-US" sz="1400" dirty="0" smtClean="0"/>
+              <a:t>Does not modify state</a:t>
+            </a:r>
+          </a:p>
+          <a:p>
+            <a:pPr marL="285750" indent="-285750">
+              <a:buFont typeface="Arial" panose="020B0604020202020204" pitchFamily="34" charset="0"/>
+              <a:buChar char="•"/>
+            </a:pPr>
+            <a:r>
+              <a:rPr lang="en-US" sz="1400" dirty="0" smtClean="0"/>
+              <a:t>Should return a value</a:t>
+            </a:r>
+            <a:endParaRPr lang="en-US" sz="1400" dirty="0"/>
+          </a:p>
+        </p:txBody>
+      </p:sp>
+      <p:sp>
+        <p:nvSpPr>
+          <p:cNvPr id="4" name="Rounded Rectangle 3"/>
+          <p:cNvSpPr/>
+          <p:nvPr/>
+        </p:nvSpPr>
+        <p:spPr>
+          <a:xfrm>
+            <a:off x="4529798" y="3066757"/>
+            <a:ext cx="900332" cy="323557"/>
+          </a:xfrm>
+          <a:prstGeom prst="roundRect">
+            <a:avLst/>
+          </a:prstGeom>
+          <a:solidFill>
+            <a:srgbClr val="7030A0"/>
+          </a:solidFill>
+        </p:spPr>
+        <p:style>
+          <a:lnRef idx="2">
+            <a:schemeClr val="accent1">
+              <a:shade val="50000"/>
+            </a:schemeClr>
+          </a:lnRef>
+          <a:fillRef idx="1">
+            <a:schemeClr val="accent1"/>
+          </a:fillRef>
+          <a:effectRef idx="0">
+            <a:schemeClr val="accent1"/>
+          </a:effectRef>
+          <a:fontRef idx="minor">
+            <a:schemeClr val="lt1"/>
+          </a:fontRef>
+        </p:style>
+        <p:txBody>
+          <a:bodyPr rtlCol="0" anchor="ctr"/>
+          <a:lstStyle/>
+          <a:p>
+            <a:pPr algn="ctr"/>
+            <a:r>
+              <a:rPr lang="en-US" sz="1400" dirty="0" smtClean="0"/>
+              <a:t>API</a:t>
+            </a:r>
+            <a:endParaRPr lang="en-US" sz="1400" dirty="0"/>
+          </a:p>
+        </p:txBody>
+      </p:sp>
+      <p:sp>
+        <p:nvSpPr>
+          <p:cNvPr id="36" name="Rounded Rectangle 35"/>
+          <p:cNvSpPr/>
+          <p:nvPr/>
+        </p:nvSpPr>
+        <p:spPr>
+          <a:xfrm>
+            <a:off x="6006906" y="3727948"/>
+            <a:ext cx="1167618" cy="337625"/>
+          </a:xfrm>
+          <a:prstGeom prst="roundRect">
+            <a:avLst/>
+          </a:prstGeom>
+          <a:solidFill>
+            <a:schemeClr val="accent5">
+              <a:lumMod val="50000"/>
+            </a:schemeClr>
+          </a:solidFill>
+          <a:effectLst>
+            <a:outerShdw blurRad="50800" dist="38100" dir="2700000" algn="tl" rotWithShape="0">
+              <a:prstClr val="black">
+                <a:alpha val="40000"/>
+              </a:prstClr>
+            </a:outerShdw>
+          </a:effectLst>
+        </p:spPr>
+        <p:style>
+          <a:lnRef idx="2">
+            <a:schemeClr val="accent1">
+              <a:shade val="50000"/>
+            </a:schemeClr>
+          </a:lnRef>
+          <a:fillRef idx="1">
+            <a:schemeClr val="accent1"/>
+          </a:fillRef>
+          <a:effectRef idx="0">
+            <a:schemeClr val="accent1"/>
+          </a:effectRef>
+          <a:fontRef idx="minor">
+            <a:schemeClr val="lt1"/>
+          </a:fontRef>
+        </p:style>
+        <p:txBody>
+          <a:bodyPr rtlCol="0" anchor="ctr"/>
+          <a:lstStyle/>
+          <a:p>
+            <a:pPr algn="ctr"/>
+            <a:r>
+              <a:rPr lang="en-US" sz="1400" dirty="0" smtClean="0"/>
+              <a:t>Command</a:t>
+            </a:r>
+            <a:endParaRPr lang="en-US" sz="1400" dirty="0"/>
+          </a:p>
+        </p:txBody>
+      </p:sp>
+      <p:sp>
+        <p:nvSpPr>
+          <p:cNvPr id="43" name="Rounded Rectangle 42"/>
+          <p:cNvSpPr/>
+          <p:nvPr/>
+        </p:nvSpPr>
+        <p:spPr>
+          <a:xfrm>
+            <a:off x="6006906" y="5264754"/>
+            <a:ext cx="1167618" cy="337625"/>
+          </a:xfrm>
+          <a:prstGeom prst="roundRect">
+            <a:avLst/>
+          </a:prstGeom>
+          <a:solidFill>
+            <a:schemeClr val="accent5">
+              <a:lumMod val="50000"/>
+            </a:schemeClr>
+          </a:solidFill>
+          <a:effectLst>
+            <a:outerShdw blurRad="50800" dist="38100" dir="2700000" algn="tl" rotWithShape="0">
+              <a:prstClr val="black">
+                <a:alpha val="40000"/>
+              </a:prstClr>
+            </a:outerShdw>
+          </a:effectLst>
+        </p:spPr>
+        <p:style>
+          <a:lnRef idx="2">
+            <a:schemeClr val="accent1">
+              <a:shade val="50000"/>
+            </a:schemeClr>
+          </a:lnRef>
+          <a:fillRef idx="1">
+            <a:schemeClr val="accent1"/>
+          </a:fillRef>
+          <a:effectRef idx="0">
+            <a:schemeClr val="accent1"/>
+          </a:effectRef>
+          <a:fontRef idx="minor">
+            <a:schemeClr val="lt1"/>
+          </a:fontRef>
+        </p:style>
+        <p:txBody>
+          <a:bodyPr rtlCol="0" anchor="ctr"/>
+          <a:lstStyle/>
+          <a:p>
+            <a:pPr algn="ctr"/>
+            <a:r>
+              <a:rPr lang="en-US" sz="1400" dirty="0" smtClean="0"/>
+              <a:t>Persistence</a:t>
+            </a:r>
+            <a:endParaRPr lang="en-US" sz="1400" dirty="0"/>
+          </a:p>
+        </p:txBody>
+      </p:sp>
+      <p:sp>
+        <p:nvSpPr>
+          <p:cNvPr id="48" name="Rounded Rectangle 47"/>
+          <p:cNvSpPr/>
+          <p:nvPr/>
+        </p:nvSpPr>
+        <p:spPr>
+          <a:xfrm>
+            <a:off x="6006906" y="4491030"/>
+            <a:ext cx="1167618" cy="337625"/>
+          </a:xfrm>
+          <a:prstGeom prst="roundRect">
+            <a:avLst/>
+          </a:prstGeom>
+          <a:solidFill>
+            <a:schemeClr val="accent5">
+              <a:lumMod val="50000"/>
+            </a:schemeClr>
+          </a:solidFill>
+          <a:effectLst>
+            <a:outerShdw blurRad="50800" dist="38100" dir="2700000" algn="tl" rotWithShape="0">
+              <a:prstClr val="black">
+                <a:alpha val="40000"/>
+              </a:prstClr>
+            </a:outerShdw>
+          </a:effectLst>
+        </p:spPr>
+        <p:style>
+          <a:lnRef idx="2">
+            <a:schemeClr val="accent1">
+              <a:shade val="50000"/>
+            </a:schemeClr>
+          </a:lnRef>
+          <a:fillRef idx="1">
+            <a:schemeClr val="accent1"/>
+          </a:fillRef>
+          <a:effectRef idx="0">
+            <a:schemeClr val="accent1"/>
+          </a:effectRef>
+          <a:fontRef idx="minor">
+            <a:schemeClr val="lt1"/>
+          </a:fontRef>
+        </p:style>
+        <p:txBody>
+          <a:bodyPr rtlCol="0" anchor="ctr"/>
+          <a:lstStyle/>
+          <a:p>
+            <a:pPr algn="ctr"/>
+            <a:r>
+              <a:rPr lang="en-US" sz="1400" dirty="0" smtClean="0"/>
+              <a:t>Domain</a:t>
+            </a:r>
+            <a:endParaRPr lang="en-US" sz="1400" dirty="0"/>
+          </a:p>
+        </p:txBody>
+      </p:sp>
+      <p:sp>
+        <p:nvSpPr>
+          <p:cNvPr id="5" name="Flowchart: Magnetic Disk 4"/>
+          <p:cNvSpPr/>
+          <p:nvPr/>
+        </p:nvSpPr>
+        <p:spPr>
+          <a:xfrm>
+            <a:off x="6231989" y="6027836"/>
+            <a:ext cx="717452" cy="534573"/>
+          </a:xfrm>
+          <a:prstGeom prst="flowChartMagneticDisk">
+            <a:avLst/>
+          </a:prstGeom>
+          <a:solidFill>
+            <a:schemeClr val="accent5">
+              <a:lumMod val="50000"/>
+            </a:schemeClr>
+          </a:solidFill>
+          <a:effectLst>
+            <a:outerShdw blurRad="50800" dist="38100" dir="2700000" algn="tl" rotWithShape="0">
+              <a:prstClr val="black">
+                <a:alpha val="40000"/>
+              </a:prstClr>
+            </a:outerShdw>
+          </a:effectLst>
+        </p:spPr>
+        <p:style>
+          <a:lnRef idx="2">
+            <a:schemeClr val="accent1">
+              <a:shade val="50000"/>
+            </a:schemeClr>
+          </a:lnRef>
+          <a:fillRef idx="1">
+            <a:schemeClr val="accent1"/>
+          </a:fillRef>
+          <a:effectRef idx="0">
+            <a:schemeClr val="accent1"/>
+          </a:effectRef>
+          <a:fontRef idx="minor">
+            <a:schemeClr val="lt1"/>
+          </a:fontRef>
+        </p:style>
+        <p:txBody>
+          <a:bodyPr rtlCol="0" anchor="ctr"/>
+          <a:lstStyle/>
+          <a:p>
+            <a:pPr algn="ctr"/>
+            <a:endParaRPr lang="en-US"/>
+          </a:p>
+        </p:txBody>
+      </p:sp>
+      <p:cxnSp>
+        <p:nvCxnSpPr>
+          <p:cNvPr id="7" name="Straight Arrow Connector 6"/>
+          <p:cNvCxnSpPr>
+            <a:stCxn id="36" idx="2"/>
+            <a:endCxn id="48" idx="0"/>
+          </p:cNvCxnSpPr>
+          <p:nvPr/>
+        </p:nvCxnSpPr>
+        <p:spPr>
+          <a:xfrm>
+            <a:off x="6590715" y="4065573"/>
+            <a:ext cx="0" cy="425457"/>
+          </a:xfrm>
+          <a:prstGeom prst="straightConnector1">
+            <a:avLst/>
+          </a:prstGeom>
+          <a:ln w="25400">
+            <a:solidFill>
+              <a:schemeClr val="accent5">
+                <a:lumMod val="50000"/>
+              </a:schemeClr>
+            </a:solidFill>
+            <a:tailEnd type="triangle"/>
+          </a:ln>
+          <a:effectLst>
+            <a:outerShdw blurRad="50800" dist="38100" dir="2700000" algn="tl" rotWithShape="0">
+              <a:prstClr val="black">
+                <a:alpha val="40000"/>
+              </a:prstClr>
+            </a:outerShdw>
+          </a:effectLst>
+        </p:spPr>
+        <p:style>
+          <a:lnRef idx="1">
+            <a:schemeClr val="accent1"/>
+          </a:lnRef>
+          <a:fillRef idx="0">
+            <a:schemeClr val="accent1"/>
+          </a:fillRef>
+          <a:effectRef idx="0">
+            <a:schemeClr val="accent1"/>
+          </a:effectRef>
+          <a:fontRef idx="minor">
+            <a:schemeClr val="tx1"/>
+          </a:fontRef>
+        </p:style>
+      </p:cxnSp>
+      <p:cxnSp>
+        <p:nvCxnSpPr>
+          <p:cNvPr id="9" name="Straight Arrow Connector 8"/>
+          <p:cNvCxnSpPr>
+            <a:stCxn id="48" idx="2"/>
+            <a:endCxn id="43" idx="0"/>
+          </p:cNvCxnSpPr>
+          <p:nvPr/>
+        </p:nvCxnSpPr>
+        <p:spPr>
+          <a:xfrm>
+            <a:off x="6590715" y="4828655"/>
+            <a:ext cx="0" cy="436099"/>
+          </a:xfrm>
+          <a:prstGeom prst="straightConnector1">
+            <a:avLst/>
+          </a:prstGeom>
+          <a:ln w="25400">
+            <a:solidFill>
+              <a:schemeClr val="accent5">
+                <a:lumMod val="50000"/>
+              </a:schemeClr>
+            </a:solidFill>
+            <a:tailEnd type="triangle"/>
+          </a:ln>
+          <a:effectLst>
+            <a:outerShdw blurRad="50800" dist="38100" dir="2700000" algn="tl" rotWithShape="0">
+              <a:prstClr val="black">
+                <a:alpha val="40000"/>
+              </a:prstClr>
+            </a:outerShdw>
+          </a:effectLst>
+        </p:spPr>
+        <p:style>
+          <a:lnRef idx="1">
+            <a:schemeClr val="accent1"/>
+          </a:lnRef>
+          <a:fillRef idx="0">
+            <a:schemeClr val="accent1"/>
+          </a:fillRef>
+          <a:effectRef idx="0">
+            <a:schemeClr val="accent1"/>
+          </a:effectRef>
+          <a:fontRef idx="minor">
+            <a:schemeClr val="tx1"/>
+          </a:fontRef>
+        </p:style>
+      </p:cxnSp>
+      <p:cxnSp>
+        <p:nvCxnSpPr>
+          <p:cNvPr id="11" name="Straight Arrow Connector 10"/>
+          <p:cNvCxnSpPr>
+            <a:stCxn id="43" idx="2"/>
+            <a:endCxn id="5" idx="1"/>
+          </p:cNvCxnSpPr>
+          <p:nvPr/>
+        </p:nvCxnSpPr>
+        <p:spPr>
+          <a:xfrm>
+            <a:off x="6590715" y="5602379"/>
+            <a:ext cx="0" cy="425457"/>
+          </a:xfrm>
+          <a:prstGeom prst="straightConnector1">
+            <a:avLst/>
+          </a:prstGeom>
+          <a:ln w="25400">
+            <a:solidFill>
+              <a:schemeClr val="accent5">
+                <a:lumMod val="50000"/>
+              </a:schemeClr>
+            </a:solidFill>
+            <a:tailEnd type="triangle"/>
+          </a:ln>
+          <a:effectLst>
+            <a:outerShdw blurRad="50800" dist="38100" dir="2700000" algn="tl" rotWithShape="0">
+              <a:prstClr val="black">
+                <a:alpha val="40000"/>
+              </a:prstClr>
+            </a:outerShdw>
+          </a:effectLst>
+        </p:spPr>
+        <p:style>
+          <a:lnRef idx="1">
+            <a:schemeClr val="accent1"/>
+          </a:lnRef>
+          <a:fillRef idx="0">
+            <a:schemeClr val="accent1"/>
+          </a:fillRef>
+          <a:effectRef idx="0">
+            <a:schemeClr val="accent1"/>
+          </a:effectRef>
+          <a:fontRef idx="minor">
+            <a:schemeClr val="tx1"/>
+          </a:fontRef>
+        </p:style>
+      </p:cxnSp>
+      <p:sp>
+        <p:nvSpPr>
+          <p:cNvPr id="53" name="Rounded Rectangle 52"/>
+          <p:cNvSpPr/>
+          <p:nvPr/>
+        </p:nvSpPr>
+        <p:spPr>
+          <a:xfrm>
+            <a:off x="2684586" y="5264754"/>
+            <a:ext cx="1167618" cy="337625"/>
+          </a:xfrm>
+          <a:prstGeom prst="roundRect">
+            <a:avLst/>
+          </a:prstGeom>
+          <a:solidFill>
+            <a:srgbClr val="00B050"/>
+          </a:solidFill>
+          <a:effectLst>
+            <a:outerShdw blurRad="50800" dist="38100" dir="2700000" algn="tl" rotWithShape="0">
+              <a:prstClr val="black">
+                <a:alpha val="40000"/>
+              </a:prstClr>
+            </a:outerShdw>
+          </a:effectLst>
+        </p:spPr>
+        <p:style>
+          <a:lnRef idx="2">
+            <a:schemeClr val="accent1">
+              <a:shade val="50000"/>
+            </a:schemeClr>
+          </a:lnRef>
+          <a:fillRef idx="1">
+            <a:schemeClr val="accent1"/>
+          </a:fillRef>
+          <a:effectRef idx="0">
+            <a:schemeClr val="accent1"/>
+          </a:effectRef>
+          <a:fontRef idx="minor">
+            <a:schemeClr val="lt1"/>
+          </a:fontRef>
+        </p:style>
+        <p:txBody>
+          <a:bodyPr rtlCol="0" anchor="ctr"/>
+          <a:lstStyle/>
+          <a:p>
+            <a:pPr algn="ctr"/>
+            <a:r>
+              <a:rPr lang="en-US" sz="1400" dirty="0" smtClean="0"/>
+              <a:t>Data access</a:t>
+            </a:r>
+            <a:endParaRPr lang="en-US" sz="1400" dirty="0"/>
+          </a:p>
+        </p:txBody>
+      </p:sp>
+      <p:sp>
+        <p:nvSpPr>
+          <p:cNvPr id="55" name="Rounded Rectangle 54"/>
+          <p:cNvSpPr/>
+          <p:nvPr/>
+        </p:nvSpPr>
+        <p:spPr>
+          <a:xfrm>
+            <a:off x="2684586" y="3727948"/>
+            <a:ext cx="1167618" cy="337625"/>
+          </a:xfrm>
+          <a:prstGeom prst="roundRect">
+            <a:avLst/>
+          </a:prstGeom>
+          <a:solidFill>
+            <a:srgbClr val="00B050"/>
+          </a:solidFill>
+          <a:effectLst>
+            <a:outerShdw blurRad="50800" dist="38100" dir="2700000" algn="tl" rotWithShape="0">
+              <a:prstClr val="black">
+                <a:alpha val="40000"/>
+              </a:prstClr>
+            </a:outerShdw>
+          </a:effectLst>
+        </p:spPr>
+        <p:style>
+          <a:lnRef idx="2">
+            <a:schemeClr val="accent1">
+              <a:shade val="50000"/>
+            </a:schemeClr>
+          </a:lnRef>
+          <a:fillRef idx="1">
+            <a:schemeClr val="accent1"/>
+          </a:fillRef>
+          <a:effectRef idx="0">
+            <a:schemeClr val="accent1"/>
+          </a:effectRef>
+          <a:fontRef idx="minor">
+            <a:schemeClr val="lt1"/>
+          </a:fontRef>
+        </p:style>
+        <p:txBody>
+          <a:bodyPr rtlCol="0" anchor="ctr"/>
+          <a:lstStyle/>
+          <a:p>
+            <a:pPr algn="ctr"/>
+            <a:r>
+              <a:rPr lang="en-US" sz="1400" dirty="0" smtClean="0"/>
+              <a:t>Query</a:t>
+            </a:r>
+            <a:endParaRPr lang="en-US" sz="1400" dirty="0"/>
+          </a:p>
+        </p:txBody>
+      </p:sp>
+      <p:sp>
+        <p:nvSpPr>
+          <p:cNvPr id="57" name="Flowchart: Magnetic Disk 56"/>
+          <p:cNvSpPr/>
+          <p:nvPr/>
+        </p:nvSpPr>
+        <p:spPr>
+          <a:xfrm>
+            <a:off x="2909669" y="6027836"/>
+            <a:ext cx="717452" cy="534573"/>
+          </a:xfrm>
+          <a:prstGeom prst="flowChartMagneticDisk">
+            <a:avLst/>
+          </a:prstGeom>
+          <a:solidFill>
+            <a:srgbClr val="00B050"/>
+          </a:solidFill>
+          <a:effectLst>
+            <a:outerShdw blurRad="50800" dist="38100" dir="2700000" algn="tl" rotWithShape="0">
+              <a:prstClr val="black">
+                <a:alpha val="40000"/>
+              </a:prstClr>
+            </a:outerShdw>
+          </a:effectLst>
+        </p:spPr>
+        <p:style>
+          <a:lnRef idx="2">
+            <a:schemeClr val="accent1">
+              <a:shade val="50000"/>
+            </a:schemeClr>
+          </a:lnRef>
+          <a:fillRef idx="1">
+            <a:schemeClr val="accent1"/>
+          </a:fillRef>
+          <a:effectRef idx="0">
+            <a:schemeClr val="accent1"/>
+          </a:effectRef>
+          <a:fontRef idx="minor">
+            <a:schemeClr val="lt1"/>
+          </a:fontRef>
+        </p:style>
+        <p:txBody>
+          <a:bodyPr rtlCol="0" anchor="ctr"/>
+          <a:lstStyle/>
+          <a:p>
+            <a:pPr algn="ctr"/>
+            <a:endParaRPr lang="en-US"/>
+          </a:p>
+        </p:txBody>
+      </p:sp>
+      <p:cxnSp>
+        <p:nvCxnSpPr>
+          <p:cNvPr id="25" name="Straight Arrow Connector 24"/>
+          <p:cNvCxnSpPr>
+            <a:stCxn id="5" idx="2"/>
+            <a:endCxn id="57" idx="4"/>
+          </p:cNvCxnSpPr>
+          <p:nvPr/>
+        </p:nvCxnSpPr>
+        <p:spPr>
+          <a:xfrm flipH="1">
+            <a:off x="3627121" y="6295123"/>
+            <a:ext cx="2604868" cy="0"/>
+          </a:xfrm>
+          <a:prstGeom prst="straightConnector1">
+            <a:avLst/>
+          </a:prstGeom>
+          <a:ln w="25400">
+            <a:solidFill>
+              <a:srgbClr val="00B0F0"/>
+            </a:solidFill>
+            <a:tailEnd type="triangle"/>
+          </a:ln>
+          <a:effectLst>
+            <a:outerShdw blurRad="50800" dist="38100" dir="2700000" algn="tl" rotWithShape="0">
+              <a:prstClr val="black">
+                <a:alpha val="40000"/>
+              </a:prstClr>
+            </a:outerShdw>
+          </a:effectLst>
+        </p:spPr>
+        <p:style>
+          <a:lnRef idx="1">
+            <a:schemeClr val="accent1"/>
+          </a:lnRef>
+          <a:fillRef idx="0">
+            <a:schemeClr val="accent1"/>
+          </a:fillRef>
+          <a:effectRef idx="0">
+            <a:schemeClr val="accent1"/>
+          </a:effectRef>
+          <a:fontRef idx="minor">
+            <a:schemeClr val="tx1"/>
+          </a:fontRef>
+        </p:style>
+      </p:cxnSp>
+      <p:cxnSp>
+        <p:nvCxnSpPr>
+          <p:cNvPr id="28" name="Straight Arrow Connector 27"/>
+          <p:cNvCxnSpPr>
+            <a:stCxn id="57" idx="1"/>
+            <a:endCxn id="53" idx="2"/>
+          </p:cNvCxnSpPr>
+          <p:nvPr/>
+        </p:nvCxnSpPr>
+        <p:spPr>
+          <a:xfrm flipV="1">
+            <a:off x="3268395" y="5602379"/>
+            <a:ext cx="0" cy="425457"/>
+          </a:xfrm>
+          <a:prstGeom prst="straightConnector1">
+            <a:avLst/>
+          </a:prstGeom>
+          <a:ln w="25400">
+            <a:solidFill>
+              <a:srgbClr val="00B050"/>
+            </a:solidFill>
+            <a:tailEnd type="triangle"/>
+          </a:ln>
+          <a:effectLst>
+            <a:outerShdw blurRad="50800" dist="38100" dir="2700000" algn="tl" rotWithShape="0">
+              <a:prstClr val="black">
+                <a:alpha val="40000"/>
+              </a:prstClr>
+            </a:outerShdw>
+          </a:effectLst>
+        </p:spPr>
+        <p:style>
+          <a:lnRef idx="1">
+            <a:schemeClr val="accent1"/>
+          </a:lnRef>
+          <a:fillRef idx="0">
+            <a:schemeClr val="accent1"/>
+          </a:fillRef>
+          <a:effectRef idx="0">
+            <a:schemeClr val="accent1"/>
+          </a:effectRef>
+          <a:fontRef idx="minor">
+            <a:schemeClr val="tx1"/>
+          </a:fontRef>
+        </p:style>
+      </p:cxnSp>
+      <p:cxnSp>
+        <p:nvCxnSpPr>
+          <p:cNvPr id="30" name="Straight Arrow Connector 29"/>
+          <p:cNvCxnSpPr>
+            <a:stCxn id="53" idx="0"/>
+            <a:endCxn id="55" idx="2"/>
+          </p:cNvCxnSpPr>
+          <p:nvPr/>
+        </p:nvCxnSpPr>
+        <p:spPr>
+          <a:xfrm flipV="1">
+            <a:off x="3268395" y="4065573"/>
+            <a:ext cx="0" cy="1199181"/>
+          </a:xfrm>
+          <a:prstGeom prst="straightConnector1">
+            <a:avLst/>
+          </a:prstGeom>
+          <a:ln w="25400">
+            <a:solidFill>
+              <a:srgbClr val="00B050"/>
+            </a:solidFill>
+            <a:tailEnd type="triangle"/>
+          </a:ln>
+          <a:effectLst>
+            <a:outerShdw blurRad="50800" dist="38100" dir="2700000" algn="tl" rotWithShape="0">
+              <a:prstClr val="black">
+                <a:alpha val="40000"/>
+              </a:prstClr>
+            </a:outerShdw>
+          </a:effectLst>
+        </p:spPr>
+        <p:style>
+          <a:lnRef idx="1">
+            <a:schemeClr val="accent1"/>
+          </a:lnRef>
+          <a:fillRef idx="0">
+            <a:schemeClr val="accent1"/>
+          </a:fillRef>
+          <a:effectRef idx="0">
+            <a:schemeClr val="accent1"/>
+          </a:effectRef>
+          <a:fontRef idx="minor">
+            <a:schemeClr val="tx1"/>
+          </a:fontRef>
+        </p:style>
+      </p:cxnSp>
+      <p:cxnSp>
+        <p:nvCxnSpPr>
+          <p:cNvPr id="35" name="Elbow Connector 34"/>
+          <p:cNvCxnSpPr>
+            <a:stCxn id="55" idx="0"/>
+            <a:endCxn id="4" idx="1"/>
+          </p:cNvCxnSpPr>
+          <p:nvPr/>
+        </p:nvCxnSpPr>
+        <p:spPr>
+          <a:xfrm rot="5400000" flipH="1" flipV="1">
+            <a:off x="3649390" y="2847541"/>
+            <a:ext cx="499412" cy="1261403"/>
+          </a:xfrm>
+          <a:prstGeom prst="bentConnector2">
+            <a:avLst/>
+          </a:prstGeom>
+          <a:ln w="25400">
+            <a:solidFill>
+              <a:srgbClr val="00B050"/>
+            </a:solidFill>
+            <a:tailEnd type="triangle"/>
+          </a:ln>
+          <a:effectLst>
+            <a:outerShdw blurRad="50800" dist="38100" dir="2700000" algn="tl" rotWithShape="0">
+              <a:prstClr val="black">
+                <a:alpha val="40000"/>
+              </a:prstClr>
+            </a:outerShdw>
+          </a:effectLst>
+        </p:spPr>
+        <p:style>
+          <a:lnRef idx="1">
+            <a:schemeClr val="accent1"/>
+          </a:lnRef>
+          <a:fillRef idx="0">
+            <a:schemeClr val="accent1"/>
+          </a:fillRef>
+          <a:effectRef idx="0">
+            <a:schemeClr val="accent1"/>
+          </a:effectRef>
+          <a:fontRef idx="minor">
+            <a:schemeClr val="tx1"/>
+          </a:fontRef>
+        </p:style>
+      </p:cxnSp>
+      <p:cxnSp>
+        <p:nvCxnSpPr>
+          <p:cNvPr id="65" name="Elbow Connector 64"/>
+          <p:cNvCxnSpPr>
+            <a:stCxn id="4" idx="3"/>
+            <a:endCxn id="36" idx="0"/>
+          </p:cNvCxnSpPr>
+          <p:nvPr/>
+        </p:nvCxnSpPr>
+        <p:spPr>
+          <a:xfrm>
+            <a:off x="5430130" y="3228536"/>
+            <a:ext cx="1160585" cy="499412"/>
+          </a:xfrm>
+          <a:prstGeom prst="bentConnector2">
+            <a:avLst/>
+          </a:prstGeom>
+          <a:ln w="25400">
+            <a:solidFill>
+              <a:schemeClr val="accent5">
+                <a:lumMod val="50000"/>
+              </a:schemeClr>
+            </a:solidFill>
+            <a:tailEnd type="triangle"/>
+          </a:ln>
+          <a:effectLst>
+            <a:outerShdw blurRad="50800" dist="38100" dir="2700000" algn="tl" rotWithShape="0">
+              <a:prstClr val="black">
+                <a:alpha val="40000"/>
+              </a:prstClr>
+            </a:outerShdw>
+          </a:effectLst>
+        </p:spPr>
+        <p:style>
+          <a:lnRef idx="1">
+            <a:schemeClr val="accent1"/>
+          </a:lnRef>
+          <a:fillRef idx="0">
+            <a:schemeClr val="accent1"/>
+          </a:fillRef>
+          <a:effectRef idx="0">
+            <a:schemeClr val="accent1"/>
+          </a:effectRef>
+          <a:fontRef idx="minor">
+            <a:schemeClr val="tx1"/>
+          </a:fontRef>
+        </p:style>
+      </p:cxnSp>
+      <p:sp>
+        <p:nvSpPr>
+          <p:cNvPr id="68" name="TextBox 67"/>
+          <p:cNvSpPr txBox="1"/>
+          <p:nvPr/>
+        </p:nvSpPr>
+        <p:spPr>
+          <a:xfrm>
+            <a:off x="4041749" y="6008276"/>
+            <a:ext cx="1699311" cy="307777"/>
+          </a:xfrm>
+          <a:prstGeom prst="rect">
+            <a:avLst/>
+          </a:prstGeom>
+          <a:noFill/>
+        </p:spPr>
+        <p:txBody>
+          <a:bodyPr wrap="none" rtlCol="0">
+            <a:spAutoFit/>
+          </a:bodyPr>
+          <a:lstStyle/>
+          <a:p>
+            <a:r>
+              <a:rPr lang="en-US" sz="1400" dirty="0" smtClean="0"/>
+              <a:t>Eventual consistency</a:t>
+            </a:r>
+            <a:endParaRPr lang="en-US" sz="1400" dirty="0"/>
+          </a:p>
+        </p:txBody>
+      </p:sp>
+      <p:sp>
+        <p:nvSpPr>
+          <p:cNvPr id="70" name="TextBox 69"/>
+          <p:cNvSpPr txBox="1"/>
+          <p:nvPr/>
+        </p:nvSpPr>
+        <p:spPr>
+          <a:xfrm>
+            <a:off x="7005342" y="6054443"/>
+            <a:ext cx="974947" cy="523220"/>
+          </a:xfrm>
+          <a:prstGeom prst="rect">
+            <a:avLst/>
+          </a:prstGeom>
+          <a:noFill/>
+        </p:spPr>
+        <p:txBody>
+          <a:bodyPr wrap="none" rtlCol="0">
+            <a:spAutoFit/>
+          </a:bodyPr>
+          <a:lstStyle/>
+          <a:p>
+            <a:r>
+              <a:rPr lang="en-US" sz="1400" dirty="0" smtClean="0"/>
+              <a:t>Optimized </a:t>
+            </a:r>
+          </a:p>
+          <a:p>
+            <a:r>
+              <a:rPr lang="en-US" sz="1400" dirty="0" smtClean="0"/>
+              <a:t>for write</a:t>
+            </a:r>
+            <a:endParaRPr lang="en-US" sz="1400" dirty="0"/>
+          </a:p>
+        </p:txBody>
+      </p:sp>
+      <p:sp>
+        <p:nvSpPr>
+          <p:cNvPr id="71" name="TextBox 70"/>
+          <p:cNvSpPr txBox="1"/>
+          <p:nvPr/>
+        </p:nvSpPr>
+        <p:spPr>
+          <a:xfrm>
+            <a:off x="1867695" y="6054443"/>
+            <a:ext cx="974947" cy="523220"/>
+          </a:xfrm>
+          <a:prstGeom prst="rect">
+            <a:avLst/>
+          </a:prstGeom>
+          <a:noFill/>
+        </p:spPr>
+        <p:txBody>
+          <a:bodyPr wrap="none" rtlCol="0">
+            <a:spAutoFit/>
+          </a:bodyPr>
+          <a:lstStyle/>
+          <a:p>
+            <a:r>
+              <a:rPr lang="en-US" sz="1400" dirty="0" smtClean="0"/>
+              <a:t>Optimized </a:t>
+            </a:r>
+          </a:p>
+          <a:p>
+            <a:r>
+              <a:rPr lang="en-US" sz="1400" dirty="0" smtClean="0"/>
+              <a:t>for read</a:t>
+            </a:r>
+            <a:endParaRPr lang="en-US" sz="1400" dirty="0"/>
+          </a:p>
+        </p:txBody>
+      </p:sp>
+      <p:sp>
+        <p:nvSpPr>
+          <p:cNvPr id="72" name="TextBox 71"/>
+          <p:cNvSpPr txBox="1"/>
+          <p:nvPr/>
+        </p:nvSpPr>
+        <p:spPr>
+          <a:xfrm>
+            <a:off x="9329226" y="5264754"/>
+            <a:ext cx="2577101" cy="1169551"/>
+          </a:xfrm>
+          <a:prstGeom prst="rect">
+            <a:avLst/>
+          </a:prstGeom>
+          <a:noFill/>
+        </p:spPr>
+        <p:txBody>
+          <a:bodyPr wrap="square" rtlCol="0">
+            <a:spAutoFit/>
+          </a:bodyPr>
+          <a:lstStyle/>
+          <a:p>
+            <a:r>
+              <a:rPr lang="en-US" sz="1400" dirty="0" smtClean="0"/>
+              <a:t>Note: Single data base will be used for the implementation. However, it’s ideal to have separate databases for read and write.</a:t>
+            </a:r>
+            <a:endParaRPr lang="en-US" sz="1400" dirty="0"/>
+          </a:p>
+        </p:txBody>
+      </p:sp>
+    </p:spTree>
+    <p:extLst>
+      <p:ext uri="{BB962C8B-B14F-4D97-AF65-F5344CB8AC3E}">
+        <p14:creationId xmlns:p14="http://schemas.microsoft.com/office/powerpoint/2010/main" val="3391512536"/>
+      </p:ext>
+    </p:extLst>
+  </p:cSld>
+  <p:clrMapOvr>
+    <a:masterClrMapping/>
+  </p:clrMapOvr>
+  <p:timing>
+    <p:tnLst>
+      <p:par>
+        <p:cTn id="1" dur="indefinite" restart="never" nodeType="tmRoot"/>
+      </p:par>
+    </p:tnLst>
+  </p:timing>
+</p:sld>
+</file>
+
+<file path=ppt/slides/slide7.xml><?xml version="1.0" encoding="utf-8"?>
+<p:sld xmlns:a="http://schemas.openxmlformats.org/drawingml/2006/main" xmlns:r="http://schemas.openxmlformats.org/officeDocument/2006/relationships" xmlns:p="http://schemas.openxmlformats.org/presentationml/2006/main">
+  <p:cSld>
+    <p:spTree>
+      <p:nvGrpSpPr>
+        <p:cNvPr id="1" name=""/>
+        <p:cNvGrpSpPr/>
+        <p:nvPr/>
+      </p:nvGrpSpPr>
+      <p:grpSpPr>
+        <a:xfrm>
+          <a:off x="0" y="0"/>
+          <a:ext cx="0" cy="0"/>
+          <a:chOff x="0" y="0"/>
+          <a:chExt cx="0" cy="0"/>
+        </a:xfrm>
+      </p:grpSpPr>
+      <p:sp>
+        <p:nvSpPr>
+          <p:cNvPr id="109" name="Title 1">
+            <a:extLst>
+              <a:ext uri="{FF2B5EF4-FFF2-40B4-BE49-F238E27FC236}">
+                <a16:creationId xmlns:a16="http://schemas.microsoft.com/office/drawing/2014/main" id="{78C07964-174A-4A54-84D3-E88913B49D0E}"/>
+              </a:ext>
+            </a:extLst>
+          </p:cNvPr>
+          <p:cNvSpPr txBox="1">
+            <a:spLocks/>
+          </p:cNvSpPr>
+          <p:nvPr/>
+        </p:nvSpPr>
+        <p:spPr>
+          <a:xfrm>
+            <a:off x="555171" y="-4998"/>
+            <a:ext cx="11070772" cy="1039142"/>
+          </a:xfrm>
+          <a:prstGeom prst="rect">
+            <a:avLst/>
+          </a:prstGeom>
+        </p:spPr>
+        <p:txBody>
+          <a:bodyPr anchor="ctr"/>
+          <a:lstStyle>
+            <a:lvl1pPr algn="l" defTabSz="914400" rtl="0" eaLnBrk="1" latinLnBrk="0" hangingPunct="1">
+              <a:lnSpc>
+                <a:spcPct val="90000"/>
+              </a:lnSpc>
+              <a:spcBef>
+                <a:spcPct val="0"/>
+              </a:spcBef>
+              <a:buNone/>
+              <a:defRPr sz="4400" kern="1200">
+                <a:solidFill>
+                  <a:schemeClr val="tx1"/>
+                </a:solidFill>
+                <a:latin typeface="+mj-lt"/>
+                <a:ea typeface="+mj-ea"/>
+                <a:cs typeface="+mj-cs"/>
+              </a:defRPr>
+            </a:lvl1pPr>
+          </a:lstStyle>
+          <a:p>
+            <a:r>
+              <a:rPr lang="en-US" sz="3600" dirty="0" smtClean="0"/>
               <a:t>Application projects</a:t>
             </a:r>
             <a:endParaRPr lang="en-US" sz="3600" dirty="0"/>
@@ -4556,7 +7635,7 @@
         <p:spPr>
           <a:xfrm>
             <a:off x="555171" y="1230086"/>
-            <a:ext cx="5535065" cy="369332"/>
+            <a:ext cx="5535065" cy="3754874"/>
           </a:xfrm>
           <a:prstGeom prst="rect">
             <a:avLst/>
@@ -4570,8 +7649,156 @@
           <a:lstStyle/>
           <a:p>
             <a:r>
-              <a:rPr lang="en-US" dirty="0"/>
-              <a:t>&gt;</a:t>
+              <a:rPr lang="en-US" sz="1400" b="1" dirty="0" smtClean="0"/>
+              <a:t>Web</a:t>
+            </a:r>
+          </a:p>
+          <a:p>
+            <a:pPr marL="285750" indent="-285750">
+              <a:buFont typeface="Arial" panose="020B0604020202020204" pitchFamily="34" charset="0"/>
+              <a:buChar char="•"/>
+            </a:pPr>
+            <a:r>
+              <a:rPr lang="en-US" sz="1400" b="1" dirty="0" smtClean="0"/>
+              <a:t>API</a:t>
+            </a:r>
+          </a:p>
+          <a:p>
+            <a:endParaRPr lang="en-US" sz="1400" b="1" dirty="0" smtClean="0"/>
+          </a:p>
+          <a:p>
+            <a:r>
+              <a:rPr lang="en-US" sz="1400" b="1" dirty="0" smtClean="0"/>
+              <a:t>Core</a:t>
+            </a:r>
+          </a:p>
+          <a:p>
+            <a:pPr marL="285750" indent="-285750">
+              <a:buFont typeface="Arial" panose="020B0604020202020204" pitchFamily="34" charset="0"/>
+              <a:buChar char="•"/>
+            </a:pPr>
+            <a:r>
+              <a:rPr lang="en-US" sz="1400" b="1" dirty="0" smtClean="0"/>
+              <a:t>Application</a:t>
+            </a:r>
+          </a:p>
+          <a:p>
+            <a:pPr marL="742950" lvl="1" indent="-285750">
+              <a:buFont typeface="Arial" panose="020B0604020202020204" pitchFamily="34" charset="0"/>
+              <a:buChar char="•"/>
+            </a:pPr>
+            <a:r>
+              <a:rPr lang="en-US" sz="1400" dirty="0"/>
+              <a:t>Interfaces</a:t>
+            </a:r>
+          </a:p>
+          <a:p>
+            <a:pPr marL="742950" lvl="1" indent="-285750">
+              <a:buFont typeface="Arial" panose="020B0604020202020204" pitchFamily="34" charset="0"/>
+              <a:buChar char="•"/>
+            </a:pPr>
+            <a:r>
+              <a:rPr lang="en-US" sz="1400" dirty="0"/>
+              <a:t>Services</a:t>
+            </a:r>
+          </a:p>
+          <a:p>
+            <a:pPr marL="742950" lvl="1" indent="-285750">
+              <a:buFont typeface="Arial" panose="020B0604020202020204" pitchFamily="34" charset="0"/>
+              <a:buChar char="•"/>
+            </a:pPr>
+            <a:r>
+              <a:rPr lang="en-US" sz="1400" dirty="0" smtClean="0"/>
+              <a:t>Commands </a:t>
+            </a:r>
+          </a:p>
+          <a:p>
+            <a:pPr marL="742950" lvl="1" indent="-285750">
+              <a:buFont typeface="Arial" panose="020B0604020202020204" pitchFamily="34" charset="0"/>
+              <a:buChar char="•"/>
+            </a:pPr>
+            <a:r>
+              <a:rPr lang="en-US" sz="1400" dirty="0" smtClean="0"/>
+              <a:t>Queries</a:t>
+            </a:r>
+            <a:endParaRPr lang="en-US" sz="1400" dirty="0"/>
+          </a:p>
+          <a:p>
+            <a:pPr marL="285750" indent="-285750">
+              <a:buFont typeface="Arial" panose="020B0604020202020204" pitchFamily="34" charset="0"/>
+              <a:buChar char="•"/>
+            </a:pPr>
+            <a:endParaRPr lang="en-US" sz="1400" b="1" dirty="0" smtClean="0"/>
+          </a:p>
+          <a:p>
+            <a:pPr marL="285750" indent="-285750">
+              <a:buFont typeface="Arial" panose="020B0604020202020204" pitchFamily="34" charset="0"/>
+              <a:buChar char="•"/>
+            </a:pPr>
+            <a:r>
+              <a:rPr lang="en-US" sz="1400" b="1" dirty="0" smtClean="0"/>
+              <a:t>Domain</a:t>
+            </a:r>
+          </a:p>
+          <a:p>
+            <a:pPr marL="742950" lvl="1" indent="-285750">
+              <a:buFont typeface="Arial" panose="020B0604020202020204" pitchFamily="34" charset="0"/>
+              <a:buChar char="•"/>
+            </a:pPr>
+            <a:r>
+              <a:rPr lang="en-US" sz="1400" dirty="0"/>
+              <a:t>Entities (business model classes that are persisted)</a:t>
+            </a:r>
+          </a:p>
+          <a:p>
+            <a:endParaRPr lang="en-US" sz="1400" dirty="0" smtClean="0"/>
+          </a:p>
+          <a:p>
+            <a:r>
+              <a:rPr lang="en-US" sz="1400" b="1" dirty="0" smtClean="0"/>
+              <a:t>Infrastructure</a:t>
+            </a:r>
+          </a:p>
+          <a:p>
+            <a:pPr marL="285750" indent="-285750">
+              <a:buFont typeface="Arial" panose="020B0604020202020204" pitchFamily="34" charset="0"/>
+              <a:buChar char="•"/>
+            </a:pPr>
+            <a:r>
+              <a:rPr lang="en-US" sz="1400" b="1" dirty="0" smtClean="0"/>
+              <a:t>Persistence</a:t>
+            </a:r>
+          </a:p>
+          <a:p>
+            <a:pPr marL="742950" lvl="1" indent="-285750">
+              <a:buFont typeface="Arial" panose="020B0604020202020204" pitchFamily="34" charset="0"/>
+              <a:buChar char="•"/>
+            </a:pPr>
+            <a:r>
+              <a:rPr lang="en-US" sz="1400" dirty="0"/>
+              <a:t>EF Core types (</a:t>
+            </a:r>
+            <a:r>
+              <a:rPr lang="en-US" sz="1400" dirty="0" err="1"/>
+              <a:t>DbContext</a:t>
+            </a:r>
+            <a:r>
+              <a:rPr lang="en-US" sz="1400" dirty="0"/>
+              <a:t>, Migration)</a:t>
+            </a:r>
+          </a:p>
+          <a:p>
+            <a:pPr marL="742950" lvl="1" indent="-285750">
+              <a:buFont typeface="Arial" panose="020B0604020202020204" pitchFamily="34" charset="0"/>
+              <a:buChar char="•"/>
+            </a:pPr>
+            <a:r>
+              <a:rPr lang="en-US" sz="1400" dirty="0"/>
+              <a:t>Data access implementation types (</a:t>
+            </a:r>
+            <a:r>
+              <a:rPr lang="en-US" sz="1400" dirty="0" smtClean="0"/>
+              <a:t>Repositories)</a:t>
             </a:r>
           </a:p>
         </p:txBody>
@@ -5235,7 +8462,7 @@
 </p:sld>
 </file>
 
-<file path=ppt/slides/slide6.xml><?xml version="1.0" encoding="utf-8"?>
+<file path=ppt/slides/slide8.xml><?xml version="1.0" encoding="utf-8"?>
 <p:sld xmlns:a="http://schemas.openxmlformats.org/drawingml/2006/main" xmlns:r="http://schemas.openxmlformats.org/officeDocument/2006/relationships" xmlns:p="http://schemas.openxmlformats.org/presentationml/2006/main">
   <p:cSld>
     <p:spTree>
@@ -5638,7 +8865,7 @@
                   <a:schemeClr val="tx1"/>
                 </a:solidFill>
               </a:rPr>
-              <a:t>Application Service</a:t>
+              <a:t>Application</a:t>
             </a:r>
             <a:endParaRPr lang="en-US" sz="1200" dirty="0">
               <a:solidFill>
@@ -5688,7 +8915,7 @@
                   <a:schemeClr val="tx1"/>
                 </a:solidFill>
               </a:rPr>
-              <a:t>Command Service</a:t>
+              <a:t>Commands</a:t>
             </a:r>
             <a:endParaRPr lang="en-US" sz="1200" dirty="0">
               <a:solidFill>
@@ -5738,7 +8965,7 @@
                   <a:schemeClr val="tx1"/>
                 </a:solidFill>
               </a:rPr>
-              <a:t>Query Service</a:t>
+              <a:t>Queries</a:t>
             </a:r>
             <a:endParaRPr lang="en-US" sz="1200" dirty="0">
               <a:solidFill>
@@ -6234,7 +9461,7 @@
 </p:sld>
 </file>
 
-<file path=ppt/slides/slide7.xml><?xml version="1.0" encoding="utf-8"?>
+<file path=ppt/slides/slide9.xml><?xml version="1.0" encoding="utf-8"?>
 <p:sld xmlns:a="http://schemas.openxmlformats.org/drawingml/2006/main" xmlns:r="http://schemas.openxmlformats.org/officeDocument/2006/relationships" xmlns:p="http://schemas.openxmlformats.org/presentationml/2006/main">
   <p:cSld>
     <p:spTree>
@@ -8449,558 +11676,6 @@
 </p:sld>
 </file>
 
-<file path=ppt/slides/slide8.xml><?xml version="1.0" encoding="utf-8"?>
-<p:sld xmlns:a="http://schemas.openxmlformats.org/drawingml/2006/main" xmlns:r="http://schemas.openxmlformats.org/officeDocument/2006/relationships" xmlns:p="http://schemas.openxmlformats.org/presentationml/2006/main">
-  <p:cSld>
-    <p:spTree>
-      <p:nvGrpSpPr>
-        <p:cNvPr id="1" name=""/>
-        <p:cNvGrpSpPr/>
-        <p:nvPr/>
-      </p:nvGrpSpPr>
-      <p:grpSpPr>
-        <a:xfrm>
-          <a:off x="0" y="0"/>
-          <a:ext cx="0" cy="0"/>
-          <a:chOff x="0" y="0"/>
-          <a:chExt cx="0" cy="0"/>
-        </a:xfrm>
-      </p:grpSpPr>
-      <p:sp>
-        <p:nvSpPr>
-          <p:cNvPr id="6" name="Rectangle 5"/>
-          <p:cNvSpPr/>
-          <p:nvPr/>
-        </p:nvSpPr>
-        <p:spPr>
-          <a:xfrm>
-            <a:off x="4473388" y="3935503"/>
-            <a:ext cx="2985247" cy="1246095"/>
-          </a:xfrm>
-          <a:prstGeom prst="rect">
-            <a:avLst/>
-          </a:prstGeom>
-        </p:spPr>
-        <p:style>
-          <a:lnRef idx="2">
-            <a:schemeClr val="accent1"/>
-          </a:lnRef>
-          <a:fillRef idx="1">
-            <a:schemeClr val="lt1"/>
-          </a:fillRef>
-          <a:effectRef idx="0">
-            <a:schemeClr val="accent1"/>
-          </a:effectRef>
-          <a:fontRef idx="minor">
-            <a:schemeClr val="dk1"/>
-          </a:fontRef>
-        </p:style>
-        <p:txBody>
-          <a:bodyPr rtlCol="0" anchor="ctr"/>
-          <a:lstStyle/>
-          <a:p>
-            <a:pPr algn="ctr"/>
-            <a:endParaRPr lang="en-US"/>
-          </a:p>
-        </p:txBody>
-      </p:sp>
-      <p:sp>
-        <p:nvSpPr>
-          <p:cNvPr id="109" name="Title 1">
-            <a:extLst>
-              <a:ext uri="{FF2B5EF4-FFF2-40B4-BE49-F238E27FC236}">
-                <a16:creationId xmlns:a16="http://schemas.microsoft.com/office/drawing/2014/main" id="{78C07964-174A-4A54-84D3-E88913B49D0E}"/>
-              </a:ext>
-            </a:extLst>
-          </p:cNvPr>
-          <p:cNvSpPr txBox="1">
-            <a:spLocks/>
-          </p:cNvSpPr>
-          <p:nvPr/>
-        </p:nvSpPr>
-        <p:spPr>
-          <a:xfrm>
-            <a:off x="555171" y="-4998"/>
-            <a:ext cx="11070772" cy="1039142"/>
-          </a:xfrm>
-          <a:prstGeom prst="rect">
-            <a:avLst/>
-          </a:prstGeom>
-        </p:spPr>
-        <p:txBody>
-          <a:bodyPr anchor="ctr"/>
-          <a:lstStyle>
-            <a:lvl1pPr algn="l" defTabSz="914400" rtl="0" eaLnBrk="1" latinLnBrk="0" hangingPunct="1">
-              <a:lnSpc>
-                <a:spcPct val="90000"/>
-              </a:lnSpc>
-              <a:spcBef>
-                <a:spcPct val="0"/>
-              </a:spcBef>
-              <a:buNone/>
-              <a:defRPr sz="4400" kern="1200">
-                <a:solidFill>
-                  <a:schemeClr val="tx1"/>
-                </a:solidFill>
-                <a:latin typeface="+mj-lt"/>
-                <a:ea typeface="+mj-ea"/>
-                <a:cs typeface="+mj-cs"/>
-              </a:defRPr>
-            </a:lvl1pPr>
-          </a:lstStyle>
-          <a:p>
-            <a:r>
-              <a:rPr lang="en-US" sz="3600" dirty="0" smtClean="0"/>
-              <a:t>High level design</a:t>
-            </a:r>
-            <a:endParaRPr lang="en-US" sz="3600" dirty="0"/>
-          </a:p>
-        </p:txBody>
-      </p:sp>
-      <p:sp>
-        <p:nvSpPr>
-          <p:cNvPr id="2" name="Rectangle 1"/>
-          <p:cNvSpPr/>
-          <p:nvPr/>
-        </p:nvSpPr>
-        <p:spPr>
-          <a:xfrm>
-            <a:off x="5136778" y="1506071"/>
-            <a:ext cx="1649506" cy="591670"/>
-          </a:xfrm>
-          <a:prstGeom prst="rect">
-            <a:avLst/>
-          </a:prstGeom>
-        </p:spPr>
-        <p:style>
-          <a:lnRef idx="0">
-            <a:schemeClr val="accent4"/>
-          </a:lnRef>
-          <a:fillRef idx="3">
-            <a:schemeClr val="accent4"/>
-          </a:fillRef>
-          <a:effectRef idx="3">
-            <a:schemeClr val="accent4"/>
-          </a:effectRef>
-          <a:fontRef idx="minor">
-            <a:schemeClr val="lt1"/>
-          </a:fontRef>
-        </p:style>
-        <p:txBody>
-          <a:bodyPr rtlCol="0" anchor="ctr"/>
-          <a:lstStyle/>
-          <a:p>
-            <a:pPr algn="ctr"/>
-            <a:r>
-              <a:rPr lang="en-US" sz="1400" dirty="0" smtClean="0"/>
-              <a:t>UI</a:t>
-            </a:r>
-            <a:endParaRPr lang="en-US" sz="1400" dirty="0"/>
-          </a:p>
-        </p:txBody>
-      </p:sp>
-      <p:sp>
-        <p:nvSpPr>
-          <p:cNvPr id="18" name="Rectangle 17"/>
-          <p:cNvSpPr/>
-          <p:nvPr/>
-        </p:nvSpPr>
-        <p:spPr>
-          <a:xfrm>
-            <a:off x="5136778" y="2680448"/>
-            <a:ext cx="1649506" cy="591670"/>
-          </a:xfrm>
-          <a:prstGeom prst="rect">
-            <a:avLst/>
-          </a:prstGeom>
-        </p:spPr>
-        <p:style>
-          <a:lnRef idx="0">
-            <a:schemeClr val="accent4"/>
-          </a:lnRef>
-          <a:fillRef idx="3">
-            <a:schemeClr val="accent4"/>
-          </a:fillRef>
-          <a:effectRef idx="3">
-            <a:schemeClr val="accent4"/>
-          </a:effectRef>
-          <a:fontRef idx="minor">
-            <a:schemeClr val="lt1"/>
-          </a:fontRef>
-        </p:style>
-        <p:txBody>
-          <a:bodyPr rtlCol="0" anchor="ctr"/>
-          <a:lstStyle/>
-          <a:p>
-            <a:pPr algn="ctr"/>
-            <a:r>
-              <a:rPr lang="en-US" sz="1400" dirty="0" smtClean="0"/>
-              <a:t>DAM API</a:t>
-            </a:r>
-            <a:endParaRPr lang="en-US" sz="1400" dirty="0"/>
-          </a:p>
-        </p:txBody>
-      </p:sp>
-      <p:cxnSp>
-        <p:nvCxnSpPr>
-          <p:cNvPr id="4" name="Straight Arrow Connector 3"/>
-          <p:cNvCxnSpPr>
-            <a:stCxn id="2" idx="2"/>
-            <a:endCxn id="18" idx="0"/>
-          </p:cNvCxnSpPr>
-          <p:nvPr/>
-        </p:nvCxnSpPr>
-        <p:spPr>
-          <a:xfrm>
-            <a:off x="5961531" y="2097741"/>
-            <a:ext cx="0" cy="582707"/>
-          </a:xfrm>
-          <a:prstGeom prst="straightConnector1">
-            <a:avLst/>
-          </a:prstGeom>
-          <a:ln>
-            <a:tailEnd type="triangle"/>
-          </a:ln>
-        </p:spPr>
-        <p:style>
-          <a:lnRef idx="1">
-            <a:schemeClr val="accent1"/>
-          </a:lnRef>
-          <a:fillRef idx="0">
-            <a:schemeClr val="accent1"/>
-          </a:fillRef>
-          <a:effectRef idx="0">
-            <a:schemeClr val="accent1"/>
-          </a:effectRef>
-          <a:fontRef idx="minor">
-            <a:schemeClr val="tx1"/>
-          </a:fontRef>
-        </p:style>
-      </p:cxnSp>
-      <p:sp>
-        <p:nvSpPr>
-          <p:cNvPr id="5" name="Flowchart: Magnetic Disk 4"/>
-          <p:cNvSpPr/>
-          <p:nvPr/>
-        </p:nvSpPr>
-        <p:spPr>
-          <a:xfrm>
-            <a:off x="4778188" y="4213411"/>
-            <a:ext cx="1013013" cy="681318"/>
-          </a:xfrm>
-          <a:prstGeom prst="flowChartMagneticDisk">
-            <a:avLst/>
-          </a:prstGeom>
-        </p:spPr>
-        <p:style>
-          <a:lnRef idx="1">
-            <a:schemeClr val="accent5"/>
-          </a:lnRef>
-          <a:fillRef idx="2">
-            <a:schemeClr val="accent5"/>
-          </a:fillRef>
-          <a:effectRef idx="1">
-            <a:schemeClr val="accent5"/>
-          </a:effectRef>
-          <a:fontRef idx="minor">
-            <a:schemeClr val="dk1"/>
-          </a:fontRef>
-        </p:style>
-        <p:txBody>
-          <a:bodyPr rtlCol="0" anchor="ctr"/>
-          <a:lstStyle/>
-          <a:p>
-            <a:pPr algn="ctr"/>
-            <a:r>
-              <a:rPr lang="en-US" sz="1400" dirty="0" smtClean="0"/>
-              <a:t>Assets</a:t>
-            </a:r>
-            <a:endParaRPr lang="en-US" sz="1400" dirty="0"/>
-          </a:p>
-        </p:txBody>
-      </p:sp>
-      <p:sp>
-        <p:nvSpPr>
-          <p:cNvPr id="26" name="Flowchart: Magnetic Disk 25"/>
-          <p:cNvSpPr/>
-          <p:nvPr/>
-        </p:nvSpPr>
-        <p:spPr>
-          <a:xfrm>
-            <a:off x="6051175" y="4213411"/>
-            <a:ext cx="1013013" cy="681318"/>
-          </a:xfrm>
-          <a:prstGeom prst="flowChartMagneticDisk">
-            <a:avLst/>
-          </a:prstGeom>
-        </p:spPr>
-        <p:style>
-          <a:lnRef idx="1">
-            <a:schemeClr val="accent5"/>
-          </a:lnRef>
-          <a:fillRef idx="2">
-            <a:schemeClr val="accent5"/>
-          </a:fillRef>
-          <a:effectRef idx="1">
-            <a:schemeClr val="accent5"/>
-          </a:effectRef>
-          <a:fontRef idx="minor">
-            <a:schemeClr val="dk1"/>
-          </a:fontRef>
-        </p:style>
-        <p:txBody>
-          <a:bodyPr rtlCol="0" anchor="ctr"/>
-          <a:lstStyle/>
-          <a:p>
-            <a:pPr algn="ctr"/>
-            <a:r>
-              <a:rPr lang="en-US" sz="1400" dirty="0" smtClean="0"/>
-              <a:t>Files</a:t>
-            </a:r>
-            <a:endParaRPr lang="en-US" sz="1400" dirty="0"/>
-          </a:p>
-        </p:txBody>
-      </p:sp>
-      <p:cxnSp>
-        <p:nvCxnSpPr>
-          <p:cNvPr id="8" name="Straight Arrow Connector 7"/>
-          <p:cNvCxnSpPr>
-            <a:stCxn id="18" idx="2"/>
-            <a:endCxn id="6" idx="0"/>
-          </p:cNvCxnSpPr>
-          <p:nvPr/>
-        </p:nvCxnSpPr>
-        <p:spPr>
-          <a:xfrm>
-            <a:off x="5961531" y="3272118"/>
-            <a:ext cx="4481" cy="663385"/>
-          </a:xfrm>
-          <a:prstGeom prst="straightConnector1">
-            <a:avLst/>
-          </a:prstGeom>
-          <a:ln>
-            <a:tailEnd type="triangle"/>
-          </a:ln>
-        </p:spPr>
-        <p:style>
-          <a:lnRef idx="1">
-            <a:schemeClr val="accent1"/>
-          </a:lnRef>
-          <a:fillRef idx="0">
-            <a:schemeClr val="accent1"/>
-          </a:fillRef>
-          <a:effectRef idx="0">
-            <a:schemeClr val="accent1"/>
-          </a:effectRef>
-          <a:fontRef idx="minor">
-            <a:schemeClr val="tx1"/>
-          </a:fontRef>
-        </p:style>
-      </p:cxnSp>
-    </p:spTree>
-    <p:extLst>
-      <p:ext uri="{BB962C8B-B14F-4D97-AF65-F5344CB8AC3E}">
-        <p14:creationId xmlns:p14="http://schemas.microsoft.com/office/powerpoint/2010/main" val="433319383"/>
-      </p:ext>
-    </p:extLst>
-  </p:cSld>
-  <p:clrMapOvr>
-    <a:masterClrMapping/>
-  </p:clrMapOvr>
-  <p:timing>
-    <p:tnLst>
-      <p:par>
-        <p:cTn id="1" dur="indefinite" restart="never" nodeType="tmRoot"/>
-      </p:par>
-    </p:tnLst>
-  </p:timing>
-</p:sld>
-</file>
-
-<file path=ppt/slides/slide9.xml><?xml version="1.0" encoding="utf-8"?>
-<p:sld xmlns:a="http://schemas.openxmlformats.org/drawingml/2006/main" xmlns:r="http://schemas.openxmlformats.org/officeDocument/2006/relationships" xmlns:p="http://schemas.openxmlformats.org/presentationml/2006/main">
-  <p:cSld>
-    <p:spTree>
-      <p:nvGrpSpPr>
-        <p:cNvPr id="1" name=""/>
-        <p:cNvGrpSpPr/>
-        <p:nvPr/>
-      </p:nvGrpSpPr>
-      <p:grpSpPr>
-        <a:xfrm>
-          <a:off x="0" y="0"/>
-          <a:ext cx="0" cy="0"/>
-          <a:chOff x="0" y="0"/>
-          <a:chExt cx="0" cy="0"/>
-        </a:xfrm>
-      </p:grpSpPr>
-      <p:sp>
-        <p:nvSpPr>
-          <p:cNvPr id="109" name="Title 1">
-            <a:extLst>
-              <a:ext uri="{FF2B5EF4-FFF2-40B4-BE49-F238E27FC236}">
-                <a16:creationId xmlns:a16="http://schemas.microsoft.com/office/drawing/2014/main" id="{78C07964-174A-4A54-84D3-E88913B49D0E}"/>
-              </a:ext>
-            </a:extLst>
-          </p:cNvPr>
-          <p:cNvSpPr txBox="1">
-            <a:spLocks/>
-          </p:cNvSpPr>
-          <p:nvPr/>
-        </p:nvSpPr>
-        <p:spPr>
-          <a:xfrm>
-            <a:off x="555171" y="-4998"/>
-            <a:ext cx="11070772" cy="1039142"/>
-          </a:xfrm>
-          <a:prstGeom prst="rect">
-            <a:avLst/>
-          </a:prstGeom>
-        </p:spPr>
-        <p:txBody>
-          <a:bodyPr anchor="ctr"/>
-          <a:lstStyle>
-            <a:lvl1pPr algn="l" defTabSz="914400" rtl="0" eaLnBrk="1" latinLnBrk="0" hangingPunct="1">
-              <a:lnSpc>
-                <a:spcPct val="90000"/>
-              </a:lnSpc>
-              <a:spcBef>
-                <a:spcPct val="0"/>
-              </a:spcBef>
-              <a:buNone/>
-              <a:defRPr sz="4400" kern="1200">
-                <a:solidFill>
-                  <a:schemeClr val="tx1"/>
-                </a:solidFill>
-                <a:latin typeface="+mj-lt"/>
-                <a:ea typeface="+mj-ea"/>
-                <a:cs typeface="+mj-cs"/>
-              </a:defRPr>
-            </a:lvl1pPr>
-          </a:lstStyle>
-          <a:p>
-            <a:r>
-              <a:rPr lang="en-US" sz="3600" dirty="0" smtClean="0"/>
-              <a:t>Building blocks</a:t>
-            </a:r>
-            <a:endParaRPr lang="en-US" sz="3600" dirty="0"/>
-          </a:p>
-        </p:txBody>
-      </p:sp>
-      <p:sp>
-        <p:nvSpPr>
-          <p:cNvPr id="2" name="TextBox 1">
-            <a:extLst>
-              <a:ext uri="{FF2B5EF4-FFF2-40B4-BE49-F238E27FC236}">
-                <a16:creationId xmlns:a16="http://schemas.microsoft.com/office/drawing/2014/main" id="{8726C6FA-44FA-4E6F-8D8E-4F457920CF7B}"/>
-              </a:ext>
-            </a:extLst>
-          </p:cNvPr>
-          <p:cNvSpPr txBox="1"/>
-          <p:nvPr/>
-        </p:nvSpPr>
-        <p:spPr>
-          <a:xfrm>
-            <a:off x="555171" y="1390979"/>
-            <a:ext cx="11070772" cy="2554545"/>
-          </a:xfrm>
-          <a:prstGeom prst="rect">
-            <a:avLst/>
-          </a:prstGeom>
-          <a:noFill/>
-        </p:spPr>
-        <p:txBody>
-          <a:bodyPr wrap="square" rtlCol="0">
-            <a:spAutoFit/>
-          </a:bodyPr>
-          <a:lstStyle/>
-          <a:p>
-            <a:r>
-              <a:rPr lang="en-US" sz="1600" dirty="0" smtClean="0"/>
-              <a:t>a</a:t>
-            </a:r>
-          </a:p>
-          <a:p>
-            <a:endParaRPr lang="en-US" sz="1600" b="1" dirty="0" smtClean="0"/>
-          </a:p>
-          <a:p>
-            <a:pPr marL="342900" indent="-342900">
-              <a:buFont typeface="+mj-lt"/>
-              <a:buAutoNum type="arabicPeriod"/>
-            </a:pPr>
-            <a:r>
-              <a:rPr lang="en-US" sz="1600" b="1" dirty="0" smtClean="0"/>
-              <a:t>Asset Types</a:t>
-            </a:r>
-          </a:p>
-          <a:p>
-            <a:r>
-              <a:rPr lang="en-US" sz="1600" dirty="0" smtClean="0"/>
-              <a:t>a</a:t>
-            </a:r>
-          </a:p>
-          <a:p>
-            <a:endParaRPr lang="en-US" sz="1600" dirty="0" smtClean="0"/>
-          </a:p>
-          <a:p>
-            <a:pPr marL="342900" indent="-342900">
-              <a:buFont typeface="+mj-lt"/>
-              <a:buAutoNum type="arabicPeriod" startAt="2"/>
-            </a:pPr>
-            <a:r>
-              <a:rPr lang="en-US" sz="1600" b="1" dirty="0" smtClean="0"/>
-              <a:t>Assets</a:t>
-            </a:r>
-          </a:p>
-          <a:p>
-            <a:r>
-              <a:rPr lang="en-US" sz="1600" b="1" dirty="0" smtClean="0"/>
-              <a:t>a</a:t>
-            </a:r>
-            <a:endParaRPr lang="en-US" sz="1600" dirty="0" smtClean="0"/>
-          </a:p>
-          <a:p>
-            <a:endParaRPr lang="en-US" sz="1600" dirty="0" smtClean="0"/>
-          </a:p>
-          <a:p>
-            <a:pPr marL="342900" indent="-342900">
-              <a:buFont typeface="+mj-lt"/>
-              <a:buAutoNum type="arabicPeriod" startAt="3"/>
-            </a:pPr>
-            <a:r>
-              <a:rPr lang="en-US" sz="1600" b="1" dirty="0" smtClean="0"/>
-              <a:t>Asset Files</a:t>
-            </a:r>
-          </a:p>
-          <a:p>
-            <a:r>
-              <a:rPr lang="en-US" sz="1600" dirty="0" smtClean="0"/>
-              <a:t>a</a:t>
-            </a:r>
-            <a:endParaRPr lang="en-US" sz="1600" dirty="0"/>
-          </a:p>
-        </p:txBody>
-      </p:sp>
-    </p:spTree>
-    <p:extLst>
-      <p:ext uri="{BB962C8B-B14F-4D97-AF65-F5344CB8AC3E}">
-        <p14:creationId xmlns:p14="http://schemas.microsoft.com/office/powerpoint/2010/main" val="87195330"/>
-      </p:ext>
-    </p:extLst>
-  </p:cSld>
-  <p:clrMapOvr>
-    <a:masterClrMapping/>
-  </p:clrMapOvr>
-  <p:timing>
-    <p:tnLst>
-      <p:par>
-        <p:cTn id="1" dur="indefinite" restart="never" nodeType="tmRoot"/>
-      </p:par>
-    </p:tnLst>
-  </p:timing>
-</p:sld>
-</file>
-
 <file path=ppt/theme/theme1.xml><?xml version="1.0" encoding="utf-8"?>
 <a:theme xmlns:a="http://schemas.openxmlformats.org/drawingml/2006/main" name="Office Theme">
   <a:themeElements>
@@ -9297,9 +11972,12 @@
 </file>
 
 <file path=customXml/item1.xml><?xml version="1.0" encoding="utf-8"?>
-<p:properties xmlns:p="http://schemas.microsoft.com/office/2006/metadata/properties" xmlns:xsi="http://www.w3.org/2001/XMLSchema-instance" xmlns:pc="http://schemas.microsoft.com/office/infopath/2007/PartnerControls">
-  <documentManagement/>
-</p:properties>
+<?mso-contentType ?>
+<FormTemplates xmlns="http://schemas.microsoft.com/sharepoint/v3/contenttype/forms">
+  <Display>DocumentLibraryForm</Display>
+  <Edit>DocumentLibraryForm</Edit>
+  <New>DocumentLibraryForm</New>
+</FormTemplates>
 </file>
 
 <file path=customXml/item2.xml><?xml version="1.0" encoding="utf-8"?>
@@ -9475,19 +12153,15 @@
 </file>
 
 <file path=customXml/item3.xml><?xml version="1.0" encoding="utf-8"?>
-<?mso-contentType ?>
-<FormTemplates xmlns="http://schemas.microsoft.com/sharepoint/v3/contenttype/forms">
-  <Display>DocumentLibraryForm</Display>
-  <Edit>DocumentLibraryForm</Edit>
-  <New>DocumentLibraryForm</New>
-</FormTemplates>
+<p:properties xmlns:p="http://schemas.microsoft.com/office/2006/metadata/properties" xmlns:xsi="http://www.w3.org/2001/XMLSchema-instance" xmlns:pc="http://schemas.microsoft.com/office/infopath/2007/PartnerControls">
+  <documentManagement/>
+</p:properties>
 </file>
 
 <file path=customXml/itemProps1.xml><?xml version="1.0" encoding="utf-8"?>
-<ds:datastoreItem xmlns:ds="http://schemas.openxmlformats.org/officeDocument/2006/customXml" ds:itemID="{2B86CB2E-7645-4F93-82AF-04EAF2AF8C03}">
+<ds:datastoreItem xmlns:ds="http://schemas.openxmlformats.org/officeDocument/2006/customXml" ds:itemID="{8CDB702E-3F50-4264-9CFC-35B79A02A69A}">
   <ds:schemaRefs>
-    <ds:schemaRef ds:uri="http://schemas.microsoft.com/office/2006/metadata/properties"/>
-    <ds:schemaRef ds:uri="http://schemas.microsoft.com/office/infopath/2007/PartnerControls"/>
+    <ds:schemaRef ds:uri="http://schemas.microsoft.com/sharepoint/v3/contenttype/forms"/>
   </ds:schemaRefs>
 </ds:datastoreItem>
 </file>
@@ -9511,9 +12185,10 @@
 </file>
 
 <file path=customXml/itemProps3.xml><?xml version="1.0" encoding="utf-8"?>
-<ds:datastoreItem xmlns:ds="http://schemas.openxmlformats.org/officeDocument/2006/customXml" ds:itemID="{8CDB702E-3F50-4264-9CFC-35B79A02A69A}">
+<ds:datastoreItem xmlns:ds="http://schemas.openxmlformats.org/officeDocument/2006/customXml" ds:itemID="{2B86CB2E-7645-4F93-82AF-04EAF2AF8C03}">
   <ds:schemaRefs>
-    <ds:schemaRef ds:uri="http://schemas.microsoft.com/sharepoint/v3/contenttype/forms"/>
+    <ds:schemaRef ds:uri="http://schemas.microsoft.com/office/2006/metadata/properties"/>
+    <ds:schemaRef ds:uri="http://schemas.microsoft.com/office/infopath/2007/PartnerControls"/>
   </ds:schemaRefs>
 </ds:datastoreItem>
 </file>
--- a/Design/Digital Asset - Design.pptx
+++ b/Design/Digital Asset - Design.pptx
@@ -4453,18 +4453,211 @@
           </a:p>
         </p:txBody>
       </p:sp>
+      <p:sp>
+        <p:nvSpPr>
+          <p:cNvPr id="14" name="TextBox 13"/>
+          <p:cNvSpPr txBox="1"/>
+          <p:nvPr/>
+        </p:nvSpPr>
+        <p:spPr>
+          <a:xfrm>
+            <a:off x="555171" y="1230086"/>
+            <a:ext cx="5817455" cy="4431983"/>
+          </a:xfrm>
+          <a:prstGeom prst="rect">
+            <a:avLst/>
+          </a:prstGeom>
+          <a:noFill/>
+        </p:spPr>
+        <p:txBody>
+          <a:bodyPr wrap="square" rtlCol="0">
+            <a:spAutoFit/>
+          </a:bodyPr>
+          <a:lstStyle/>
+          <a:p>
+            <a:r>
+              <a:rPr lang="en-US" sz="1600" b="1" dirty="0" smtClean="0"/>
+              <a:t>Clean architecture layers (Onion view)</a:t>
+            </a:r>
+          </a:p>
+          <a:p>
+            <a:r>
+              <a:rPr lang="en-US" sz="1400" dirty="0"/>
+              <a:t>Clean architecture puts the business logic and application model at the center of the application</a:t>
+            </a:r>
+            <a:r>
+              <a:rPr lang="en-US" sz="1400" dirty="0" smtClean="0"/>
+              <a:t>.</a:t>
+            </a:r>
+          </a:p>
+          <a:p>
+            <a:endParaRPr lang="en-US" sz="1400" dirty="0" smtClean="0"/>
+          </a:p>
+          <a:p>
+            <a:pPr marL="285750" indent="-285750">
+              <a:buFont typeface="Arial" panose="020B0604020202020204" pitchFamily="34" charset="0"/>
+              <a:buChar char="•"/>
+            </a:pPr>
+            <a:r>
+              <a:rPr lang="en-US" sz="1400" dirty="0" smtClean="0"/>
+              <a:t>Domain centric (domain entities), it has no </a:t>
+            </a:r>
+            <a:r>
+              <a:rPr lang="en-US" sz="1400" dirty="0" smtClean="0"/>
+              <a:t>dependencies on any layer.</a:t>
+            </a:r>
+            <a:endParaRPr lang="en-US" sz="1400" dirty="0" smtClean="0"/>
+          </a:p>
+          <a:p>
+            <a:pPr marL="285750" indent="-285750">
+              <a:buFont typeface="Arial" panose="020B0604020202020204" pitchFamily="34" charset="0"/>
+              <a:buChar char="•"/>
+            </a:pPr>
+            <a:r>
+              <a:rPr lang="en-US" sz="1400" dirty="0" smtClean="0"/>
+              <a:t>Application </a:t>
+            </a:r>
+            <a:r>
+              <a:rPr lang="en-US" sz="1400" dirty="0" smtClean="0"/>
+              <a:t>layer (business use cases) </a:t>
+            </a:r>
+            <a:r>
+              <a:rPr lang="en-US" sz="1400" dirty="0" smtClean="0"/>
+              <a:t>sits above the Domain layer. </a:t>
+            </a:r>
+            <a:endParaRPr lang="en-US" sz="1400" dirty="0" smtClean="0"/>
+          </a:p>
+          <a:p>
+            <a:pPr marL="742950" lvl="1" indent="-285750">
+              <a:buFont typeface="Arial" panose="020B0604020202020204" pitchFamily="34" charset="0"/>
+              <a:buChar char="•"/>
+            </a:pPr>
+            <a:r>
+              <a:rPr lang="en-US" sz="1400" dirty="0" smtClean="0"/>
+              <a:t>This </a:t>
+            </a:r>
+            <a:r>
+              <a:rPr lang="en-US" sz="1400" dirty="0" smtClean="0"/>
+              <a:t>layer contains all the business logic and it will have dependency on the Domain and </a:t>
+            </a:r>
+            <a:r>
+              <a:rPr lang="en-US" sz="1400" dirty="0" smtClean="0"/>
+              <a:t>Persistence</a:t>
+            </a:r>
+          </a:p>
+          <a:p>
+            <a:pPr marL="742950" lvl="1" indent="-285750">
+              <a:buFont typeface="Arial" panose="020B0604020202020204" pitchFamily="34" charset="0"/>
+              <a:buChar char="•"/>
+            </a:pPr>
+            <a:r>
+              <a:rPr lang="en-US" sz="1400" dirty="0" smtClean="0"/>
+              <a:t>Each use case will have separate classes</a:t>
+            </a:r>
+            <a:endParaRPr lang="en-US" sz="1400" dirty="0" smtClean="0"/>
+          </a:p>
+          <a:p>
+            <a:pPr marL="285750" indent="-285750">
+              <a:buFont typeface="Arial" panose="020B0604020202020204" pitchFamily="34" charset="0"/>
+              <a:buChar char="•"/>
+            </a:pPr>
+            <a:r>
+              <a:rPr lang="en-US" sz="1400" dirty="0" smtClean="0"/>
+              <a:t>API layer sits above the Application layer.</a:t>
+            </a:r>
+            <a:endParaRPr lang="en-US" sz="1400" dirty="0"/>
+          </a:p>
+          <a:p>
+            <a:pPr marL="285750" indent="-285750">
+              <a:buFont typeface="Arial" panose="020B0604020202020204" pitchFamily="34" charset="0"/>
+              <a:buChar char="•"/>
+            </a:pPr>
+            <a:r>
+              <a:rPr lang="en-US" sz="1400" dirty="0" smtClean="0"/>
+              <a:t>Persistence layer, will have dependency on the Domain (access to the entities</a:t>
+            </a:r>
+            <a:r>
+              <a:rPr lang="en-US" sz="1400" dirty="0" smtClean="0"/>
+              <a:t>)</a:t>
+            </a:r>
+          </a:p>
+          <a:p>
+            <a:pPr marL="285750" indent="-285750">
+              <a:buFont typeface="Arial" panose="020B0604020202020204" pitchFamily="34" charset="0"/>
+              <a:buChar char="•"/>
+            </a:pPr>
+            <a:endParaRPr lang="en-US" sz="1400" dirty="0"/>
+          </a:p>
+          <a:p>
+            <a:r>
+              <a:rPr lang="en-US" sz="1400" b="1" dirty="0" smtClean="0"/>
+              <a:t>Recommendations</a:t>
+            </a:r>
+          </a:p>
+          <a:p>
+            <a:pPr marL="285750" indent="-285750">
+              <a:buFont typeface="Arial" panose="020B0604020202020204" pitchFamily="34" charset="0"/>
+              <a:buChar char="•"/>
+            </a:pPr>
+            <a:r>
+              <a:rPr lang="en-US" sz="1400" dirty="0" smtClean="0"/>
+              <a:t>Independent from frameworks</a:t>
+            </a:r>
+          </a:p>
+          <a:p>
+            <a:pPr marL="285750" indent="-285750">
+              <a:buFont typeface="Arial" panose="020B0604020202020204" pitchFamily="34" charset="0"/>
+              <a:buChar char="•"/>
+            </a:pPr>
+            <a:r>
+              <a:rPr lang="en-US" sz="1400" dirty="0" smtClean="0"/>
+              <a:t>Testable</a:t>
+            </a:r>
+          </a:p>
+          <a:p>
+            <a:pPr marL="285750" indent="-285750">
+              <a:buFont typeface="Arial" panose="020B0604020202020204" pitchFamily="34" charset="0"/>
+              <a:buChar char="•"/>
+            </a:pPr>
+            <a:r>
+              <a:rPr lang="en-US" sz="1400" dirty="0" smtClean="0"/>
+              <a:t>Independent from the interface</a:t>
+            </a:r>
+          </a:p>
+          <a:p>
+            <a:pPr marL="285750" indent="-285750">
+              <a:buFont typeface="Arial" panose="020B0604020202020204" pitchFamily="34" charset="0"/>
+              <a:buChar char="•"/>
+            </a:pPr>
+            <a:r>
+              <a:rPr lang="en-US" sz="1400" dirty="0" smtClean="0"/>
+              <a:t>Independent from the database</a:t>
+            </a:r>
+          </a:p>
+          <a:p>
+            <a:endParaRPr lang="en-US" sz="1400" dirty="0" smtClean="0"/>
+          </a:p>
+          <a:p>
+            <a:pPr marL="285750" indent="-285750">
+              <a:buFont typeface="Arial" panose="020B0604020202020204" pitchFamily="34" charset="0"/>
+              <a:buChar char="•"/>
+            </a:pPr>
+            <a:endParaRPr lang="en-US" sz="1400" dirty="0"/>
+          </a:p>
+        </p:txBody>
+      </p:sp>
       <p:grpSp>
         <p:nvGrpSpPr>
-          <p:cNvPr id="15" name="Group 14"/>
+          <p:cNvPr id="22" name="Group 21"/>
           <p:cNvGrpSpPr/>
           <p:nvPr/>
         </p:nvGrpSpPr>
         <p:grpSpPr>
           <a:xfrm>
-            <a:off x="6578814" y="1983119"/>
-            <a:ext cx="5047129" cy="2698379"/>
-            <a:chOff x="6002510" y="1983119"/>
-            <a:chExt cx="5047129" cy="2698379"/>
+            <a:off x="8023412" y="1890059"/>
+            <a:ext cx="2841812" cy="2698379"/>
+            <a:chOff x="7740384" y="2096887"/>
+            <a:chExt cx="2841812" cy="2698379"/>
           </a:xfrm>
         </p:grpSpPr>
         <p:sp>
@@ -4475,7 +4668,7 @@
           </p:nvSpPr>
           <p:spPr>
             <a:xfrm>
-              <a:off x="6002510" y="1983119"/>
+              <a:off x="7740384" y="2096887"/>
               <a:ext cx="2841812" cy="2698379"/>
             </a:xfrm>
             <a:prstGeom prst="ellipse">
@@ -4518,7 +4711,7 @@
           </p:nvSpPr>
           <p:spPr>
             <a:xfrm>
-              <a:off x="6477639" y="2449285"/>
+              <a:off x="8215513" y="2563053"/>
               <a:ext cx="1864659" cy="1766047"/>
             </a:xfrm>
             <a:prstGeom prst="ellipse">
@@ -4562,7 +4755,7 @@
           </p:nvSpPr>
           <p:spPr>
             <a:xfrm>
-              <a:off x="6898981" y="2843733"/>
+              <a:off x="8636855" y="2957501"/>
               <a:ext cx="1013012" cy="959224"/>
             </a:xfrm>
             <a:prstGeom prst="ellipse">
@@ -4612,55 +4805,13 @@
         </p:sp>
         <p:sp>
           <p:nvSpPr>
-            <p:cNvPr id="5" name="Rounded Rectangle 4"/>
-            <p:cNvSpPr/>
-            <p:nvPr/>
-          </p:nvSpPr>
-          <p:spPr>
-            <a:xfrm>
-              <a:off x="9830439" y="3085780"/>
-              <a:ext cx="1219200" cy="475129"/>
-            </a:xfrm>
-            <a:prstGeom prst="roundRect">
-              <a:avLst/>
-            </a:prstGeom>
-          </p:spPr>
-          <p:style>
-            <a:lnRef idx="0">
-              <a:schemeClr val="accent1"/>
-            </a:lnRef>
-            <a:fillRef idx="3">
-              <a:schemeClr val="accent1"/>
-            </a:fillRef>
-            <a:effectRef idx="3">
-              <a:schemeClr val="accent1"/>
-            </a:effectRef>
-            <a:fontRef idx="minor">
-              <a:schemeClr val="lt1"/>
-            </a:fontRef>
-          </p:style>
-          <p:txBody>
-            <a:bodyPr rtlCol="0" anchor="ctr"/>
-            <a:lstStyle/>
-            <a:p>
-              <a:pPr algn="ctr"/>
-              <a:r>
-                <a:rPr lang="en-US" sz="1200" dirty="0" smtClean="0"/>
-                <a:t>Persistence</a:t>
-              </a:r>
-              <a:endParaRPr lang="en-US" sz="1200" dirty="0"/>
-            </a:p>
-          </p:txBody>
-        </p:sp>
-        <p:sp>
-          <p:nvSpPr>
             <p:cNvPr id="7" name="TextBox 6"/>
             <p:cNvSpPr txBox="1"/>
             <p:nvPr/>
           </p:nvSpPr>
           <p:spPr>
             <a:xfrm>
-              <a:off x="6978166" y="2508010"/>
+              <a:off x="8716040" y="2621778"/>
               <a:ext cx="890500" cy="276999"/>
             </a:xfrm>
             <a:prstGeom prst="rect">
@@ -4690,7 +4841,7 @@
           </p:nvSpPr>
           <p:spPr>
             <a:xfrm>
-              <a:off x="7208959" y="2073673"/>
+              <a:off x="8946833" y="2187441"/>
               <a:ext cx="393056" cy="276999"/>
             </a:xfrm>
             <a:prstGeom prst="rect">
@@ -4728,7 +4879,7 @@
           </p:nvSpPr>
           <p:spPr>
             <a:xfrm>
-              <a:off x="7330780" y="2758115"/>
+              <a:off x="9068654" y="2871883"/>
               <a:ext cx="149414" cy="182880"/>
             </a:xfrm>
             <a:prstGeom prst="downArrow">
@@ -4778,7 +4929,7 @@
           </p:nvSpPr>
           <p:spPr>
             <a:xfrm>
-              <a:off x="7330780" y="2323555"/>
+              <a:off x="9068654" y="2437323"/>
               <a:ext cx="149414" cy="182880"/>
             </a:xfrm>
             <a:prstGeom prst="downArrow">
@@ -4822,16 +4973,54 @@
         </p:sp>
         <p:sp>
           <p:nvSpPr>
-            <p:cNvPr id="12" name="Left Arrow 11"/>
+            <p:cNvPr id="17" name="TextBox 16"/>
+            <p:cNvSpPr txBox="1"/>
+            <p:nvPr/>
+          </p:nvSpPr>
+          <p:spPr>
+            <a:xfrm>
+              <a:off x="8697637" y="4408635"/>
+              <a:ext cx="1040862" cy="276999"/>
+            </a:xfrm>
+            <a:prstGeom prst="rect">
+              <a:avLst/>
+            </a:prstGeom>
+            <a:noFill/>
+          </p:spPr>
+          <p:txBody>
+            <a:bodyPr wrap="none" rtlCol="0">
+              <a:spAutoFit/>
+            </a:bodyPr>
+            <a:lstStyle/>
+            <a:p>
+              <a:r>
+                <a:rPr lang="en-US" sz="1200" dirty="0" smtClean="0">
+                  <a:solidFill>
+                    <a:schemeClr val="bg1"/>
+                  </a:solidFill>
+                </a:rPr>
+                <a:t>Infrastructure</a:t>
+              </a:r>
+              <a:endParaRPr lang="en-US" sz="1200" dirty="0">
+                <a:solidFill>
+                  <a:schemeClr val="bg1"/>
+                </a:solidFill>
+              </a:endParaRPr>
+            </a:p>
+          </p:txBody>
+        </p:sp>
+        <p:sp>
+          <p:nvSpPr>
+            <p:cNvPr id="18" name="Down Arrow 17"/>
             <p:cNvSpPr/>
             <p:nvPr/>
           </p:nvSpPr>
           <p:spPr>
-            <a:xfrm>
-              <a:off x="7777522" y="3157498"/>
-              <a:ext cx="1927412" cy="182880"/>
+            <a:xfrm rot="10800000">
+              <a:off x="9098095" y="4217770"/>
+              <a:ext cx="146304" cy="182880"/>
             </a:xfrm>
-            <a:prstGeom prst="leftArrow">
+            <a:prstGeom prst="downArrow">
               <a:avLst/>
             </a:prstGeom>
             <a:solidFill>
@@ -4870,250 +5059,83 @@
             </a:p>
           </p:txBody>
         </p:sp>
-        <p:sp>
-          <p:nvSpPr>
-            <p:cNvPr id="13" name="Right Arrow 12"/>
-            <p:cNvSpPr/>
+        <p:cxnSp>
+          <p:nvCxnSpPr>
+            <p:cNvPr id="19" name="Straight Connector 18"/>
+            <p:cNvCxnSpPr>
+              <a:stCxn id="6" idx="2"/>
+              <a:endCxn id="4" idx="2"/>
+            </p:cNvCxnSpPr>
             <p:nvPr/>
-          </p:nvSpPr>
+          </p:nvCxnSpPr>
           <p:spPr>
             <a:xfrm>
-              <a:off x="8118181" y="3392820"/>
-              <a:ext cx="1586753" cy="182880"/>
+              <a:off x="7740384" y="3446077"/>
+              <a:ext cx="475129" cy="0"/>
             </a:xfrm>
-            <a:prstGeom prst="rightArrow">
+            <a:prstGeom prst="line">
               <a:avLst/>
             </a:prstGeom>
-            <a:solidFill>
-              <a:srgbClr val="FFC000"/>
-            </a:solidFill>
-            <a:effectLst>
-              <a:outerShdw blurRad="50800" dist="38100" dir="2700000" algn="tl" rotWithShape="0">
-                <a:prstClr val="black">
-                  <a:alpha val="40000"/>
-                </a:prstClr>
-              </a:outerShdw>
-            </a:effectLst>
+            <a:ln w="50800">
+              <a:solidFill>
+                <a:schemeClr val="bg1"/>
+              </a:solidFill>
+            </a:ln>
           </p:spPr>
           <p:style>
-            <a:lnRef idx="2">
-              <a:schemeClr val="accent1">
-                <a:shade val="50000"/>
-              </a:schemeClr>
+            <a:lnRef idx="1">
+              <a:schemeClr val="accent1"/>
             </a:lnRef>
-            <a:fillRef idx="1">
+            <a:fillRef idx="0">
               <a:schemeClr val="accent1"/>
             </a:fillRef>
             <a:effectRef idx="0">
               <a:schemeClr val="accent1"/>
             </a:effectRef>
             <a:fontRef idx="minor">
-              <a:schemeClr val="lt1"/>
+              <a:schemeClr val="tx1"/>
             </a:fontRef>
           </p:style>
-          <p:txBody>
-            <a:bodyPr rtlCol="0" anchor="ctr"/>
-            <a:lstStyle/>
-            <a:p>
-              <a:pPr algn="ctr"/>
-              <a:endParaRPr lang="en-US"/>
-            </a:p>
-          </p:txBody>
-        </p:sp>
+        </p:cxnSp>
+        <p:cxnSp>
+          <p:nvCxnSpPr>
+            <p:cNvPr id="21" name="Straight Connector 20"/>
+            <p:cNvCxnSpPr>
+              <a:stCxn id="4" idx="6"/>
+              <a:endCxn id="6" idx="6"/>
+            </p:cNvCxnSpPr>
+            <p:nvPr/>
+          </p:nvCxnSpPr>
+          <p:spPr>
+            <a:xfrm>
+              <a:off x="10080172" y="3446077"/>
+              <a:ext cx="502024" cy="0"/>
+            </a:xfrm>
+            <a:prstGeom prst="line">
+              <a:avLst/>
+            </a:prstGeom>
+            <a:ln w="50800">
+              <a:solidFill>
+                <a:schemeClr val="bg1"/>
+              </a:solidFill>
+            </a:ln>
+          </p:spPr>
+          <p:style>
+            <a:lnRef idx="1">
+              <a:schemeClr val="accent1"/>
+            </a:lnRef>
+            <a:fillRef idx="0">
+              <a:schemeClr val="accent1"/>
+            </a:fillRef>
+            <a:effectRef idx="0">
+              <a:schemeClr val="accent1"/>
+            </a:effectRef>
+            <a:fontRef idx="minor">
+              <a:schemeClr val="tx1"/>
+            </a:fontRef>
+          </p:style>
+        </p:cxnSp>
       </p:grpSp>
-      <p:sp>
-        <p:nvSpPr>
-          <p:cNvPr id="14" name="TextBox 13"/>
-          <p:cNvSpPr txBox="1"/>
-          <p:nvPr/>
-        </p:nvSpPr>
-        <p:spPr>
-          <a:xfrm>
-            <a:off x="555171" y="1230086"/>
-            <a:ext cx="5817455" cy="4431983"/>
-          </a:xfrm>
-          <a:prstGeom prst="rect">
-            <a:avLst/>
-          </a:prstGeom>
-          <a:noFill/>
-        </p:spPr>
-        <p:txBody>
-          <a:bodyPr wrap="square" rtlCol="0">
-            <a:spAutoFit/>
-          </a:bodyPr>
-          <a:lstStyle/>
-          <a:p>
-            <a:r>
-              <a:rPr lang="en-US" sz="1600" b="1" dirty="0" smtClean="0"/>
-              <a:t>Clean architecture layers (Onion view)</a:t>
-            </a:r>
-          </a:p>
-          <a:p>
-            <a:r>
-              <a:rPr lang="en-US" sz="1400" dirty="0"/>
-              <a:t>Clean architecture puts the business logic and application model at the center of the application</a:t>
-            </a:r>
-            <a:r>
-              <a:rPr lang="en-US" sz="1400" dirty="0" smtClean="0"/>
-              <a:t>.</a:t>
-            </a:r>
-          </a:p>
-          <a:p>
-            <a:endParaRPr lang="en-US" sz="1400" dirty="0" smtClean="0"/>
-          </a:p>
-          <a:p>
-            <a:pPr marL="285750" indent="-285750">
-              <a:buFont typeface="Arial" panose="020B0604020202020204" pitchFamily="34" charset="0"/>
-              <a:buChar char="•"/>
-            </a:pPr>
-            <a:r>
-              <a:rPr lang="en-US" sz="1400" dirty="0" smtClean="0"/>
-              <a:t>Domain centric (domain entities), it has no </a:t>
-            </a:r>
-            <a:r>
-              <a:rPr lang="en-US" sz="1400" dirty="0" smtClean="0"/>
-              <a:t>dependencies on any layer.</a:t>
-            </a:r>
-            <a:endParaRPr lang="en-US" sz="1400" dirty="0" smtClean="0"/>
-          </a:p>
-          <a:p>
-            <a:pPr marL="285750" indent="-285750">
-              <a:buFont typeface="Arial" panose="020B0604020202020204" pitchFamily="34" charset="0"/>
-              <a:buChar char="•"/>
-            </a:pPr>
-            <a:r>
-              <a:rPr lang="en-US" sz="1400" dirty="0" smtClean="0"/>
-              <a:t>Application </a:t>
-            </a:r>
-            <a:r>
-              <a:rPr lang="en-US" sz="1400" dirty="0" smtClean="0"/>
-              <a:t>layer (business use cases) </a:t>
-            </a:r>
-            <a:r>
-              <a:rPr lang="en-US" sz="1400" dirty="0" smtClean="0"/>
-              <a:t>sits above the Domain layer. </a:t>
-            </a:r>
-            <a:endParaRPr lang="en-US" sz="1400" dirty="0" smtClean="0"/>
-          </a:p>
-          <a:p>
-            <a:pPr marL="742950" lvl="1" indent="-285750">
-              <a:buFont typeface="Arial" panose="020B0604020202020204" pitchFamily="34" charset="0"/>
-              <a:buChar char="•"/>
-            </a:pPr>
-            <a:r>
-              <a:rPr lang="en-US" sz="1400" dirty="0" smtClean="0"/>
-              <a:t>This </a:t>
-            </a:r>
-            <a:r>
-              <a:rPr lang="en-US" sz="1400" dirty="0" smtClean="0"/>
-              <a:t>layer contains all the business logic and it will have dependency on the Domain and </a:t>
-            </a:r>
-            <a:r>
-              <a:rPr lang="en-US" sz="1400" dirty="0" smtClean="0"/>
-              <a:t>Persistence</a:t>
-            </a:r>
-          </a:p>
-          <a:p>
-            <a:pPr marL="742950" lvl="1" indent="-285750">
-              <a:buFont typeface="Arial" panose="020B0604020202020204" pitchFamily="34" charset="0"/>
-              <a:buChar char="•"/>
-            </a:pPr>
-            <a:r>
-              <a:rPr lang="en-US" sz="1400" dirty="0" smtClean="0"/>
-              <a:t>Each use case will have separate classes</a:t>
-            </a:r>
-            <a:endParaRPr lang="en-US" sz="1400" dirty="0" smtClean="0"/>
-          </a:p>
-          <a:p>
-            <a:pPr marL="285750" indent="-285750">
-              <a:buFont typeface="Arial" panose="020B0604020202020204" pitchFamily="34" charset="0"/>
-              <a:buChar char="•"/>
-            </a:pPr>
-            <a:r>
-              <a:rPr lang="en-US" sz="1400" dirty="0" smtClean="0"/>
-              <a:t>API layer sits above the Application layer.</a:t>
-            </a:r>
-            <a:endParaRPr lang="en-US" sz="1400" dirty="0"/>
-          </a:p>
-          <a:p>
-            <a:pPr marL="285750" indent="-285750">
-              <a:buFont typeface="Arial" panose="020B0604020202020204" pitchFamily="34" charset="0"/>
-              <a:buChar char="•"/>
-            </a:pPr>
-            <a:r>
-              <a:rPr lang="en-US" sz="1400" dirty="0" smtClean="0"/>
-              <a:t>Persistence layer, will have dependency on the Domain (access to the entities</a:t>
-            </a:r>
-            <a:r>
-              <a:rPr lang="en-US" sz="1400" dirty="0" smtClean="0"/>
-              <a:t>)</a:t>
-            </a:r>
-          </a:p>
-          <a:p>
-            <a:pPr marL="285750" indent="-285750">
-              <a:buFont typeface="Arial" panose="020B0604020202020204" pitchFamily="34" charset="0"/>
-              <a:buChar char="•"/>
-            </a:pPr>
-            <a:endParaRPr lang="en-US" sz="1400" dirty="0"/>
-          </a:p>
-          <a:p>
-            <a:r>
-              <a:rPr lang="en-US" sz="1400" b="1" dirty="0" smtClean="0"/>
-              <a:t>Recommendations</a:t>
-            </a:r>
-          </a:p>
-          <a:p>
-            <a:pPr marL="285750" indent="-285750">
-              <a:buFont typeface="Arial" panose="020B0604020202020204" pitchFamily="34" charset="0"/>
-              <a:buChar char="•"/>
-            </a:pPr>
-            <a:r>
-              <a:rPr lang="en-US" sz="1400" dirty="0" smtClean="0"/>
-              <a:t>Independent from frameworks</a:t>
-            </a:r>
-          </a:p>
-          <a:p>
-            <a:pPr marL="285750" indent="-285750">
-              <a:buFont typeface="Arial" panose="020B0604020202020204" pitchFamily="34" charset="0"/>
-              <a:buChar char="•"/>
-            </a:pPr>
-            <a:r>
-              <a:rPr lang="en-US" sz="1400" dirty="0" smtClean="0"/>
-              <a:t>Testable</a:t>
-            </a:r>
-          </a:p>
-          <a:p>
-            <a:pPr marL="285750" indent="-285750">
-              <a:buFont typeface="Arial" panose="020B0604020202020204" pitchFamily="34" charset="0"/>
-              <a:buChar char="•"/>
-            </a:pPr>
-            <a:r>
-              <a:rPr lang="en-US" sz="1400" dirty="0" smtClean="0"/>
-              <a:t>Independent from the interface</a:t>
-            </a:r>
-          </a:p>
-          <a:p>
-            <a:pPr marL="285750" indent="-285750">
-              <a:buFont typeface="Arial" panose="020B0604020202020204" pitchFamily="34" charset="0"/>
-              <a:buChar char="•"/>
-            </a:pPr>
-            <a:r>
-              <a:rPr lang="en-US" sz="1400" dirty="0" smtClean="0"/>
-              <a:t>Independent from the database</a:t>
-            </a:r>
-          </a:p>
-          <a:p>
-            <a:endParaRPr lang="en-US" sz="1400" dirty="0" smtClean="0"/>
-          </a:p>
-          <a:p>
-            <a:pPr marL="285750" indent="-285750">
-              <a:buFont typeface="Arial" panose="020B0604020202020204" pitchFamily="34" charset="0"/>
-              <a:buChar char="•"/>
-            </a:pPr>
-            <a:endParaRPr lang="en-US" sz="1400" dirty="0"/>
-          </a:p>
-        </p:txBody>
-      </p:sp>
     </p:spTree>
     <p:extLst>
       <p:ext uri="{BB962C8B-B14F-4D97-AF65-F5344CB8AC3E}">

--- a/Design/Digital Asset - Design.pptx
+++ b/Design/Digital Asset - Design.pptx
@@ -16,6 +16,7 @@
     <p:sldId id="8338" r:id="rId13"/>
     <p:sldId id="8344" r:id="rId14"/>
     <p:sldId id="8345" r:id="rId15"/>
+    <p:sldId id="8350" r:id="rId16"/>
   </p:sldIdLst>
   <p:sldSz cx="12192000" cy="6858000"/>
   <p:notesSz cx="6858000" cy="9144000"/>
@@ -3943,6 +3944,194 @@
           <a:p>
             <a:r>
               <a:rPr lang="en-US" sz="3600" dirty="0" smtClean="0"/>
+              <a:t>Entity framework</a:t>
+            </a:r>
+            <a:endParaRPr lang="en-US" sz="3600" dirty="0"/>
+          </a:p>
+        </p:txBody>
+      </p:sp>
+      <p:sp>
+        <p:nvSpPr>
+          <p:cNvPr id="2" name="TextBox 1">
+            <a:extLst>
+              <a:ext uri="{FF2B5EF4-FFF2-40B4-BE49-F238E27FC236}">
+                <a16:creationId xmlns:a16="http://schemas.microsoft.com/office/drawing/2014/main" id="{8726C6FA-44FA-4E6F-8D8E-4F457920CF7B}"/>
+              </a:ext>
+            </a:extLst>
+          </p:cNvPr>
+          <p:cNvSpPr txBox="1"/>
+          <p:nvPr/>
+        </p:nvSpPr>
+        <p:spPr>
+          <a:xfrm>
+            <a:off x="555171" y="1390979"/>
+            <a:ext cx="11070772" cy="1384995"/>
+          </a:xfrm>
+          <a:prstGeom prst="rect">
+            <a:avLst/>
+          </a:prstGeom>
+          <a:noFill/>
+        </p:spPr>
+        <p:txBody>
+          <a:bodyPr wrap="square" rtlCol="0">
+            <a:spAutoFit/>
+          </a:bodyPr>
+          <a:lstStyle/>
+          <a:p>
+            <a:r>
+              <a:rPr lang="en-US" sz="1400" b="1" dirty="0" smtClean="0"/>
+              <a:t>Generate models and context</a:t>
+            </a:r>
+          </a:p>
+          <a:p>
+            <a:endParaRPr lang="en-US" sz="1400" dirty="0" smtClean="0"/>
+          </a:p>
+          <a:p>
+            <a:r>
+              <a:rPr lang="en-US" sz="1400" dirty="0" smtClean="0"/>
+              <a:t>Scaffold-</a:t>
+            </a:r>
+            <a:r>
+              <a:rPr lang="en-US" sz="1400" dirty="0" err="1" smtClean="0"/>
+              <a:t>DbContext</a:t>
+            </a:r>
+            <a:r>
+              <a:rPr lang="en-US" sz="1400" dirty="0" smtClean="0"/>
+              <a:t> </a:t>
+            </a:r>
+            <a:r>
+              <a:rPr lang="en-US" sz="1400" dirty="0"/>
+              <a:t>"Server=</a:t>
+            </a:r>
+            <a:r>
+              <a:rPr lang="en-US" sz="1400" dirty="0" err="1"/>
+              <a:t>localhost;Database</a:t>
+            </a:r>
+            <a:r>
+              <a:rPr lang="en-US" sz="1400" dirty="0"/>
+              <a:t>=</a:t>
+            </a:r>
+            <a:r>
+              <a:rPr lang="en-US" sz="1400" dirty="0" err="1"/>
+              <a:t>DigitalAssets;Trusted_Connection</a:t>
+            </a:r>
+            <a:r>
+              <a:rPr lang="en-US" sz="1400" dirty="0"/>
+              <a:t>=True;" </a:t>
+            </a:r>
+            <a:r>
+              <a:rPr lang="en-US" sz="1400" dirty="0" err="1"/>
+              <a:t>Microsoft.EntityFrameworkCore.SqlServer</a:t>
+            </a:r>
+            <a:r>
+              <a:rPr lang="en-US" sz="1400" dirty="0"/>
+              <a:t> -</a:t>
+            </a:r>
+            <a:r>
+              <a:rPr lang="en-US" sz="1400" dirty="0" err="1"/>
+              <a:t>OutputDir</a:t>
+            </a:r>
+            <a:r>
+              <a:rPr lang="en-US" sz="1400" dirty="0"/>
+              <a:t> </a:t>
+            </a:r>
+            <a:r>
+              <a:rPr lang="en-US" sz="1400" dirty="0" smtClean="0"/>
+              <a:t>Models</a:t>
+            </a:r>
+          </a:p>
+          <a:p>
+            <a:endParaRPr lang="en-US" sz="1400" smtClean="0"/>
+          </a:p>
+          <a:p>
+            <a:endParaRPr lang="en-US" sz="1400" dirty="0"/>
+          </a:p>
+        </p:txBody>
+      </p:sp>
+    </p:spTree>
+    <p:extLst>
+      <p:ext uri="{BB962C8B-B14F-4D97-AF65-F5344CB8AC3E}">
+        <p14:creationId xmlns:p14="http://schemas.microsoft.com/office/powerpoint/2010/main" val="87195330"/>
+      </p:ext>
+    </p:extLst>
+  </p:cSld>
+  <p:clrMapOvr>
+    <a:masterClrMapping/>
+  </p:clrMapOvr>
+  <p:timing>
+    <p:tnLst>
+      <p:par>
+        <p:cTn id="1" dur="indefinite" restart="never" nodeType="tmRoot"/>
+      </p:par>
+    </p:tnLst>
+  </p:timing>
+</p:sld>
+</file>
+
+<file path=ppt/slides/slide12.xml><?xml version="1.0" encoding="utf-8"?>
+<p:sld xmlns:a="http://schemas.openxmlformats.org/drawingml/2006/main" xmlns:r="http://schemas.openxmlformats.org/officeDocument/2006/relationships" xmlns:p="http://schemas.openxmlformats.org/presentationml/2006/main">
+  <p:cSld>
+    <p:spTree>
+      <p:nvGrpSpPr>
+        <p:cNvPr id="1" name=""/>
+        <p:cNvGrpSpPr/>
+        <p:nvPr/>
+      </p:nvGrpSpPr>
+      <p:grpSpPr>
+        <a:xfrm>
+          <a:off x="0" y="0"/>
+          <a:ext cx="0" cy="0"/>
+          <a:chOff x="0" y="0"/>
+          <a:chExt cx="0" cy="0"/>
+        </a:xfrm>
+      </p:grpSpPr>
+      <p:sp>
+        <p:nvSpPr>
+          <p:cNvPr id="109" name="Title 1">
+            <a:extLst>
+              <a:ext uri="{FF2B5EF4-FFF2-40B4-BE49-F238E27FC236}">
+                <a16:creationId xmlns:a16="http://schemas.microsoft.com/office/drawing/2014/main" id="{78C07964-174A-4A54-84D3-E88913B49D0E}"/>
+              </a:ext>
+            </a:extLst>
+          </p:cNvPr>
+          <p:cNvSpPr txBox="1">
+            <a:spLocks/>
+          </p:cNvSpPr>
+          <p:nvPr/>
+        </p:nvSpPr>
+        <p:spPr>
+          <a:xfrm>
+            <a:off x="555171" y="-4998"/>
+            <a:ext cx="11070772" cy="1039142"/>
+          </a:xfrm>
+          <a:prstGeom prst="rect">
+            <a:avLst/>
+          </a:prstGeom>
+        </p:spPr>
+        <p:txBody>
+          <a:bodyPr anchor="ctr"/>
+          <a:lstStyle>
+            <a:lvl1pPr algn="l" defTabSz="914400" rtl="0" eaLnBrk="1" latinLnBrk="0" hangingPunct="1">
+              <a:lnSpc>
+                <a:spcPct val="90000"/>
+              </a:lnSpc>
+              <a:spcBef>
+                <a:spcPct val="0"/>
+              </a:spcBef>
+              <a:buNone/>
+              <a:defRPr sz="4400" kern="1200">
+                <a:solidFill>
+                  <a:schemeClr val="tx1"/>
+                </a:solidFill>
+                <a:latin typeface="+mj-lt"/>
+                <a:ea typeface="+mj-ea"/>
+                <a:cs typeface="+mj-cs"/>
+              </a:defRPr>
+            </a:lvl1pPr>
+          </a:lstStyle>
+          <a:p>
+            <a:r>
+              <a:rPr lang="en-US" sz="3600" dirty="0" smtClean="0"/>
               <a:t>Building blocks</a:t>
             </a:r>
             <a:endParaRPr lang="en-US" sz="3600" dirty="0"/>
@@ -4046,7 +4235,7 @@
     </p:spTree>
     <p:extLst>
       <p:ext uri="{BB962C8B-B14F-4D97-AF65-F5344CB8AC3E}">
-        <p14:creationId xmlns:p14="http://schemas.microsoft.com/office/powerpoint/2010/main" val="87195330"/>
+        <p14:creationId xmlns:p14="http://schemas.microsoft.com/office/powerpoint/2010/main" val="4052666979"/>
       </p:ext>
     </p:extLst>
   </p:cSld>
@@ -4500,13 +4689,8 @@
             </a:pPr>
             <a:r>
               <a:rPr lang="en-US" sz="1400" dirty="0" smtClean="0"/>
-              <a:t>Domain centric (domain entities), it has no </a:t>
-            </a:r>
-            <a:r>
-              <a:rPr lang="en-US" sz="1400" dirty="0" smtClean="0"/>
-              <a:t>dependencies on any layer.</a:t>
-            </a:r>
-            <a:endParaRPr lang="en-US" sz="1400" dirty="0" smtClean="0"/>
+              <a:t>Domain centric (domain entities), it has no dependencies on any layer.</a:t>
+            </a:r>
           </a:p>
           <a:p>
             <a:pPr marL="285750" indent="-285750">
@@ -4515,17 +4699,8 @@
             </a:pPr>
             <a:r>
               <a:rPr lang="en-US" sz="1400" dirty="0" smtClean="0"/>
-              <a:t>Application </a:t>
-            </a:r>
-            <a:r>
-              <a:rPr lang="en-US" sz="1400" dirty="0" smtClean="0"/>
-              <a:t>layer (business use cases) </a:t>
-            </a:r>
-            <a:r>
-              <a:rPr lang="en-US" sz="1400" dirty="0" smtClean="0"/>
-              <a:t>sits above the Domain layer. </a:t>
-            </a:r>
-            <a:endParaRPr lang="en-US" sz="1400" dirty="0" smtClean="0"/>
+              <a:t>Application layer (business use cases) sits above the Domain layer. </a:t>
+            </a:r>
           </a:p>
           <a:p>
             <a:pPr marL="742950" lvl="1" indent="-285750">
@@ -4534,15 +4709,7 @@
             </a:pPr>
             <a:r>
               <a:rPr lang="en-US" sz="1400" dirty="0" smtClean="0"/>
-              <a:t>This </a:t>
-            </a:r>
-            <a:r>
-              <a:rPr lang="en-US" sz="1400" dirty="0" smtClean="0"/>
-              <a:t>layer contains all the business logic and it will have dependency on the Domain and </a:t>
-            </a:r>
-            <a:r>
-              <a:rPr lang="en-US" sz="1400" dirty="0" smtClean="0"/>
-              <a:t>Persistence</a:t>
+              <a:t>This layer contains all the business logic and it will have dependency on the Domain and Persistence</a:t>
             </a:r>
           </a:p>
           <a:p>
@@ -4554,7 +4721,6 @@
               <a:rPr lang="en-US" sz="1400" dirty="0" smtClean="0"/>
               <a:t>Each use case will have separate classes</a:t>
             </a:r>
-            <a:endParaRPr lang="en-US" sz="1400" dirty="0" smtClean="0"/>
           </a:p>
           <a:p>
             <a:pPr marL="285750" indent="-285750">
@@ -4574,11 +4740,7 @@
             </a:pPr>
             <a:r>
               <a:rPr lang="en-US" sz="1400" dirty="0" smtClean="0"/>
-              <a:t>Persistence layer, will have dependency on the Domain (access to the entities</a:t>
-            </a:r>
-            <a:r>
-              <a:rPr lang="en-US" sz="1400" dirty="0" smtClean="0"/>
-              <a:t>)</a:t>
+              <a:t>Persistence layer, will have dependency on the Domain (access to the entities)</a:t>
             </a:r>
           </a:p>
           <a:p>
@@ -11994,12 +12156,9 @@
 </file>
 
 <file path=customXml/item1.xml><?xml version="1.0" encoding="utf-8"?>
-<?mso-contentType ?>
-<FormTemplates xmlns="http://schemas.microsoft.com/sharepoint/v3/contenttype/forms">
-  <Display>DocumentLibraryForm</Display>
-  <Edit>DocumentLibraryForm</Edit>
-  <New>DocumentLibraryForm</New>
-</FormTemplates>
+<p:properties xmlns:p="http://schemas.microsoft.com/office/2006/metadata/properties" xmlns:xsi="http://www.w3.org/2001/XMLSchema-instance" xmlns:pc="http://schemas.microsoft.com/office/infopath/2007/PartnerControls">
+  <documentManagement/>
+</p:properties>
 </file>
 
 <file path=customXml/item2.xml><?xml version="1.0" encoding="utf-8"?>
@@ -12175,15 +12334,19 @@
 </file>
 
 <file path=customXml/item3.xml><?xml version="1.0" encoding="utf-8"?>
-<p:properties xmlns:p="http://schemas.microsoft.com/office/2006/metadata/properties" xmlns:xsi="http://www.w3.org/2001/XMLSchema-instance" xmlns:pc="http://schemas.microsoft.com/office/infopath/2007/PartnerControls">
-  <documentManagement/>
-</p:properties>
+<?mso-contentType ?>
+<FormTemplates xmlns="http://schemas.microsoft.com/sharepoint/v3/contenttype/forms">
+  <Display>DocumentLibraryForm</Display>
+  <Edit>DocumentLibraryForm</Edit>
+  <New>DocumentLibraryForm</New>
+</FormTemplates>
 </file>
 
 <file path=customXml/itemProps1.xml><?xml version="1.0" encoding="utf-8"?>
-<ds:datastoreItem xmlns:ds="http://schemas.openxmlformats.org/officeDocument/2006/customXml" ds:itemID="{8CDB702E-3F50-4264-9CFC-35B79A02A69A}">
+<ds:datastoreItem xmlns:ds="http://schemas.openxmlformats.org/officeDocument/2006/customXml" ds:itemID="{2B86CB2E-7645-4F93-82AF-04EAF2AF8C03}">
   <ds:schemaRefs>
-    <ds:schemaRef ds:uri="http://schemas.microsoft.com/sharepoint/v3/contenttype/forms"/>
+    <ds:schemaRef ds:uri="http://schemas.microsoft.com/office/2006/metadata/properties"/>
+    <ds:schemaRef ds:uri="http://schemas.microsoft.com/office/infopath/2007/PartnerControls"/>
   </ds:schemaRefs>
 </ds:datastoreItem>
 </file>
@@ -12207,10 +12370,9 @@
 </file>
 
 <file path=customXml/itemProps3.xml><?xml version="1.0" encoding="utf-8"?>
-<ds:datastoreItem xmlns:ds="http://schemas.openxmlformats.org/officeDocument/2006/customXml" ds:itemID="{2B86CB2E-7645-4F93-82AF-04EAF2AF8C03}">
+<ds:datastoreItem xmlns:ds="http://schemas.openxmlformats.org/officeDocument/2006/customXml" ds:itemID="{8CDB702E-3F50-4264-9CFC-35B79A02A69A}">
   <ds:schemaRefs>
-    <ds:schemaRef ds:uri="http://schemas.microsoft.com/office/2006/metadata/properties"/>
-    <ds:schemaRef ds:uri="http://schemas.microsoft.com/office/infopath/2007/PartnerControls"/>
+    <ds:schemaRef ds:uri="http://schemas.microsoft.com/sharepoint/v3/contenttype/forms"/>
   </ds:schemaRefs>
 </ds:datastoreItem>
 </file>
--- a/Design/Digital Asset - Design.pptx
+++ b/Design/Digital Asset - Design.pptx
@@ -14,9 +14,12 @@
     <p:sldId id="8347" r:id="rId11"/>
     <p:sldId id="8336" r:id="rId12"/>
     <p:sldId id="8338" r:id="rId13"/>
-    <p:sldId id="8344" r:id="rId14"/>
-    <p:sldId id="8345" r:id="rId15"/>
-    <p:sldId id="8350" r:id="rId16"/>
+    <p:sldId id="8351" r:id="rId14"/>
+    <p:sldId id="8352" r:id="rId15"/>
+    <p:sldId id="8344" r:id="rId16"/>
+    <p:sldId id="8353" r:id="rId17"/>
+    <p:sldId id="8345" r:id="rId18"/>
+    <p:sldId id="8350" r:id="rId19"/>
   </p:sldIdLst>
   <p:sldSz cx="12192000" cy="6858000"/>
   <p:notesSz cx="6858000" cy="9144000"/>
@@ -270,7 +273,7 @@
           <a:p>
             <a:fld id="{8FBEF592-9A5F-4028-BE74-EE215189E296}" type="datetimeFigureOut">
               <a:rPr lang="en-US" smtClean="0"/>
-              <a:t>6/28/2021</a:t>
+              <a:t>7/13/2021</a:t>
             </a:fld>
             <a:endParaRPr lang="en-US"/>
           </a:p>
@@ -468,7 +471,7 @@
           <a:p>
             <a:fld id="{8FBEF592-9A5F-4028-BE74-EE215189E296}" type="datetimeFigureOut">
               <a:rPr lang="en-US" smtClean="0"/>
-              <a:t>6/28/2021</a:t>
+              <a:t>7/13/2021</a:t>
             </a:fld>
             <a:endParaRPr lang="en-US"/>
           </a:p>
@@ -676,7 +679,7 @@
           <a:p>
             <a:fld id="{8FBEF592-9A5F-4028-BE74-EE215189E296}" type="datetimeFigureOut">
               <a:rPr lang="en-US" smtClean="0"/>
-              <a:t>6/28/2021</a:t>
+              <a:t>7/13/2021</a:t>
             </a:fld>
             <a:endParaRPr lang="en-US"/>
           </a:p>
@@ -789,7 +792,7 @@
           <a:p>
             <a:fld id="{708BE3AE-D757-42E3-9D32-22A977FECB4E}" type="datetime4">
               <a:rPr lang="en-US" smtClean="0"/>
-              <a:t>June 28, 2021</a:t>
+              <a:t>July 13, 2021</a:t>
             </a:fld>
             <a:endParaRPr lang="en-US" dirty="0"/>
           </a:p>
@@ -991,7 +994,7 @@
           <a:p>
             <a:fld id="{8FBEF592-9A5F-4028-BE74-EE215189E296}" type="datetimeFigureOut">
               <a:rPr lang="en-US" smtClean="0"/>
-              <a:t>6/28/2021</a:t>
+              <a:t>7/13/2021</a:t>
             </a:fld>
             <a:endParaRPr lang="en-US"/>
           </a:p>
@@ -1266,7 +1269,7 @@
           <a:p>
             <a:fld id="{8FBEF592-9A5F-4028-BE74-EE215189E296}" type="datetimeFigureOut">
               <a:rPr lang="en-US" smtClean="0"/>
-              <a:t>6/28/2021</a:t>
+              <a:t>7/13/2021</a:t>
             </a:fld>
             <a:endParaRPr lang="en-US"/>
           </a:p>
@@ -1531,7 +1534,7 @@
           <a:p>
             <a:fld id="{8FBEF592-9A5F-4028-BE74-EE215189E296}" type="datetimeFigureOut">
               <a:rPr lang="en-US" smtClean="0"/>
-              <a:t>6/28/2021</a:t>
+              <a:t>7/13/2021</a:t>
             </a:fld>
             <a:endParaRPr lang="en-US"/>
           </a:p>
@@ -1943,7 +1946,7 @@
           <a:p>
             <a:fld id="{8FBEF592-9A5F-4028-BE74-EE215189E296}" type="datetimeFigureOut">
               <a:rPr lang="en-US" smtClean="0"/>
-              <a:t>6/28/2021</a:t>
+              <a:t>7/13/2021</a:t>
             </a:fld>
             <a:endParaRPr lang="en-US"/>
           </a:p>
@@ -2084,7 +2087,7 @@
           <a:p>
             <a:fld id="{8FBEF592-9A5F-4028-BE74-EE215189E296}" type="datetimeFigureOut">
               <a:rPr lang="en-US" smtClean="0"/>
-              <a:t>6/28/2021</a:t>
+              <a:t>7/13/2021</a:t>
             </a:fld>
             <a:endParaRPr lang="en-US"/>
           </a:p>
@@ -2197,7 +2200,7 @@
           <a:p>
             <a:fld id="{8FBEF592-9A5F-4028-BE74-EE215189E296}" type="datetimeFigureOut">
               <a:rPr lang="en-US" smtClean="0"/>
-              <a:t>6/28/2021</a:t>
+              <a:t>7/13/2021</a:t>
             </a:fld>
             <a:endParaRPr lang="en-US"/>
           </a:p>
@@ -2508,7 +2511,7 @@
           <a:p>
             <a:fld id="{8FBEF592-9A5F-4028-BE74-EE215189E296}" type="datetimeFigureOut">
               <a:rPr lang="en-US" smtClean="0"/>
-              <a:t>6/28/2021</a:t>
+              <a:t>7/13/2021</a:t>
             </a:fld>
             <a:endParaRPr lang="en-US"/>
           </a:p>
@@ -2796,7 +2799,7 @@
           <a:p>
             <a:fld id="{8FBEF592-9A5F-4028-BE74-EE215189E296}" type="datetimeFigureOut">
               <a:rPr lang="en-US" smtClean="0"/>
-              <a:t>6/28/2021</a:t>
+              <a:t>7/13/2021</a:t>
             </a:fld>
             <a:endParaRPr lang="en-US"/>
           </a:p>
@@ -3037,7 +3040,7 @@
           <a:p>
             <a:fld id="{8FBEF592-9A5F-4028-BE74-EE215189E296}" type="datetimeFigureOut">
               <a:rPr lang="en-US" smtClean="0"/>
-              <a:t>6/28/2021</a:t>
+              <a:t>7/13/2021</a:t>
             </a:fld>
             <a:endParaRPr lang="en-US"/>
           </a:p>
@@ -3531,44 +3534,6 @@
       </p:grpSpPr>
       <p:sp>
         <p:nvSpPr>
-          <p:cNvPr id="6" name="Rectangle 5"/>
-          <p:cNvSpPr/>
-          <p:nvPr/>
-        </p:nvSpPr>
-        <p:spPr>
-          <a:xfrm>
-            <a:off x="4473388" y="3935503"/>
-            <a:ext cx="2985247" cy="1246095"/>
-          </a:xfrm>
-          <a:prstGeom prst="rect">
-            <a:avLst/>
-          </a:prstGeom>
-        </p:spPr>
-        <p:style>
-          <a:lnRef idx="2">
-            <a:schemeClr val="accent1"/>
-          </a:lnRef>
-          <a:fillRef idx="1">
-            <a:schemeClr val="lt1"/>
-          </a:fillRef>
-          <a:effectRef idx="0">
-            <a:schemeClr val="accent1"/>
-          </a:effectRef>
-          <a:fontRef idx="minor">
-            <a:schemeClr val="dk1"/>
-          </a:fontRef>
-        </p:style>
-        <p:txBody>
-          <a:bodyPr rtlCol="0" anchor="ctr"/>
-          <a:lstStyle/>
-          <a:p>
-            <a:pPr algn="ctr"/>
-            <a:endParaRPr lang="en-US"/>
-          </a:p>
-        </p:txBody>
-      </p:sp>
-      <p:sp>
-        <p:nvSpPr>
           <p:cNvPr id="109" name="Title 1">
             <a:extLst>
               <a:ext uri="{FF2B5EF4-FFF2-40B4-BE49-F238E27FC236}">
@@ -3614,256 +3579,1813 @@
           <a:p>
             <a:r>
               <a:rPr lang="en-US" sz="3600" dirty="0" smtClean="0"/>
-              <a:t>High level design</a:t>
+              <a:t>Entities - assets</a:t>
             </a:r>
             <a:endParaRPr lang="en-US" sz="3600" dirty="0"/>
           </a:p>
         </p:txBody>
       </p:sp>
-      <p:sp>
-        <p:nvSpPr>
-          <p:cNvPr id="2" name="Rectangle 1"/>
-          <p:cNvSpPr/>
-          <p:nvPr/>
-        </p:nvSpPr>
-        <p:spPr>
-          <a:xfrm>
-            <a:off x="5136778" y="1506071"/>
-            <a:ext cx="1649506" cy="591670"/>
-          </a:xfrm>
-          <a:prstGeom prst="rect">
-            <a:avLst/>
-          </a:prstGeom>
-        </p:spPr>
-        <p:style>
-          <a:lnRef idx="0">
-            <a:schemeClr val="accent4"/>
-          </a:lnRef>
-          <a:fillRef idx="3">
-            <a:schemeClr val="accent4"/>
-          </a:fillRef>
-          <a:effectRef idx="3">
-            <a:schemeClr val="accent4"/>
-          </a:effectRef>
-          <a:fontRef idx="minor">
-            <a:schemeClr val="lt1"/>
-          </a:fontRef>
-        </p:style>
-        <p:txBody>
-          <a:bodyPr rtlCol="0" anchor="ctr"/>
-          <a:lstStyle/>
-          <a:p>
-            <a:pPr algn="ctr"/>
-            <a:r>
-              <a:rPr lang="en-US" sz="1400" dirty="0" smtClean="0"/>
-              <a:t>UI</a:t>
-            </a:r>
-            <a:endParaRPr lang="en-US" sz="1400" dirty="0"/>
-          </a:p>
-        </p:txBody>
-      </p:sp>
-      <p:sp>
-        <p:nvSpPr>
-          <p:cNvPr id="18" name="Rectangle 17"/>
-          <p:cNvSpPr/>
-          <p:nvPr/>
-        </p:nvSpPr>
-        <p:spPr>
-          <a:xfrm>
-            <a:off x="5136778" y="2680448"/>
-            <a:ext cx="1649506" cy="591670"/>
-          </a:xfrm>
-          <a:prstGeom prst="rect">
-            <a:avLst/>
-          </a:prstGeom>
-        </p:spPr>
-        <p:style>
-          <a:lnRef idx="0">
-            <a:schemeClr val="accent4"/>
-          </a:lnRef>
-          <a:fillRef idx="3">
-            <a:schemeClr val="accent4"/>
-          </a:fillRef>
-          <a:effectRef idx="3">
-            <a:schemeClr val="accent4"/>
-          </a:effectRef>
-          <a:fontRef idx="minor">
-            <a:schemeClr val="lt1"/>
-          </a:fontRef>
-        </p:style>
-        <p:txBody>
-          <a:bodyPr rtlCol="0" anchor="ctr"/>
-          <a:lstStyle/>
-          <a:p>
-            <a:pPr algn="ctr"/>
-            <a:r>
-              <a:rPr lang="en-US" sz="1400" dirty="0" smtClean="0"/>
-              <a:t>DAM API</a:t>
-            </a:r>
-            <a:endParaRPr lang="en-US" sz="1400" dirty="0"/>
-          </a:p>
-        </p:txBody>
-      </p:sp>
-      <p:cxnSp>
-        <p:nvCxnSpPr>
-          <p:cNvPr id="4" name="Straight Arrow Connector 3"/>
-          <p:cNvCxnSpPr>
-            <a:stCxn id="2" idx="2"/>
-            <a:endCxn id="18" idx="0"/>
-          </p:cNvCxnSpPr>
-          <p:nvPr/>
-        </p:nvCxnSpPr>
-        <p:spPr>
-          <a:xfrm>
-            <a:off x="5961531" y="2097741"/>
-            <a:ext cx="0" cy="582707"/>
-          </a:xfrm>
-          <a:prstGeom prst="straightConnector1">
-            <a:avLst/>
-          </a:prstGeom>
-          <a:ln>
-            <a:tailEnd type="triangle"/>
-          </a:ln>
-        </p:spPr>
-        <p:style>
-          <a:lnRef idx="1">
-            <a:schemeClr val="accent1"/>
-          </a:lnRef>
-          <a:fillRef idx="0">
-            <a:schemeClr val="accent1"/>
-          </a:fillRef>
-          <a:effectRef idx="0">
-            <a:schemeClr val="accent1"/>
-          </a:effectRef>
-          <a:fontRef idx="minor">
-            <a:schemeClr val="tx1"/>
-          </a:fontRef>
-        </p:style>
-      </p:cxnSp>
-      <p:sp>
-        <p:nvSpPr>
-          <p:cNvPr id="5" name="Flowchart: Magnetic Disk 4"/>
-          <p:cNvSpPr/>
-          <p:nvPr/>
-        </p:nvSpPr>
-        <p:spPr>
-          <a:xfrm>
-            <a:off x="4778188" y="4213411"/>
-            <a:ext cx="1013013" cy="681318"/>
-          </a:xfrm>
-          <a:prstGeom prst="flowChartMagneticDisk">
-            <a:avLst/>
-          </a:prstGeom>
-        </p:spPr>
-        <p:style>
-          <a:lnRef idx="1">
-            <a:schemeClr val="accent5"/>
-          </a:lnRef>
-          <a:fillRef idx="2">
-            <a:schemeClr val="accent5"/>
-          </a:fillRef>
-          <a:effectRef idx="1">
-            <a:schemeClr val="accent5"/>
-          </a:effectRef>
-          <a:fontRef idx="minor">
-            <a:schemeClr val="dk1"/>
-          </a:fontRef>
-        </p:style>
-        <p:txBody>
-          <a:bodyPr rtlCol="0" anchor="ctr"/>
-          <a:lstStyle/>
-          <a:p>
-            <a:pPr algn="ctr"/>
-            <a:r>
-              <a:rPr lang="en-US" sz="1400" dirty="0" smtClean="0"/>
-              <a:t>Assets</a:t>
-            </a:r>
-            <a:endParaRPr lang="en-US" sz="1400" dirty="0"/>
-          </a:p>
-        </p:txBody>
-      </p:sp>
-      <p:sp>
-        <p:nvSpPr>
-          <p:cNvPr id="26" name="Flowchart: Magnetic Disk 25"/>
-          <p:cNvSpPr/>
-          <p:nvPr/>
-        </p:nvSpPr>
-        <p:spPr>
-          <a:xfrm>
-            <a:off x="6051175" y="4213411"/>
-            <a:ext cx="1013013" cy="681318"/>
-          </a:xfrm>
-          <a:prstGeom prst="flowChartMagneticDisk">
-            <a:avLst/>
-          </a:prstGeom>
-        </p:spPr>
-        <p:style>
-          <a:lnRef idx="1">
-            <a:schemeClr val="accent5"/>
-          </a:lnRef>
-          <a:fillRef idx="2">
-            <a:schemeClr val="accent5"/>
-          </a:fillRef>
-          <a:effectRef idx="1">
-            <a:schemeClr val="accent5"/>
-          </a:effectRef>
-          <a:fontRef idx="minor">
-            <a:schemeClr val="dk1"/>
-          </a:fontRef>
-        </p:style>
-        <p:txBody>
-          <a:bodyPr rtlCol="0" anchor="ctr"/>
-          <a:lstStyle/>
-          <a:p>
-            <a:pPr algn="ctr"/>
-            <a:r>
-              <a:rPr lang="en-US" sz="1400" dirty="0" smtClean="0"/>
-              <a:t>Files</a:t>
-            </a:r>
-            <a:endParaRPr lang="en-US" sz="1400" dirty="0"/>
-          </a:p>
-        </p:txBody>
-      </p:sp>
-      <p:cxnSp>
-        <p:nvCxnSpPr>
-          <p:cNvPr id="8" name="Straight Arrow Connector 7"/>
-          <p:cNvCxnSpPr>
-            <a:stCxn id="18" idx="2"/>
-            <a:endCxn id="6" idx="0"/>
-          </p:cNvCxnSpPr>
-          <p:nvPr/>
-        </p:nvCxnSpPr>
-        <p:spPr>
-          <a:xfrm>
-            <a:off x="5961531" y="3272118"/>
-            <a:ext cx="4481" cy="663385"/>
-          </a:xfrm>
-          <a:prstGeom prst="straightConnector1">
-            <a:avLst/>
-          </a:prstGeom>
-          <a:ln>
-            <a:tailEnd type="triangle"/>
-          </a:ln>
-        </p:spPr>
-        <p:style>
-          <a:lnRef idx="1">
-            <a:schemeClr val="accent1"/>
-          </a:lnRef>
-          <a:fillRef idx="0">
-            <a:schemeClr val="accent1"/>
-          </a:fillRef>
-          <a:effectRef idx="0">
-            <a:schemeClr val="accent1"/>
-          </a:effectRef>
-          <a:fontRef idx="minor">
-            <a:schemeClr val="tx1"/>
-          </a:fontRef>
-        </p:style>
-      </p:cxnSp>
+      <p:graphicFrame>
+        <p:nvGraphicFramePr>
+          <p:cNvPr id="25" name="Table 2">
+            <a:extLst>
+              <a:ext uri="{FF2B5EF4-FFF2-40B4-BE49-F238E27FC236}">
+                <a16:creationId xmlns:a16="http://schemas.microsoft.com/office/drawing/2014/main" id="{E3146915-1D1A-44EA-80BE-6291416E073F}"/>
+              </a:ext>
+            </a:extLst>
+          </p:cNvPr>
+          <p:cNvGraphicFramePr>
+            <a:graphicFrameLocks noGrp="1"/>
+          </p:cNvGraphicFramePr>
+          <p:nvPr>
+            <p:extLst>
+              <p:ext uri="{D42A27DB-BD31-4B8C-83A1-F6EECF244321}">
+                <p14:modId xmlns:p14="http://schemas.microsoft.com/office/powerpoint/2010/main" val="1632654804"/>
+              </p:ext>
+            </p:extLst>
+          </p:nvPr>
+        </p:nvGraphicFramePr>
+        <p:xfrm>
+          <a:off x="555171" y="1222854"/>
+          <a:ext cx="4748561" cy="2711490"/>
+        </p:xfrm>
+        <a:graphic>
+          <a:graphicData uri="http://schemas.openxmlformats.org/drawingml/2006/table">
+            <a:tbl>
+              <a:tblPr firstRow="1" bandRow="1">
+                <a:tableStyleId>{5940675A-B579-460E-94D1-54222C63F5DA}</a:tableStyleId>
+              </a:tblPr>
+              <a:tblGrid>
+                <a:gridCol w="1034586">
+                  <a:extLst>
+                    <a:ext uri="{9D8B030D-6E8A-4147-A177-3AD203B41FA5}">
+                      <a16:colId xmlns:a16="http://schemas.microsoft.com/office/drawing/2014/main" val="2187246459"/>
+                    </a:ext>
+                  </a:extLst>
+                </a:gridCol>
+                <a:gridCol w="825190">
+                  <a:extLst>
+                    <a:ext uri="{9D8B030D-6E8A-4147-A177-3AD203B41FA5}">
+                      <a16:colId xmlns:a16="http://schemas.microsoft.com/office/drawing/2014/main" val="1671499294"/>
+                    </a:ext>
+                  </a:extLst>
+                </a:gridCol>
+                <a:gridCol w="2888785">
+                  <a:extLst>
+                    <a:ext uri="{9D8B030D-6E8A-4147-A177-3AD203B41FA5}">
+                      <a16:colId xmlns:a16="http://schemas.microsoft.com/office/drawing/2014/main" val="2259015869"/>
+                    </a:ext>
+                  </a:extLst>
+                </a:gridCol>
+              </a:tblGrid>
+              <a:tr h="271149">
+                <a:tc gridSpan="3">
+                  <a:txBody>
+                    <a:bodyPr/>
+                    <a:lstStyle/>
+                    <a:p>
+                      <a:pPr algn="ctr"/>
+                      <a:r>
+                        <a:rPr lang="en-US" sz="1000" b="1" dirty="0" err="1" smtClean="0"/>
+                        <a:t>AssetProductImage</a:t>
+                      </a:r>
+                      <a:endParaRPr lang="en-US" sz="1000" b="1" dirty="0"/>
+                    </a:p>
+                  </a:txBody>
+                  <a:tcPr>
+                    <a:solidFill>
+                      <a:schemeClr val="bg1">
+                        <a:lumMod val="85000"/>
+                      </a:schemeClr>
+                    </a:solidFill>
+                  </a:tcPr>
+                </a:tc>
+                <a:tc hMerge="1">
+                  <a:txBody>
+                    <a:bodyPr/>
+                    <a:lstStyle/>
+                    <a:p>
+                      <a:endParaRPr lang="en-US" sz="1200" dirty="0"/>
+                    </a:p>
+                  </a:txBody>
+                  <a:tcPr>
+                    <a:solidFill>
+                      <a:schemeClr val="accent1">
+                        <a:lumMod val="20000"/>
+                        <a:lumOff val="80000"/>
+                      </a:schemeClr>
+                    </a:solidFill>
+                  </a:tcPr>
+                </a:tc>
+                <a:tc hMerge="1">
+                  <a:txBody>
+                    <a:bodyPr/>
+                    <a:lstStyle/>
+                    <a:p>
+                      <a:endParaRPr lang="en-US" sz="1200" dirty="0"/>
+                    </a:p>
+                  </a:txBody>
+                  <a:tcPr>
+                    <a:solidFill>
+                      <a:schemeClr val="accent1">
+                        <a:lumMod val="20000"/>
+                        <a:lumOff val="80000"/>
+                      </a:schemeClr>
+                    </a:solidFill>
+                  </a:tcPr>
+                </a:tc>
+                <a:extLst>
+                  <a:ext uri="{0D108BD9-81ED-4DB2-BD59-A6C34878D82A}">
+                    <a16:rowId xmlns:a16="http://schemas.microsoft.com/office/drawing/2014/main" val="3614508584"/>
+                  </a:ext>
+                </a:extLst>
+              </a:tr>
+              <a:tr h="271149">
+                <a:tc>
+                  <a:txBody>
+                    <a:bodyPr/>
+                    <a:lstStyle/>
+                    <a:p>
+                      <a:r>
+                        <a:rPr lang="en-US" sz="1000" dirty="0"/>
+                        <a:t>Name</a:t>
+                      </a:r>
+                    </a:p>
+                  </a:txBody>
+                  <a:tcPr>
+                    <a:solidFill>
+                      <a:schemeClr val="bg1">
+                        <a:lumMod val="85000"/>
+                      </a:schemeClr>
+                    </a:solidFill>
+                  </a:tcPr>
+                </a:tc>
+                <a:tc>
+                  <a:txBody>
+                    <a:bodyPr/>
+                    <a:lstStyle/>
+                    <a:p>
+                      <a:r>
+                        <a:rPr lang="en-US" sz="1000" dirty="0"/>
+                        <a:t>Type</a:t>
+                      </a:r>
+                    </a:p>
+                  </a:txBody>
+                  <a:tcPr>
+                    <a:solidFill>
+                      <a:schemeClr val="bg1">
+                        <a:lumMod val="85000"/>
+                      </a:schemeClr>
+                    </a:solidFill>
+                  </a:tcPr>
+                </a:tc>
+                <a:tc>
+                  <a:txBody>
+                    <a:bodyPr/>
+                    <a:lstStyle/>
+                    <a:p>
+                      <a:r>
+                        <a:rPr lang="en-US" sz="1000" dirty="0"/>
+                        <a:t>Description</a:t>
+                      </a:r>
+                    </a:p>
+                  </a:txBody>
+                  <a:tcPr>
+                    <a:solidFill>
+                      <a:schemeClr val="bg1">
+                        <a:lumMod val="85000"/>
+                      </a:schemeClr>
+                    </a:solidFill>
+                  </a:tcPr>
+                </a:tc>
+                <a:extLst>
+                  <a:ext uri="{0D108BD9-81ED-4DB2-BD59-A6C34878D82A}">
+                    <a16:rowId xmlns:a16="http://schemas.microsoft.com/office/drawing/2014/main" val="116434511"/>
+                  </a:ext>
+                </a:extLst>
+              </a:tr>
+              <a:tr h="271149">
+                <a:tc>
+                  <a:txBody>
+                    <a:bodyPr/>
+                    <a:lstStyle/>
+                    <a:p>
+                      <a:r>
+                        <a:rPr lang="en-US" sz="1000" dirty="0"/>
+                        <a:t>ID</a:t>
+                      </a:r>
+                    </a:p>
+                  </a:txBody>
+                  <a:tcPr/>
+                </a:tc>
+                <a:tc>
+                  <a:txBody>
+                    <a:bodyPr/>
+                    <a:lstStyle/>
+                    <a:p>
+                      <a:r>
+                        <a:rPr lang="en-US" sz="1000" dirty="0" smtClean="0"/>
+                        <a:t>GUID</a:t>
+                      </a:r>
+                      <a:endParaRPr lang="en-US" sz="1000" dirty="0"/>
+                    </a:p>
+                  </a:txBody>
+                  <a:tcPr/>
+                </a:tc>
+                <a:tc>
+                  <a:txBody>
+                    <a:bodyPr/>
+                    <a:lstStyle/>
+                    <a:p>
+                      <a:r>
+                        <a:rPr lang="en-US" sz="1000" dirty="0" smtClean="0"/>
+                        <a:t>Project Identifier</a:t>
+                      </a:r>
+                      <a:endParaRPr lang="en-US" sz="1000" dirty="0"/>
+                    </a:p>
+                  </a:txBody>
+                  <a:tcPr/>
+                </a:tc>
+                <a:extLst>
+                  <a:ext uri="{0D108BD9-81ED-4DB2-BD59-A6C34878D82A}">
+                    <a16:rowId xmlns:a16="http://schemas.microsoft.com/office/drawing/2014/main" val="2955180543"/>
+                  </a:ext>
+                </a:extLst>
+              </a:tr>
+              <a:tr h="271149">
+                <a:tc>
+                  <a:txBody>
+                    <a:bodyPr/>
+                    <a:lstStyle/>
+                    <a:p>
+                      <a:r>
+                        <a:rPr lang="en-US" sz="1000" dirty="0"/>
+                        <a:t>Name</a:t>
+                      </a:r>
+                    </a:p>
+                  </a:txBody>
+                  <a:tcPr/>
+                </a:tc>
+                <a:tc>
+                  <a:txBody>
+                    <a:bodyPr/>
+                    <a:lstStyle/>
+                    <a:p>
+                      <a:r>
+                        <a:rPr lang="en-US" sz="1000" dirty="0" smtClean="0"/>
+                        <a:t>String</a:t>
+                      </a:r>
+                      <a:endParaRPr lang="en-US" sz="1000" dirty="0"/>
+                    </a:p>
+                  </a:txBody>
+                  <a:tcPr/>
+                </a:tc>
+                <a:tc>
+                  <a:txBody>
+                    <a:bodyPr/>
+                    <a:lstStyle/>
+                    <a:p>
+                      <a:r>
+                        <a:rPr lang="en-US" sz="1000" dirty="0" smtClean="0"/>
+                        <a:t>Name of the ticket</a:t>
+                      </a:r>
+                      <a:r>
+                        <a:rPr lang="en-US" sz="1000" baseline="0" dirty="0" smtClean="0"/>
+                        <a:t> type</a:t>
+                      </a:r>
+                      <a:endParaRPr lang="en-US" sz="1000" dirty="0"/>
+                    </a:p>
+                  </a:txBody>
+                  <a:tcPr/>
+                </a:tc>
+                <a:extLst>
+                  <a:ext uri="{0D108BD9-81ED-4DB2-BD59-A6C34878D82A}">
+                    <a16:rowId xmlns:a16="http://schemas.microsoft.com/office/drawing/2014/main" val="2862899113"/>
+                  </a:ext>
+                </a:extLst>
+              </a:tr>
+              <a:tr h="271149">
+                <a:tc>
+                  <a:txBody>
+                    <a:bodyPr/>
+                    <a:lstStyle/>
+                    <a:p>
+                      <a:r>
+                        <a:rPr lang="en-US" sz="1000" dirty="0" smtClean="0"/>
+                        <a:t>SKU</a:t>
+                      </a:r>
+                      <a:endParaRPr lang="en-US" sz="1000" dirty="0"/>
+                    </a:p>
+                  </a:txBody>
+                  <a:tcPr/>
+                </a:tc>
+                <a:tc>
+                  <a:txBody>
+                    <a:bodyPr/>
+                    <a:lstStyle/>
+                    <a:p>
+                      <a:r>
+                        <a:rPr lang="en-US" sz="1000" dirty="0" smtClean="0"/>
+                        <a:t>String</a:t>
+                      </a:r>
+                      <a:endParaRPr lang="en-US" sz="1000" dirty="0"/>
+                    </a:p>
+                  </a:txBody>
+                  <a:tcPr/>
+                </a:tc>
+                <a:tc>
+                  <a:txBody>
+                    <a:bodyPr/>
+                    <a:lstStyle/>
+                    <a:p>
+                      <a:r>
+                        <a:rPr lang="en-US" sz="1000" dirty="0" smtClean="0"/>
+                        <a:t>SKU</a:t>
+                      </a:r>
+                      <a:r>
+                        <a:rPr lang="en-US" sz="1000" baseline="0" dirty="0" smtClean="0"/>
+                        <a:t> Number</a:t>
+                      </a:r>
+                      <a:endParaRPr lang="en-US" sz="1000" dirty="0"/>
+                    </a:p>
+                  </a:txBody>
+                  <a:tcPr/>
+                </a:tc>
+                <a:extLst>
+                  <a:ext uri="{0D108BD9-81ED-4DB2-BD59-A6C34878D82A}">
+                    <a16:rowId xmlns:a16="http://schemas.microsoft.com/office/drawing/2014/main" val="3219034962"/>
+                  </a:ext>
+                </a:extLst>
+              </a:tr>
+              <a:tr h="271149">
+                <a:tc>
+                  <a:txBody>
+                    <a:bodyPr/>
+                    <a:lstStyle/>
+                    <a:p>
+                      <a:r>
+                        <a:rPr lang="en-US" sz="1000" dirty="0" smtClean="0"/>
+                        <a:t>Product</a:t>
+                      </a:r>
+                      <a:endParaRPr lang="en-US" sz="1000" dirty="0"/>
+                    </a:p>
+                  </a:txBody>
+                  <a:tcPr/>
+                </a:tc>
+                <a:tc>
+                  <a:txBody>
+                    <a:bodyPr/>
+                    <a:lstStyle/>
+                    <a:p>
+                      <a:r>
+                        <a:rPr lang="en-US" sz="1000" dirty="0" smtClean="0"/>
+                        <a:t>String</a:t>
+                      </a:r>
+                      <a:endParaRPr lang="en-US" sz="1000" dirty="0"/>
+                    </a:p>
+                  </a:txBody>
+                  <a:tcPr/>
+                </a:tc>
+                <a:tc>
+                  <a:txBody>
+                    <a:bodyPr/>
+                    <a:lstStyle/>
+                    <a:p>
+                      <a:r>
+                        <a:rPr lang="en-US" sz="1000" dirty="0" smtClean="0"/>
+                        <a:t>Product Code</a:t>
+                      </a:r>
+                      <a:endParaRPr lang="en-US" sz="1000" dirty="0"/>
+                    </a:p>
+                  </a:txBody>
+                  <a:tcPr/>
+                </a:tc>
+                <a:extLst>
+                  <a:ext uri="{0D108BD9-81ED-4DB2-BD59-A6C34878D82A}">
+                    <a16:rowId xmlns:a16="http://schemas.microsoft.com/office/drawing/2014/main" val="1337648643"/>
+                  </a:ext>
+                </a:extLst>
+              </a:tr>
+              <a:tr h="271149">
+                <a:tc>
+                  <a:txBody>
+                    <a:bodyPr/>
+                    <a:lstStyle/>
+                    <a:p>
+                      <a:r>
+                        <a:rPr lang="en-US" sz="1000" dirty="0" err="1" smtClean="0"/>
+                        <a:t>CountryCode</a:t>
+                      </a:r>
+                      <a:endParaRPr lang="en-US" sz="1000" dirty="0"/>
+                    </a:p>
+                  </a:txBody>
+                  <a:tcPr/>
+                </a:tc>
+                <a:tc>
+                  <a:txBody>
+                    <a:bodyPr/>
+                    <a:lstStyle/>
+                    <a:p>
+                      <a:r>
+                        <a:rPr lang="en-US" sz="1000" dirty="0" smtClean="0"/>
+                        <a:t>String</a:t>
+                      </a:r>
+                      <a:endParaRPr lang="en-US" sz="1000" dirty="0"/>
+                    </a:p>
+                  </a:txBody>
+                  <a:tcPr/>
+                </a:tc>
+                <a:tc>
+                  <a:txBody>
+                    <a:bodyPr/>
+                    <a:lstStyle/>
+                    <a:p>
+                      <a:r>
+                        <a:rPr lang="en-US" sz="1000" dirty="0" smtClean="0"/>
+                        <a:t>Country code</a:t>
+                      </a:r>
+                      <a:endParaRPr lang="en-US" sz="1000" dirty="0"/>
+                    </a:p>
+                  </a:txBody>
+                  <a:tcPr/>
+                </a:tc>
+                <a:extLst>
+                  <a:ext uri="{0D108BD9-81ED-4DB2-BD59-A6C34878D82A}">
+                    <a16:rowId xmlns:a16="http://schemas.microsoft.com/office/drawing/2014/main" val="1430060604"/>
+                  </a:ext>
+                </a:extLst>
+              </a:tr>
+              <a:tr h="271149">
+                <a:tc>
+                  <a:txBody>
+                    <a:bodyPr/>
+                    <a:lstStyle/>
+                    <a:p>
+                      <a:r>
+                        <a:rPr lang="en-US" sz="1000" dirty="0" err="1" smtClean="0"/>
+                        <a:t>LanguageCode</a:t>
+                      </a:r>
+                      <a:endParaRPr lang="en-US" sz="1000" dirty="0"/>
+                    </a:p>
+                  </a:txBody>
+                  <a:tcPr/>
+                </a:tc>
+                <a:tc>
+                  <a:txBody>
+                    <a:bodyPr/>
+                    <a:lstStyle/>
+                    <a:p>
+                      <a:r>
+                        <a:rPr lang="en-US" sz="1000" dirty="0" smtClean="0"/>
+                        <a:t>String</a:t>
+                      </a:r>
+                      <a:endParaRPr lang="en-US" sz="1000" dirty="0"/>
+                    </a:p>
+                  </a:txBody>
+                  <a:tcPr/>
+                </a:tc>
+                <a:tc>
+                  <a:txBody>
+                    <a:bodyPr/>
+                    <a:lstStyle/>
+                    <a:p>
+                      <a:r>
+                        <a:rPr lang="en-US" sz="1000" dirty="0" smtClean="0"/>
+                        <a:t>Language code</a:t>
+                      </a:r>
+                      <a:endParaRPr lang="en-US" sz="1000" dirty="0"/>
+                    </a:p>
+                  </a:txBody>
+                  <a:tcPr/>
+                </a:tc>
+                <a:extLst>
+                  <a:ext uri="{0D108BD9-81ED-4DB2-BD59-A6C34878D82A}">
+                    <a16:rowId xmlns:a16="http://schemas.microsoft.com/office/drawing/2014/main" val="2814356687"/>
+                  </a:ext>
+                </a:extLst>
+              </a:tr>
+              <a:tr h="271149">
+                <a:tc>
+                  <a:txBody>
+                    <a:bodyPr/>
+                    <a:lstStyle/>
+                    <a:p>
+                      <a:r>
+                        <a:rPr lang="en-US" sz="1000" dirty="0" err="1" smtClean="0"/>
+                        <a:t>UpdateOn</a:t>
+                      </a:r>
+                      <a:endParaRPr lang="en-US" sz="1000" dirty="0"/>
+                    </a:p>
+                  </a:txBody>
+                  <a:tcPr/>
+                </a:tc>
+                <a:tc>
+                  <a:txBody>
+                    <a:bodyPr/>
+                    <a:lstStyle/>
+                    <a:p>
+                      <a:r>
+                        <a:rPr lang="en-US" sz="1000" dirty="0" smtClean="0"/>
+                        <a:t>String</a:t>
+                      </a:r>
+                      <a:endParaRPr lang="en-US" sz="1000" dirty="0"/>
+                    </a:p>
+                  </a:txBody>
+                  <a:tcPr/>
+                </a:tc>
+                <a:tc>
+                  <a:txBody>
+                    <a:bodyPr/>
+                    <a:lstStyle/>
+                    <a:p>
+                      <a:r>
+                        <a:rPr lang="en-US" sz="1000" dirty="0" smtClean="0"/>
+                        <a:t>Updated date time stamp</a:t>
+                      </a:r>
+                      <a:endParaRPr lang="en-US" sz="1000" dirty="0"/>
+                    </a:p>
+                  </a:txBody>
+                  <a:tcPr/>
+                </a:tc>
+                <a:extLst>
+                  <a:ext uri="{0D108BD9-81ED-4DB2-BD59-A6C34878D82A}">
+                    <a16:rowId xmlns:a16="http://schemas.microsoft.com/office/drawing/2014/main" val="1572530477"/>
+                  </a:ext>
+                </a:extLst>
+              </a:tr>
+              <a:tr h="271149">
+                <a:tc>
+                  <a:txBody>
+                    <a:bodyPr/>
+                    <a:lstStyle/>
+                    <a:p>
+                      <a:r>
+                        <a:rPr lang="en-US" sz="1000" dirty="0" err="1" smtClean="0"/>
+                        <a:t>UpdatedBy</a:t>
+                      </a:r>
+                      <a:endParaRPr lang="en-US" sz="1000" dirty="0"/>
+                    </a:p>
+                  </a:txBody>
+                  <a:tcPr/>
+                </a:tc>
+                <a:tc>
+                  <a:txBody>
+                    <a:bodyPr/>
+                    <a:lstStyle/>
+                    <a:p>
+                      <a:r>
+                        <a:rPr lang="en-US" sz="1000" dirty="0" smtClean="0"/>
+                        <a:t>String</a:t>
+                      </a:r>
+                      <a:endParaRPr lang="en-US" sz="1000" dirty="0"/>
+                    </a:p>
+                  </a:txBody>
+                  <a:tcPr/>
+                </a:tc>
+                <a:tc>
+                  <a:txBody>
+                    <a:bodyPr/>
+                    <a:lstStyle/>
+                    <a:p>
+                      <a:r>
+                        <a:rPr lang="en-US" sz="1000" dirty="0" smtClean="0"/>
+                        <a:t>Updated by user name</a:t>
+                      </a:r>
+                      <a:endParaRPr lang="en-US" sz="1000" dirty="0"/>
+                    </a:p>
+                  </a:txBody>
+                  <a:tcPr/>
+                </a:tc>
+                <a:extLst>
+                  <a:ext uri="{0D108BD9-81ED-4DB2-BD59-A6C34878D82A}">
+                    <a16:rowId xmlns:a16="http://schemas.microsoft.com/office/drawing/2014/main" val="3195970577"/>
+                  </a:ext>
+                </a:extLst>
+              </a:tr>
+            </a:tbl>
+          </a:graphicData>
+        </a:graphic>
+      </p:graphicFrame>
+      <p:graphicFrame>
+        <p:nvGraphicFramePr>
+          <p:cNvPr id="7" name="Table 2">
+            <a:extLst>
+              <a:ext uri="{FF2B5EF4-FFF2-40B4-BE49-F238E27FC236}">
+                <a16:creationId xmlns:a16="http://schemas.microsoft.com/office/drawing/2014/main" id="{E3146915-1D1A-44EA-80BE-6291416E073F}"/>
+              </a:ext>
+            </a:extLst>
+          </p:cNvPr>
+          <p:cNvGraphicFramePr>
+            <a:graphicFrameLocks noGrp="1"/>
+          </p:cNvGraphicFramePr>
+          <p:nvPr>
+            <p:extLst>
+              <p:ext uri="{D42A27DB-BD31-4B8C-83A1-F6EECF244321}">
+                <p14:modId xmlns:p14="http://schemas.microsoft.com/office/powerpoint/2010/main" val="3695444237"/>
+              </p:ext>
+            </p:extLst>
+          </p:nvPr>
+        </p:nvGraphicFramePr>
+        <p:xfrm>
+          <a:off x="555170" y="4001913"/>
+          <a:ext cx="4748561" cy="2440341"/>
+        </p:xfrm>
+        <a:graphic>
+          <a:graphicData uri="http://schemas.openxmlformats.org/drawingml/2006/table">
+            <a:tbl>
+              <a:tblPr firstRow="1" bandRow="1">
+                <a:tableStyleId>{5940675A-B579-460E-94D1-54222C63F5DA}</a:tableStyleId>
+              </a:tblPr>
+              <a:tblGrid>
+                <a:gridCol w="1034586">
+                  <a:extLst>
+                    <a:ext uri="{9D8B030D-6E8A-4147-A177-3AD203B41FA5}">
+                      <a16:colId xmlns:a16="http://schemas.microsoft.com/office/drawing/2014/main" val="2187246459"/>
+                    </a:ext>
+                  </a:extLst>
+                </a:gridCol>
+                <a:gridCol w="825190">
+                  <a:extLst>
+                    <a:ext uri="{9D8B030D-6E8A-4147-A177-3AD203B41FA5}">
+                      <a16:colId xmlns:a16="http://schemas.microsoft.com/office/drawing/2014/main" val="1671499294"/>
+                    </a:ext>
+                  </a:extLst>
+                </a:gridCol>
+                <a:gridCol w="2888785">
+                  <a:extLst>
+                    <a:ext uri="{9D8B030D-6E8A-4147-A177-3AD203B41FA5}">
+                      <a16:colId xmlns:a16="http://schemas.microsoft.com/office/drawing/2014/main" val="2259015869"/>
+                    </a:ext>
+                  </a:extLst>
+                </a:gridCol>
+              </a:tblGrid>
+              <a:tr h="271149">
+                <a:tc gridSpan="3">
+                  <a:txBody>
+                    <a:bodyPr/>
+                    <a:lstStyle/>
+                    <a:p>
+                      <a:pPr algn="ctr"/>
+                      <a:r>
+                        <a:rPr lang="en-US" sz="1000" b="1" dirty="0" err="1" smtClean="0"/>
+                        <a:t>AssetImage</a:t>
+                      </a:r>
+                      <a:endParaRPr lang="en-US" sz="1000" b="1" dirty="0"/>
+                    </a:p>
+                  </a:txBody>
+                  <a:tcPr>
+                    <a:solidFill>
+                      <a:schemeClr val="bg1">
+                        <a:lumMod val="85000"/>
+                      </a:schemeClr>
+                    </a:solidFill>
+                  </a:tcPr>
+                </a:tc>
+                <a:tc hMerge="1">
+                  <a:txBody>
+                    <a:bodyPr/>
+                    <a:lstStyle/>
+                    <a:p>
+                      <a:endParaRPr lang="en-US" sz="1200" dirty="0"/>
+                    </a:p>
+                  </a:txBody>
+                  <a:tcPr>
+                    <a:solidFill>
+                      <a:schemeClr val="accent1">
+                        <a:lumMod val="20000"/>
+                        <a:lumOff val="80000"/>
+                      </a:schemeClr>
+                    </a:solidFill>
+                  </a:tcPr>
+                </a:tc>
+                <a:tc hMerge="1">
+                  <a:txBody>
+                    <a:bodyPr/>
+                    <a:lstStyle/>
+                    <a:p>
+                      <a:endParaRPr lang="en-US" sz="1200" dirty="0"/>
+                    </a:p>
+                  </a:txBody>
+                  <a:tcPr>
+                    <a:solidFill>
+                      <a:schemeClr val="accent1">
+                        <a:lumMod val="20000"/>
+                        <a:lumOff val="80000"/>
+                      </a:schemeClr>
+                    </a:solidFill>
+                  </a:tcPr>
+                </a:tc>
+                <a:extLst>
+                  <a:ext uri="{0D108BD9-81ED-4DB2-BD59-A6C34878D82A}">
+                    <a16:rowId xmlns:a16="http://schemas.microsoft.com/office/drawing/2014/main" val="3614508584"/>
+                  </a:ext>
+                </a:extLst>
+              </a:tr>
+              <a:tr h="271149">
+                <a:tc>
+                  <a:txBody>
+                    <a:bodyPr/>
+                    <a:lstStyle/>
+                    <a:p>
+                      <a:r>
+                        <a:rPr lang="en-US" sz="1000" dirty="0"/>
+                        <a:t>Name</a:t>
+                      </a:r>
+                    </a:p>
+                  </a:txBody>
+                  <a:tcPr>
+                    <a:solidFill>
+                      <a:schemeClr val="bg1">
+                        <a:lumMod val="85000"/>
+                      </a:schemeClr>
+                    </a:solidFill>
+                  </a:tcPr>
+                </a:tc>
+                <a:tc>
+                  <a:txBody>
+                    <a:bodyPr/>
+                    <a:lstStyle/>
+                    <a:p>
+                      <a:r>
+                        <a:rPr lang="en-US" sz="1000" dirty="0"/>
+                        <a:t>Type</a:t>
+                      </a:r>
+                    </a:p>
+                  </a:txBody>
+                  <a:tcPr>
+                    <a:solidFill>
+                      <a:schemeClr val="bg1">
+                        <a:lumMod val="85000"/>
+                      </a:schemeClr>
+                    </a:solidFill>
+                  </a:tcPr>
+                </a:tc>
+                <a:tc>
+                  <a:txBody>
+                    <a:bodyPr/>
+                    <a:lstStyle/>
+                    <a:p>
+                      <a:r>
+                        <a:rPr lang="en-US" sz="1000" dirty="0"/>
+                        <a:t>Description</a:t>
+                      </a:r>
+                    </a:p>
+                  </a:txBody>
+                  <a:tcPr>
+                    <a:solidFill>
+                      <a:schemeClr val="bg1">
+                        <a:lumMod val="85000"/>
+                      </a:schemeClr>
+                    </a:solidFill>
+                  </a:tcPr>
+                </a:tc>
+                <a:extLst>
+                  <a:ext uri="{0D108BD9-81ED-4DB2-BD59-A6C34878D82A}">
+                    <a16:rowId xmlns:a16="http://schemas.microsoft.com/office/drawing/2014/main" val="116434511"/>
+                  </a:ext>
+                </a:extLst>
+              </a:tr>
+              <a:tr h="271149">
+                <a:tc>
+                  <a:txBody>
+                    <a:bodyPr/>
+                    <a:lstStyle/>
+                    <a:p>
+                      <a:r>
+                        <a:rPr lang="en-US" sz="1000" dirty="0"/>
+                        <a:t>ID</a:t>
+                      </a:r>
+                    </a:p>
+                  </a:txBody>
+                  <a:tcPr/>
+                </a:tc>
+                <a:tc>
+                  <a:txBody>
+                    <a:bodyPr/>
+                    <a:lstStyle/>
+                    <a:p>
+                      <a:r>
+                        <a:rPr lang="en-US" sz="1000" dirty="0" smtClean="0"/>
+                        <a:t>GUID</a:t>
+                      </a:r>
+                      <a:endParaRPr lang="en-US" sz="1000" dirty="0"/>
+                    </a:p>
+                  </a:txBody>
+                  <a:tcPr/>
+                </a:tc>
+                <a:tc>
+                  <a:txBody>
+                    <a:bodyPr/>
+                    <a:lstStyle/>
+                    <a:p>
+                      <a:r>
+                        <a:rPr lang="en-US" sz="1000" dirty="0" smtClean="0"/>
+                        <a:t>Project Identifier</a:t>
+                      </a:r>
+                      <a:endParaRPr lang="en-US" sz="1000" dirty="0"/>
+                    </a:p>
+                  </a:txBody>
+                  <a:tcPr/>
+                </a:tc>
+                <a:extLst>
+                  <a:ext uri="{0D108BD9-81ED-4DB2-BD59-A6C34878D82A}">
+                    <a16:rowId xmlns:a16="http://schemas.microsoft.com/office/drawing/2014/main" val="2955180543"/>
+                  </a:ext>
+                </a:extLst>
+              </a:tr>
+              <a:tr h="271149">
+                <a:tc>
+                  <a:txBody>
+                    <a:bodyPr/>
+                    <a:lstStyle/>
+                    <a:p>
+                      <a:r>
+                        <a:rPr lang="en-US" sz="1000" dirty="0"/>
+                        <a:t>Name</a:t>
+                      </a:r>
+                    </a:p>
+                  </a:txBody>
+                  <a:tcPr/>
+                </a:tc>
+                <a:tc>
+                  <a:txBody>
+                    <a:bodyPr/>
+                    <a:lstStyle/>
+                    <a:p>
+                      <a:r>
+                        <a:rPr lang="en-US" sz="1000" dirty="0" smtClean="0"/>
+                        <a:t>String</a:t>
+                      </a:r>
+                      <a:endParaRPr lang="en-US" sz="1000" dirty="0"/>
+                    </a:p>
+                  </a:txBody>
+                  <a:tcPr/>
+                </a:tc>
+                <a:tc>
+                  <a:txBody>
+                    <a:bodyPr/>
+                    <a:lstStyle/>
+                    <a:p>
+                      <a:r>
+                        <a:rPr lang="en-US" sz="1000" dirty="0" smtClean="0"/>
+                        <a:t>Name of the ticket</a:t>
+                      </a:r>
+                      <a:r>
+                        <a:rPr lang="en-US" sz="1000" baseline="0" dirty="0" smtClean="0"/>
+                        <a:t> type</a:t>
+                      </a:r>
+                      <a:endParaRPr lang="en-US" sz="1000" dirty="0"/>
+                    </a:p>
+                  </a:txBody>
+                  <a:tcPr/>
+                </a:tc>
+                <a:extLst>
+                  <a:ext uri="{0D108BD9-81ED-4DB2-BD59-A6C34878D82A}">
+                    <a16:rowId xmlns:a16="http://schemas.microsoft.com/office/drawing/2014/main" val="2862899113"/>
+                  </a:ext>
+                </a:extLst>
+              </a:tr>
+              <a:tr h="271149">
+                <a:tc>
+                  <a:txBody>
+                    <a:bodyPr/>
+                    <a:lstStyle/>
+                    <a:p>
+                      <a:r>
+                        <a:rPr lang="en-US" sz="1000" dirty="0" smtClean="0"/>
+                        <a:t>Abstract</a:t>
+                      </a:r>
+                      <a:endParaRPr lang="en-US" sz="1000" dirty="0"/>
+                    </a:p>
+                  </a:txBody>
+                  <a:tcPr/>
+                </a:tc>
+                <a:tc>
+                  <a:txBody>
+                    <a:bodyPr/>
+                    <a:lstStyle/>
+                    <a:p>
+                      <a:r>
+                        <a:rPr lang="en-US" sz="1000" dirty="0" smtClean="0"/>
+                        <a:t>String</a:t>
+                      </a:r>
+                      <a:endParaRPr lang="en-US" sz="1000" dirty="0"/>
+                    </a:p>
+                  </a:txBody>
+                  <a:tcPr/>
+                </a:tc>
+                <a:tc>
+                  <a:txBody>
+                    <a:bodyPr/>
+                    <a:lstStyle/>
+                    <a:p>
+                      <a:r>
+                        <a:rPr lang="en-US" sz="1000" dirty="0" smtClean="0"/>
+                        <a:t>SKU</a:t>
+                      </a:r>
+                      <a:r>
+                        <a:rPr lang="en-US" sz="1000" baseline="0" dirty="0" smtClean="0"/>
+                        <a:t> Number</a:t>
+                      </a:r>
+                      <a:endParaRPr lang="en-US" sz="1000" dirty="0"/>
+                    </a:p>
+                  </a:txBody>
+                  <a:tcPr/>
+                </a:tc>
+                <a:extLst>
+                  <a:ext uri="{0D108BD9-81ED-4DB2-BD59-A6C34878D82A}">
+                    <a16:rowId xmlns:a16="http://schemas.microsoft.com/office/drawing/2014/main" val="3219034962"/>
+                  </a:ext>
+                </a:extLst>
+              </a:tr>
+              <a:tr h="271149">
+                <a:tc>
+                  <a:txBody>
+                    <a:bodyPr/>
+                    <a:lstStyle/>
+                    <a:p>
+                      <a:r>
+                        <a:rPr lang="en-US" sz="1000" dirty="0" err="1" smtClean="0"/>
+                        <a:t>CountryCode</a:t>
+                      </a:r>
+                      <a:endParaRPr lang="en-US" sz="1000" dirty="0"/>
+                    </a:p>
+                  </a:txBody>
+                  <a:tcPr/>
+                </a:tc>
+                <a:tc>
+                  <a:txBody>
+                    <a:bodyPr/>
+                    <a:lstStyle/>
+                    <a:p>
+                      <a:r>
+                        <a:rPr lang="en-US" sz="1000" dirty="0" smtClean="0"/>
+                        <a:t>String</a:t>
+                      </a:r>
+                      <a:endParaRPr lang="en-US" sz="1000" dirty="0"/>
+                    </a:p>
+                  </a:txBody>
+                  <a:tcPr/>
+                </a:tc>
+                <a:tc>
+                  <a:txBody>
+                    <a:bodyPr/>
+                    <a:lstStyle/>
+                    <a:p>
+                      <a:r>
+                        <a:rPr lang="en-US" sz="1000" dirty="0" smtClean="0"/>
+                        <a:t>Country code</a:t>
+                      </a:r>
+                      <a:endParaRPr lang="en-US" sz="1000" dirty="0"/>
+                    </a:p>
+                  </a:txBody>
+                  <a:tcPr/>
+                </a:tc>
+                <a:extLst>
+                  <a:ext uri="{0D108BD9-81ED-4DB2-BD59-A6C34878D82A}">
+                    <a16:rowId xmlns:a16="http://schemas.microsoft.com/office/drawing/2014/main" val="1430060604"/>
+                  </a:ext>
+                </a:extLst>
+              </a:tr>
+              <a:tr h="271149">
+                <a:tc>
+                  <a:txBody>
+                    <a:bodyPr/>
+                    <a:lstStyle/>
+                    <a:p>
+                      <a:r>
+                        <a:rPr lang="en-US" sz="1000" dirty="0" err="1" smtClean="0"/>
+                        <a:t>LanguageCode</a:t>
+                      </a:r>
+                      <a:endParaRPr lang="en-US" sz="1000" dirty="0"/>
+                    </a:p>
+                  </a:txBody>
+                  <a:tcPr/>
+                </a:tc>
+                <a:tc>
+                  <a:txBody>
+                    <a:bodyPr/>
+                    <a:lstStyle/>
+                    <a:p>
+                      <a:r>
+                        <a:rPr lang="en-US" sz="1000" dirty="0" smtClean="0"/>
+                        <a:t>String</a:t>
+                      </a:r>
+                      <a:endParaRPr lang="en-US" sz="1000" dirty="0"/>
+                    </a:p>
+                  </a:txBody>
+                  <a:tcPr/>
+                </a:tc>
+                <a:tc>
+                  <a:txBody>
+                    <a:bodyPr/>
+                    <a:lstStyle/>
+                    <a:p>
+                      <a:r>
+                        <a:rPr lang="en-US" sz="1000" dirty="0" smtClean="0"/>
+                        <a:t>Language code</a:t>
+                      </a:r>
+                      <a:endParaRPr lang="en-US" sz="1000" dirty="0"/>
+                    </a:p>
+                  </a:txBody>
+                  <a:tcPr/>
+                </a:tc>
+                <a:extLst>
+                  <a:ext uri="{0D108BD9-81ED-4DB2-BD59-A6C34878D82A}">
+                    <a16:rowId xmlns:a16="http://schemas.microsoft.com/office/drawing/2014/main" val="2814356687"/>
+                  </a:ext>
+                </a:extLst>
+              </a:tr>
+              <a:tr h="271149">
+                <a:tc>
+                  <a:txBody>
+                    <a:bodyPr/>
+                    <a:lstStyle/>
+                    <a:p>
+                      <a:r>
+                        <a:rPr lang="en-US" sz="1000" dirty="0" err="1" smtClean="0"/>
+                        <a:t>UpdateOn</a:t>
+                      </a:r>
+                      <a:endParaRPr lang="en-US" sz="1000" dirty="0"/>
+                    </a:p>
+                  </a:txBody>
+                  <a:tcPr/>
+                </a:tc>
+                <a:tc>
+                  <a:txBody>
+                    <a:bodyPr/>
+                    <a:lstStyle/>
+                    <a:p>
+                      <a:r>
+                        <a:rPr lang="en-US" sz="1000" dirty="0" smtClean="0"/>
+                        <a:t>String</a:t>
+                      </a:r>
+                      <a:endParaRPr lang="en-US" sz="1000" dirty="0"/>
+                    </a:p>
+                  </a:txBody>
+                  <a:tcPr/>
+                </a:tc>
+                <a:tc>
+                  <a:txBody>
+                    <a:bodyPr/>
+                    <a:lstStyle/>
+                    <a:p>
+                      <a:r>
+                        <a:rPr lang="en-US" sz="1000" dirty="0" smtClean="0"/>
+                        <a:t>Updated date time stamp</a:t>
+                      </a:r>
+                      <a:endParaRPr lang="en-US" sz="1000" dirty="0"/>
+                    </a:p>
+                  </a:txBody>
+                  <a:tcPr/>
+                </a:tc>
+                <a:extLst>
+                  <a:ext uri="{0D108BD9-81ED-4DB2-BD59-A6C34878D82A}">
+                    <a16:rowId xmlns:a16="http://schemas.microsoft.com/office/drawing/2014/main" val="1572530477"/>
+                  </a:ext>
+                </a:extLst>
+              </a:tr>
+              <a:tr h="271149">
+                <a:tc>
+                  <a:txBody>
+                    <a:bodyPr/>
+                    <a:lstStyle/>
+                    <a:p>
+                      <a:r>
+                        <a:rPr lang="en-US" sz="1000" dirty="0" err="1" smtClean="0"/>
+                        <a:t>UpdatedBy</a:t>
+                      </a:r>
+                      <a:endParaRPr lang="en-US" sz="1000" dirty="0"/>
+                    </a:p>
+                  </a:txBody>
+                  <a:tcPr/>
+                </a:tc>
+                <a:tc>
+                  <a:txBody>
+                    <a:bodyPr/>
+                    <a:lstStyle/>
+                    <a:p>
+                      <a:r>
+                        <a:rPr lang="en-US" sz="1000" dirty="0" smtClean="0"/>
+                        <a:t>String</a:t>
+                      </a:r>
+                      <a:endParaRPr lang="en-US" sz="1000" dirty="0"/>
+                    </a:p>
+                  </a:txBody>
+                  <a:tcPr/>
+                </a:tc>
+                <a:tc>
+                  <a:txBody>
+                    <a:bodyPr/>
+                    <a:lstStyle/>
+                    <a:p>
+                      <a:r>
+                        <a:rPr lang="en-US" sz="1000" dirty="0" smtClean="0"/>
+                        <a:t>Updated by user name</a:t>
+                      </a:r>
+                      <a:endParaRPr lang="en-US" sz="1000" dirty="0"/>
+                    </a:p>
+                  </a:txBody>
+                  <a:tcPr/>
+                </a:tc>
+                <a:extLst>
+                  <a:ext uri="{0D108BD9-81ED-4DB2-BD59-A6C34878D82A}">
+                    <a16:rowId xmlns:a16="http://schemas.microsoft.com/office/drawing/2014/main" val="3195970577"/>
+                  </a:ext>
+                </a:extLst>
+              </a:tr>
+            </a:tbl>
+          </a:graphicData>
+        </a:graphic>
+      </p:graphicFrame>
+      <p:graphicFrame>
+        <p:nvGraphicFramePr>
+          <p:cNvPr id="8" name="Table 2">
+            <a:extLst>
+              <a:ext uri="{FF2B5EF4-FFF2-40B4-BE49-F238E27FC236}">
+                <a16:creationId xmlns:a16="http://schemas.microsoft.com/office/drawing/2014/main" id="{E3146915-1D1A-44EA-80BE-6291416E073F}"/>
+              </a:ext>
+            </a:extLst>
+          </p:cNvPr>
+          <p:cNvGraphicFramePr>
+            <a:graphicFrameLocks noGrp="1"/>
+          </p:cNvGraphicFramePr>
+          <p:nvPr>
+            <p:extLst>
+              <p:ext uri="{D42A27DB-BD31-4B8C-83A1-F6EECF244321}">
+                <p14:modId xmlns:p14="http://schemas.microsoft.com/office/powerpoint/2010/main" val="1149580316"/>
+              </p:ext>
+            </p:extLst>
+          </p:nvPr>
+        </p:nvGraphicFramePr>
+        <p:xfrm>
+          <a:off x="6220864" y="1222854"/>
+          <a:ext cx="4748561" cy="3378879"/>
+        </p:xfrm>
+        <a:graphic>
+          <a:graphicData uri="http://schemas.openxmlformats.org/drawingml/2006/table">
+            <a:tbl>
+              <a:tblPr firstRow="1" bandRow="1">
+                <a:tableStyleId>{5940675A-B579-460E-94D1-54222C63F5DA}</a:tableStyleId>
+              </a:tblPr>
+              <a:tblGrid>
+                <a:gridCol w="1309489">
+                  <a:extLst>
+                    <a:ext uri="{9D8B030D-6E8A-4147-A177-3AD203B41FA5}">
+                      <a16:colId xmlns:a16="http://schemas.microsoft.com/office/drawing/2014/main" val="2187246459"/>
+                    </a:ext>
+                  </a:extLst>
+                </a:gridCol>
+                <a:gridCol w="753035">
+                  <a:extLst>
+                    <a:ext uri="{9D8B030D-6E8A-4147-A177-3AD203B41FA5}">
+                      <a16:colId xmlns:a16="http://schemas.microsoft.com/office/drawing/2014/main" val="1671499294"/>
+                    </a:ext>
+                  </a:extLst>
+                </a:gridCol>
+                <a:gridCol w="2686037">
+                  <a:extLst>
+                    <a:ext uri="{9D8B030D-6E8A-4147-A177-3AD203B41FA5}">
+                      <a16:colId xmlns:a16="http://schemas.microsoft.com/office/drawing/2014/main" val="2259015869"/>
+                    </a:ext>
+                  </a:extLst>
+                </a:gridCol>
+              </a:tblGrid>
+              <a:tr h="271149">
+                <a:tc gridSpan="3">
+                  <a:txBody>
+                    <a:bodyPr/>
+                    <a:lstStyle/>
+                    <a:p>
+                      <a:pPr algn="ctr"/>
+                      <a:r>
+                        <a:rPr lang="en-US" sz="1000" b="1" dirty="0" err="1" smtClean="0"/>
+                        <a:t>AssetMaster</a:t>
+                      </a:r>
+                      <a:endParaRPr lang="en-US" sz="1000" b="1" dirty="0"/>
+                    </a:p>
+                  </a:txBody>
+                  <a:tcPr>
+                    <a:solidFill>
+                      <a:schemeClr val="bg1">
+                        <a:lumMod val="85000"/>
+                      </a:schemeClr>
+                    </a:solidFill>
+                  </a:tcPr>
+                </a:tc>
+                <a:tc hMerge="1">
+                  <a:txBody>
+                    <a:bodyPr/>
+                    <a:lstStyle/>
+                    <a:p>
+                      <a:endParaRPr lang="en-US" sz="1200" dirty="0"/>
+                    </a:p>
+                  </a:txBody>
+                  <a:tcPr>
+                    <a:solidFill>
+                      <a:schemeClr val="accent1">
+                        <a:lumMod val="20000"/>
+                        <a:lumOff val="80000"/>
+                      </a:schemeClr>
+                    </a:solidFill>
+                  </a:tcPr>
+                </a:tc>
+                <a:tc hMerge="1">
+                  <a:txBody>
+                    <a:bodyPr/>
+                    <a:lstStyle/>
+                    <a:p>
+                      <a:endParaRPr lang="en-US" sz="1200" dirty="0"/>
+                    </a:p>
+                  </a:txBody>
+                  <a:tcPr>
+                    <a:solidFill>
+                      <a:schemeClr val="accent1">
+                        <a:lumMod val="20000"/>
+                        <a:lumOff val="80000"/>
+                      </a:schemeClr>
+                    </a:solidFill>
+                  </a:tcPr>
+                </a:tc>
+                <a:extLst>
+                  <a:ext uri="{0D108BD9-81ED-4DB2-BD59-A6C34878D82A}">
+                    <a16:rowId xmlns:a16="http://schemas.microsoft.com/office/drawing/2014/main" val="3614508584"/>
+                  </a:ext>
+                </a:extLst>
+              </a:tr>
+              <a:tr h="271149">
+                <a:tc>
+                  <a:txBody>
+                    <a:bodyPr/>
+                    <a:lstStyle/>
+                    <a:p>
+                      <a:r>
+                        <a:rPr lang="en-US" sz="1000" dirty="0"/>
+                        <a:t>Name</a:t>
+                      </a:r>
+                    </a:p>
+                  </a:txBody>
+                  <a:tcPr>
+                    <a:solidFill>
+                      <a:schemeClr val="bg1">
+                        <a:lumMod val="85000"/>
+                      </a:schemeClr>
+                    </a:solidFill>
+                  </a:tcPr>
+                </a:tc>
+                <a:tc>
+                  <a:txBody>
+                    <a:bodyPr/>
+                    <a:lstStyle/>
+                    <a:p>
+                      <a:r>
+                        <a:rPr lang="en-US" sz="1000" dirty="0"/>
+                        <a:t>Type</a:t>
+                      </a:r>
+                    </a:p>
+                  </a:txBody>
+                  <a:tcPr>
+                    <a:solidFill>
+                      <a:schemeClr val="bg1">
+                        <a:lumMod val="85000"/>
+                      </a:schemeClr>
+                    </a:solidFill>
+                  </a:tcPr>
+                </a:tc>
+                <a:tc>
+                  <a:txBody>
+                    <a:bodyPr/>
+                    <a:lstStyle/>
+                    <a:p>
+                      <a:r>
+                        <a:rPr lang="en-US" sz="1000" dirty="0"/>
+                        <a:t>Description</a:t>
+                      </a:r>
+                    </a:p>
+                  </a:txBody>
+                  <a:tcPr>
+                    <a:solidFill>
+                      <a:schemeClr val="bg1">
+                        <a:lumMod val="85000"/>
+                      </a:schemeClr>
+                    </a:solidFill>
+                  </a:tcPr>
+                </a:tc>
+                <a:extLst>
+                  <a:ext uri="{0D108BD9-81ED-4DB2-BD59-A6C34878D82A}">
+                    <a16:rowId xmlns:a16="http://schemas.microsoft.com/office/drawing/2014/main" val="116434511"/>
+                  </a:ext>
+                </a:extLst>
+              </a:tr>
+              <a:tr h="271149">
+                <a:tc>
+                  <a:txBody>
+                    <a:bodyPr/>
+                    <a:lstStyle/>
+                    <a:p>
+                      <a:r>
+                        <a:rPr lang="en-US" sz="1000" dirty="0"/>
+                        <a:t>ID</a:t>
+                      </a:r>
+                    </a:p>
+                  </a:txBody>
+                  <a:tcPr/>
+                </a:tc>
+                <a:tc>
+                  <a:txBody>
+                    <a:bodyPr/>
+                    <a:lstStyle/>
+                    <a:p>
+                      <a:r>
+                        <a:rPr lang="en-US" sz="1000" dirty="0" smtClean="0"/>
+                        <a:t>GUID</a:t>
+                      </a:r>
+                      <a:endParaRPr lang="en-US" sz="1000" dirty="0"/>
+                    </a:p>
+                  </a:txBody>
+                  <a:tcPr/>
+                </a:tc>
+                <a:tc>
+                  <a:txBody>
+                    <a:bodyPr/>
+                    <a:lstStyle/>
+                    <a:p>
+                      <a:r>
+                        <a:rPr lang="en-US" sz="1000" dirty="0" smtClean="0"/>
+                        <a:t>Unique </a:t>
+                      </a:r>
+                      <a:r>
+                        <a:rPr lang="en-US" sz="1000" dirty="0" smtClean="0"/>
+                        <a:t>Identifier</a:t>
+                      </a:r>
+                      <a:endParaRPr lang="en-US" sz="1000" dirty="0"/>
+                    </a:p>
+                  </a:txBody>
+                  <a:tcPr/>
+                </a:tc>
+                <a:extLst>
+                  <a:ext uri="{0D108BD9-81ED-4DB2-BD59-A6C34878D82A}">
+                    <a16:rowId xmlns:a16="http://schemas.microsoft.com/office/drawing/2014/main" val="2955180543"/>
+                  </a:ext>
+                </a:extLst>
+              </a:tr>
+              <a:tr h="271149">
+                <a:tc>
+                  <a:txBody>
+                    <a:bodyPr/>
+                    <a:lstStyle/>
+                    <a:p>
+                      <a:r>
+                        <a:rPr lang="en-US" sz="1000" dirty="0" err="1" smtClean="0"/>
+                        <a:t>AssetId</a:t>
+                      </a:r>
+                      <a:endParaRPr lang="en-US" sz="1000" dirty="0"/>
+                    </a:p>
+                  </a:txBody>
+                  <a:tcPr/>
+                </a:tc>
+                <a:tc>
+                  <a:txBody>
+                    <a:bodyPr/>
+                    <a:lstStyle/>
+                    <a:p>
+                      <a:r>
+                        <a:rPr lang="en-US" sz="1000" dirty="0" smtClean="0"/>
+                        <a:t>GUID</a:t>
+                      </a:r>
+                      <a:endParaRPr lang="en-US" sz="1000" dirty="0"/>
+                    </a:p>
+                  </a:txBody>
+                  <a:tcPr/>
+                </a:tc>
+                <a:tc>
+                  <a:txBody>
+                    <a:bodyPr/>
+                    <a:lstStyle/>
+                    <a:p>
+                      <a:r>
+                        <a:rPr lang="en-US" sz="1000" dirty="0" smtClean="0"/>
+                        <a:t>Asset identifier</a:t>
+                      </a:r>
+                      <a:endParaRPr lang="en-US" sz="1000" dirty="0"/>
+                    </a:p>
+                  </a:txBody>
+                  <a:tcPr/>
+                </a:tc>
+                <a:extLst>
+                  <a:ext uri="{0D108BD9-81ED-4DB2-BD59-A6C34878D82A}">
+                    <a16:rowId xmlns:a16="http://schemas.microsoft.com/office/drawing/2014/main" val="4098219490"/>
+                  </a:ext>
+                </a:extLst>
+              </a:tr>
+              <a:tr h="271149">
+                <a:tc>
+                  <a:txBody>
+                    <a:bodyPr/>
+                    <a:lstStyle/>
+                    <a:p>
+                      <a:r>
+                        <a:rPr lang="en-US" sz="1000" dirty="0" err="1" smtClean="0"/>
+                        <a:t>AssetTypeId</a:t>
+                      </a:r>
+                      <a:endParaRPr lang="en-US" sz="1000" dirty="0"/>
+                    </a:p>
+                  </a:txBody>
+                  <a:tcPr/>
+                </a:tc>
+                <a:tc>
+                  <a:txBody>
+                    <a:bodyPr/>
+                    <a:lstStyle/>
+                    <a:p>
+                      <a:r>
+                        <a:rPr lang="en-US" sz="1000" dirty="0" err="1" smtClean="0"/>
+                        <a:t>Int</a:t>
+                      </a:r>
+                      <a:endParaRPr lang="en-US" sz="1000" dirty="0"/>
+                    </a:p>
+                  </a:txBody>
+                  <a:tcPr/>
+                </a:tc>
+                <a:tc>
+                  <a:txBody>
+                    <a:bodyPr/>
+                    <a:lstStyle/>
+                    <a:p>
+                      <a:r>
+                        <a:rPr lang="en-US" sz="1000" dirty="0" smtClean="0"/>
+                        <a:t>Asset</a:t>
+                      </a:r>
+                      <a:r>
+                        <a:rPr lang="en-US" sz="1000" baseline="0" dirty="0" smtClean="0"/>
+                        <a:t> type</a:t>
+                      </a:r>
+                      <a:endParaRPr lang="en-US" sz="1000" dirty="0"/>
+                    </a:p>
+                  </a:txBody>
+                  <a:tcPr/>
+                </a:tc>
+                <a:extLst>
+                  <a:ext uri="{0D108BD9-81ED-4DB2-BD59-A6C34878D82A}">
+                    <a16:rowId xmlns:a16="http://schemas.microsoft.com/office/drawing/2014/main" val="2862899113"/>
+                  </a:ext>
+                </a:extLst>
+              </a:tr>
+              <a:tr h="271149">
+                <a:tc>
+                  <a:txBody>
+                    <a:bodyPr/>
+                    <a:lstStyle/>
+                    <a:p>
+                      <a:r>
+                        <a:rPr lang="en-US" sz="1000" dirty="0" smtClean="0"/>
+                        <a:t>Name</a:t>
+                      </a:r>
+                      <a:endParaRPr lang="en-US" sz="1000" dirty="0"/>
+                    </a:p>
+                  </a:txBody>
+                  <a:tcPr/>
+                </a:tc>
+                <a:tc>
+                  <a:txBody>
+                    <a:bodyPr/>
+                    <a:lstStyle/>
+                    <a:p>
+                      <a:r>
+                        <a:rPr lang="en-US" sz="1000" dirty="0" smtClean="0"/>
+                        <a:t>String</a:t>
+                      </a:r>
+                      <a:endParaRPr lang="en-US" sz="1000" dirty="0"/>
+                    </a:p>
+                  </a:txBody>
+                  <a:tcPr/>
+                </a:tc>
+                <a:tc>
+                  <a:txBody>
+                    <a:bodyPr/>
+                    <a:lstStyle/>
+                    <a:p>
+                      <a:r>
+                        <a:rPr lang="en-US" sz="1000" dirty="0" smtClean="0"/>
+                        <a:t>Asset name</a:t>
+                      </a:r>
+                      <a:endParaRPr lang="en-US" sz="1000" dirty="0"/>
+                    </a:p>
+                  </a:txBody>
+                  <a:tcPr/>
+                </a:tc>
+                <a:extLst>
+                  <a:ext uri="{0D108BD9-81ED-4DB2-BD59-A6C34878D82A}">
+                    <a16:rowId xmlns:a16="http://schemas.microsoft.com/office/drawing/2014/main" val="3219034962"/>
+                  </a:ext>
+                </a:extLst>
+              </a:tr>
+              <a:tr h="271149">
+                <a:tc>
+                  <a:txBody>
+                    <a:bodyPr/>
+                    <a:lstStyle/>
+                    <a:p>
+                      <a:r>
+                        <a:rPr lang="en-US" sz="1000" dirty="0" smtClean="0"/>
+                        <a:t>Metadata</a:t>
+                      </a:r>
+                      <a:endParaRPr lang="en-US" sz="1000" dirty="0"/>
+                    </a:p>
+                  </a:txBody>
+                  <a:tcPr/>
+                </a:tc>
+                <a:tc>
+                  <a:txBody>
+                    <a:bodyPr/>
+                    <a:lstStyle/>
+                    <a:p>
+                      <a:r>
+                        <a:rPr lang="en-US" sz="1000" dirty="0" smtClean="0"/>
+                        <a:t>String</a:t>
+                      </a:r>
+                      <a:endParaRPr lang="en-US" sz="1000" dirty="0"/>
+                    </a:p>
+                  </a:txBody>
+                  <a:tcPr/>
+                </a:tc>
+                <a:tc>
+                  <a:txBody>
+                    <a:bodyPr/>
+                    <a:lstStyle/>
+                    <a:p>
+                      <a:r>
+                        <a:rPr lang="en-US" sz="1000" dirty="0" smtClean="0"/>
+                        <a:t>Asset</a:t>
+                      </a:r>
+                      <a:r>
+                        <a:rPr lang="en-US" sz="1000" baseline="0" dirty="0" smtClean="0"/>
+                        <a:t> metadata for free text search</a:t>
+                      </a:r>
+                      <a:endParaRPr lang="en-US" sz="1000" dirty="0"/>
+                    </a:p>
+                  </a:txBody>
+                  <a:tcPr/>
+                </a:tc>
+                <a:extLst>
+                  <a:ext uri="{0D108BD9-81ED-4DB2-BD59-A6C34878D82A}">
+                    <a16:rowId xmlns:a16="http://schemas.microsoft.com/office/drawing/2014/main" val="1430060604"/>
+                  </a:ext>
+                </a:extLst>
+              </a:tr>
+              <a:tr h="271149">
+                <a:tc>
+                  <a:txBody>
+                    <a:bodyPr/>
+                    <a:lstStyle/>
+                    <a:p>
+                      <a:r>
+                        <a:rPr lang="en-US" sz="1000" dirty="0" err="1" smtClean="0"/>
+                        <a:t>PropertyMetadata</a:t>
+                      </a:r>
+                      <a:endParaRPr lang="en-US" sz="1000" dirty="0"/>
+                    </a:p>
+                  </a:txBody>
+                  <a:tcPr/>
+                </a:tc>
+                <a:tc>
+                  <a:txBody>
+                    <a:bodyPr/>
+                    <a:lstStyle/>
+                    <a:p>
+                      <a:r>
+                        <a:rPr lang="en-US" sz="1000" dirty="0" smtClean="0"/>
+                        <a:t>String</a:t>
+                      </a:r>
+                      <a:endParaRPr lang="en-US" sz="1000" dirty="0"/>
+                    </a:p>
+                  </a:txBody>
+                  <a:tcPr/>
+                </a:tc>
+                <a:tc>
+                  <a:txBody>
+                    <a:bodyPr/>
+                    <a:lstStyle/>
+                    <a:p>
+                      <a:r>
+                        <a:rPr lang="en-US" sz="1000" dirty="0" smtClean="0"/>
+                        <a:t>Asset property metadata for specific property search</a:t>
+                      </a:r>
+                      <a:endParaRPr lang="en-US" sz="1000" dirty="0"/>
+                    </a:p>
+                  </a:txBody>
+                  <a:tcPr/>
+                </a:tc>
+                <a:extLst>
+                  <a:ext uri="{0D108BD9-81ED-4DB2-BD59-A6C34878D82A}">
+                    <a16:rowId xmlns:a16="http://schemas.microsoft.com/office/drawing/2014/main" val="2814356687"/>
+                  </a:ext>
+                </a:extLst>
+              </a:tr>
+              <a:tr h="271149">
+                <a:tc>
+                  <a:txBody>
+                    <a:bodyPr/>
+                    <a:lstStyle/>
+                    <a:p>
+                      <a:r>
+                        <a:rPr lang="en-US" sz="1000" dirty="0" err="1" smtClean="0"/>
+                        <a:t>CountryCode</a:t>
+                      </a:r>
+                      <a:endParaRPr lang="en-US" sz="1000" dirty="0"/>
+                    </a:p>
+                  </a:txBody>
+                  <a:tcPr/>
+                </a:tc>
+                <a:tc>
+                  <a:txBody>
+                    <a:bodyPr/>
+                    <a:lstStyle/>
+                    <a:p>
+                      <a:r>
+                        <a:rPr lang="en-US" sz="1000" dirty="0" smtClean="0"/>
+                        <a:t>String</a:t>
+                      </a:r>
+                      <a:endParaRPr lang="en-US" sz="1000" dirty="0"/>
+                    </a:p>
+                  </a:txBody>
+                  <a:tcPr/>
+                </a:tc>
+                <a:tc>
+                  <a:txBody>
+                    <a:bodyPr/>
+                    <a:lstStyle/>
+                    <a:p>
+                      <a:r>
+                        <a:rPr lang="en-US" sz="1000" dirty="0" smtClean="0"/>
+                        <a:t>Country code</a:t>
+                      </a:r>
+                      <a:endParaRPr lang="en-US" sz="1000" dirty="0"/>
+                    </a:p>
+                  </a:txBody>
+                  <a:tcPr/>
+                </a:tc>
+                <a:extLst>
+                  <a:ext uri="{0D108BD9-81ED-4DB2-BD59-A6C34878D82A}">
+                    <a16:rowId xmlns:a16="http://schemas.microsoft.com/office/drawing/2014/main" val="1572530477"/>
+                  </a:ext>
+                </a:extLst>
+              </a:tr>
+              <a:tr h="271149">
+                <a:tc>
+                  <a:txBody>
+                    <a:bodyPr/>
+                    <a:lstStyle/>
+                    <a:p>
+                      <a:r>
+                        <a:rPr lang="en-US" sz="1000" dirty="0" err="1" smtClean="0"/>
+                        <a:t>LanguageCode</a:t>
+                      </a:r>
+                      <a:endParaRPr lang="en-US" sz="1000" dirty="0"/>
+                    </a:p>
+                  </a:txBody>
+                  <a:tcPr/>
+                </a:tc>
+                <a:tc>
+                  <a:txBody>
+                    <a:bodyPr/>
+                    <a:lstStyle/>
+                    <a:p>
+                      <a:r>
+                        <a:rPr lang="en-US" sz="1000" dirty="0" smtClean="0"/>
+                        <a:t>String</a:t>
+                      </a:r>
+                      <a:endParaRPr lang="en-US" sz="1000" dirty="0"/>
+                    </a:p>
+                  </a:txBody>
+                  <a:tcPr/>
+                </a:tc>
+                <a:tc>
+                  <a:txBody>
+                    <a:bodyPr/>
+                    <a:lstStyle/>
+                    <a:p>
+                      <a:r>
+                        <a:rPr lang="en-US" sz="1000" dirty="0" smtClean="0"/>
+                        <a:t>Language code</a:t>
+                      </a:r>
+                      <a:endParaRPr lang="en-US" sz="1000" dirty="0"/>
+                    </a:p>
+                  </a:txBody>
+                  <a:tcPr/>
+                </a:tc>
+                <a:extLst>
+                  <a:ext uri="{0D108BD9-81ED-4DB2-BD59-A6C34878D82A}">
+                    <a16:rowId xmlns:a16="http://schemas.microsoft.com/office/drawing/2014/main" val="3195970577"/>
+                  </a:ext>
+                </a:extLst>
+              </a:tr>
+              <a:tr h="271149">
+                <a:tc>
+                  <a:txBody>
+                    <a:bodyPr/>
+                    <a:lstStyle/>
+                    <a:p>
+                      <a:r>
+                        <a:rPr lang="en-US" sz="1000" dirty="0" err="1" smtClean="0"/>
+                        <a:t>UpdateOn</a:t>
+                      </a:r>
+                      <a:endParaRPr lang="en-US" sz="1000" dirty="0"/>
+                    </a:p>
+                  </a:txBody>
+                  <a:tcPr/>
+                </a:tc>
+                <a:tc>
+                  <a:txBody>
+                    <a:bodyPr/>
+                    <a:lstStyle/>
+                    <a:p>
+                      <a:r>
+                        <a:rPr lang="en-US" sz="1000" dirty="0" smtClean="0"/>
+                        <a:t>String</a:t>
+                      </a:r>
+                      <a:endParaRPr lang="en-US" sz="1000" dirty="0"/>
+                    </a:p>
+                  </a:txBody>
+                  <a:tcPr/>
+                </a:tc>
+                <a:tc>
+                  <a:txBody>
+                    <a:bodyPr/>
+                    <a:lstStyle/>
+                    <a:p>
+                      <a:r>
+                        <a:rPr lang="en-US" sz="1000" dirty="0" smtClean="0"/>
+                        <a:t>Updated date time stamp</a:t>
+                      </a:r>
+                      <a:endParaRPr lang="en-US" sz="1000" dirty="0"/>
+                    </a:p>
+                  </a:txBody>
+                  <a:tcPr/>
+                </a:tc>
+                <a:extLst>
+                  <a:ext uri="{0D108BD9-81ED-4DB2-BD59-A6C34878D82A}">
+                    <a16:rowId xmlns:a16="http://schemas.microsoft.com/office/drawing/2014/main" val="1163677670"/>
+                  </a:ext>
+                </a:extLst>
+              </a:tr>
+              <a:tr h="271149">
+                <a:tc>
+                  <a:txBody>
+                    <a:bodyPr/>
+                    <a:lstStyle/>
+                    <a:p>
+                      <a:r>
+                        <a:rPr lang="en-US" sz="1000" dirty="0" err="1" smtClean="0"/>
+                        <a:t>UpdatedBy</a:t>
+                      </a:r>
+                      <a:endParaRPr lang="en-US" sz="1000" dirty="0"/>
+                    </a:p>
+                  </a:txBody>
+                  <a:tcPr/>
+                </a:tc>
+                <a:tc>
+                  <a:txBody>
+                    <a:bodyPr/>
+                    <a:lstStyle/>
+                    <a:p>
+                      <a:r>
+                        <a:rPr lang="en-US" sz="1000" dirty="0" smtClean="0"/>
+                        <a:t>String</a:t>
+                      </a:r>
+                      <a:endParaRPr lang="en-US" sz="1000" dirty="0"/>
+                    </a:p>
+                  </a:txBody>
+                  <a:tcPr/>
+                </a:tc>
+                <a:tc>
+                  <a:txBody>
+                    <a:bodyPr/>
+                    <a:lstStyle/>
+                    <a:p>
+                      <a:r>
+                        <a:rPr lang="en-US" sz="1000" dirty="0" smtClean="0"/>
+                        <a:t>Updated by user name</a:t>
+                      </a:r>
+                      <a:endParaRPr lang="en-US" sz="1000" dirty="0"/>
+                    </a:p>
+                  </a:txBody>
+                  <a:tcPr/>
+                </a:tc>
+                <a:extLst>
+                  <a:ext uri="{0D108BD9-81ED-4DB2-BD59-A6C34878D82A}">
+                    <a16:rowId xmlns:a16="http://schemas.microsoft.com/office/drawing/2014/main" val="3225428039"/>
+                  </a:ext>
+                </a:extLst>
+              </a:tr>
+            </a:tbl>
+          </a:graphicData>
+        </a:graphic>
+      </p:graphicFrame>
     </p:spTree>
     <p:extLst>
       <p:ext uri="{BB962C8B-B14F-4D97-AF65-F5344CB8AC3E}">
-        <p14:creationId xmlns:p14="http://schemas.microsoft.com/office/powerpoint/2010/main" val="433319383"/>
+        <p14:creationId xmlns:p14="http://schemas.microsoft.com/office/powerpoint/2010/main" val="50298334"/>
       </p:ext>
     </p:extLst>
   </p:cSld>
@@ -3943,6 +5465,2473 @@
           </a:lstStyle>
           <a:p>
             <a:r>
+              <a:rPr lang="en-US" sz="3600" dirty="0"/>
+              <a:t>Entities -</a:t>
+            </a:r>
+            <a:r>
+              <a:rPr lang="en-US" sz="3600" dirty="0" smtClean="0"/>
+              <a:t> asset files </a:t>
+            </a:r>
+            <a:endParaRPr lang="en-US" sz="3600" dirty="0"/>
+          </a:p>
+        </p:txBody>
+      </p:sp>
+      <p:graphicFrame>
+        <p:nvGraphicFramePr>
+          <p:cNvPr id="6" name="Table 2">
+            <a:extLst>
+              <a:ext uri="{FF2B5EF4-FFF2-40B4-BE49-F238E27FC236}">
+                <a16:creationId xmlns:a16="http://schemas.microsoft.com/office/drawing/2014/main" id="{E3146915-1D1A-44EA-80BE-6291416E073F}"/>
+              </a:ext>
+            </a:extLst>
+          </p:cNvPr>
+          <p:cNvGraphicFramePr>
+            <a:graphicFrameLocks noGrp="1"/>
+          </p:cNvGraphicFramePr>
+          <p:nvPr>
+            <p:extLst>
+              <p:ext uri="{D42A27DB-BD31-4B8C-83A1-F6EECF244321}">
+                <p14:modId xmlns:p14="http://schemas.microsoft.com/office/powerpoint/2010/main" val="2384816484"/>
+              </p:ext>
+            </p:extLst>
+          </p:nvPr>
+        </p:nvGraphicFramePr>
+        <p:xfrm>
+          <a:off x="555171" y="1430255"/>
+          <a:ext cx="4748561" cy="3524937"/>
+        </p:xfrm>
+        <a:graphic>
+          <a:graphicData uri="http://schemas.openxmlformats.org/drawingml/2006/table">
+            <a:tbl>
+              <a:tblPr firstRow="1" bandRow="1">
+                <a:tableStyleId>{5940675A-B579-460E-94D1-54222C63F5DA}</a:tableStyleId>
+              </a:tblPr>
+              <a:tblGrid>
+                <a:gridCol w="1034586">
+                  <a:extLst>
+                    <a:ext uri="{9D8B030D-6E8A-4147-A177-3AD203B41FA5}">
+                      <a16:colId xmlns:a16="http://schemas.microsoft.com/office/drawing/2014/main" val="2187246459"/>
+                    </a:ext>
+                  </a:extLst>
+                </a:gridCol>
+                <a:gridCol w="825190">
+                  <a:extLst>
+                    <a:ext uri="{9D8B030D-6E8A-4147-A177-3AD203B41FA5}">
+                      <a16:colId xmlns:a16="http://schemas.microsoft.com/office/drawing/2014/main" val="1671499294"/>
+                    </a:ext>
+                  </a:extLst>
+                </a:gridCol>
+                <a:gridCol w="2888785">
+                  <a:extLst>
+                    <a:ext uri="{9D8B030D-6E8A-4147-A177-3AD203B41FA5}">
+                      <a16:colId xmlns:a16="http://schemas.microsoft.com/office/drawing/2014/main" val="2259015869"/>
+                    </a:ext>
+                  </a:extLst>
+                </a:gridCol>
+              </a:tblGrid>
+              <a:tr h="271149">
+                <a:tc gridSpan="3">
+                  <a:txBody>
+                    <a:bodyPr/>
+                    <a:lstStyle/>
+                    <a:p>
+                      <a:pPr algn="ctr"/>
+                      <a:r>
+                        <a:rPr lang="en-US" sz="1000" b="1" dirty="0" err="1" smtClean="0"/>
+                        <a:t>AssetProductImageFile</a:t>
+                      </a:r>
+                      <a:endParaRPr lang="en-US" sz="1000" b="1" dirty="0"/>
+                    </a:p>
+                  </a:txBody>
+                  <a:tcPr>
+                    <a:solidFill>
+                      <a:schemeClr val="bg1">
+                        <a:lumMod val="85000"/>
+                      </a:schemeClr>
+                    </a:solidFill>
+                  </a:tcPr>
+                </a:tc>
+                <a:tc hMerge="1">
+                  <a:txBody>
+                    <a:bodyPr/>
+                    <a:lstStyle/>
+                    <a:p>
+                      <a:endParaRPr lang="en-US" sz="1200" dirty="0"/>
+                    </a:p>
+                  </a:txBody>
+                  <a:tcPr>
+                    <a:solidFill>
+                      <a:schemeClr val="accent1">
+                        <a:lumMod val="20000"/>
+                        <a:lumOff val="80000"/>
+                      </a:schemeClr>
+                    </a:solidFill>
+                  </a:tcPr>
+                </a:tc>
+                <a:tc hMerge="1">
+                  <a:txBody>
+                    <a:bodyPr/>
+                    <a:lstStyle/>
+                    <a:p>
+                      <a:endParaRPr lang="en-US" sz="1200" dirty="0"/>
+                    </a:p>
+                  </a:txBody>
+                  <a:tcPr>
+                    <a:solidFill>
+                      <a:schemeClr val="accent1">
+                        <a:lumMod val="20000"/>
+                        <a:lumOff val="80000"/>
+                      </a:schemeClr>
+                    </a:solidFill>
+                  </a:tcPr>
+                </a:tc>
+                <a:extLst>
+                  <a:ext uri="{0D108BD9-81ED-4DB2-BD59-A6C34878D82A}">
+                    <a16:rowId xmlns:a16="http://schemas.microsoft.com/office/drawing/2014/main" val="3614508584"/>
+                  </a:ext>
+                </a:extLst>
+              </a:tr>
+              <a:tr h="271149">
+                <a:tc>
+                  <a:txBody>
+                    <a:bodyPr/>
+                    <a:lstStyle/>
+                    <a:p>
+                      <a:r>
+                        <a:rPr lang="en-US" sz="1000" dirty="0"/>
+                        <a:t>Name</a:t>
+                      </a:r>
+                    </a:p>
+                  </a:txBody>
+                  <a:tcPr>
+                    <a:solidFill>
+                      <a:schemeClr val="bg1">
+                        <a:lumMod val="85000"/>
+                      </a:schemeClr>
+                    </a:solidFill>
+                  </a:tcPr>
+                </a:tc>
+                <a:tc>
+                  <a:txBody>
+                    <a:bodyPr/>
+                    <a:lstStyle/>
+                    <a:p>
+                      <a:r>
+                        <a:rPr lang="en-US" sz="1000" dirty="0"/>
+                        <a:t>Type</a:t>
+                      </a:r>
+                    </a:p>
+                  </a:txBody>
+                  <a:tcPr>
+                    <a:solidFill>
+                      <a:schemeClr val="bg1">
+                        <a:lumMod val="85000"/>
+                      </a:schemeClr>
+                    </a:solidFill>
+                  </a:tcPr>
+                </a:tc>
+                <a:tc>
+                  <a:txBody>
+                    <a:bodyPr/>
+                    <a:lstStyle/>
+                    <a:p>
+                      <a:r>
+                        <a:rPr lang="en-US" sz="1000" dirty="0"/>
+                        <a:t>Description</a:t>
+                      </a:r>
+                    </a:p>
+                  </a:txBody>
+                  <a:tcPr>
+                    <a:solidFill>
+                      <a:schemeClr val="bg1">
+                        <a:lumMod val="85000"/>
+                      </a:schemeClr>
+                    </a:solidFill>
+                  </a:tcPr>
+                </a:tc>
+                <a:extLst>
+                  <a:ext uri="{0D108BD9-81ED-4DB2-BD59-A6C34878D82A}">
+                    <a16:rowId xmlns:a16="http://schemas.microsoft.com/office/drawing/2014/main" val="116434511"/>
+                  </a:ext>
+                </a:extLst>
+              </a:tr>
+              <a:tr h="271149">
+                <a:tc>
+                  <a:txBody>
+                    <a:bodyPr/>
+                    <a:lstStyle/>
+                    <a:p>
+                      <a:r>
+                        <a:rPr lang="en-US" sz="1000" dirty="0"/>
+                        <a:t>ID</a:t>
+                      </a:r>
+                    </a:p>
+                  </a:txBody>
+                  <a:tcPr/>
+                </a:tc>
+                <a:tc>
+                  <a:txBody>
+                    <a:bodyPr/>
+                    <a:lstStyle/>
+                    <a:p>
+                      <a:r>
+                        <a:rPr lang="en-US" sz="1000" dirty="0" smtClean="0"/>
+                        <a:t>GUID</a:t>
+                      </a:r>
+                      <a:endParaRPr lang="en-US" sz="1000" dirty="0"/>
+                    </a:p>
+                  </a:txBody>
+                  <a:tcPr/>
+                </a:tc>
+                <a:tc>
+                  <a:txBody>
+                    <a:bodyPr/>
+                    <a:lstStyle/>
+                    <a:p>
+                      <a:r>
+                        <a:rPr lang="en-US" sz="1000" dirty="0" smtClean="0"/>
+                        <a:t>Project Identifier</a:t>
+                      </a:r>
+                      <a:endParaRPr lang="en-US" sz="1000" dirty="0"/>
+                    </a:p>
+                  </a:txBody>
+                  <a:tcPr/>
+                </a:tc>
+                <a:extLst>
+                  <a:ext uri="{0D108BD9-81ED-4DB2-BD59-A6C34878D82A}">
+                    <a16:rowId xmlns:a16="http://schemas.microsoft.com/office/drawing/2014/main" val="2955180543"/>
+                  </a:ext>
+                </a:extLst>
+              </a:tr>
+              <a:tr h="271149">
+                <a:tc>
+                  <a:txBody>
+                    <a:bodyPr/>
+                    <a:lstStyle/>
+                    <a:p>
+                      <a:r>
+                        <a:rPr lang="en-US" sz="1000" dirty="0" err="1" smtClean="0"/>
+                        <a:t>AssetId</a:t>
+                      </a:r>
+                      <a:endParaRPr lang="en-US" sz="1000" dirty="0"/>
+                    </a:p>
+                  </a:txBody>
+                  <a:tcPr/>
+                </a:tc>
+                <a:tc>
+                  <a:txBody>
+                    <a:bodyPr/>
+                    <a:lstStyle/>
+                    <a:p>
+                      <a:r>
+                        <a:rPr lang="en-US" sz="1000" dirty="0" smtClean="0"/>
+                        <a:t>GUID</a:t>
+                      </a:r>
+                      <a:endParaRPr lang="en-US" sz="1000" dirty="0"/>
+                    </a:p>
+                  </a:txBody>
+                  <a:tcPr/>
+                </a:tc>
+                <a:tc>
+                  <a:txBody>
+                    <a:bodyPr/>
+                    <a:lstStyle/>
+                    <a:p>
+                      <a:r>
+                        <a:rPr lang="en-US" sz="1000" dirty="0" smtClean="0"/>
+                        <a:t>Reference</a:t>
+                      </a:r>
+                      <a:endParaRPr lang="en-US" sz="1000" dirty="0"/>
+                    </a:p>
+                  </a:txBody>
+                  <a:tcPr/>
+                </a:tc>
+                <a:extLst>
+                  <a:ext uri="{0D108BD9-81ED-4DB2-BD59-A6C34878D82A}">
+                    <a16:rowId xmlns:a16="http://schemas.microsoft.com/office/drawing/2014/main" val="4196704254"/>
+                  </a:ext>
+                </a:extLst>
+              </a:tr>
+              <a:tr h="271149">
+                <a:tc>
+                  <a:txBody>
+                    <a:bodyPr/>
+                    <a:lstStyle/>
+                    <a:p>
+                      <a:r>
+                        <a:rPr lang="en-US" sz="1000" dirty="0"/>
+                        <a:t>Name</a:t>
+                      </a:r>
+                    </a:p>
+                  </a:txBody>
+                  <a:tcPr/>
+                </a:tc>
+                <a:tc>
+                  <a:txBody>
+                    <a:bodyPr/>
+                    <a:lstStyle/>
+                    <a:p>
+                      <a:r>
+                        <a:rPr lang="en-US" sz="1000" dirty="0" smtClean="0"/>
+                        <a:t>String</a:t>
+                      </a:r>
+                      <a:endParaRPr lang="en-US" sz="1000" dirty="0"/>
+                    </a:p>
+                  </a:txBody>
+                  <a:tcPr/>
+                </a:tc>
+                <a:tc>
+                  <a:txBody>
+                    <a:bodyPr/>
+                    <a:lstStyle/>
+                    <a:p>
+                      <a:r>
+                        <a:rPr lang="en-US" sz="1000" dirty="0" smtClean="0"/>
+                        <a:t>Name of the file</a:t>
+                      </a:r>
+                      <a:endParaRPr lang="en-US" sz="1000" dirty="0"/>
+                    </a:p>
+                  </a:txBody>
+                  <a:tcPr/>
+                </a:tc>
+                <a:extLst>
+                  <a:ext uri="{0D108BD9-81ED-4DB2-BD59-A6C34878D82A}">
+                    <a16:rowId xmlns:a16="http://schemas.microsoft.com/office/drawing/2014/main" val="2862899113"/>
+                  </a:ext>
+                </a:extLst>
+              </a:tr>
+              <a:tr h="271149">
+                <a:tc>
+                  <a:txBody>
+                    <a:bodyPr/>
+                    <a:lstStyle/>
+                    <a:p>
+                      <a:r>
+                        <a:rPr lang="en-US" sz="1000" dirty="0" smtClean="0"/>
+                        <a:t>Version</a:t>
+                      </a:r>
+                      <a:endParaRPr lang="en-US" sz="1000" dirty="0"/>
+                    </a:p>
+                  </a:txBody>
+                  <a:tcPr/>
+                </a:tc>
+                <a:tc>
+                  <a:txBody>
+                    <a:bodyPr/>
+                    <a:lstStyle/>
+                    <a:p>
+                      <a:r>
+                        <a:rPr lang="en-US" sz="1000" dirty="0" smtClean="0"/>
+                        <a:t>String</a:t>
+                      </a:r>
+                      <a:endParaRPr lang="en-US" sz="1000" dirty="0"/>
+                    </a:p>
+                  </a:txBody>
+                  <a:tcPr/>
+                </a:tc>
+                <a:tc>
+                  <a:txBody>
+                    <a:bodyPr/>
+                    <a:lstStyle/>
+                    <a:p>
+                      <a:r>
+                        <a:rPr lang="en-US" sz="1000" dirty="0" smtClean="0"/>
+                        <a:t>File size</a:t>
+                      </a:r>
+                      <a:endParaRPr lang="en-US" sz="1000" dirty="0"/>
+                    </a:p>
+                  </a:txBody>
+                  <a:tcPr/>
+                </a:tc>
+                <a:extLst>
+                  <a:ext uri="{0D108BD9-81ED-4DB2-BD59-A6C34878D82A}">
+                    <a16:rowId xmlns:a16="http://schemas.microsoft.com/office/drawing/2014/main" val="3219034962"/>
+                  </a:ext>
+                </a:extLst>
+              </a:tr>
+              <a:tr h="271149">
+                <a:tc>
+                  <a:txBody>
+                    <a:bodyPr/>
+                    <a:lstStyle/>
+                    <a:p>
+                      <a:r>
+                        <a:rPr lang="en-US" sz="1000" dirty="0" err="1" smtClean="0"/>
+                        <a:t>BlobId</a:t>
+                      </a:r>
+                      <a:endParaRPr lang="en-US" sz="1000" dirty="0"/>
+                    </a:p>
+                  </a:txBody>
+                  <a:tcPr/>
+                </a:tc>
+                <a:tc>
+                  <a:txBody>
+                    <a:bodyPr/>
+                    <a:lstStyle/>
+                    <a:p>
+                      <a:r>
+                        <a:rPr lang="en-US" sz="1000" dirty="0" smtClean="0"/>
+                        <a:t>GUID</a:t>
+                      </a:r>
+                      <a:endParaRPr lang="en-US" sz="1000" dirty="0"/>
+                    </a:p>
+                  </a:txBody>
+                  <a:tcPr/>
+                </a:tc>
+                <a:tc>
+                  <a:txBody>
+                    <a:bodyPr/>
+                    <a:lstStyle/>
+                    <a:p>
+                      <a:r>
+                        <a:rPr lang="en-US" sz="1000" dirty="0" smtClean="0"/>
+                        <a:t>File version</a:t>
+                      </a:r>
+                      <a:endParaRPr lang="en-US" sz="1000" dirty="0"/>
+                    </a:p>
+                  </a:txBody>
+                  <a:tcPr/>
+                </a:tc>
+                <a:extLst>
+                  <a:ext uri="{0D108BD9-81ED-4DB2-BD59-A6C34878D82A}">
+                    <a16:rowId xmlns:a16="http://schemas.microsoft.com/office/drawing/2014/main" val="1337648643"/>
+                  </a:ext>
+                </a:extLst>
+              </a:tr>
+              <a:tr h="271149">
+                <a:tc>
+                  <a:txBody>
+                    <a:bodyPr/>
+                    <a:lstStyle/>
+                    <a:p>
+                      <a:r>
+                        <a:rPr lang="en-US" sz="1000" dirty="0" smtClean="0"/>
+                        <a:t>Height</a:t>
+                      </a:r>
+                      <a:endParaRPr lang="en-US" sz="1000" dirty="0"/>
+                    </a:p>
+                  </a:txBody>
+                  <a:tcPr/>
+                </a:tc>
+                <a:tc>
+                  <a:txBody>
+                    <a:bodyPr/>
+                    <a:lstStyle/>
+                    <a:p>
+                      <a:r>
+                        <a:rPr lang="en-US" sz="1000" dirty="0" err="1" smtClean="0"/>
+                        <a:t>Int</a:t>
+                      </a:r>
+                      <a:endParaRPr lang="en-US" sz="1000" dirty="0"/>
+                    </a:p>
+                  </a:txBody>
+                  <a:tcPr/>
+                </a:tc>
+                <a:tc>
+                  <a:txBody>
+                    <a:bodyPr/>
+                    <a:lstStyle/>
+                    <a:p>
+                      <a:r>
+                        <a:rPr lang="en-US" sz="1000" dirty="0" smtClean="0"/>
+                        <a:t>Default file?</a:t>
+                      </a:r>
+                      <a:endParaRPr lang="en-US" sz="1000" dirty="0"/>
+                    </a:p>
+                  </a:txBody>
+                  <a:tcPr/>
+                </a:tc>
+                <a:extLst>
+                  <a:ext uri="{0D108BD9-81ED-4DB2-BD59-A6C34878D82A}">
+                    <a16:rowId xmlns:a16="http://schemas.microsoft.com/office/drawing/2014/main" val="1383260199"/>
+                  </a:ext>
+                </a:extLst>
+              </a:tr>
+              <a:tr h="271149">
+                <a:tc>
+                  <a:txBody>
+                    <a:bodyPr/>
+                    <a:lstStyle/>
+                    <a:p>
+                      <a:r>
+                        <a:rPr lang="en-US" sz="1000" dirty="0" smtClean="0"/>
+                        <a:t>Width</a:t>
+                      </a:r>
+                      <a:endParaRPr lang="en-US" sz="1000" dirty="0"/>
+                    </a:p>
+                  </a:txBody>
+                  <a:tcPr/>
+                </a:tc>
+                <a:tc>
+                  <a:txBody>
+                    <a:bodyPr/>
+                    <a:lstStyle/>
+                    <a:p>
+                      <a:r>
+                        <a:rPr lang="en-US" sz="1000" dirty="0" err="1" smtClean="0"/>
+                        <a:t>Int</a:t>
+                      </a:r>
+                      <a:endParaRPr lang="en-US" sz="1000" dirty="0"/>
+                    </a:p>
+                  </a:txBody>
+                  <a:tcPr/>
+                </a:tc>
+                <a:tc>
+                  <a:txBody>
+                    <a:bodyPr/>
+                    <a:lstStyle/>
+                    <a:p>
+                      <a:endParaRPr lang="en-US" sz="1000" dirty="0"/>
+                    </a:p>
+                  </a:txBody>
+                  <a:tcPr/>
+                </a:tc>
+                <a:extLst>
+                  <a:ext uri="{0D108BD9-81ED-4DB2-BD59-A6C34878D82A}">
+                    <a16:rowId xmlns:a16="http://schemas.microsoft.com/office/drawing/2014/main" val="1564610231"/>
+                  </a:ext>
+                </a:extLst>
+              </a:tr>
+              <a:tr h="271149">
+                <a:tc>
+                  <a:txBody>
+                    <a:bodyPr/>
+                    <a:lstStyle/>
+                    <a:p>
+                      <a:r>
+                        <a:rPr lang="en-US" sz="1000" dirty="0" smtClean="0"/>
+                        <a:t>Size</a:t>
+                      </a:r>
+                      <a:endParaRPr lang="en-US" sz="1000" dirty="0"/>
+                    </a:p>
+                  </a:txBody>
+                  <a:tcPr/>
+                </a:tc>
+                <a:tc>
+                  <a:txBody>
+                    <a:bodyPr/>
+                    <a:lstStyle/>
+                    <a:p>
+                      <a:r>
+                        <a:rPr lang="en-US" sz="1000" dirty="0" err="1" smtClean="0"/>
+                        <a:t>Int</a:t>
+                      </a:r>
+                      <a:endParaRPr lang="en-US" sz="1000" dirty="0"/>
+                    </a:p>
+                  </a:txBody>
+                  <a:tcPr/>
+                </a:tc>
+                <a:tc>
+                  <a:txBody>
+                    <a:bodyPr/>
+                    <a:lstStyle/>
+                    <a:p>
+                      <a:endParaRPr lang="en-US" sz="1000" dirty="0"/>
+                    </a:p>
+                  </a:txBody>
+                  <a:tcPr/>
+                </a:tc>
+                <a:extLst>
+                  <a:ext uri="{0D108BD9-81ED-4DB2-BD59-A6C34878D82A}">
+                    <a16:rowId xmlns:a16="http://schemas.microsoft.com/office/drawing/2014/main" val="3963792943"/>
+                  </a:ext>
+                </a:extLst>
+              </a:tr>
+              <a:tr h="271149">
+                <a:tc>
+                  <a:txBody>
+                    <a:bodyPr/>
+                    <a:lstStyle/>
+                    <a:p>
+                      <a:r>
+                        <a:rPr lang="en-US" sz="1000" dirty="0" err="1" smtClean="0"/>
+                        <a:t>IsDefault</a:t>
+                      </a:r>
+                      <a:endParaRPr lang="en-US" sz="1000" dirty="0"/>
+                    </a:p>
+                  </a:txBody>
+                  <a:tcPr/>
+                </a:tc>
+                <a:tc>
+                  <a:txBody>
+                    <a:bodyPr/>
+                    <a:lstStyle/>
+                    <a:p>
+                      <a:r>
+                        <a:rPr lang="en-US" sz="1000" dirty="0" smtClean="0"/>
+                        <a:t>Bool</a:t>
+                      </a:r>
+                      <a:endParaRPr lang="en-US" sz="1000" dirty="0"/>
+                    </a:p>
+                  </a:txBody>
+                  <a:tcPr/>
+                </a:tc>
+                <a:tc>
+                  <a:txBody>
+                    <a:bodyPr/>
+                    <a:lstStyle/>
+                    <a:p>
+                      <a:endParaRPr lang="en-US" sz="1000" dirty="0"/>
+                    </a:p>
+                  </a:txBody>
+                  <a:tcPr/>
+                </a:tc>
+                <a:extLst>
+                  <a:ext uri="{0D108BD9-81ED-4DB2-BD59-A6C34878D82A}">
+                    <a16:rowId xmlns:a16="http://schemas.microsoft.com/office/drawing/2014/main" val="2222005778"/>
+                  </a:ext>
+                </a:extLst>
+              </a:tr>
+              <a:tr h="271149">
+                <a:tc>
+                  <a:txBody>
+                    <a:bodyPr/>
+                    <a:lstStyle/>
+                    <a:p>
+                      <a:r>
+                        <a:rPr lang="en-US" sz="1000" dirty="0" err="1" smtClean="0"/>
+                        <a:t>UpdatedOn</a:t>
+                      </a:r>
+                      <a:endParaRPr lang="en-US" sz="1000" dirty="0"/>
+                    </a:p>
+                  </a:txBody>
+                  <a:tcPr/>
+                </a:tc>
+                <a:tc>
+                  <a:txBody>
+                    <a:bodyPr/>
+                    <a:lstStyle/>
+                    <a:p>
+                      <a:r>
+                        <a:rPr lang="en-US" sz="1000" dirty="0" err="1" smtClean="0"/>
+                        <a:t>DateTime</a:t>
+                      </a:r>
+                      <a:endParaRPr lang="en-US" sz="1000" dirty="0"/>
+                    </a:p>
+                  </a:txBody>
+                  <a:tcPr/>
+                </a:tc>
+                <a:tc>
+                  <a:txBody>
+                    <a:bodyPr/>
+                    <a:lstStyle/>
+                    <a:p>
+                      <a:endParaRPr lang="en-US" sz="1000" dirty="0"/>
+                    </a:p>
+                  </a:txBody>
+                  <a:tcPr/>
+                </a:tc>
+                <a:extLst>
+                  <a:ext uri="{0D108BD9-81ED-4DB2-BD59-A6C34878D82A}">
+                    <a16:rowId xmlns:a16="http://schemas.microsoft.com/office/drawing/2014/main" val="919739760"/>
+                  </a:ext>
+                </a:extLst>
+              </a:tr>
+              <a:tr h="271149">
+                <a:tc>
+                  <a:txBody>
+                    <a:bodyPr/>
+                    <a:lstStyle/>
+                    <a:p>
+                      <a:r>
+                        <a:rPr lang="en-US" sz="1000" dirty="0" err="1" smtClean="0"/>
+                        <a:t>UpdatedBy</a:t>
+                      </a:r>
+                      <a:endParaRPr lang="en-US" sz="1000" dirty="0"/>
+                    </a:p>
+                  </a:txBody>
+                  <a:tcPr/>
+                </a:tc>
+                <a:tc>
+                  <a:txBody>
+                    <a:bodyPr/>
+                    <a:lstStyle/>
+                    <a:p>
+                      <a:r>
+                        <a:rPr lang="en-US" sz="1000" dirty="0" smtClean="0"/>
+                        <a:t>String</a:t>
+                      </a:r>
+                      <a:endParaRPr lang="en-US" sz="1000" dirty="0"/>
+                    </a:p>
+                  </a:txBody>
+                  <a:tcPr/>
+                </a:tc>
+                <a:tc>
+                  <a:txBody>
+                    <a:bodyPr/>
+                    <a:lstStyle/>
+                    <a:p>
+                      <a:endParaRPr lang="en-US" sz="1000" dirty="0"/>
+                    </a:p>
+                  </a:txBody>
+                  <a:tcPr/>
+                </a:tc>
+                <a:extLst>
+                  <a:ext uri="{0D108BD9-81ED-4DB2-BD59-A6C34878D82A}">
+                    <a16:rowId xmlns:a16="http://schemas.microsoft.com/office/drawing/2014/main" val="163311733"/>
+                  </a:ext>
+                </a:extLst>
+              </a:tr>
+            </a:tbl>
+          </a:graphicData>
+        </a:graphic>
+      </p:graphicFrame>
+      <p:graphicFrame>
+        <p:nvGraphicFramePr>
+          <p:cNvPr id="7" name="Table 2">
+            <a:extLst>
+              <a:ext uri="{FF2B5EF4-FFF2-40B4-BE49-F238E27FC236}">
+                <a16:creationId xmlns:a16="http://schemas.microsoft.com/office/drawing/2014/main" id="{E3146915-1D1A-44EA-80BE-6291416E073F}"/>
+              </a:ext>
+            </a:extLst>
+          </p:cNvPr>
+          <p:cNvGraphicFramePr>
+            <a:graphicFrameLocks noGrp="1"/>
+          </p:cNvGraphicFramePr>
+          <p:nvPr>
+            <p:extLst>
+              <p:ext uri="{D42A27DB-BD31-4B8C-83A1-F6EECF244321}">
+                <p14:modId xmlns:p14="http://schemas.microsoft.com/office/powerpoint/2010/main" val="227015905"/>
+              </p:ext>
+            </p:extLst>
+          </p:nvPr>
+        </p:nvGraphicFramePr>
+        <p:xfrm>
+          <a:off x="5799524" y="1430254"/>
+          <a:ext cx="4748561" cy="3524937"/>
+        </p:xfrm>
+        <a:graphic>
+          <a:graphicData uri="http://schemas.openxmlformats.org/drawingml/2006/table">
+            <a:tbl>
+              <a:tblPr firstRow="1" bandRow="1">
+                <a:tableStyleId>{5940675A-B579-460E-94D1-54222C63F5DA}</a:tableStyleId>
+              </a:tblPr>
+              <a:tblGrid>
+                <a:gridCol w="1034586">
+                  <a:extLst>
+                    <a:ext uri="{9D8B030D-6E8A-4147-A177-3AD203B41FA5}">
+                      <a16:colId xmlns:a16="http://schemas.microsoft.com/office/drawing/2014/main" val="2187246459"/>
+                    </a:ext>
+                  </a:extLst>
+                </a:gridCol>
+                <a:gridCol w="825190">
+                  <a:extLst>
+                    <a:ext uri="{9D8B030D-6E8A-4147-A177-3AD203B41FA5}">
+                      <a16:colId xmlns:a16="http://schemas.microsoft.com/office/drawing/2014/main" val="1671499294"/>
+                    </a:ext>
+                  </a:extLst>
+                </a:gridCol>
+                <a:gridCol w="2888785">
+                  <a:extLst>
+                    <a:ext uri="{9D8B030D-6E8A-4147-A177-3AD203B41FA5}">
+                      <a16:colId xmlns:a16="http://schemas.microsoft.com/office/drawing/2014/main" val="2259015869"/>
+                    </a:ext>
+                  </a:extLst>
+                </a:gridCol>
+              </a:tblGrid>
+              <a:tr h="271149">
+                <a:tc gridSpan="3">
+                  <a:txBody>
+                    <a:bodyPr/>
+                    <a:lstStyle/>
+                    <a:p>
+                      <a:pPr algn="ctr"/>
+                      <a:r>
+                        <a:rPr lang="en-US" sz="1000" b="1" dirty="0" err="1" smtClean="0"/>
+                        <a:t>AssetImageFile</a:t>
+                      </a:r>
+                      <a:endParaRPr lang="en-US" sz="1000" b="1" dirty="0"/>
+                    </a:p>
+                  </a:txBody>
+                  <a:tcPr>
+                    <a:solidFill>
+                      <a:schemeClr val="bg1">
+                        <a:lumMod val="85000"/>
+                      </a:schemeClr>
+                    </a:solidFill>
+                  </a:tcPr>
+                </a:tc>
+                <a:tc hMerge="1">
+                  <a:txBody>
+                    <a:bodyPr/>
+                    <a:lstStyle/>
+                    <a:p>
+                      <a:endParaRPr lang="en-US" sz="1200" dirty="0"/>
+                    </a:p>
+                  </a:txBody>
+                  <a:tcPr>
+                    <a:solidFill>
+                      <a:schemeClr val="accent1">
+                        <a:lumMod val="20000"/>
+                        <a:lumOff val="80000"/>
+                      </a:schemeClr>
+                    </a:solidFill>
+                  </a:tcPr>
+                </a:tc>
+                <a:tc hMerge="1">
+                  <a:txBody>
+                    <a:bodyPr/>
+                    <a:lstStyle/>
+                    <a:p>
+                      <a:endParaRPr lang="en-US" sz="1200" dirty="0"/>
+                    </a:p>
+                  </a:txBody>
+                  <a:tcPr>
+                    <a:solidFill>
+                      <a:schemeClr val="accent1">
+                        <a:lumMod val="20000"/>
+                        <a:lumOff val="80000"/>
+                      </a:schemeClr>
+                    </a:solidFill>
+                  </a:tcPr>
+                </a:tc>
+                <a:extLst>
+                  <a:ext uri="{0D108BD9-81ED-4DB2-BD59-A6C34878D82A}">
+                    <a16:rowId xmlns:a16="http://schemas.microsoft.com/office/drawing/2014/main" val="3614508584"/>
+                  </a:ext>
+                </a:extLst>
+              </a:tr>
+              <a:tr h="271149">
+                <a:tc>
+                  <a:txBody>
+                    <a:bodyPr/>
+                    <a:lstStyle/>
+                    <a:p>
+                      <a:r>
+                        <a:rPr lang="en-US" sz="1000" dirty="0"/>
+                        <a:t>Name</a:t>
+                      </a:r>
+                    </a:p>
+                  </a:txBody>
+                  <a:tcPr>
+                    <a:solidFill>
+                      <a:schemeClr val="bg1">
+                        <a:lumMod val="85000"/>
+                      </a:schemeClr>
+                    </a:solidFill>
+                  </a:tcPr>
+                </a:tc>
+                <a:tc>
+                  <a:txBody>
+                    <a:bodyPr/>
+                    <a:lstStyle/>
+                    <a:p>
+                      <a:r>
+                        <a:rPr lang="en-US" sz="1000" dirty="0"/>
+                        <a:t>Type</a:t>
+                      </a:r>
+                    </a:p>
+                  </a:txBody>
+                  <a:tcPr>
+                    <a:solidFill>
+                      <a:schemeClr val="bg1">
+                        <a:lumMod val="85000"/>
+                      </a:schemeClr>
+                    </a:solidFill>
+                  </a:tcPr>
+                </a:tc>
+                <a:tc>
+                  <a:txBody>
+                    <a:bodyPr/>
+                    <a:lstStyle/>
+                    <a:p>
+                      <a:r>
+                        <a:rPr lang="en-US" sz="1000" dirty="0"/>
+                        <a:t>Description</a:t>
+                      </a:r>
+                    </a:p>
+                  </a:txBody>
+                  <a:tcPr>
+                    <a:solidFill>
+                      <a:schemeClr val="bg1">
+                        <a:lumMod val="85000"/>
+                      </a:schemeClr>
+                    </a:solidFill>
+                  </a:tcPr>
+                </a:tc>
+                <a:extLst>
+                  <a:ext uri="{0D108BD9-81ED-4DB2-BD59-A6C34878D82A}">
+                    <a16:rowId xmlns:a16="http://schemas.microsoft.com/office/drawing/2014/main" val="116434511"/>
+                  </a:ext>
+                </a:extLst>
+              </a:tr>
+              <a:tr h="271149">
+                <a:tc>
+                  <a:txBody>
+                    <a:bodyPr/>
+                    <a:lstStyle/>
+                    <a:p>
+                      <a:r>
+                        <a:rPr lang="en-US" sz="1000" dirty="0"/>
+                        <a:t>ID</a:t>
+                      </a:r>
+                    </a:p>
+                  </a:txBody>
+                  <a:tcPr/>
+                </a:tc>
+                <a:tc>
+                  <a:txBody>
+                    <a:bodyPr/>
+                    <a:lstStyle/>
+                    <a:p>
+                      <a:r>
+                        <a:rPr lang="en-US" sz="1000" dirty="0" smtClean="0"/>
+                        <a:t>GUID</a:t>
+                      </a:r>
+                      <a:endParaRPr lang="en-US" sz="1000" dirty="0"/>
+                    </a:p>
+                  </a:txBody>
+                  <a:tcPr/>
+                </a:tc>
+                <a:tc>
+                  <a:txBody>
+                    <a:bodyPr/>
+                    <a:lstStyle/>
+                    <a:p>
+                      <a:r>
+                        <a:rPr lang="en-US" sz="1000" dirty="0" smtClean="0"/>
+                        <a:t>Project Identifier</a:t>
+                      </a:r>
+                      <a:endParaRPr lang="en-US" sz="1000" dirty="0"/>
+                    </a:p>
+                  </a:txBody>
+                  <a:tcPr/>
+                </a:tc>
+                <a:extLst>
+                  <a:ext uri="{0D108BD9-81ED-4DB2-BD59-A6C34878D82A}">
+                    <a16:rowId xmlns:a16="http://schemas.microsoft.com/office/drawing/2014/main" val="2955180543"/>
+                  </a:ext>
+                </a:extLst>
+              </a:tr>
+              <a:tr h="271149">
+                <a:tc>
+                  <a:txBody>
+                    <a:bodyPr/>
+                    <a:lstStyle/>
+                    <a:p>
+                      <a:r>
+                        <a:rPr lang="en-US" sz="1000" dirty="0" err="1" smtClean="0"/>
+                        <a:t>AssetId</a:t>
+                      </a:r>
+                      <a:endParaRPr lang="en-US" sz="1000" dirty="0"/>
+                    </a:p>
+                  </a:txBody>
+                  <a:tcPr/>
+                </a:tc>
+                <a:tc>
+                  <a:txBody>
+                    <a:bodyPr/>
+                    <a:lstStyle/>
+                    <a:p>
+                      <a:r>
+                        <a:rPr lang="en-US" sz="1000" dirty="0" smtClean="0"/>
+                        <a:t>GUID</a:t>
+                      </a:r>
+                      <a:endParaRPr lang="en-US" sz="1000" dirty="0"/>
+                    </a:p>
+                  </a:txBody>
+                  <a:tcPr/>
+                </a:tc>
+                <a:tc>
+                  <a:txBody>
+                    <a:bodyPr/>
+                    <a:lstStyle/>
+                    <a:p>
+                      <a:r>
+                        <a:rPr lang="en-US" sz="1000" dirty="0" smtClean="0"/>
+                        <a:t>Reference</a:t>
+                      </a:r>
+                      <a:endParaRPr lang="en-US" sz="1000" dirty="0"/>
+                    </a:p>
+                  </a:txBody>
+                  <a:tcPr/>
+                </a:tc>
+                <a:extLst>
+                  <a:ext uri="{0D108BD9-81ED-4DB2-BD59-A6C34878D82A}">
+                    <a16:rowId xmlns:a16="http://schemas.microsoft.com/office/drawing/2014/main" val="4196704254"/>
+                  </a:ext>
+                </a:extLst>
+              </a:tr>
+              <a:tr h="271149">
+                <a:tc>
+                  <a:txBody>
+                    <a:bodyPr/>
+                    <a:lstStyle/>
+                    <a:p>
+                      <a:r>
+                        <a:rPr lang="en-US" sz="1000" dirty="0"/>
+                        <a:t>Name</a:t>
+                      </a:r>
+                    </a:p>
+                  </a:txBody>
+                  <a:tcPr/>
+                </a:tc>
+                <a:tc>
+                  <a:txBody>
+                    <a:bodyPr/>
+                    <a:lstStyle/>
+                    <a:p>
+                      <a:r>
+                        <a:rPr lang="en-US" sz="1000" dirty="0" smtClean="0"/>
+                        <a:t>String</a:t>
+                      </a:r>
+                      <a:endParaRPr lang="en-US" sz="1000" dirty="0"/>
+                    </a:p>
+                  </a:txBody>
+                  <a:tcPr/>
+                </a:tc>
+                <a:tc>
+                  <a:txBody>
+                    <a:bodyPr/>
+                    <a:lstStyle/>
+                    <a:p>
+                      <a:r>
+                        <a:rPr lang="en-US" sz="1000" dirty="0" smtClean="0"/>
+                        <a:t>Name of the file</a:t>
+                      </a:r>
+                      <a:endParaRPr lang="en-US" sz="1000" dirty="0"/>
+                    </a:p>
+                  </a:txBody>
+                  <a:tcPr/>
+                </a:tc>
+                <a:extLst>
+                  <a:ext uri="{0D108BD9-81ED-4DB2-BD59-A6C34878D82A}">
+                    <a16:rowId xmlns:a16="http://schemas.microsoft.com/office/drawing/2014/main" val="2862899113"/>
+                  </a:ext>
+                </a:extLst>
+              </a:tr>
+              <a:tr h="271149">
+                <a:tc>
+                  <a:txBody>
+                    <a:bodyPr/>
+                    <a:lstStyle/>
+                    <a:p>
+                      <a:r>
+                        <a:rPr lang="en-US" sz="1000" dirty="0" smtClean="0"/>
+                        <a:t>Version</a:t>
+                      </a:r>
+                      <a:endParaRPr lang="en-US" sz="1000" dirty="0"/>
+                    </a:p>
+                  </a:txBody>
+                  <a:tcPr/>
+                </a:tc>
+                <a:tc>
+                  <a:txBody>
+                    <a:bodyPr/>
+                    <a:lstStyle/>
+                    <a:p>
+                      <a:r>
+                        <a:rPr lang="en-US" sz="1000" dirty="0" smtClean="0"/>
+                        <a:t>String</a:t>
+                      </a:r>
+                      <a:endParaRPr lang="en-US" sz="1000" dirty="0"/>
+                    </a:p>
+                  </a:txBody>
+                  <a:tcPr/>
+                </a:tc>
+                <a:tc>
+                  <a:txBody>
+                    <a:bodyPr/>
+                    <a:lstStyle/>
+                    <a:p>
+                      <a:r>
+                        <a:rPr lang="en-US" sz="1000" dirty="0" smtClean="0"/>
+                        <a:t>File size</a:t>
+                      </a:r>
+                      <a:endParaRPr lang="en-US" sz="1000" dirty="0"/>
+                    </a:p>
+                  </a:txBody>
+                  <a:tcPr/>
+                </a:tc>
+                <a:extLst>
+                  <a:ext uri="{0D108BD9-81ED-4DB2-BD59-A6C34878D82A}">
+                    <a16:rowId xmlns:a16="http://schemas.microsoft.com/office/drawing/2014/main" val="3219034962"/>
+                  </a:ext>
+                </a:extLst>
+              </a:tr>
+              <a:tr h="271149">
+                <a:tc>
+                  <a:txBody>
+                    <a:bodyPr/>
+                    <a:lstStyle/>
+                    <a:p>
+                      <a:r>
+                        <a:rPr lang="en-US" sz="1000" dirty="0" err="1" smtClean="0"/>
+                        <a:t>BlobId</a:t>
+                      </a:r>
+                      <a:endParaRPr lang="en-US" sz="1000" dirty="0"/>
+                    </a:p>
+                  </a:txBody>
+                  <a:tcPr/>
+                </a:tc>
+                <a:tc>
+                  <a:txBody>
+                    <a:bodyPr/>
+                    <a:lstStyle/>
+                    <a:p>
+                      <a:r>
+                        <a:rPr lang="en-US" sz="1000" dirty="0" smtClean="0"/>
+                        <a:t>GUID</a:t>
+                      </a:r>
+                      <a:endParaRPr lang="en-US" sz="1000" dirty="0"/>
+                    </a:p>
+                  </a:txBody>
+                  <a:tcPr/>
+                </a:tc>
+                <a:tc>
+                  <a:txBody>
+                    <a:bodyPr/>
+                    <a:lstStyle/>
+                    <a:p>
+                      <a:r>
+                        <a:rPr lang="en-US" sz="1000" dirty="0" smtClean="0"/>
+                        <a:t>File version</a:t>
+                      </a:r>
+                      <a:endParaRPr lang="en-US" sz="1000" dirty="0"/>
+                    </a:p>
+                  </a:txBody>
+                  <a:tcPr/>
+                </a:tc>
+                <a:extLst>
+                  <a:ext uri="{0D108BD9-81ED-4DB2-BD59-A6C34878D82A}">
+                    <a16:rowId xmlns:a16="http://schemas.microsoft.com/office/drawing/2014/main" val="1337648643"/>
+                  </a:ext>
+                </a:extLst>
+              </a:tr>
+              <a:tr h="271149">
+                <a:tc>
+                  <a:txBody>
+                    <a:bodyPr/>
+                    <a:lstStyle/>
+                    <a:p>
+                      <a:r>
+                        <a:rPr lang="en-US" sz="1000" dirty="0" smtClean="0"/>
+                        <a:t>Height</a:t>
+                      </a:r>
+                      <a:endParaRPr lang="en-US" sz="1000" dirty="0"/>
+                    </a:p>
+                  </a:txBody>
+                  <a:tcPr/>
+                </a:tc>
+                <a:tc>
+                  <a:txBody>
+                    <a:bodyPr/>
+                    <a:lstStyle/>
+                    <a:p>
+                      <a:r>
+                        <a:rPr lang="en-US" sz="1000" dirty="0" err="1" smtClean="0"/>
+                        <a:t>Int</a:t>
+                      </a:r>
+                      <a:endParaRPr lang="en-US" sz="1000" dirty="0"/>
+                    </a:p>
+                  </a:txBody>
+                  <a:tcPr/>
+                </a:tc>
+                <a:tc>
+                  <a:txBody>
+                    <a:bodyPr/>
+                    <a:lstStyle/>
+                    <a:p>
+                      <a:r>
+                        <a:rPr lang="en-US" sz="1000" dirty="0" smtClean="0"/>
+                        <a:t>Default file?</a:t>
+                      </a:r>
+                      <a:endParaRPr lang="en-US" sz="1000" dirty="0"/>
+                    </a:p>
+                  </a:txBody>
+                  <a:tcPr/>
+                </a:tc>
+                <a:extLst>
+                  <a:ext uri="{0D108BD9-81ED-4DB2-BD59-A6C34878D82A}">
+                    <a16:rowId xmlns:a16="http://schemas.microsoft.com/office/drawing/2014/main" val="1383260199"/>
+                  </a:ext>
+                </a:extLst>
+              </a:tr>
+              <a:tr h="271149">
+                <a:tc>
+                  <a:txBody>
+                    <a:bodyPr/>
+                    <a:lstStyle/>
+                    <a:p>
+                      <a:r>
+                        <a:rPr lang="en-US" sz="1000" dirty="0" smtClean="0"/>
+                        <a:t>Width</a:t>
+                      </a:r>
+                      <a:endParaRPr lang="en-US" sz="1000" dirty="0"/>
+                    </a:p>
+                  </a:txBody>
+                  <a:tcPr/>
+                </a:tc>
+                <a:tc>
+                  <a:txBody>
+                    <a:bodyPr/>
+                    <a:lstStyle/>
+                    <a:p>
+                      <a:r>
+                        <a:rPr lang="en-US" sz="1000" dirty="0" err="1" smtClean="0"/>
+                        <a:t>Int</a:t>
+                      </a:r>
+                      <a:endParaRPr lang="en-US" sz="1000" dirty="0"/>
+                    </a:p>
+                  </a:txBody>
+                  <a:tcPr/>
+                </a:tc>
+                <a:tc>
+                  <a:txBody>
+                    <a:bodyPr/>
+                    <a:lstStyle/>
+                    <a:p>
+                      <a:endParaRPr lang="en-US" sz="1000" dirty="0"/>
+                    </a:p>
+                  </a:txBody>
+                  <a:tcPr/>
+                </a:tc>
+                <a:extLst>
+                  <a:ext uri="{0D108BD9-81ED-4DB2-BD59-A6C34878D82A}">
+                    <a16:rowId xmlns:a16="http://schemas.microsoft.com/office/drawing/2014/main" val="1564610231"/>
+                  </a:ext>
+                </a:extLst>
+              </a:tr>
+              <a:tr h="271149">
+                <a:tc>
+                  <a:txBody>
+                    <a:bodyPr/>
+                    <a:lstStyle/>
+                    <a:p>
+                      <a:r>
+                        <a:rPr lang="en-US" sz="1000" dirty="0" smtClean="0"/>
+                        <a:t>Size</a:t>
+                      </a:r>
+                      <a:endParaRPr lang="en-US" sz="1000" dirty="0"/>
+                    </a:p>
+                  </a:txBody>
+                  <a:tcPr/>
+                </a:tc>
+                <a:tc>
+                  <a:txBody>
+                    <a:bodyPr/>
+                    <a:lstStyle/>
+                    <a:p>
+                      <a:r>
+                        <a:rPr lang="en-US" sz="1000" dirty="0" err="1" smtClean="0"/>
+                        <a:t>Int</a:t>
+                      </a:r>
+                      <a:endParaRPr lang="en-US" sz="1000" dirty="0"/>
+                    </a:p>
+                  </a:txBody>
+                  <a:tcPr/>
+                </a:tc>
+                <a:tc>
+                  <a:txBody>
+                    <a:bodyPr/>
+                    <a:lstStyle/>
+                    <a:p>
+                      <a:endParaRPr lang="en-US" sz="1000" dirty="0"/>
+                    </a:p>
+                  </a:txBody>
+                  <a:tcPr/>
+                </a:tc>
+                <a:extLst>
+                  <a:ext uri="{0D108BD9-81ED-4DB2-BD59-A6C34878D82A}">
+                    <a16:rowId xmlns:a16="http://schemas.microsoft.com/office/drawing/2014/main" val="3963792943"/>
+                  </a:ext>
+                </a:extLst>
+              </a:tr>
+              <a:tr h="271149">
+                <a:tc>
+                  <a:txBody>
+                    <a:bodyPr/>
+                    <a:lstStyle/>
+                    <a:p>
+                      <a:r>
+                        <a:rPr lang="en-US" sz="1000" dirty="0" err="1" smtClean="0"/>
+                        <a:t>IsDefault</a:t>
+                      </a:r>
+                      <a:endParaRPr lang="en-US" sz="1000" dirty="0"/>
+                    </a:p>
+                  </a:txBody>
+                  <a:tcPr/>
+                </a:tc>
+                <a:tc>
+                  <a:txBody>
+                    <a:bodyPr/>
+                    <a:lstStyle/>
+                    <a:p>
+                      <a:r>
+                        <a:rPr lang="en-US" sz="1000" dirty="0" smtClean="0"/>
+                        <a:t>Bool</a:t>
+                      </a:r>
+                      <a:endParaRPr lang="en-US" sz="1000" dirty="0"/>
+                    </a:p>
+                  </a:txBody>
+                  <a:tcPr/>
+                </a:tc>
+                <a:tc>
+                  <a:txBody>
+                    <a:bodyPr/>
+                    <a:lstStyle/>
+                    <a:p>
+                      <a:endParaRPr lang="en-US" sz="1000" dirty="0"/>
+                    </a:p>
+                  </a:txBody>
+                  <a:tcPr/>
+                </a:tc>
+                <a:extLst>
+                  <a:ext uri="{0D108BD9-81ED-4DB2-BD59-A6C34878D82A}">
+                    <a16:rowId xmlns:a16="http://schemas.microsoft.com/office/drawing/2014/main" val="2222005778"/>
+                  </a:ext>
+                </a:extLst>
+              </a:tr>
+              <a:tr h="271149">
+                <a:tc>
+                  <a:txBody>
+                    <a:bodyPr/>
+                    <a:lstStyle/>
+                    <a:p>
+                      <a:r>
+                        <a:rPr lang="en-US" sz="1000" dirty="0" err="1" smtClean="0"/>
+                        <a:t>UpdatedOn</a:t>
+                      </a:r>
+                      <a:endParaRPr lang="en-US" sz="1000" dirty="0"/>
+                    </a:p>
+                  </a:txBody>
+                  <a:tcPr/>
+                </a:tc>
+                <a:tc>
+                  <a:txBody>
+                    <a:bodyPr/>
+                    <a:lstStyle/>
+                    <a:p>
+                      <a:r>
+                        <a:rPr lang="en-US" sz="1000" dirty="0" err="1" smtClean="0"/>
+                        <a:t>DateTime</a:t>
+                      </a:r>
+                      <a:endParaRPr lang="en-US" sz="1000" dirty="0"/>
+                    </a:p>
+                  </a:txBody>
+                  <a:tcPr/>
+                </a:tc>
+                <a:tc>
+                  <a:txBody>
+                    <a:bodyPr/>
+                    <a:lstStyle/>
+                    <a:p>
+                      <a:endParaRPr lang="en-US" sz="1000" dirty="0"/>
+                    </a:p>
+                  </a:txBody>
+                  <a:tcPr/>
+                </a:tc>
+                <a:extLst>
+                  <a:ext uri="{0D108BD9-81ED-4DB2-BD59-A6C34878D82A}">
+                    <a16:rowId xmlns:a16="http://schemas.microsoft.com/office/drawing/2014/main" val="919739760"/>
+                  </a:ext>
+                </a:extLst>
+              </a:tr>
+              <a:tr h="271149">
+                <a:tc>
+                  <a:txBody>
+                    <a:bodyPr/>
+                    <a:lstStyle/>
+                    <a:p>
+                      <a:r>
+                        <a:rPr lang="en-US" sz="1000" dirty="0" err="1" smtClean="0"/>
+                        <a:t>UpdatedBy</a:t>
+                      </a:r>
+                      <a:endParaRPr lang="en-US" sz="1000" dirty="0"/>
+                    </a:p>
+                  </a:txBody>
+                  <a:tcPr/>
+                </a:tc>
+                <a:tc>
+                  <a:txBody>
+                    <a:bodyPr/>
+                    <a:lstStyle/>
+                    <a:p>
+                      <a:r>
+                        <a:rPr lang="en-US" sz="1000" dirty="0" smtClean="0"/>
+                        <a:t>String</a:t>
+                      </a:r>
+                      <a:endParaRPr lang="en-US" sz="1000" dirty="0"/>
+                    </a:p>
+                  </a:txBody>
+                  <a:tcPr/>
+                </a:tc>
+                <a:tc>
+                  <a:txBody>
+                    <a:bodyPr/>
+                    <a:lstStyle/>
+                    <a:p>
+                      <a:endParaRPr lang="en-US" sz="1000" dirty="0"/>
+                    </a:p>
+                  </a:txBody>
+                  <a:tcPr/>
+                </a:tc>
+                <a:extLst>
+                  <a:ext uri="{0D108BD9-81ED-4DB2-BD59-A6C34878D82A}">
+                    <a16:rowId xmlns:a16="http://schemas.microsoft.com/office/drawing/2014/main" val="163311733"/>
+                  </a:ext>
+                </a:extLst>
+              </a:tr>
+            </a:tbl>
+          </a:graphicData>
+        </a:graphic>
+      </p:graphicFrame>
+    </p:spTree>
+    <p:extLst>
+      <p:ext uri="{BB962C8B-B14F-4D97-AF65-F5344CB8AC3E}">
+        <p14:creationId xmlns:p14="http://schemas.microsoft.com/office/powerpoint/2010/main" val="3848018414"/>
+      </p:ext>
+    </p:extLst>
+  </p:cSld>
+  <p:clrMapOvr>
+    <a:masterClrMapping/>
+  </p:clrMapOvr>
+  <p:timing>
+    <p:tnLst>
+      <p:par>
+        <p:cTn id="1" dur="indefinite" restart="never" nodeType="tmRoot"/>
+      </p:par>
+    </p:tnLst>
+  </p:timing>
+</p:sld>
+</file>
+
+<file path=ppt/slides/slide12.xml><?xml version="1.0" encoding="utf-8"?>
+<p:sld xmlns:a="http://schemas.openxmlformats.org/drawingml/2006/main" xmlns:r="http://schemas.openxmlformats.org/officeDocument/2006/relationships" xmlns:p="http://schemas.openxmlformats.org/presentationml/2006/main">
+  <p:cSld>
+    <p:spTree>
+      <p:nvGrpSpPr>
+        <p:cNvPr id="1" name=""/>
+        <p:cNvGrpSpPr/>
+        <p:nvPr/>
+      </p:nvGrpSpPr>
+      <p:grpSpPr>
+        <a:xfrm>
+          <a:off x="0" y="0"/>
+          <a:ext cx="0" cy="0"/>
+          <a:chOff x="0" y="0"/>
+          <a:chExt cx="0" cy="0"/>
+        </a:xfrm>
+      </p:grpSpPr>
+      <p:sp>
+        <p:nvSpPr>
+          <p:cNvPr id="6" name="Rectangle 5"/>
+          <p:cNvSpPr/>
+          <p:nvPr/>
+        </p:nvSpPr>
+        <p:spPr>
+          <a:xfrm>
+            <a:off x="4473388" y="3935503"/>
+            <a:ext cx="2985247" cy="1246095"/>
+          </a:xfrm>
+          <a:prstGeom prst="rect">
+            <a:avLst/>
+          </a:prstGeom>
+        </p:spPr>
+        <p:style>
+          <a:lnRef idx="2">
+            <a:schemeClr val="accent1"/>
+          </a:lnRef>
+          <a:fillRef idx="1">
+            <a:schemeClr val="lt1"/>
+          </a:fillRef>
+          <a:effectRef idx="0">
+            <a:schemeClr val="accent1"/>
+          </a:effectRef>
+          <a:fontRef idx="minor">
+            <a:schemeClr val="dk1"/>
+          </a:fontRef>
+        </p:style>
+        <p:txBody>
+          <a:bodyPr rtlCol="0" anchor="ctr"/>
+          <a:lstStyle/>
+          <a:p>
+            <a:pPr algn="ctr"/>
+            <a:endParaRPr lang="en-US"/>
+          </a:p>
+        </p:txBody>
+      </p:sp>
+      <p:sp>
+        <p:nvSpPr>
+          <p:cNvPr id="109" name="Title 1">
+            <a:extLst>
+              <a:ext uri="{FF2B5EF4-FFF2-40B4-BE49-F238E27FC236}">
+                <a16:creationId xmlns:a16="http://schemas.microsoft.com/office/drawing/2014/main" id="{78C07964-174A-4A54-84D3-E88913B49D0E}"/>
+              </a:ext>
+            </a:extLst>
+          </p:cNvPr>
+          <p:cNvSpPr txBox="1">
+            <a:spLocks/>
+          </p:cNvSpPr>
+          <p:nvPr/>
+        </p:nvSpPr>
+        <p:spPr>
+          <a:xfrm>
+            <a:off x="555171" y="-4998"/>
+            <a:ext cx="11070772" cy="1039142"/>
+          </a:xfrm>
+          <a:prstGeom prst="rect">
+            <a:avLst/>
+          </a:prstGeom>
+        </p:spPr>
+        <p:txBody>
+          <a:bodyPr anchor="ctr"/>
+          <a:lstStyle>
+            <a:lvl1pPr algn="l" defTabSz="914400" rtl="0" eaLnBrk="1" latinLnBrk="0" hangingPunct="1">
+              <a:lnSpc>
+                <a:spcPct val="90000"/>
+              </a:lnSpc>
+              <a:spcBef>
+                <a:spcPct val="0"/>
+              </a:spcBef>
+              <a:buNone/>
+              <a:defRPr sz="4400" kern="1200">
+                <a:solidFill>
+                  <a:schemeClr val="tx1"/>
+                </a:solidFill>
+                <a:latin typeface="+mj-lt"/>
+                <a:ea typeface="+mj-ea"/>
+                <a:cs typeface="+mj-cs"/>
+              </a:defRPr>
+            </a:lvl1pPr>
+          </a:lstStyle>
+          <a:p>
+            <a:r>
+              <a:rPr lang="en-US" sz="3600" dirty="0" smtClean="0"/>
+              <a:t>High level design</a:t>
+            </a:r>
+            <a:endParaRPr lang="en-US" sz="3600" dirty="0"/>
+          </a:p>
+        </p:txBody>
+      </p:sp>
+      <p:sp>
+        <p:nvSpPr>
+          <p:cNvPr id="2" name="Rectangle 1"/>
+          <p:cNvSpPr/>
+          <p:nvPr/>
+        </p:nvSpPr>
+        <p:spPr>
+          <a:xfrm>
+            <a:off x="5136778" y="1506071"/>
+            <a:ext cx="1649506" cy="591670"/>
+          </a:xfrm>
+          <a:prstGeom prst="rect">
+            <a:avLst/>
+          </a:prstGeom>
+        </p:spPr>
+        <p:style>
+          <a:lnRef idx="0">
+            <a:schemeClr val="accent4"/>
+          </a:lnRef>
+          <a:fillRef idx="3">
+            <a:schemeClr val="accent4"/>
+          </a:fillRef>
+          <a:effectRef idx="3">
+            <a:schemeClr val="accent4"/>
+          </a:effectRef>
+          <a:fontRef idx="minor">
+            <a:schemeClr val="lt1"/>
+          </a:fontRef>
+        </p:style>
+        <p:txBody>
+          <a:bodyPr rtlCol="0" anchor="ctr"/>
+          <a:lstStyle/>
+          <a:p>
+            <a:pPr algn="ctr"/>
+            <a:r>
+              <a:rPr lang="en-US" sz="1400" dirty="0" smtClean="0"/>
+              <a:t>UI</a:t>
+            </a:r>
+            <a:endParaRPr lang="en-US" sz="1400" dirty="0"/>
+          </a:p>
+        </p:txBody>
+      </p:sp>
+      <p:sp>
+        <p:nvSpPr>
+          <p:cNvPr id="18" name="Rectangle 17"/>
+          <p:cNvSpPr/>
+          <p:nvPr/>
+        </p:nvSpPr>
+        <p:spPr>
+          <a:xfrm>
+            <a:off x="5136778" y="2680448"/>
+            <a:ext cx="1649506" cy="591670"/>
+          </a:xfrm>
+          <a:prstGeom prst="rect">
+            <a:avLst/>
+          </a:prstGeom>
+        </p:spPr>
+        <p:style>
+          <a:lnRef idx="0">
+            <a:schemeClr val="accent4"/>
+          </a:lnRef>
+          <a:fillRef idx="3">
+            <a:schemeClr val="accent4"/>
+          </a:fillRef>
+          <a:effectRef idx="3">
+            <a:schemeClr val="accent4"/>
+          </a:effectRef>
+          <a:fontRef idx="minor">
+            <a:schemeClr val="lt1"/>
+          </a:fontRef>
+        </p:style>
+        <p:txBody>
+          <a:bodyPr rtlCol="0" anchor="ctr"/>
+          <a:lstStyle/>
+          <a:p>
+            <a:pPr algn="ctr"/>
+            <a:r>
+              <a:rPr lang="en-US" sz="1400" dirty="0" smtClean="0"/>
+              <a:t>DAM API</a:t>
+            </a:r>
+            <a:endParaRPr lang="en-US" sz="1400" dirty="0"/>
+          </a:p>
+        </p:txBody>
+      </p:sp>
+      <p:cxnSp>
+        <p:nvCxnSpPr>
+          <p:cNvPr id="4" name="Straight Arrow Connector 3"/>
+          <p:cNvCxnSpPr>
+            <a:stCxn id="2" idx="2"/>
+            <a:endCxn id="18" idx="0"/>
+          </p:cNvCxnSpPr>
+          <p:nvPr/>
+        </p:nvCxnSpPr>
+        <p:spPr>
+          <a:xfrm>
+            <a:off x="5961531" y="2097741"/>
+            <a:ext cx="0" cy="582707"/>
+          </a:xfrm>
+          <a:prstGeom prst="straightConnector1">
+            <a:avLst/>
+          </a:prstGeom>
+          <a:ln>
+            <a:tailEnd type="triangle"/>
+          </a:ln>
+        </p:spPr>
+        <p:style>
+          <a:lnRef idx="1">
+            <a:schemeClr val="accent1"/>
+          </a:lnRef>
+          <a:fillRef idx="0">
+            <a:schemeClr val="accent1"/>
+          </a:fillRef>
+          <a:effectRef idx="0">
+            <a:schemeClr val="accent1"/>
+          </a:effectRef>
+          <a:fontRef idx="minor">
+            <a:schemeClr val="tx1"/>
+          </a:fontRef>
+        </p:style>
+      </p:cxnSp>
+      <p:sp>
+        <p:nvSpPr>
+          <p:cNvPr id="5" name="Flowchart: Magnetic Disk 4"/>
+          <p:cNvSpPr/>
+          <p:nvPr/>
+        </p:nvSpPr>
+        <p:spPr>
+          <a:xfrm>
+            <a:off x="4778188" y="4213411"/>
+            <a:ext cx="1013013" cy="681318"/>
+          </a:xfrm>
+          <a:prstGeom prst="flowChartMagneticDisk">
+            <a:avLst/>
+          </a:prstGeom>
+        </p:spPr>
+        <p:style>
+          <a:lnRef idx="1">
+            <a:schemeClr val="accent5"/>
+          </a:lnRef>
+          <a:fillRef idx="2">
+            <a:schemeClr val="accent5"/>
+          </a:fillRef>
+          <a:effectRef idx="1">
+            <a:schemeClr val="accent5"/>
+          </a:effectRef>
+          <a:fontRef idx="minor">
+            <a:schemeClr val="dk1"/>
+          </a:fontRef>
+        </p:style>
+        <p:txBody>
+          <a:bodyPr rtlCol="0" anchor="ctr"/>
+          <a:lstStyle/>
+          <a:p>
+            <a:pPr algn="ctr"/>
+            <a:r>
+              <a:rPr lang="en-US" sz="1400" dirty="0" smtClean="0"/>
+              <a:t>Assets</a:t>
+            </a:r>
+            <a:endParaRPr lang="en-US" sz="1400" dirty="0"/>
+          </a:p>
+        </p:txBody>
+      </p:sp>
+      <p:sp>
+        <p:nvSpPr>
+          <p:cNvPr id="26" name="Flowchart: Magnetic Disk 25"/>
+          <p:cNvSpPr/>
+          <p:nvPr/>
+        </p:nvSpPr>
+        <p:spPr>
+          <a:xfrm>
+            <a:off x="6051175" y="4213411"/>
+            <a:ext cx="1013013" cy="681318"/>
+          </a:xfrm>
+          <a:prstGeom prst="flowChartMagneticDisk">
+            <a:avLst/>
+          </a:prstGeom>
+        </p:spPr>
+        <p:style>
+          <a:lnRef idx="1">
+            <a:schemeClr val="accent5"/>
+          </a:lnRef>
+          <a:fillRef idx="2">
+            <a:schemeClr val="accent5"/>
+          </a:fillRef>
+          <a:effectRef idx="1">
+            <a:schemeClr val="accent5"/>
+          </a:effectRef>
+          <a:fontRef idx="minor">
+            <a:schemeClr val="dk1"/>
+          </a:fontRef>
+        </p:style>
+        <p:txBody>
+          <a:bodyPr rtlCol="0" anchor="ctr"/>
+          <a:lstStyle/>
+          <a:p>
+            <a:pPr algn="ctr"/>
+            <a:r>
+              <a:rPr lang="en-US" sz="1400" dirty="0" smtClean="0"/>
+              <a:t>Files</a:t>
+            </a:r>
+            <a:endParaRPr lang="en-US" sz="1400" dirty="0"/>
+          </a:p>
+        </p:txBody>
+      </p:sp>
+      <p:cxnSp>
+        <p:nvCxnSpPr>
+          <p:cNvPr id="8" name="Straight Arrow Connector 7"/>
+          <p:cNvCxnSpPr>
+            <a:stCxn id="18" idx="2"/>
+            <a:endCxn id="6" idx="0"/>
+          </p:cNvCxnSpPr>
+          <p:nvPr/>
+        </p:nvCxnSpPr>
+        <p:spPr>
+          <a:xfrm>
+            <a:off x="5961531" y="3272118"/>
+            <a:ext cx="4481" cy="663385"/>
+          </a:xfrm>
+          <a:prstGeom prst="straightConnector1">
+            <a:avLst/>
+          </a:prstGeom>
+          <a:ln>
+            <a:tailEnd type="triangle"/>
+          </a:ln>
+        </p:spPr>
+        <p:style>
+          <a:lnRef idx="1">
+            <a:schemeClr val="accent1"/>
+          </a:lnRef>
+          <a:fillRef idx="0">
+            <a:schemeClr val="accent1"/>
+          </a:fillRef>
+          <a:effectRef idx="0">
+            <a:schemeClr val="accent1"/>
+          </a:effectRef>
+          <a:fontRef idx="minor">
+            <a:schemeClr val="tx1"/>
+          </a:fontRef>
+        </p:style>
+      </p:cxnSp>
+    </p:spTree>
+    <p:extLst>
+      <p:ext uri="{BB962C8B-B14F-4D97-AF65-F5344CB8AC3E}">
+        <p14:creationId xmlns:p14="http://schemas.microsoft.com/office/powerpoint/2010/main" val="433319383"/>
+      </p:ext>
+    </p:extLst>
+  </p:cSld>
+  <p:clrMapOvr>
+    <a:masterClrMapping/>
+  </p:clrMapOvr>
+  <p:timing>
+    <p:tnLst>
+      <p:par>
+        <p:cTn id="1" dur="indefinite" restart="never" nodeType="tmRoot"/>
+      </p:par>
+    </p:tnLst>
+  </p:timing>
+</p:sld>
+</file>
+
+<file path=ppt/slides/slide13.xml><?xml version="1.0" encoding="utf-8"?>
+<p:sld xmlns:a="http://schemas.openxmlformats.org/drawingml/2006/main" xmlns:r="http://schemas.openxmlformats.org/officeDocument/2006/relationships" xmlns:p="http://schemas.openxmlformats.org/presentationml/2006/main">
+  <p:cSld>
+    <p:spTree>
+      <p:nvGrpSpPr>
+        <p:cNvPr id="1" name=""/>
+        <p:cNvGrpSpPr/>
+        <p:nvPr/>
+      </p:nvGrpSpPr>
+      <p:grpSpPr>
+        <a:xfrm>
+          <a:off x="0" y="0"/>
+          <a:ext cx="0" cy="0"/>
+          <a:chOff x="0" y="0"/>
+          <a:chExt cx="0" cy="0"/>
+        </a:xfrm>
+      </p:grpSpPr>
+      <p:sp>
+        <p:nvSpPr>
+          <p:cNvPr id="109" name="Title 1">
+            <a:extLst>
+              <a:ext uri="{FF2B5EF4-FFF2-40B4-BE49-F238E27FC236}">
+                <a16:creationId xmlns:a16="http://schemas.microsoft.com/office/drawing/2014/main" id="{78C07964-174A-4A54-84D3-E88913B49D0E}"/>
+              </a:ext>
+            </a:extLst>
+          </p:cNvPr>
+          <p:cNvSpPr txBox="1">
+            <a:spLocks/>
+          </p:cNvSpPr>
+          <p:nvPr/>
+        </p:nvSpPr>
+        <p:spPr>
+          <a:xfrm>
+            <a:off x="555171" y="-4998"/>
+            <a:ext cx="11070772" cy="1039142"/>
+          </a:xfrm>
+          <a:prstGeom prst="rect">
+            <a:avLst/>
+          </a:prstGeom>
+        </p:spPr>
+        <p:txBody>
+          <a:bodyPr anchor="ctr"/>
+          <a:lstStyle>
+            <a:lvl1pPr algn="l" defTabSz="914400" rtl="0" eaLnBrk="1" latinLnBrk="0" hangingPunct="1">
+              <a:lnSpc>
+                <a:spcPct val="90000"/>
+              </a:lnSpc>
+              <a:spcBef>
+                <a:spcPct val="0"/>
+              </a:spcBef>
+              <a:buNone/>
+              <a:defRPr sz="4400" kern="1200">
+                <a:solidFill>
+                  <a:schemeClr val="tx1"/>
+                </a:solidFill>
+                <a:latin typeface="+mj-lt"/>
+                <a:ea typeface="+mj-ea"/>
+                <a:cs typeface="+mj-cs"/>
+              </a:defRPr>
+            </a:lvl1pPr>
+          </a:lstStyle>
+          <a:p>
+            <a:r>
+              <a:rPr lang="en-US" sz="3600" dirty="0" smtClean="0"/>
+              <a:t>Assets data flow</a:t>
+            </a:r>
+            <a:endParaRPr lang="en-US" sz="3600" dirty="0"/>
+          </a:p>
+        </p:txBody>
+      </p:sp>
+      <p:sp>
+        <p:nvSpPr>
+          <p:cNvPr id="2" name="Rectangle 1"/>
+          <p:cNvSpPr/>
+          <p:nvPr/>
+        </p:nvSpPr>
+        <p:spPr>
+          <a:xfrm>
+            <a:off x="2554943" y="2520041"/>
+            <a:ext cx="1264022" cy="491460"/>
+          </a:xfrm>
+          <a:prstGeom prst="rect">
+            <a:avLst/>
+          </a:prstGeom>
+        </p:spPr>
+        <p:style>
+          <a:lnRef idx="0">
+            <a:schemeClr val="accent4"/>
+          </a:lnRef>
+          <a:fillRef idx="3">
+            <a:schemeClr val="accent4"/>
+          </a:fillRef>
+          <a:effectRef idx="3">
+            <a:schemeClr val="accent4"/>
+          </a:effectRef>
+          <a:fontRef idx="minor">
+            <a:schemeClr val="lt1"/>
+          </a:fontRef>
+        </p:style>
+        <p:txBody>
+          <a:bodyPr rtlCol="0" anchor="ctr"/>
+          <a:lstStyle/>
+          <a:p>
+            <a:pPr algn="ctr"/>
+            <a:r>
+              <a:rPr lang="en-US" sz="1400" dirty="0" smtClean="0">
+                <a:solidFill>
+                  <a:schemeClr val="tx1"/>
+                </a:solidFill>
+              </a:rPr>
+              <a:t>Asset </a:t>
+            </a:r>
+          </a:p>
+          <a:p>
+            <a:pPr algn="ctr"/>
+            <a:r>
+              <a:rPr lang="en-US" sz="1400" dirty="0" smtClean="0">
+                <a:solidFill>
+                  <a:schemeClr val="tx1"/>
+                </a:solidFill>
+              </a:rPr>
+              <a:t>Table</a:t>
+            </a:r>
+            <a:endParaRPr lang="en-US" sz="1400" dirty="0">
+              <a:solidFill>
+                <a:schemeClr val="tx1"/>
+              </a:solidFill>
+            </a:endParaRPr>
+          </a:p>
+        </p:txBody>
+      </p:sp>
+      <p:sp>
+        <p:nvSpPr>
+          <p:cNvPr id="10" name="Rectangle 9"/>
+          <p:cNvSpPr/>
+          <p:nvPr/>
+        </p:nvSpPr>
+        <p:spPr>
+          <a:xfrm>
+            <a:off x="6285861" y="2520041"/>
+            <a:ext cx="1264022" cy="491460"/>
+          </a:xfrm>
+          <a:prstGeom prst="rect">
+            <a:avLst/>
+          </a:prstGeom>
+        </p:spPr>
+        <p:style>
+          <a:lnRef idx="0">
+            <a:schemeClr val="accent4"/>
+          </a:lnRef>
+          <a:fillRef idx="3">
+            <a:schemeClr val="accent4"/>
+          </a:fillRef>
+          <a:effectRef idx="3">
+            <a:schemeClr val="accent4"/>
+          </a:effectRef>
+          <a:fontRef idx="minor">
+            <a:schemeClr val="lt1"/>
+          </a:fontRef>
+        </p:style>
+        <p:txBody>
+          <a:bodyPr rtlCol="0" anchor="ctr"/>
+          <a:lstStyle/>
+          <a:p>
+            <a:pPr algn="ctr"/>
+            <a:r>
+              <a:rPr lang="en-US" sz="1400" dirty="0" err="1" smtClean="0">
+                <a:solidFill>
+                  <a:schemeClr val="tx1"/>
+                </a:solidFill>
+              </a:rPr>
+              <a:t>AssetMaster</a:t>
+            </a:r>
+            <a:r>
+              <a:rPr lang="en-US" sz="1400" dirty="0" smtClean="0">
+                <a:solidFill>
+                  <a:schemeClr val="tx1"/>
+                </a:solidFill>
+              </a:rPr>
+              <a:t> Table</a:t>
+            </a:r>
+            <a:endParaRPr lang="en-US" sz="1400" dirty="0">
+              <a:solidFill>
+                <a:schemeClr val="tx1"/>
+              </a:solidFill>
+            </a:endParaRPr>
+          </a:p>
+        </p:txBody>
+      </p:sp>
+      <p:cxnSp>
+        <p:nvCxnSpPr>
+          <p:cNvPr id="7" name="Straight Arrow Connector 6"/>
+          <p:cNvCxnSpPr>
+            <a:endCxn id="2" idx="1"/>
+          </p:cNvCxnSpPr>
+          <p:nvPr/>
+        </p:nvCxnSpPr>
+        <p:spPr>
+          <a:xfrm>
+            <a:off x="1550894" y="2765771"/>
+            <a:ext cx="1004049" cy="0"/>
+          </a:xfrm>
+          <a:prstGeom prst="straightConnector1">
+            <a:avLst/>
+          </a:prstGeom>
+          <a:ln>
+            <a:tailEnd type="triangle"/>
+          </a:ln>
+        </p:spPr>
+        <p:style>
+          <a:lnRef idx="1">
+            <a:schemeClr val="accent1"/>
+          </a:lnRef>
+          <a:fillRef idx="0">
+            <a:schemeClr val="accent1"/>
+          </a:fillRef>
+          <a:effectRef idx="0">
+            <a:schemeClr val="accent1"/>
+          </a:effectRef>
+          <a:fontRef idx="minor">
+            <a:schemeClr val="tx1"/>
+          </a:fontRef>
+        </p:style>
+      </p:cxnSp>
+      <p:sp>
+        <p:nvSpPr>
+          <p:cNvPr id="12" name="TextBox 11"/>
+          <p:cNvSpPr txBox="1"/>
+          <p:nvPr/>
+        </p:nvSpPr>
+        <p:spPr>
+          <a:xfrm>
+            <a:off x="1550894" y="2520041"/>
+            <a:ext cx="984565" cy="246221"/>
+          </a:xfrm>
+          <a:prstGeom prst="rect">
+            <a:avLst/>
+          </a:prstGeom>
+          <a:noFill/>
+        </p:spPr>
+        <p:txBody>
+          <a:bodyPr wrap="none" rtlCol="0">
+            <a:spAutoFit/>
+          </a:bodyPr>
+          <a:lstStyle/>
+          <a:p>
+            <a:r>
+              <a:rPr lang="en-US" sz="1000" dirty="0" smtClean="0"/>
+              <a:t>Create an asset</a:t>
+            </a:r>
+            <a:endParaRPr lang="en-US" sz="1000" dirty="0"/>
+          </a:p>
+        </p:txBody>
+      </p:sp>
+      <p:cxnSp>
+        <p:nvCxnSpPr>
+          <p:cNvPr id="14" name="Straight Arrow Connector 13"/>
+          <p:cNvCxnSpPr>
+            <a:stCxn id="2" idx="3"/>
+            <a:endCxn id="10" idx="1"/>
+          </p:cNvCxnSpPr>
+          <p:nvPr/>
+        </p:nvCxnSpPr>
+        <p:spPr>
+          <a:xfrm>
+            <a:off x="3818965" y="2765771"/>
+            <a:ext cx="2466896" cy="0"/>
+          </a:xfrm>
+          <a:prstGeom prst="straightConnector1">
+            <a:avLst/>
+          </a:prstGeom>
+          <a:ln>
+            <a:tailEnd type="triangle"/>
+          </a:ln>
+        </p:spPr>
+        <p:style>
+          <a:lnRef idx="1">
+            <a:schemeClr val="accent1"/>
+          </a:lnRef>
+          <a:fillRef idx="0">
+            <a:schemeClr val="accent1"/>
+          </a:fillRef>
+          <a:effectRef idx="0">
+            <a:schemeClr val="accent1"/>
+          </a:effectRef>
+          <a:fontRef idx="minor">
+            <a:schemeClr val="tx1"/>
+          </a:fontRef>
+        </p:style>
+      </p:cxnSp>
+      <p:sp>
+        <p:nvSpPr>
+          <p:cNvPr id="15" name="Rectangle 14"/>
+          <p:cNvSpPr/>
+          <p:nvPr/>
+        </p:nvSpPr>
+        <p:spPr>
+          <a:xfrm>
+            <a:off x="3638233" y="2649229"/>
+            <a:ext cx="591670" cy="233083"/>
+          </a:xfrm>
+          <a:prstGeom prst="rect">
+            <a:avLst/>
+          </a:prstGeom>
+          <a:effectLst>
+            <a:outerShdw blurRad="50800" dist="38100" dir="2700000" algn="tl" rotWithShape="0">
+              <a:prstClr val="black">
+                <a:alpha val="40000"/>
+              </a:prstClr>
+            </a:outerShdw>
+          </a:effectLst>
+        </p:spPr>
+        <p:style>
+          <a:lnRef idx="1">
+            <a:schemeClr val="accent6"/>
+          </a:lnRef>
+          <a:fillRef idx="2">
+            <a:schemeClr val="accent6"/>
+          </a:fillRef>
+          <a:effectRef idx="1">
+            <a:schemeClr val="accent6"/>
+          </a:effectRef>
+          <a:fontRef idx="minor">
+            <a:schemeClr val="dk1"/>
+          </a:fontRef>
+        </p:style>
+        <p:txBody>
+          <a:bodyPr rtlCol="0" anchor="ctr"/>
+          <a:lstStyle/>
+          <a:p>
+            <a:pPr algn="ctr"/>
+            <a:r>
+              <a:rPr lang="en-US" sz="1000" dirty="0" smtClean="0"/>
+              <a:t>Trigger</a:t>
+            </a:r>
+            <a:endParaRPr lang="en-US" sz="1000" dirty="0"/>
+          </a:p>
+        </p:txBody>
+      </p:sp>
+      <p:sp>
+        <p:nvSpPr>
+          <p:cNvPr id="19" name="TextBox 18"/>
+          <p:cNvSpPr txBox="1"/>
+          <p:nvPr/>
+        </p:nvSpPr>
+        <p:spPr>
+          <a:xfrm>
+            <a:off x="4410635" y="2565715"/>
+            <a:ext cx="1576508" cy="400110"/>
+          </a:xfrm>
+          <a:prstGeom prst="rect">
+            <a:avLst/>
+          </a:prstGeom>
+          <a:noFill/>
+        </p:spPr>
+        <p:txBody>
+          <a:bodyPr wrap="square" rtlCol="0">
+            <a:spAutoFit/>
+          </a:bodyPr>
+          <a:lstStyle/>
+          <a:p>
+            <a:r>
+              <a:rPr lang="en-US" sz="1000" dirty="0" smtClean="0"/>
+              <a:t>Create an asset in master with metadata</a:t>
+            </a:r>
+            <a:endParaRPr lang="en-US" sz="1000" dirty="0"/>
+          </a:p>
+        </p:txBody>
+      </p:sp>
+      <p:sp>
+        <p:nvSpPr>
+          <p:cNvPr id="20" name="Rounded Rectangle 19"/>
+          <p:cNvSpPr/>
+          <p:nvPr/>
+        </p:nvSpPr>
+        <p:spPr>
+          <a:xfrm>
+            <a:off x="2557347" y="4310743"/>
+            <a:ext cx="1261618" cy="435429"/>
+          </a:xfrm>
+          <a:prstGeom prst="roundRect">
+            <a:avLst/>
+          </a:prstGeom>
+        </p:spPr>
+        <p:style>
+          <a:lnRef idx="2">
+            <a:schemeClr val="accent3"/>
+          </a:lnRef>
+          <a:fillRef idx="1">
+            <a:schemeClr val="lt1"/>
+          </a:fillRef>
+          <a:effectRef idx="0">
+            <a:schemeClr val="accent3"/>
+          </a:effectRef>
+          <a:fontRef idx="minor">
+            <a:schemeClr val="dk1"/>
+          </a:fontRef>
+        </p:style>
+        <p:txBody>
+          <a:bodyPr rtlCol="0" anchor="ctr"/>
+          <a:lstStyle/>
+          <a:p>
+            <a:pPr algn="ctr"/>
+            <a:r>
+              <a:rPr lang="en-US" sz="1200" dirty="0" smtClean="0"/>
+              <a:t>Asset search</a:t>
+            </a:r>
+            <a:endParaRPr lang="en-US" sz="1200" dirty="0"/>
+          </a:p>
+        </p:txBody>
+      </p:sp>
+      <p:sp>
+        <p:nvSpPr>
+          <p:cNvPr id="23" name="Rounded Rectangle 22"/>
+          <p:cNvSpPr/>
+          <p:nvPr/>
+        </p:nvSpPr>
+        <p:spPr>
+          <a:xfrm>
+            <a:off x="6288265" y="4310743"/>
+            <a:ext cx="1261618" cy="435429"/>
+          </a:xfrm>
+          <a:prstGeom prst="roundRect">
+            <a:avLst/>
+          </a:prstGeom>
+        </p:spPr>
+        <p:style>
+          <a:lnRef idx="2">
+            <a:schemeClr val="accent3"/>
+          </a:lnRef>
+          <a:fillRef idx="1">
+            <a:schemeClr val="lt1"/>
+          </a:fillRef>
+          <a:effectRef idx="0">
+            <a:schemeClr val="accent3"/>
+          </a:effectRef>
+          <a:fontRef idx="minor">
+            <a:schemeClr val="dk1"/>
+          </a:fontRef>
+        </p:style>
+        <p:txBody>
+          <a:bodyPr rtlCol="0" anchor="ctr"/>
+          <a:lstStyle/>
+          <a:p>
+            <a:pPr algn="ctr"/>
+            <a:r>
+              <a:rPr lang="en-US" sz="1200" dirty="0" smtClean="0"/>
+              <a:t>Assets Search</a:t>
+            </a:r>
+            <a:endParaRPr lang="en-US" sz="1200" dirty="0"/>
+          </a:p>
+        </p:txBody>
+      </p:sp>
+      <p:cxnSp>
+        <p:nvCxnSpPr>
+          <p:cNvPr id="22" name="Straight Arrow Connector 21"/>
+          <p:cNvCxnSpPr>
+            <a:stCxn id="23" idx="0"/>
+            <a:endCxn id="10" idx="2"/>
+          </p:cNvCxnSpPr>
+          <p:nvPr/>
+        </p:nvCxnSpPr>
+        <p:spPr>
+          <a:xfrm flipH="1" flipV="1">
+            <a:off x="6917872" y="3011501"/>
+            <a:ext cx="1202" cy="1299242"/>
+          </a:xfrm>
+          <a:prstGeom prst="straightConnector1">
+            <a:avLst/>
+          </a:prstGeom>
+          <a:ln>
+            <a:tailEnd type="triangle"/>
+          </a:ln>
+        </p:spPr>
+        <p:style>
+          <a:lnRef idx="1">
+            <a:schemeClr val="accent1"/>
+          </a:lnRef>
+          <a:fillRef idx="0">
+            <a:schemeClr val="accent1"/>
+          </a:fillRef>
+          <a:effectRef idx="0">
+            <a:schemeClr val="accent1"/>
+          </a:effectRef>
+          <a:fontRef idx="minor">
+            <a:schemeClr val="tx1"/>
+          </a:fontRef>
+        </p:style>
+      </p:cxnSp>
+      <p:cxnSp>
+        <p:nvCxnSpPr>
+          <p:cNvPr id="25" name="Straight Arrow Connector 24"/>
+          <p:cNvCxnSpPr>
+            <a:stCxn id="20" idx="0"/>
+            <a:endCxn id="2" idx="2"/>
+          </p:cNvCxnSpPr>
+          <p:nvPr/>
+        </p:nvCxnSpPr>
+        <p:spPr>
+          <a:xfrm flipH="1" flipV="1">
+            <a:off x="3186954" y="3011501"/>
+            <a:ext cx="1202" cy="1299242"/>
+          </a:xfrm>
+          <a:prstGeom prst="straightConnector1">
+            <a:avLst/>
+          </a:prstGeom>
+          <a:ln>
+            <a:tailEnd type="triangle"/>
+          </a:ln>
+        </p:spPr>
+        <p:style>
+          <a:lnRef idx="1">
+            <a:schemeClr val="accent1"/>
+          </a:lnRef>
+          <a:fillRef idx="0">
+            <a:schemeClr val="accent1"/>
+          </a:fillRef>
+          <a:effectRef idx="0">
+            <a:schemeClr val="accent1"/>
+          </a:effectRef>
+          <a:fontRef idx="minor">
+            <a:schemeClr val="tx1"/>
+          </a:fontRef>
+        </p:style>
+      </p:cxnSp>
+      <p:sp>
+        <p:nvSpPr>
+          <p:cNvPr id="28" name="TextBox 27"/>
+          <p:cNvSpPr txBox="1"/>
+          <p:nvPr/>
+        </p:nvSpPr>
+        <p:spPr>
+          <a:xfrm>
+            <a:off x="6285861" y="3502961"/>
+            <a:ext cx="1576508" cy="553998"/>
+          </a:xfrm>
+          <a:prstGeom prst="rect">
+            <a:avLst/>
+          </a:prstGeom>
+          <a:noFill/>
+        </p:spPr>
+        <p:txBody>
+          <a:bodyPr wrap="square" rtlCol="0">
+            <a:spAutoFit/>
+          </a:bodyPr>
+          <a:lstStyle/>
+          <a:p>
+            <a:r>
+              <a:rPr lang="en-US" sz="1000" dirty="0" smtClean="0"/>
+              <a:t>Search across all asset types with metadata fields search</a:t>
+            </a:r>
+            <a:endParaRPr lang="en-US" sz="1000" dirty="0"/>
+          </a:p>
+        </p:txBody>
+      </p:sp>
+      <p:sp>
+        <p:nvSpPr>
+          <p:cNvPr id="29" name="TextBox 28"/>
+          <p:cNvSpPr txBox="1"/>
+          <p:nvPr/>
+        </p:nvSpPr>
+        <p:spPr>
+          <a:xfrm>
+            <a:off x="2398700" y="3500722"/>
+            <a:ext cx="1576508" cy="246221"/>
+          </a:xfrm>
+          <a:prstGeom prst="rect">
+            <a:avLst/>
+          </a:prstGeom>
+          <a:noFill/>
+        </p:spPr>
+        <p:txBody>
+          <a:bodyPr wrap="square" rtlCol="0">
+            <a:spAutoFit/>
+          </a:bodyPr>
+          <a:lstStyle/>
+          <a:p>
+            <a:r>
+              <a:rPr lang="en-US" sz="1000" dirty="0" smtClean="0"/>
+              <a:t>Search specific asset type</a:t>
+            </a:r>
+            <a:endParaRPr lang="en-US" sz="1000" dirty="0"/>
+          </a:p>
+        </p:txBody>
+      </p:sp>
+    </p:spTree>
+    <p:extLst>
+      <p:ext uri="{BB962C8B-B14F-4D97-AF65-F5344CB8AC3E}">
+        <p14:creationId xmlns:p14="http://schemas.microsoft.com/office/powerpoint/2010/main" val="1380759554"/>
+      </p:ext>
+    </p:extLst>
+  </p:cSld>
+  <p:clrMapOvr>
+    <a:masterClrMapping/>
+  </p:clrMapOvr>
+  <p:timing>
+    <p:tnLst>
+      <p:par>
+        <p:cTn id="1" dur="indefinite" restart="never" nodeType="tmRoot"/>
+      </p:par>
+    </p:tnLst>
+  </p:timing>
+</p:sld>
+</file>
+
+<file path=ppt/slides/slide14.xml><?xml version="1.0" encoding="utf-8"?>
+<p:sld xmlns:a="http://schemas.openxmlformats.org/drawingml/2006/main" xmlns:r="http://schemas.openxmlformats.org/officeDocument/2006/relationships" xmlns:p="http://schemas.openxmlformats.org/presentationml/2006/main">
+  <p:cSld>
+    <p:spTree>
+      <p:nvGrpSpPr>
+        <p:cNvPr id="1" name=""/>
+        <p:cNvGrpSpPr/>
+        <p:nvPr/>
+      </p:nvGrpSpPr>
+      <p:grpSpPr>
+        <a:xfrm>
+          <a:off x="0" y="0"/>
+          <a:ext cx="0" cy="0"/>
+          <a:chOff x="0" y="0"/>
+          <a:chExt cx="0" cy="0"/>
+        </a:xfrm>
+      </p:grpSpPr>
+      <p:sp>
+        <p:nvSpPr>
+          <p:cNvPr id="109" name="Title 1">
+            <a:extLst>
+              <a:ext uri="{FF2B5EF4-FFF2-40B4-BE49-F238E27FC236}">
+                <a16:creationId xmlns:a16="http://schemas.microsoft.com/office/drawing/2014/main" id="{78C07964-174A-4A54-84D3-E88913B49D0E}"/>
+              </a:ext>
+            </a:extLst>
+          </p:cNvPr>
+          <p:cNvSpPr txBox="1">
+            <a:spLocks/>
+          </p:cNvSpPr>
+          <p:nvPr/>
+        </p:nvSpPr>
+        <p:spPr>
+          <a:xfrm>
+            <a:off x="555171" y="-4998"/>
+            <a:ext cx="11070772" cy="1039142"/>
+          </a:xfrm>
+          <a:prstGeom prst="rect">
+            <a:avLst/>
+          </a:prstGeom>
+        </p:spPr>
+        <p:txBody>
+          <a:bodyPr anchor="ctr"/>
+          <a:lstStyle>
+            <a:lvl1pPr algn="l" defTabSz="914400" rtl="0" eaLnBrk="1" latinLnBrk="0" hangingPunct="1">
+              <a:lnSpc>
+                <a:spcPct val="90000"/>
+              </a:lnSpc>
+              <a:spcBef>
+                <a:spcPct val="0"/>
+              </a:spcBef>
+              <a:buNone/>
+              <a:defRPr sz="4400" kern="1200">
+                <a:solidFill>
+                  <a:schemeClr val="tx1"/>
+                </a:solidFill>
+                <a:latin typeface="+mj-lt"/>
+                <a:ea typeface="+mj-ea"/>
+                <a:cs typeface="+mj-cs"/>
+              </a:defRPr>
+            </a:lvl1pPr>
+          </a:lstStyle>
+          <a:p>
+            <a:r>
               <a:rPr lang="en-US" sz="3600" dirty="0" smtClean="0"/>
               <a:t>Entity framework</a:t>
             </a:r>
@@ -4068,7 +8057,7 @@
 </p:sld>
 </file>
 
-<file path=ppt/slides/slide12.xml><?xml version="1.0" encoding="utf-8"?>
+<file path=ppt/slides/slide15.xml><?xml version="1.0" encoding="utf-8"?>
 <p:sld xmlns:a="http://schemas.openxmlformats.org/drawingml/2006/main" xmlns:r="http://schemas.openxmlformats.org/officeDocument/2006/relationships" xmlns:p="http://schemas.openxmlformats.org/presentationml/2006/main">
   <p:cSld>
     <p:spTree>
@@ -4360,7 +8349,15 @@
             </a:r>
             <a:r>
               <a:rPr lang="en-US" sz="1600" dirty="0" smtClean="0"/>
-              <a:t> Digital assessment management tool.</a:t>
+              <a:t> Digital </a:t>
+            </a:r>
+            <a:r>
+              <a:rPr lang="en-US" sz="1600" dirty="0" smtClean="0"/>
+              <a:t>Asset M</a:t>
+            </a:r>
+            <a:r>
+              <a:rPr lang="en-US" sz="1600" dirty="0" smtClean="0"/>
+              <a:t>anagement</a:t>
             </a:r>
             <a:endParaRPr lang="en-US" sz="1600" dirty="0"/>
           </a:p>
@@ -4477,7 +8474,7 @@
         <p:spPr>
           <a:xfrm>
             <a:off x="555170" y="1390979"/>
-            <a:ext cx="10657115" cy="1569660"/>
+            <a:ext cx="10657115" cy="3293209"/>
           </a:xfrm>
           <a:prstGeom prst="rect">
             <a:avLst/>
@@ -4496,15 +8493,54 @@
             </a:pPr>
             <a:r>
               <a:rPr lang="en-US" sz="1600" b="1" dirty="0" smtClean="0"/>
-              <a:t>Front-end:</a:t>
-            </a:r>
-            <a:r>
-              <a:rPr lang="en-US" sz="1600" dirty="0" smtClean="0"/>
-              <a:t> </a:t>
-            </a:r>
+              <a:t>Front-end</a:t>
+            </a:r>
+            <a:r>
+              <a:rPr lang="en-US" sz="1600" b="1" dirty="0" smtClean="0"/>
+              <a:t>:</a:t>
+            </a:r>
+            <a:endParaRPr lang="en-US" sz="1600" dirty="0" smtClean="0"/>
+          </a:p>
+          <a:p>
+            <a:pPr marL="800100" lvl="1" indent="-342900">
+              <a:buFont typeface="Arial" panose="020B0604020202020204" pitchFamily="34" charset="0"/>
+              <a:buChar char="•"/>
+            </a:pPr>
             <a:r>
               <a:rPr lang="en-US" sz="1600" dirty="0" err="1" smtClean="0"/>
               <a:t>ReactJS</a:t>
+            </a:r>
+            <a:endParaRPr lang="en-US" sz="1600" dirty="0" smtClean="0"/>
+          </a:p>
+          <a:p>
+            <a:pPr marL="800100" lvl="1" indent="-342900">
+              <a:buFont typeface="Arial" panose="020B0604020202020204" pitchFamily="34" charset="0"/>
+              <a:buChar char="•"/>
+            </a:pPr>
+            <a:r>
+              <a:rPr lang="en-US" sz="1600" dirty="0" smtClean="0"/>
+              <a:t>Material UI</a:t>
+            </a:r>
+          </a:p>
+          <a:p>
+            <a:pPr marL="800100" lvl="1" indent="-342900">
+              <a:buFont typeface="Arial" panose="020B0604020202020204" pitchFamily="34" charset="0"/>
+              <a:buChar char="•"/>
+            </a:pPr>
+            <a:r>
+              <a:rPr lang="en-US" sz="1600" dirty="0" err="1" smtClean="0"/>
+              <a:t>Axios</a:t>
+            </a:r>
+            <a:endParaRPr lang="en-US" sz="1600" dirty="0" smtClean="0"/>
+          </a:p>
+          <a:p>
+            <a:pPr marL="800100" lvl="1" indent="-342900">
+              <a:buFont typeface="Arial" panose="020B0604020202020204" pitchFamily="34" charset="0"/>
+              <a:buChar char="•"/>
+            </a:pPr>
+            <a:r>
+              <a:rPr lang="en-US" sz="1600" dirty="0" smtClean="0"/>
+              <a:t>React Route</a:t>
             </a:r>
             <a:endParaRPr lang="en-US" sz="1600" dirty="0"/>
           </a:p>
@@ -4528,14 +8564,47 @@
               <a:rPr lang="en-US" sz="1600" dirty="0" smtClean="0"/>
               <a:t> </a:t>
             </a:r>
+            <a:endParaRPr lang="en-US" sz="1600" dirty="0"/>
+          </a:p>
+          <a:p>
+            <a:pPr marL="800100" lvl="1" indent="-342900">
+              <a:buFont typeface="Arial" panose="020B0604020202020204" pitchFamily="34" charset="0"/>
+              <a:buChar char="•"/>
+            </a:pPr>
             <a:r>
               <a:rPr lang="en-US" sz="1600" dirty="0" err="1" smtClean="0"/>
-              <a:t>.net</a:t>
+              <a:t>.</a:t>
+            </a:r>
+            <a:r>
+              <a:rPr lang="en-US" sz="1600" dirty="0" err="1" smtClean="0"/>
+              <a:t>net</a:t>
             </a:r>
             <a:r>
               <a:rPr lang="en-US" sz="1600" dirty="0" smtClean="0"/>
-              <a:t> Core, SQL Database, Azure</a:t>
-            </a:r>
+              <a:t> Core, </a:t>
+            </a:r>
+            <a:endParaRPr lang="en-US" sz="1600" dirty="0" smtClean="0"/>
+          </a:p>
+          <a:p>
+            <a:pPr marL="800100" lvl="1" indent="-342900">
+              <a:buFont typeface="Arial" panose="020B0604020202020204" pitchFamily="34" charset="0"/>
+              <a:buChar char="•"/>
+            </a:pPr>
+            <a:r>
+              <a:rPr lang="en-US" sz="1600" dirty="0" smtClean="0"/>
+              <a:t>SQL Database </a:t>
+            </a:r>
+          </a:p>
+          <a:p>
+            <a:pPr marL="800100" lvl="1" indent="-342900">
+              <a:buFont typeface="Arial" panose="020B0604020202020204" pitchFamily="34" charset="0"/>
+              <a:buChar char="•"/>
+            </a:pPr>
+            <a:r>
+              <a:rPr lang="en-US" sz="1600" dirty="0" smtClean="0"/>
+              <a:t>Azure</a:t>
+            </a:r>
+            <a:endParaRPr lang="en-US" sz="1600" dirty="0" smtClean="0"/>
           </a:p>
           <a:p>
             <a:pPr marL="342900" indent="-342900">
@@ -5343,7 +9412,7 @@
         </p:nvSpPr>
         <p:spPr>
           <a:xfrm>
-            <a:off x="7272977" y="2799472"/>
+            <a:off x="7013079" y="2602249"/>
             <a:ext cx="4862732" cy="3742006"/>
           </a:xfrm>
           <a:prstGeom prst="roundRect">
@@ -5381,7 +9450,7 @@
         </p:nvSpPr>
         <p:spPr>
           <a:xfrm>
-            <a:off x="527035" y="2799472"/>
+            <a:off x="555171" y="2602249"/>
             <a:ext cx="6155118" cy="3742006"/>
           </a:xfrm>
           <a:prstGeom prst="roundRect">
@@ -5506,7 +9575,7 @@
         </p:nvGrpSpPr>
         <p:grpSpPr>
           <a:xfrm>
-            <a:off x="667777" y="2997595"/>
+            <a:off x="695913" y="2800372"/>
             <a:ext cx="5806376" cy="3119505"/>
             <a:chOff x="6013500" y="1815908"/>
             <a:chExt cx="5806376" cy="3119505"/>
@@ -6219,7 +10288,7 @@
         </p:nvSpPr>
         <p:spPr>
           <a:xfrm>
-            <a:off x="7737231" y="3317104"/>
+            <a:off x="7477333" y="3119881"/>
             <a:ext cx="1561514" cy="574766"/>
           </a:xfrm>
           <a:prstGeom prst="roundRect">
@@ -6261,7 +10330,7 @@
         </p:nvSpPr>
         <p:spPr>
           <a:xfrm>
-            <a:off x="7737231" y="4460295"/>
+            <a:off x="7477333" y="4263072"/>
             <a:ext cx="1561514" cy="574766"/>
           </a:xfrm>
           <a:prstGeom prst="roundRect">
@@ -6303,7 +10372,7 @@
         </p:nvSpPr>
         <p:spPr>
           <a:xfrm>
-            <a:off x="7737231" y="5538463"/>
+            <a:off x="7477333" y="5341240"/>
             <a:ext cx="1561514" cy="574766"/>
           </a:xfrm>
           <a:prstGeom prst="roundRect">
@@ -6349,7 +10418,7 @@
         </p:nvSpPr>
         <p:spPr>
           <a:xfrm>
-            <a:off x="10367889" y="4460295"/>
+            <a:off x="10107991" y="4263072"/>
             <a:ext cx="1561514" cy="574766"/>
           </a:xfrm>
           <a:prstGeom prst="roundRect">
@@ -6385,42 +10454,6 @@
       </p:sp>
       <p:cxnSp>
         <p:nvCxnSpPr>
-          <p:cNvPr id="52" name="Straight Arrow Connector 51"/>
-          <p:cNvCxnSpPr>
-            <a:stCxn id="51" idx="2"/>
-            <a:endCxn id="50" idx="3"/>
-          </p:cNvCxnSpPr>
-          <p:nvPr/>
-        </p:nvCxnSpPr>
-        <p:spPr>
-          <a:xfrm flipH="1">
-            <a:off x="9298745" y="5035061"/>
-            <a:ext cx="1849901" cy="790785"/>
-          </a:xfrm>
-          <a:prstGeom prst="straightConnector1">
-            <a:avLst/>
-          </a:prstGeom>
-          <a:ln w="22225">
-            <a:tailEnd type="triangle"/>
-          </a:ln>
-        </p:spPr>
-        <p:style>
-          <a:lnRef idx="1">
-            <a:schemeClr val="accent1"/>
-          </a:lnRef>
-          <a:fillRef idx="0">
-            <a:schemeClr val="accent1"/>
-          </a:fillRef>
-          <a:effectRef idx="0">
-            <a:schemeClr val="accent1"/>
-          </a:effectRef>
-          <a:fontRef idx="minor">
-            <a:schemeClr val="tx1"/>
-          </a:fontRef>
-        </p:style>
-      </p:cxnSp>
-      <p:cxnSp>
-        <p:nvCxnSpPr>
           <p:cNvPr id="54" name="Straight Arrow Connector 53"/>
           <p:cNvCxnSpPr>
             <a:stCxn id="50" idx="0"/>
@@ -6430,7 +10463,7 @@
         </p:nvCxnSpPr>
         <p:spPr>
           <a:xfrm flipV="1">
-            <a:off x="8517988" y="5035061"/>
+            <a:off x="8258090" y="4837838"/>
             <a:ext cx="0" cy="503402"/>
           </a:xfrm>
           <a:prstGeom prst="straightConnector1">
@@ -6466,44 +10499,8 @@
         </p:nvCxnSpPr>
         <p:spPr>
           <a:xfrm flipV="1">
-            <a:off x="8517988" y="3891870"/>
+            <a:off x="8258090" y="3694647"/>
             <a:ext cx="0" cy="568425"/>
-          </a:xfrm>
-          <a:prstGeom prst="straightConnector1">
-            <a:avLst/>
-          </a:prstGeom>
-          <a:ln w="22225">
-            <a:tailEnd type="triangle"/>
-          </a:ln>
-        </p:spPr>
-        <p:style>
-          <a:lnRef idx="1">
-            <a:schemeClr val="accent1"/>
-          </a:lnRef>
-          <a:fillRef idx="0">
-            <a:schemeClr val="accent1"/>
-          </a:fillRef>
-          <a:effectRef idx="0">
-            <a:schemeClr val="accent1"/>
-          </a:effectRef>
-          <a:fontRef idx="minor">
-            <a:schemeClr val="tx1"/>
-          </a:fontRef>
-        </p:style>
-      </p:cxnSp>
-      <p:cxnSp>
-        <p:nvCxnSpPr>
-          <p:cNvPr id="58" name="Straight Arrow Connector 57"/>
-          <p:cNvCxnSpPr>
-            <a:stCxn id="47" idx="3"/>
-            <a:endCxn id="51" idx="0"/>
-          </p:cNvCxnSpPr>
-          <p:nvPr/>
-        </p:nvCxnSpPr>
-        <p:spPr>
-          <a:xfrm>
-            <a:off x="9298745" y="3604487"/>
-            <a:ext cx="1849901" cy="855808"/>
           </a:xfrm>
           <a:prstGeom prst="straightConnector1">
             <a:avLst/>
@@ -6535,8 +10532,8 @@
         </p:nvSpPr>
         <p:spPr>
           <a:xfrm>
-            <a:off x="10185705" y="5348217"/>
-            <a:ext cx="936475" cy="523220"/>
+            <a:off x="9602961" y="5431067"/>
+            <a:ext cx="721672" cy="400110"/>
           </a:xfrm>
           <a:prstGeom prst="rect">
             <a:avLst/>
@@ -6550,19 +10547,91 @@
           <a:lstStyle/>
           <a:p>
             <a:r>
-              <a:rPr lang="en-US" sz="1400" dirty="0" smtClean="0"/>
+              <a:rPr lang="en-US" sz="1000" dirty="0" smtClean="0"/>
               <a:t>Query or </a:t>
             </a:r>
           </a:p>
           <a:p>
             <a:r>
-              <a:rPr lang="en-US" sz="1400" dirty="0" smtClean="0"/>
+              <a:rPr lang="en-US" sz="1000" dirty="0" smtClean="0"/>
               <a:t>Command</a:t>
             </a:r>
-            <a:endParaRPr lang="en-US" sz="1400" dirty="0"/>
+            <a:endParaRPr lang="en-US" sz="1000" dirty="0"/>
           </a:p>
         </p:txBody>
       </p:sp>
+      <p:cxnSp>
+        <p:nvCxnSpPr>
+          <p:cNvPr id="4" name="Elbow Connector 3"/>
+          <p:cNvCxnSpPr>
+            <a:stCxn id="51" idx="2"/>
+            <a:endCxn id="50" idx="3"/>
+          </p:cNvCxnSpPr>
+          <p:nvPr/>
+        </p:nvCxnSpPr>
+        <p:spPr>
+          <a:xfrm rot="5400000">
+            <a:off x="9568406" y="4308280"/>
+            <a:ext cx="790785" cy="1849901"/>
+          </a:xfrm>
+          <a:prstGeom prst="bentConnector2">
+            <a:avLst/>
+          </a:prstGeom>
+          <a:ln>
+            <a:tailEnd type="triangle"/>
+          </a:ln>
+        </p:spPr>
+        <p:style>
+          <a:lnRef idx="1">
+            <a:schemeClr val="accent1"/>
+          </a:lnRef>
+          <a:fillRef idx="0">
+            <a:schemeClr val="accent1"/>
+          </a:fillRef>
+          <a:effectRef idx="0">
+            <a:schemeClr val="accent1"/>
+          </a:effectRef>
+          <a:fontRef idx="minor">
+            <a:schemeClr val="tx1"/>
+          </a:fontRef>
+        </p:style>
+      </p:cxnSp>
+      <p:cxnSp>
+        <p:nvCxnSpPr>
+          <p:cNvPr id="6" name="Elbow Connector 5"/>
+          <p:cNvCxnSpPr>
+            <a:stCxn id="47" idx="3"/>
+            <a:endCxn id="51" idx="0"/>
+          </p:cNvCxnSpPr>
+          <p:nvPr/>
+        </p:nvCxnSpPr>
+        <p:spPr>
+          <a:xfrm>
+            <a:off x="9038847" y="3407264"/>
+            <a:ext cx="1849901" cy="855808"/>
+          </a:xfrm>
+          <a:prstGeom prst="bentConnector2">
+            <a:avLst/>
+          </a:prstGeom>
+          <a:ln>
+            <a:tailEnd type="triangle"/>
+          </a:ln>
+        </p:spPr>
+        <p:style>
+          <a:lnRef idx="1">
+            <a:schemeClr val="accent1"/>
+          </a:lnRef>
+          <a:fillRef idx="0">
+            <a:schemeClr val="accent1"/>
+          </a:fillRef>
+          <a:effectRef idx="0">
+            <a:schemeClr val="accent1"/>
+          </a:effectRef>
+          <a:fontRef idx="minor">
+            <a:schemeClr val="tx1"/>
+          </a:fontRef>
+        </p:style>
+      </p:cxnSp>
     </p:spTree>
     <p:extLst>
       <p:ext uri="{BB962C8B-B14F-4D97-AF65-F5344CB8AC3E}">
@@ -9709,7 +13778,7 @@
           <a:p>
             <a:r>
               <a:rPr lang="en-US" sz="3600" dirty="0" smtClean="0"/>
-              <a:t>Entities</a:t>
+              <a:t>Entities - configurations</a:t>
             </a:r>
             <a:endParaRPr lang="en-US" sz="3600" dirty="0"/>
           </a:p>
@@ -10615,1224 +14684,6 @@
                 <a:extLst>
                   <a:ext uri="{0D108BD9-81ED-4DB2-BD59-A6C34878D82A}">
                     <a16:rowId xmlns:a16="http://schemas.microsoft.com/office/drawing/2014/main" val="1361381330"/>
-                  </a:ext>
-                </a:extLst>
-              </a:tr>
-            </a:tbl>
-          </a:graphicData>
-        </a:graphic>
-      </p:graphicFrame>
-      <p:graphicFrame>
-        <p:nvGraphicFramePr>
-          <p:cNvPr id="25" name="Table 2">
-            <a:extLst>
-              <a:ext uri="{FF2B5EF4-FFF2-40B4-BE49-F238E27FC236}">
-                <a16:creationId xmlns:a16="http://schemas.microsoft.com/office/drawing/2014/main" id="{E3146915-1D1A-44EA-80BE-6291416E073F}"/>
-              </a:ext>
-            </a:extLst>
-          </p:cNvPr>
-          <p:cNvGraphicFramePr>
-            <a:graphicFrameLocks noGrp="1"/>
-          </p:cNvGraphicFramePr>
-          <p:nvPr>
-            <p:extLst>
-              <p:ext uri="{D42A27DB-BD31-4B8C-83A1-F6EECF244321}">
-                <p14:modId xmlns:p14="http://schemas.microsoft.com/office/powerpoint/2010/main" val="2345803936"/>
-              </p:ext>
-            </p:extLst>
-          </p:nvPr>
-        </p:nvGraphicFramePr>
-        <p:xfrm>
-          <a:off x="6708331" y="613254"/>
-          <a:ext cx="4748561" cy="2711490"/>
-        </p:xfrm>
-        <a:graphic>
-          <a:graphicData uri="http://schemas.openxmlformats.org/drawingml/2006/table">
-            <a:tbl>
-              <a:tblPr firstRow="1" bandRow="1">
-                <a:tableStyleId>{5940675A-B579-460E-94D1-54222C63F5DA}</a:tableStyleId>
-              </a:tblPr>
-              <a:tblGrid>
-                <a:gridCol w="1034586">
-                  <a:extLst>
-                    <a:ext uri="{9D8B030D-6E8A-4147-A177-3AD203B41FA5}">
-                      <a16:colId xmlns:a16="http://schemas.microsoft.com/office/drawing/2014/main" val="2187246459"/>
-                    </a:ext>
-                  </a:extLst>
-                </a:gridCol>
-                <a:gridCol w="825190">
-                  <a:extLst>
-                    <a:ext uri="{9D8B030D-6E8A-4147-A177-3AD203B41FA5}">
-                      <a16:colId xmlns:a16="http://schemas.microsoft.com/office/drawing/2014/main" val="1671499294"/>
-                    </a:ext>
-                  </a:extLst>
-                </a:gridCol>
-                <a:gridCol w="2888785">
-                  <a:extLst>
-                    <a:ext uri="{9D8B030D-6E8A-4147-A177-3AD203B41FA5}">
-                      <a16:colId xmlns:a16="http://schemas.microsoft.com/office/drawing/2014/main" val="2259015869"/>
-                    </a:ext>
-                  </a:extLst>
-                </a:gridCol>
-              </a:tblGrid>
-              <a:tr h="271149">
-                <a:tc gridSpan="3">
-                  <a:txBody>
-                    <a:bodyPr/>
-                    <a:lstStyle/>
-                    <a:p>
-                      <a:pPr algn="ctr"/>
-                      <a:r>
-                        <a:rPr lang="en-US" sz="1000" b="1" dirty="0" err="1" smtClean="0"/>
-                        <a:t>AssetProductImage</a:t>
-                      </a:r>
-                      <a:endParaRPr lang="en-US" sz="1000" b="1" dirty="0"/>
-                    </a:p>
-                  </a:txBody>
-                  <a:tcPr>
-                    <a:solidFill>
-                      <a:schemeClr val="bg1">
-                        <a:lumMod val="85000"/>
-                      </a:schemeClr>
-                    </a:solidFill>
-                  </a:tcPr>
-                </a:tc>
-                <a:tc hMerge="1">
-                  <a:txBody>
-                    <a:bodyPr/>
-                    <a:lstStyle/>
-                    <a:p>
-                      <a:endParaRPr lang="en-US" sz="1200" dirty="0"/>
-                    </a:p>
-                  </a:txBody>
-                  <a:tcPr>
-                    <a:solidFill>
-                      <a:schemeClr val="accent1">
-                        <a:lumMod val="20000"/>
-                        <a:lumOff val="80000"/>
-                      </a:schemeClr>
-                    </a:solidFill>
-                  </a:tcPr>
-                </a:tc>
-                <a:tc hMerge="1">
-                  <a:txBody>
-                    <a:bodyPr/>
-                    <a:lstStyle/>
-                    <a:p>
-                      <a:endParaRPr lang="en-US" sz="1200" dirty="0"/>
-                    </a:p>
-                  </a:txBody>
-                  <a:tcPr>
-                    <a:solidFill>
-                      <a:schemeClr val="accent1">
-                        <a:lumMod val="20000"/>
-                        <a:lumOff val="80000"/>
-                      </a:schemeClr>
-                    </a:solidFill>
-                  </a:tcPr>
-                </a:tc>
-                <a:extLst>
-                  <a:ext uri="{0D108BD9-81ED-4DB2-BD59-A6C34878D82A}">
-                    <a16:rowId xmlns:a16="http://schemas.microsoft.com/office/drawing/2014/main" val="3614508584"/>
-                  </a:ext>
-                </a:extLst>
-              </a:tr>
-              <a:tr h="271149">
-                <a:tc>
-                  <a:txBody>
-                    <a:bodyPr/>
-                    <a:lstStyle/>
-                    <a:p>
-                      <a:r>
-                        <a:rPr lang="en-US" sz="1000" dirty="0"/>
-                        <a:t>Name</a:t>
-                      </a:r>
-                    </a:p>
-                  </a:txBody>
-                  <a:tcPr>
-                    <a:solidFill>
-                      <a:schemeClr val="bg1">
-                        <a:lumMod val="85000"/>
-                      </a:schemeClr>
-                    </a:solidFill>
-                  </a:tcPr>
-                </a:tc>
-                <a:tc>
-                  <a:txBody>
-                    <a:bodyPr/>
-                    <a:lstStyle/>
-                    <a:p>
-                      <a:r>
-                        <a:rPr lang="en-US" sz="1000" dirty="0"/>
-                        <a:t>Type</a:t>
-                      </a:r>
-                    </a:p>
-                  </a:txBody>
-                  <a:tcPr>
-                    <a:solidFill>
-                      <a:schemeClr val="bg1">
-                        <a:lumMod val="85000"/>
-                      </a:schemeClr>
-                    </a:solidFill>
-                  </a:tcPr>
-                </a:tc>
-                <a:tc>
-                  <a:txBody>
-                    <a:bodyPr/>
-                    <a:lstStyle/>
-                    <a:p>
-                      <a:r>
-                        <a:rPr lang="en-US" sz="1000" dirty="0"/>
-                        <a:t>Description</a:t>
-                      </a:r>
-                    </a:p>
-                  </a:txBody>
-                  <a:tcPr>
-                    <a:solidFill>
-                      <a:schemeClr val="bg1">
-                        <a:lumMod val="85000"/>
-                      </a:schemeClr>
-                    </a:solidFill>
-                  </a:tcPr>
-                </a:tc>
-                <a:extLst>
-                  <a:ext uri="{0D108BD9-81ED-4DB2-BD59-A6C34878D82A}">
-                    <a16:rowId xmlns:a16="http://schemas.microsoft.com/office/drawing/2014/main" val="116434511"/>
-                  </a:ext>
-                </a:extLst>
-              </a:tr>
-              <a:tr h="271149">
-                <a:tc>
-                  <a:txBody>
-                    <a:bodyPr/>
-                    <a:lstStyle/>
-                    <a:p>
-                      <a:r>
-                        <a:rPr lang="en-US" sz="1000" dirty="0"/>
-                        <a:t>ID</a:t>
-                      </a:r>
-                    </a:p>
-                  </a:txBody>
-                  <a:tcPr/>
-                </a:tc>
-                <a:tc>
-                  <a:txBody>
-                    <a:bodyPr/>
-                    <a:lstStyle/>
-                    <a:p>
-                      <a:r>
-                        <a:rPr lang="en-US" sz="1000" dirty="0"/>
-                        <a:t>Int</a:t>
-                      </a:r>
-                    </a:p>
-                  </a:txBody>
-                  <a:tcPr/>
-                </a:tc>
-                <a:tc>
-                  <a:txBody>
-                    <a:bodyPr/>
-                    <a:lstStyle/>
-                    <a:p>
-                      <a:r>
-                        <a:rPr lang="en-US" sz="1000" dirty="0" smtClean="0"/>
-                        <a:t>Project Identifier</a:t>
-                      </a:r>
-                      <a:endParaRPr lang="en-US" sz="1000" dirty="0"/>
-                    </a:p>
-                  </a:txBody>
-                  <a:tcPr/>
-                </a:tc>
-                <a:extLst>
-                  <a:ext uri="{0D108BD9-81ED-4DB2-BD59-A6C34878D82A}">
-                    <a16:rowId xmlns:a16="http://schemas.microsoft.com/office/drawing/2014/main" val="2955180543"/>
-                  </a:ext>
-                </a:extLst>
-              </a:tr>
-              <a:tr h="271149">
-                <a:tc>
-                  <a:txBody>
-                    <a:bodyPr/>
-                    <a:lstStyle/>
-                    <a:p>
-                      <a:r>
-                        <a:rPr lang="en-US" sz="1000" dirty="0"/>
-                        <a:t>Name</a:t>
-                      </a:r>
-                    </a:p>
-                  </a:txBody>
-                  <a:tcPr/>
-                </a:tc>
-                <a:tc>
-                  <a:txBody>
-                    <a:bodyPr/>
-                    <a:lstStyle/>
-                    <a:p>
-                      <a:r>
-                        <a:rPr lang="en-US" sz="1000" dirty="0" smtClean="0"/>
-                        <a:t>String</a:t>
-                      </a:r>
-                      <a:endParaRPr lang="en-US" sz="1000" dirty="0"/>
-                    </a:p>
-                  </a:txBody>
-                  <a:tcPr/>
-                </a:tc>
-                <a:tc>
-                  <a:txBody>
-                    <a:bodyPr/>
-                    <a:lstStyle/>
-                    <a:p>
-                      <a:r>
-                        <a:rPr lang="en-US" sz="1000" dirty="0" smtClean="0"/>
-                        <a:t>Name of the ticket</a:t>
-                      </a:r>
-                      <a:r>
-                        <a:rPr lang="en-US" sz="1000" baseline="0" dirty="0" smtClean="0"/>
-                        <a:t> type</a:t>
-                      </a:r>
-                      <a:endParaRPr lang="en-US" sz="1000" dirty="0"/>
-                    </a:p>
-                  </a:txBody>
-                  <a:tcPr/>
-                </a:tc>
-                <a:extLst>
-                  <a:ext uri="{0D108BD9-81ED-4DB2-BD59-A6C34878D82A}">
-                    <a16:rowId xmlns:a16="http://schemas.microsoft.com/office/drawing/2014/main" val="2862899113"/>
-                  </a:ext>
-                </a:extLst>
-              </a:tr>
-              <a:tr h="271149">
-                <a:tc>
-                  <a:txBody>
-                    <a:bodyPr/>
-                    <a:lstStyle/>
-                    <a:p>
-                      <a:r>
-                        <a:rPr lang="en-US" sz="1000" dirty="0" smtClean="0"/>
-                        <a:t>SKU</a:t>
-                      </a:r>
-                      <a:endParaRPr lang="en-US" sz="1000" dirty="0"/>
-                    </a:p>
-                  </a:txBody>
-                  <a:tcPr/>
-                </a:tc>
-                <a:tc>
-                  <a:txBody>
-                    <a:bodyPr/>
-                    <a:lstStyle/>
-                    <a:p>
-                      <a:r>
-                        <a:rPr lang="en-US" sz="1000" dirty="0" smtClean="0"/>
-                        <a:t>String</a:t>
-                      </a:r>
-                      <a:endParaRPr lang="en-US" sz="1000" dirty="0"/>
-                    </a:p>
-                  </a:txBody>
-                  <a:tcPr/>
-                </a:tc>
-                <a:tc>
-                  <a:txBody>
-                    <a:bodyPr/>
-                    <a:lstStyle/>
-                    <a:p>
-                      <a:r>
-                        <a:rPr lang="en-US" sz="1000" dirty="0" smtClean="0"/>
-                        <a:t>SKU</a:t>
-                      </a:r>
-                      <a:r>
-                        <a:rPr lang="en-US" sz="1000" baseline="0" dirty="0" smtClean="0"/>
-                        <a:t> Number</a:t>
-                      </a:r>
-                      <a:endParaRPr lang="en-US" sz="1000" dirty="0"/>
-                    </a:p>
-                  </a:txBody>
-                  <a:tcPr/>
-                </a:tc>
-                <a:extLst>
-                  <a:ext uri="{0D108BD9-81ED-4DB2-BD59-A6C34878D82A}">
-                    <a16:rowId xmlns:a16="http://schemas.microsoft.com/office/drawing/2014/main" val="3219034962"/>
-                  </a:ext>
-                </a:extLst>
-              </a:tr>
-              <a:tr h="271149">
-                <a:tc>
-                  <a:txBody>
-                    <a:bodyPr/>
-                    <a:lstStyle/>
-                    <a:p>
-                      <a:r>
-                        <a:rPr lang="en-US" sz="1000" dirty="0" smtClean="0"/>
-                        <a:t>Product</a:t>
-                      </a:r>
-                      <a:endParaRPr lang="en-US" sz="1000" dirty="0"/>
-                    </a:p>
-                  </a:txBody>
-                  <a:tcPr/>
-                </a:tc>
-                <a:tc>
-                  <a:txBody>
-                    <a:bodyPr/>
-                    <a:lstStyle/>
-                    <a:p>
-                      <a:r>
-                        <a:rPr lang="en-US" sz="1000" dirty="0" smtClean="0"/>
-                        <a:t>String</a:t>
-                      </a:r>
-                      <a:endParaRPr lang="en-US" sz="1000" dirty="0"/>
-                    </a:p>
-                  </a:txBody>
-                  <a:tcPr/>
-                </a:tc>
-                <a:tc>
-                  <a:txBody>
-                    <a:bodyPr/>
-                    <a:lstStyle/>
-                    <a:p>
-                      <a:r>
-                        <a:rPr lang="en-US" sz="1000" dirty="0" smtClean="0"/>
-                        <a:t>Product Code</a:t>
-                      </a:r>
-                      <a:endParaRPr lang="en-US" sz="1000" dirty="0"/>
-                    </a:p>
-                  </a:txBody>
-                  <a:tcPr/>
-                </a:tc>
-                <a:extLst>
-                  <a:ext uri="{0D108BD9-81ED-4DB2-BD59-A6C34878D82A}">
-                    <a16:rowId xmlns:a16="http://schemas.microsoft.com/office/drawing/2014/main" val="1337648643"/>
-                  </a:ext>
-                </a:extLst>
-              </a:tr>
-              <a:tr h="271149">
-                <a:tc>
-                  <a:txBody>
-                    <a:bodyPr/>
-                    <a:lstStyle/>
-                    <a:p>
-                      <a:r>
-                        <a:rPr lang="en-US" sz="1000" dirty="0" smtClean="0"/>
-                        <a:t>Country</a:t>
-                      </a:r>
-                      <a:endParaRPr lang="en-US" sz="1000" dirty="0"/>
-                    </a:p>
-                  </a:txBody>
-                  <a:tcPr/>
-                </a:tc>
-                <a:tc>
-                  <a:txBody>
-                    <a:bodyPr/>
-                    <a:lstStyle/>
-                    <a:p>
-                      <a:r>
-                        <a:rPr lang="en-US" sz="1000" dirty="0" smtClean="0"/>
-                        <a:t>String</a:t>
-                      </a:r>
-                      <a:endParaRPr lang="en-US" sz="1000" dirty="0"/>
-                    </a:p>
-                  </a:txBody>
-                  <a:tcPr/>
-                </a:tc>
-                <a:tc>
-                  <a:txBody>
-                    <a:bodyPr/>
-                    <a:lstStyle/>
-                    <a:p>
-                      <a:endParaRPr lang="en-US" sz="1000" dirty="0"/>
-                    </a:p>
-                  </a:txBody>
-                  <a:tcPr/>
-                </a:tc>
-                <a:extLst>
-                  <a:ext uri="{0D108BD9-81ED-4DB2-BD59-A6C34878D82A}">
-                    <a16:rowId xmlns:a16="http://schemas.microsoft.com/office/drawing/2014/main" val="1430060604"/>
-                  </a:ext>
-                </a:extLst>
-              </a:tr>
-              <a:tr h="271149">
-                <a:tc>
-                  <a:txBody>
-                    <a:bodyPr/>
-                    <a:lstStyle/>
-                    <a:p>
-                      <a:r>
-                        <a:rPr lang="en-US" sz="1000" dirty="0" smtClean="0"/>
-                        <a:t>Language</a:t>
-                      </a:r>
-                      <a:endParaRPr lang="en-US" sz="1000" dirty="0"/>
-                    </a:p>
-                  </a:txBody>
-                  <a:tcPr/>
-                </a:tc>
-                <a:tc>
-                  <a:txBody>
-                    <a:bodyPr/>
-                    <a:lstStyle/>
-                    <a:p>
-                      <a:r>
-                        <a:rPr lang="en-US" sz="1000" dirty="0" smtClean="0"/>
-                        <a:t>String</a:t>
-                      </a:r>
-                      <a:endParaRPr lang="en-US" sz="1000" dirty="0"/>
-                    </a:p>
-                  </a:txBody>
-                  <a:tcPr/>
-                </a:tc>
-                <a:tc>
-                  <a:txBody>
-                    <a:bodyPr/>
-                    <a:lstStyle/>
-                    <a:p>
-                      <a:endParaRPr lang="en-US" sz="1000" dirty="0"/>
-                    </a:p>
-                  </a:txBody>
-                  <a:tcPr/>
-                </a:tc>
-                <a:extLst>
-                  <a:ext uri="{0D108BD9-81ED-4DB2-BD59-A6C34878D82A}">
-                    <a16:rowId xmlns:a16="http://schemas.microsoft.com/office/drawing/2014/main" val="2814356687"/>
-                  </a:ext>
-                </a:extLst>
-              </a:tr>
-              <a:tr h="271149">
-                <a:tc>
-                  <a:txBody>
-                    <a:bodyPr/>
-                    <a:lstStyle/>
-                    <a:p>
-                      <a:r>
-                        <a:rPr lang="en-US" sz="1000" dirty="0" err="1" smtClean="0"/>
-                        <a:t>UpdateOn</a:t>
-                      </a:r>
-                      <a:endParaRPr lang="en-US" sz="1000" dirty="0"/>
-                    </a:p>
-                  </a:txBody>
-                  <a:tcPr/>
-                </a:tc>
-                <a:tc>
-                  <a:txBody>
-                    <a:bodyPr/>
-                    <a:lstStyle/>
-                    <a:p>
-                      <a:r>
-                        <a:rPr lang="en-US" sz="1000" dirty="0" smtClean="0"/>
-                        <a:t>String</a:t>
-                      </a:r>
-                      <a:endParaRPr lang="en-US" sz="1000" dirty="0"/>
-                    </a:p>
-                  </a:txBody>
-                  <a:tcPr/>
-                </a:tc>
-                <a:tc>
-                  <a:txBody>
-                    <a:bodyPr/>
-                    <a:lstStyle/>
-                    <a:p>
-                      <a:endParaRPr lang="en-US" sz="1000" dirty="0"/>
-                    </a:p>
-                  </a:txBody>
-                  <a:tcPr/>
-                </a:tc>
-                <a:extLst>
-                  <a:ext uri="{0D108BD9-81ED-4DB2-BD59-A6C34878D82A}">
-                    <a16:rowId xmlns:a16="http://schemas.microsoft.com/office/drawing/2014/main" val="1572530477"/>
-                  </a:ext>
-                </a:extLst>
-              </a:tr>
-              <a:tr h="271149">
-                <a:tc>
-                  <a:txBody>
-                    <a:bodyPr/>
-                    <a:lstStyle/>
-                    <a:p>
-                      <a:r>
-                        <a:rPr lang="en-US" sz="1000" dirty="0" err="1" smtClean="0"/>
-                        <a:t>UpdatedBy</a:t>
-                      </a:r>
-                      <a:endParaRPr lang="en-US" sz="1000" dirty="0"/>
-                    </a:p>
-                  </a:txBody>
-                  <a:tcPr/>
-                </a:tc>
-                <a:tc>
-                  <a:txBody>
-                    <a:bodyPr/>
-                    <a:lstStyle/>
-                    <a:p>
-                      <a:r>
-                        <a:rPr lang="en-US" sz="1000" dirty="0" smtClean="0"/>
-                        <a:t>String</a:t>
-                      </a:r>
-                      <a:endParaRPr lang="en-US" sz="1000" dirty="0"/>
-                    </a:p>
-                  </a:txBody>
-                  <a:tcPr/>
-                </a:tc>
-                <a:tc>
-                  <a:txBody>
-                    <a:bodyPr/>
-                    <a:lstStyle/>
-                    <a:p>
-                      <a:endParaRPr lang="en-US" sz="1000" dirty="0"/>
-                    </a:p>
-                  </a:txBody>
-                  <a:tcPr/>
-                </a:tc>
-                <a:extLst>
-                  <a:ext uri="{0D108BD9-81ED-4DB2-BD59-A6C34878D82A}">
-                    <a16:rowId xmlns:a16="http://schemas.microsoft.com/office/drawing/2014/main" val="3195970577"/>
-                  </a:ext>
-                </a:extLst>
-              </a:tr>
-            </a:tbl>
-          </a:graphicData>
-        </a:graphic>
-      </p:graphicFrame>
-      <p:graphicFrame>
-        <p:nvGraphicFramePr>
-          <p:cNvPr id="6" name="Table 2">
-            <a:extLst>
-              <a:ext uri="{FF2B5EF4-FFF2-40B4-BE49-F238E27FC236}">
-                <a16:creationId xmlns:a16="http://schemas.microsoft.com/office/drawing/2014/main" id="{E3146915-1D1A-44EA-80BE-6291416E073F}"/>
-              </a:ext>
-            </a:extLst>
-          </p:cNvPr>
-          <p:cNvGraphicFramePr>
-            <a:graphicFrameLocks noGrp="1"/>
-          </p:cNvGraphicFramePr>
-          <p:nvPr>
-            <p:extLst>
-              <p:ext uri="{D42A27DB-BD31-4B8C-83A1-F6EECF244321}">
-                <p14:modId xmlns:p14="http://schemas.microsoft.com/office/powerpoint/2010/main" val="2923277663"/>
-              </p:ext>
-            </p:extLst>
-          </p:nvPr>
-        </p:nvGraphicFramePr>
-        <p:xfrm>
-          <a:off x="6708330" y="3572820"/>
-          <a:ext cx="4748561" cy="3253788"/>
-        </p:xfrm>
-        <a:graphic>
-          <a:graphicData uri="http://schemas.openxmlformats.org/drawingml/2006/table">
-            <a:tbl>
-              <a:tblPr firstRow="1" bandRow="1">
-                <a:tableStyleId>{5940675A-B579-460E-94D1-54222C63F5DA}</a:tableStyleId>
-              </a:tblPr>
-              <a:tblGrid>
-                <a:gridCol w="1034586">
-                  <a:extLst>
-                    <a:ext uri="{9D8B030D-6E8A-4147-A177-3AD203B41FA5}">
-                      <a16:colId xmlns:a16="http://schemas.microsoft.com/office/drawing/2014/main" val="2187246459"/>
-                    </a:ext>
-                  </a:extLst>
-                </a:gridCol>
-                <a:gridCol w="825190">
-                  <a:extLst>
-                    <a:ext uri="{9D8B030D-6E8A-4147-A177-3AD203B41FA5}">
-                      <a16:colId xmlns:a16="http://schemas.microsoft.com/office/drawing/2014/main" val="1671499294"/>
-                    </a:ext>
-                  </a:extLst>
-                </a:gridCol>
-                <a:gridCol w="2888785">
-                  <a:extLst>
-                    <a:ext uri="{9D8B030D-6E8A-4147-A177-3AD203B41FA5}">
-                      <a16:colId xmlns:a16="http://schemas.microsoft.com/office/drawing/2014/main" val="2259015869"/>
-                    </a:ext>
-                  </a:extLst>
-                </a:gridCol>
-              </a:tblGrid>
-              <a:tr h="271149">
-                <a:tc gridSpan="3">
-                  <a:txBody>
-                    <a:bodyPr/>
-                    <a:lstStyle/>
-                    <a:p>
-                      <a:pPr algn="ctr"/>
-                      <a:r>
-                        <a:rPr lang="en-US" sz="1000" b="1" dirty="0" err="1" smtClean="0"/>
-                        <a:t>AssetProductImageFile</a:t>
-                      </a:r>
-                      <a:endParaRPr lang="en-US" sz="1000" b="1" dirty="0"/>
-                    </a:p>
-                  </a:txBody>
-                  <a:tcPr>
-                    <a:solidFill>
-                      <a:schemeClr val="bg1">
-                        <a:lumMod val="85000"/>
-                      </a:schemeClr>
-                    </a:solidFill>
-                  </a:tcPr>
-                </a:tc>
-                <a:tc hMerge="1">
-                  <a:txBody>
-                    <a:bodyPr/>
-                    <a:lstStyle/>
-                    <a:p>
-                      <a:endParaRPr lang="en-US" sz="1200" dirty="0"/>
-                    </a:p>
-                  </a:txBody>
-                  <a:tcPr>
-                    <a:solidFill>
-                      <a:schemeClr val="accent1">
-                        <a:lumMod val="20000"/>
-                        <a:lumOff val="80000"/>
-                      </a:schemeClr>
-                    </a:solidFill>
-                  </a:tcPr>
-                </a:tc>
-                <a:tc hMerge="1">
-                  <a:txBody>
-                    <a:bodyPr/>
-                    <a:lstStyle/>
-                    <a:p>
-                      <a:endParaRPr lang="en-US" sz="1200" dirty="0"/>
-                    </a:p>
-                  </a:txBody>
-                  <a:tcPr>
-                    <a:solidFill>
-                      <a:schemeClr val="accent1">
-                        <a:lumMod val="20000"/>
-                        <a:lumOff val="80000"/>
-                      </a:schemeClr>
-                    </a:solidFill>
-                  </a:tcPr>
-                </a:tc>
-                <a:extLst>
-                  <a:ext uri="{0D108BD9-81ED-4DB2-BD59-A6C34878D82A}">
-                    <a16:rowId xmlns:a16="http://schemas.microsoft.com/office/drawing/2014/main" val="3614508584"/>
-                  </a:ext>
-                </a:extLst>
-              </a:tr>
-              <a:tr h="271149">
-                <a:tc>
-                  <a:txBody>
-                    <a:bodyPr/>
-                    <a:lstStyle/>
-                    <a:p>
-                      <a:r>
-                        <a:rPr lang="en-US" sz="1000" dirty="0"/>
-                        <a:t>Name</a:t>
-                      </a:r>
-                    </a:p>
-                  </a:txBody>
-                  <a:tcPr>
-                    <a:solidFill>
-                      <a:schemeClr val="bg1">
-                        <a:lumMod val="85000"/>
-                      </a:schemeClr>
-                    </a:solidFill>
-                  </a:tcPr>
-                </a:tc>
-                <a:tc>
-                  <a:txBody>
-                    <a:bodyPr/>
-                    <a:lstStyle/>
-                    <a:p>
-                      <a:r>
-                        <a:rPr lang="en-US" sz="1000" dirty="0"/>
-                        <a:t>Type</a:t>
-                      </a:r>
-                    </a:p>
-                  </a:txBody>
-                  <a:tcPr>
-                    <a:solidFill>
-                      <a:schemeClr val="bg1">
-                        <a:lumMod val="85000"/>
-                      </a:schemeClr>
-                    </a:solidFill>
-                  </a:tcPr>
-                </a:tc>
-                <a:tc>
-                  <a:txBody>
-                    <a:bodyPr/>
-                    <a:lstStyle/>
-                    <a:p>
-                      <a:r>
-                        <a:rPr lang="en-US" sz="1000" dirty="0"/>
-                        <a:t>Description</a:t>
-                      </a:r>
-                    </a:p>
-                  </a:txBody>
-                  <a:tcPr>
-                    <a:solidFill>
-                      <a:schemeClr val="bg1">
-                        <a:lumMod val="85000"/>
-                      </a:schemeClr>
-                    </a:solidFill>
-                  </a:tcPr>
-                </a:tc>
-                <a:extLst>
-                  <a:ext uri="{0D108BD9-81ED-4DB2-BD59-A6C34878D82A}">
-                    <a16:rowId xmlns:a16="http://schemas.microsoft.com/office/drawing/2014/main" val="116434511"/>
-                  </a:ext>
-                </a:extLst>
-              </a:tr>
-              <a:tr h="271149">
-                <a:tc>
-                  <a:txBody>
-                    <a:bodyPr/>
-                    <a:lstStyle/>
-                    <a:p>
-                      <a:r>
-                        <a:rPr lang="en-US" sz="1000" dirty="0"/>
-                        <a:t>ID</a:t>
-                      </a:r>
-                    </a:p>
-                  </a:txBody>
-                  <a:tcPr/>
-                </a:tc>
-                <a:tc>
-                  <a:txBody>
-                    <a:bodyPr/>
-                    <a:lstStyle/>
-                    <a:p>
-                      <a:r>
-                        <a:rPr lang="en-US" sz="1000" dirty="0"/>
-                        <a:t>Int</a:t>
-                      </a:r>
-                    </a:p>
-                  </a:txBody>
-                  <a:tcPr/>
-                </a:tc>
-                <a:tc>
-                  <a:txBody>
-                    <a:bodyPr/>
-                    <a:lstStyle/>
-                    <a:p>
-                      <a:r>
-                        <a:rPr lang="en-US" sz="1000" dirty="0" smtClean="0"/>
-                        <a:t>Project Identifier</a:t>
-                      </a:r>
-                      <a:endParaRPr lang="en-US" sz="1000" dirty="0"/>
-                    </a:p>
-                  </a:txBody>
-                  <a:tcPr/>
-                </a:tc>
-                <a:extLst>
-                  <a:ext uri="{0D108BD9-81ED-4DB2-BD59-A6C34878D82A}">
-                    <a16:rowId xmlns:a16="http://schemas.microsoft.com/office/drawing/2014/main" val="2955180543"/>
-                  </a:ext>
-                </a:extLst>
-              </a:tr>
-              <a:tr h="271149">
-                <a:tc>
-                  <a:txBody>
-                    <a:bodyPr/>
-                    <a:lstStyle/>
-                    <a:p>
-                      <a:r>
-                        <a:rPr lang="en-US" sz="1000" dirty="0" err="1" smtClean="0"/>
-                        <a:t>AssetId</a:t>
-                      </a:r>
-                      <a:endParaRPr lang="en-US" sz="1000" dirty="0"/>
-                    </a:p>
-                  </a:txBody>
-                  <a:tcPr/>
-                </a:tc>
-                <a:tc>
-                  <a:txBody>
-                    <a:bodyPr/>
-                    <a:lstStyle/>
-                    <a:p>
-                      <a:r>
-                        <a:rPr lang="en-US" sz="1000" dirty="0" err="1" smtClean="0"/>
-                        <a:t>Int</a:t>
-                      </a:r>
-                      <a:endParaRPr lang="en-US" sz="1000" dirty="0"/>
-                    </a:p>
-                  </a:txBody>
-                  <a:tcPr/>
-                </a:tc>
-                <a:tc>
-                  <a:txBody>
-                    <a:bodyPr/>
-                    <a:lstStyle/>
-                    <a:p>
-                      <a:r>
-                        <a:rPr lang="en-US" sz="1000" dirty="0" smtClean="0"/>
-                        <a:t>Reference</a:t>
-                      </a:r>
-                      <a:endParaRPr lang="en-US" sz="1000" dirty="0"/>
-                    </a:p>
-                  </a:txBody>
-                  <a:tcPr/>
-                </a:tc>
-                <a:extLst>
-                  <a:ext uri="{0D108BD9-81ED-4DB2-BD59-A6C34878D82A}">
-                    <a16:rowId xmlns:a16="http://schemas.microsoft.com/office/drawing/2014/main" val="4196704254"/>
-                  </a:ext>
-                </a:extLst>
-              </a:tr>
-              <a:tr h="271149">
-                <a:tc>
-                  <a:txBody>
-                    <a:bodyPr/>
-                    <a:lstStyle/>
-                    <a:p>
-                      <a:r>
-                        <a:rPr lang="en-US" sz="1000" dirty="0"/>
-                        <a:t>Name</a:t>
-                      </a:r>
-                    </a:p>
-                  </a:txBody>
-                  <a:tcPr/>
-                </a:tc>
-                <a:tc>
-                  <a:txBody>
-                    <a:bodyPr/>
-                    <a:lstStyle/>
-                    <a:p>
-                      <a:r>
-                        <a:rPr lang="en-US" sz="1000" dirty="0" smtClean="0"/>
-                        <a:t>String</a:t>
-                      </a:r>
-                      <a:endParaRPr lang="en-US" sz="1000" dirty="0"/>
-                    </a:p>
-                  </a:txBody>
-                  <a:tcPr/>
-                </a:tc>
-                <a:tc>
-                  <a:txBody>
-                    <a:bodyPr/>
-                    <a:lstStyle/>
-                    <a:p>
-                      <a:r>
-                        <a:rPr lang="en-US" sz="1000" dirty="0" smtClean="0"/>
-                        <a:t>Name of the file</a:t>
-                      </a:r>
-                      <a:endParaRPr lang="en-US" sz="1000" dirty="0"/>
-                    </a:p>
-                  </a:txBody>
-                  <a:tcPr/>
-                </a:tc>
-                <a:extLst>
-                  <a:ext uri="{0D108BD9-81ED-4DB2-BD59-A6C34878D82A}">
-                    <a16:rowId xmlns:a16="http://schemas.microsoft.com/office/drawing/2014/main" val="2862899113"/>
-                  </a:ext>
-                </a:extLst>
-              </a:tr>
-              <a:tr h="271149">
-                <a:tc>
-                  <a:txBody>
-                    <a:bodyPr/>
-                    <a:lstStyle/>
-                    <a:p>
-                      <a:r>
-                        <a:rPr lang="en-US" sz="1000" dirty="0" smtClean="0"/>
-                        <a:t>Size</a:t>
-                      </a:r>
-                      <a:endParaRPr lang="en-US" sz="1000" dirty="0"/>
-                    </a:p>
-                  </a:txBody>
-                  <a:tcPr/>
-                </a:tc>
-                <a:tc>
-                  <a:txBody>
-                    <a:bodyPr/>
-                    <a:lstStyle/>
-                    <a:p>
-                      <a:r>
-                        <a:rPr lang="en-US" sz="1000" dirty="0" err="1" smtClean="0"/>
-                        <a:t>Int</a:t>
-                      </a:r>
-                      <a:endParaRPr lang="en-US" sz="1000" dirty="0"/>
-                    </a:p>
-                  </a:txBody>
-                  <a:tcPr/>
-                </a:tc>
-                <a:tc>
-                  <a:txBody>
-                    <a:bodyPr/>
-                    <a:lstStyle/>
-                    <a:p>
-                      <a:r>
-                        <a:rPr lang="en-US" sz="1000" dirty="0" smtClean="0"/>
-                        <a:t>File size</a:t>
-                      </a:r>
-                      <a:endParaRPr lang="en-US" sz="1000" dirty="0"/>
-                    </a:p>
-                  </a:txBody>
-                  <a:tcPr/>
-                </a:tc>
-                <a:extLst>
-                  <a:ext uri="{0D108BD9-81ED-4DB2-BD59-A6C34878D82A}">
-                    <a16:rowId xmlns:a16="http://schemas.microsoft.com/office/drawing/2014/main" val="3219034962"/>
-                  </a:ext>
-                </a:extLst>
-              </a:tr>
-              <a:tr h="271149">
-                <a:tc>
-                  <a:txBody>
-                    <a:bodyPr/>
-                    <a:lstStyle/>
-                    <a:p>
-                      <a:r>
-                        <a:rPr lang="en-US" sz="1000" dirty="0" smtClean="0"/>
-                        <a:t>Version</a:t>
-                      </a:r>
-                      <a:endParaRPr lang="en-US" sz="1000" dirty="0"/>
-                    </a:p>
-                  </a:txBody>
-                  <a:tcPr/>
-                </a:tc>
-                <a:tc>
-                  <a:txBody>
-                    <a:bodyPr/>
-                    <a:lstStyle/>
-                    <a:p>
-                      <a:r>
-                        <a:rPr lang="en-US" sz="1000" dirty="0" smtClean="0"/>
-                        <a:t>String</a:t>
-                      </a:r>
-                      <a:endParaRPr lang="en-US" sz="1000" dirty="0"/>
-                    </a:p>
-                  </a:txBody>
-                  <a:tcPr/>
-                </a:tc>
-                <a:tc>
-                  <a:txBody>
-                    <a:bodyPr/>
-                    <a:lstStyle/>
-                    <a:p>
-                      <a:r>
-                        <a:rPr lang="en-US" sz="1000" dirty="0" smtClean="0"/>
-                        <a:t>File version</a:t>
-                      </a:r>
-                      <a:endParaRPr lang="en-US" sz="1000" dirty="0"/>
-                    </a:p>
-                  </a:txBody>
-                  <a:tcPr/>
-                </a:tc>
-                <a:extLst>
-                  <a:ext uri="{0D108BD9-81ED-4DB2-BD59-A6C34878D82A}">
-                    <a16:rowId xmlns:a16="http://schemas.microsoft.com/office/drawing/2014/main" val="1337648643"/>
-                  </a:ext>
-                </a:extLst>
-              </a:tr>
-              <a:tr h="271149">
-                <a:tc>
-                  <a:txBody>
-                    <a:bodyPr/>
-                    <a:lstStyle/>
-                    <a:p>
-                      <a:r>
-                        <a:rPr lang="en-US" sz="1000" dirty="0" smtClean="0"/>
-                        <a:t>Default</a:t>
-                      </a:r>
-                      <a:endParaRPr lang="en-US" sz="1000" dirty="0"/>
-                    </a:p>
-                  </a:txBody>
-                  <a:tcPr/>
-                </a:tc>
-                <a:tc>
-                  <a:txBody>
-                    <a:bodyPr/>
-                    <a:lstStyle/>
-                    <a:p>
-                      <a:r>
-                        <a:rPr lang="en-US" sz="1000" dirty="0" smtClean="0"/>
-                        <a:t>Bool</a:t>
-                      </a:r>
-                      <a:endParaRPr lang="en-US" sz="1000" dirty="0"/>
-                    </a:p>
-                  </a:txBody>
-                  <a:tcPr/>
-                </a:tc>
-                <a:tc>
-                  <a:txBody>
-                    <a:bodyPr/>
-                    <a:lstStyle/>
-                    <a:p>
-                      <a:r>
-                        <a:rPr lang="en-US" sz="1000" dirty="0" smtClean="0"/>
-                        <a:t>Default file?</a:t>
-                      </a:r>
-                      <a:endParaRPr lang="en-US" sz="1000" dirty="0"/>
-                    </a:p>
-                  </a:txBody>
-                  <a:tcPr/>
-                </a:tc>
-                <a:extLst>
-                  <a:ext uri="{0D108BD9-81ED-4DB2-BD59-A6C34878D82A}">
-                    <a16:rowId xmlns:a16="http://schemas.microsoft.com/office/drawing/2014/main" val="1383260199"/>
-                  </a:ext>
-                </a:extLst>
-              </a:tr>
-              <a:tr h="271149">
-                <a:tc>
-                  <a:txBody>
-                    <a:bodyPr/>
-                    <a:lstStyle/>
-                    <a:p>
-                      <a:r>
-                        <a:rPr lang="en-US" sz="1000" dirty="0" smtClean="0"/>
-                        <a:t>Height</a:t>
-                      </a:r>
-                      <a:endParaRPr lang="en-US" sz="1000" dirty="0"/>
-                    </a:p>
-                  </a:txBody>
-                  <a:tcPr/>
-                </a:tc>
-                <a:tc>
-                  <a:txBody>
-                    <a:bodyPr/>
-                    <a:lstStyle/>
-                    <a:p>
-                      <a:r>
-                        <a:rPr lang="en-US" sz="1000" dirty="0" err="1" smtClean="0"/>
-                        <a:t>Int</a:t>
-                      </a:r>
-                      <a:endParaRPr lang="en-US" sz="1000" dirty="0"/>
-                    </a:p>
-                  </a:txBody>
-                  <a:tcPr/>
-                </a:tc>
-                <a:tc>
-                  <a:txBody>
-                    <a:bodyPr/>
-                    <a:lstStyle/>
-                    <a:p>
-                      <a:endParaRPr lang="en-US" sz="1000" dirty="0"/>
-                    </a:p>
-                  </a:txBody>
-                  <a:tcPr/>
-                </a:tc>
-                <a:extLst>
-                  <a:ext uri="{0D108BD9-81ED-4DB2-BD59-A6C34878D82A}">
-                    <a16:rowId xmlns:a16="http://schemas.microsoft.com/office/drawing/2014/main" val="1564610231"/>
-                  </a:ext>
-                </a:extLst>
-              </a:tr>
-              <a:tr h="271149">
-                <a:tc>
-                  <a:txBody>
-                    <a:bodyPr/>
-                    <a:lstStyle/>
-                    <a:p>
-                      <a:r>
-                        <a:rPr lang="en-US" sz="1000" dirty="0" smtClean="0"/>
-                        <a:t>Width</a:t>
-                      </a:r>
-                      <a:endParaRPr lang="en-US" sz="1000" dirty="0"/>
-                    </a:p>
-                  </a:txBody>
-                  <a:tcPr/>
-                </a:tc>
-                <a:tc>
-                  <a:txBody>
-                    <a:bodyPr/>
-                    <a:lstStyle/>
-                    <a:p>
-                      <a:r>
-                        <a:rPr lang="en-US" sz="1000" dirty="0" err="1" smtClean="0"/>
-                        <a:t>Int</a:t>
-                      </a:r>
-                      <a:endParaRPr lang="en-US" sz="1000" dirty="0"/>
-                    </a:p>
-                  </a:txBody>
-                  <a:tcPr/>
-                </a:tc>
-                <a:tc>
-                  <a:txBody>
-                    <a:bodyPr/>
-                    <a:lstStyle/>
-                    <a:p>
-                      <a:endParaRPr lang="en-US" sz="1000" dirty="0"/>
-                    </a:p>
-                  </a:txBody>
-                  <a:tcPr/>
-                </a:tc>
-                <a:extLst>
-                  <a:ext uri="{0D108BD9-81ED-4DB2-BD59-A6C34878D82A}">
-                    <a16:rowId xmlns:a16="http://schemas.microsoft.com/office/drawing/2014/main" val="3963792943"/>
-                  </a:ext>
-                </a:extLst>
-              </a:tr>
-              <a:tr h="271149">
-                <a:tc>
-                  <a:txBody>
-                    <a:bodyPr/>
-                    <a:lstStyle/>
-                    <a:p>
-                      <a:r>
-                        <a:rPr lang="en-US" sz="1000" dirty="0" err="1" smtClean="0"/>
-                        <a:t>UpdatedOn</a:t>
-                      </a:r>
-                      <a:endParaRPr lang="en-US" sz="1000" dirty="0"/>
-                    </a:p>
-                  </a:txBody>
-                  <a:tcPr/>
-                </a:tc>
-                <a:tc>
-                  <a:txBody>
-                    <a:bodyPr/>
-                    <a:lstStyle/>
-                    <a:p>
-                      <a:r>
-                        <a:rPr lang="en-US" sz="1000" dirty="0" err="1" smtClean="0"/>
-                        <a:t>DateTime</a:t>
-                      </a:r>
-                      <a:endParaRPr lang="en-US" sz="1000" dirty="0"/>
-                    </a:p>
-                  </a:txBody>
-                  <a:tcPr/>
-                </a:tc>
-                <a:tc>
-                  <a:txBody>
-                    <a:bodyPr/>
-                    <a:lstStyle/>
-                    <a:p>
-                      <a:endParaRPr lang="en-US" sz="1000" dirty="0"/>
-                    </a:p>
-                  </a:txBody>
-                  <a:tcPr/>
-                </a:tc>
-                <a:extLst>
-                  <a:ext uri="{0D108BD9-81ED-4DB2-BD59-A6C34878D82A}">
-                    <a16:rowId xmlns:a16="http://schemas.microsoft.com/office/drawing/2014/main" val="919739760"/>
-                  </a:ext>
-                </a:extLst>
-              </a:tr>
-              <a:tr h="271149">
-                <a:tc>
-                  <a:txBody>
-                    <a:bodyPr/>
-                    <a:lstStyle/>
-                    <a:p>
-                      <a:r>
-                        <a:rPr lang="en-US" sz="1000" dirty="0" err="1" smtClean="0"/>
-                        <a:t>UpdatedBy</a:t>
-                      </a:r>
-                      <a:endParaRPr lang="en-US" sz="1000" dirty="0"/>
-                    </a:p>
-                  </a:txBody>
-                  <a:tcPr/>
-                </a:tc>
-                <a:tc>
-                  <a:txBody>
-                    <a:bodyPr/>
-                    <a:lstStyle/>
-                    <a:p>
-                      <a:r>
-                        <a:rPr lang="en-US" sz="1000" dirty="0" smtClean="0"/>
-                        <a:t>String</a:t>
-                      </a:r>
-                      <a:endParaRPr lang="en-US" sz="1000" dirty="0"/>
-                    </a:p>
-                  </a:txBody>
-                  <a:tcPr/>
-                </a:tc>
-                <a:tc>
-                  <a:txBody>
-                    <a:bodyPr/>
-                    <a:lstStyle/>
-                    <a:p>
-                      <a:endParaRPr lang="en-US" sz="1000" dirty="0"/>
-                    </a:p>
-                  </a:txBody>
-                  <a:tcPr/>
-                </a:tc>
-                <a:extLst>
-                  <a:ext uri="{0D108BD9-81ED-4DB2-BD59-A6C34878D82A}">
-                    <a16:rowId xmlns:a16="http://schemas.microsoft.com/office/drawing/2014/main" val="163311733"/>
                   </a:ext>
                 </a:extLst>
               </a:tr>
@@ -12156,9 +15007,12 @@
 </file>
 
 <file path=customXml/item1.xml><?xml version="1.0" encoding="utf-8"?>
-<p:properties xmlns:p="http://schemas.microsoft.com/office/2006/metadata/properties" xmlns:xsi="http://www.w3.org/2001/XMLSchema-instance" xmlns:pc="http://schemas.microsoft.com/office/infopath/2007/PartnerControls">
-  <documentManagement/>
-</p:properties>
+<?mso-contentType ?>
+<FormTemplates xmlns="http://schemas.microsoft.com/sharepoint/v3/contenttype/forms">
+  <Display>DocumentLibraryForm</Display>
+  <Edit>DocumentLibraryForm</Edit>
+  <New>DocumentLibraryForm</New>
+</FormTemplates>
 </file>
 
 <file path=customXml/item2.xml><?xml version="1.0" encoding="utf-8"?>
@@ -12334,19 +15188,15 @@
 </file>
 
 <file path=customXml/item3.xml><?xml version="1.0" encoding="utf-8"?>
-<?mso-contentType ?>
-<FormTemplates xmlns="http://schemas.microsoft.com/sharepoint/v3/contenttype/forms">
-  <Display>DocumentLibraryForm</Display>
-  <Edit>DocumentLibraryForm</Edit>
-  <New>DocumentLibraryForm</New>
-</FormTemplates>
+<p:properties xmlns:p="http://schemas.microsoft.com/office/2006/metadata/properties" xmlns:xsi="http://www.w3.org/2001/XMLSchema-instance" xmlns:pc="http://schemas.microsoft.com/office/infopath/2007/PartnerControls">
+  <documentManagement/>
+</p:properties>
 </file>
 
 <file path=customXml/itemProps1.xml><?xml version="1.0" encoding="utf-8"?>
-<ds:datastoreItem xmlns:ds="http://schemas.openxmlformats.org/officeDocument/2006/customXml" ds:itemID="{2B86CB2E-7645-4F93-82AF-04EAF2AF8C03}">
+<ds:datastoreItem xmlns:ds="http://schemas.openxmlformats.org/officeDocument/2006/customXml" ds:itemID="{8CDB702E-3F50-4264-9CFC-35B79A02A69A}">
   <ds:schemaRefs>
-    <ds:schemaRef ds:uri="http://schemas.microsoft.com/office/2006/metadata/properties"/>
-    <ds:schemaRef ds:uri="http://schemas.microsoft.com/office/infopath/2007/PartnerControls"/>
+    <ds:schemaRef ds:uri="http://schemas.microsoft.com/sharepoint/v3/contenttype/forms"/>
   </ds:schemaRefs>
 </ds:datastoreItem>
 </file>
@@ -12370,9 +15220,10 @@
 </file>
 
 <file path=customXml/itemProps3.xml><?xml version="1.0" encoding="utf-8"?>
-<ds:datastoreItem xmlns:ds="http://schemas.openxmlformats.org/officeDocument/2006/customXml" ds:itemID="{8CDB702E-3F50-4264-9CFC-35B79A02A69A}">
+<ds:datastoreItem xmlns:ds="http://schemas.openxmlformats.org/officeDocument/2006/customXml" ds:itemID="{2B86CB2E-7645-4F93-82AF-04EAF2AF8C03}">
   <ds:schemaRefs>
-    <ds:schemaRef ds:uri="http://schemas.microsoft.com/sharepoint/v3/contenttype/forms"/>
+    <ds:schemaRef ds:uri="http://schemas.microsoft.com/office/2006/metadata/properties"/>
+    <ds:schemaRef ds:uri="http://schemas.microsoft.com/office/infopath/2007/PartnerControls"/>
   </ds:schemaRefs>
 </ds:datastoreItem>
 </file>
--- a/Design/Digital Asset - Design.pptx
+++ b/Design/Digital Asset - Design.pptx
@@ -273,7 +273,7 @@
           <a:p>
             <a:fld id="{8FBEF592-9A5F-4028-BE74-EE215189E296}" type="datetimeFigureOut">
               <a:rPr lang="en-US" smtClean="0"/>
-              <a:t>7/13/2021</a:t>
+              <a:t>8/8/2021</a:t>
             </a:fld>
             <a:endParaRPr lang="en-US"/>
           </a:p>
@@ -471,7 +471,7 @@
           <a:p>
             <a:fld id="{8FBEF592-9A5F-4028-BE74-EE215189E296}" type="datetimeFigureOut">
               <a:rPr lang="en-US" smtClean="0"/>
-              <a:t>7/13/2021</a:t>
+              <a:t>8/8/2021</a:t>
             </a:fld>
             <a:endParaRPr lang="en-US"/>
           </a:p>
@@ -679,7 +679,7 @@
           <a:p>
             <a:fld id="{8FBEF592-9A5F-4028-BE74-EE215189E296}" type="datetimeFigureOut">
               <a:rPr lang="en-US" smtClean="0"/>
-              <a:t>7/13/2021</a:t>
+              <a:t>8/8/2021</a:t>
             </a:fld>
             <a:endParaRPr lang="en-US"/>
           </a:p>
@@ -792,7 +792,7 @@
           <a:p>
             <a:fld id="{708BE3AE-D757-42E3-9D32-22A977FECB4E}" type="datetime4">
               <a:rPr lang="en-US" smtClean="0"/>
-              <a:t>July 13, 2021</a:t>
+              <a:t>August 8, 2021</a:t>
             </a:fld>
             <a:endParaRPr lang="en-US" dirty="0"/>
           </a:p>
@@ -994,7 +994,7 @@
           <a:p>
             <a:fld id="{8FBEF592-9A5F-4028-BE74-EE215189E296}" type="datetimeFigureOut">
               <a:rPr lang="en-US" smtClean="0"/>
-              <a:t>7/13/2021</a:t>
+              <a:t>8/8/2021</a:t>
             </a:fld>
             <a:endParaRPr lang="en-US"/>
           </a:p>
@@ -1269,7 +1269,7 @@
           <a:p>
             <a:fld id="{8FBEF592-9A5F-4028-BE74-EE215189E296}" type="datetimeFigureOut">
               <a:rPr lang="en-US" smtClean="0"/>
-              <a:t>7/13/2021</a:t>
+              <a:t>8/8/2021</a:t>
             </a:fld>
             <a:endParaRPr lang="en-US"/>
           </a:p>
@@ -1534,7 +1534,7 @@
           <a:p>
             <a:fld id="{8FBEF592-9A5F-4028-BE74-EE215189E296}" type="datetimeFigureOut">
               <a:rPr lang="en-US" smtClean="0"/>
-              <a:t>7/13/2021</a:t>
+              <a:t>8/8/2021</a:t>
             </a:fld>
             <a:endParaRPr lang="en-US"/>
           </a:p>
@@ -1946,7 +1946,7 @@
           <a:p>
             <a:fld id="{8FBEF592-9A5F-4028-BE74-EE215189E296}" type="datetimeFigureOut">
               <a:rPr lang="en-US" smtClean="0"/>
-              <a:t>7/13/2021</a:t>
+              <a:t>8/8/2021</a:t>
             </a:fld>
             <a:endParaRPr lang="en-US"/>
           </a:p>
@@ -2087,7 +2087,7 @@
           <a:p>
             <a:fld id="{8FBEF592-9A5F-4028-BE74-EE215189E296}" type="datetimeFigureOut">
               <a:rPr lang="en-US" smtClean="0"/>
-              <a:t>7/13/2021</a:t>
+              <a:t>8/8/2021</a:t>
             </a:fld>
             <a:endParaRPr lang="en-US"/>
           </a:p>
@@ -2200,7 +2200,7 @@
           <a:p>
             <a:fld id="{8FBEF592-9A5F-4028-BE74-EE215189E296}" type="datetimeFigureOut">
               <a:rPr lang="en-US" smtClean="0"/>
-              <a:t>7/13/2021</a:t>
+              <a:t>8/8/2021</a:t>
             </a:fld>
             <a:endParaRPr lang="en-US"/>
           </a:p>
@@ -2511,7 +2511,7 @@
           <a:p>
             <a:fld id="{8FBEF592-9A5F-4028-BE74-EE215189E296}" type="datetimeFigureOut">
               <a:rPr lang="en-US" smtClean="0"/>
-              <a:t>7/13/2021</a:t>
+              <a:t>8/8/2021</a:t>
             </a:fld>
             <a:endParaRPr lang="en-US"/>
           </a:p>
@@ -2799,7 +2799,7 @@
           <a:p>
             <a:fld id="{8FBEF592-9A5F-4028-BE74-EE215189E296}" type="datetimeFigureOut">
               <a:rPr lang="en-US" smtClean="0"/>
-              <a:t>7/13/2021</a:t>
+              <a:t>8/8/2021</a:t>
             </a:fld>
             <a:endParaRPr lang="en-US"/>
           </a:p>
@@ -3040,7 +3040,7 @@
           <a:p>
             <a:fld id="{8FBEF592-9A5F-4028-BE74-EE215189E296}" type="datetimeFigureOut">
               <a:rPr lang="en-US" smtClean="0"/>
-              <a:t>7/13/2021</a:t>
+              <a:t>8/8/2021</a:t>
             </a:fld>
             <a:endParaRPr lang="en-US"/>
           </a:p>
@@ -3488,8 +3488,8 @@
           <a:p>
             <a:pPr algn="ctr"/>
             <a:r>
-              <a:rPr lang="en-US" sz="4000" b="1" dirty="0" err="1" smtClean="0"/>
-              <a:t>eAssets</a:t>
+              <a:rPr lang="en-US" sz="4000" b="1" dirty="0" smtClean="0"/>
+              <a:t>assets</a:t>
             </a:r>
             <a:endParaRPr lang="en-US" sz="4000" dirty="0"/>
           </a:p>
@@ -4912,11 +4912,7 @@
                     <a:p>
                       <a:r>
                         <a:rPr lang="en-US" sz="1000" dirty="0" smtClean="0"/>
-                        <a:t>Unique </a:t>
-                      </a:r>
-                      <a:r>
-                        <a:rPr lang="en-US" sz="1000" dirty="0" smtClean="0"/>
-                        <a:t>Identifier</a:t>
+                        <a:t>Unique Identifier</a:t>
                       </a:r>
                       <a:endParaRPr lang="en-US" sz="1000" dirty="0"/>
                     </a:p>
@@ -8349,15 +8345,7 @@
             </a:r>
             <a:r>
               <a:rPr lang="en-US" sz="1600" dirty="0" smtClean="0"/>
-              <a:t> Digital </a:t>
-            </a:r>
-            <a:r>
-              <a:rPr lang="en-US" sz="1600" dirty="0" smtClean="0"/>
-              <a:t>Asset M</a:t>
-            </a:r>
-            <a:r>
-              <a:rPr lang="en-US" sz="1600" dirty="0" smtClean="0"/>
-              <a:t>anagement</a:t>
+              <a:t> Digital Asset Management</a:t>
             </a:r>
             <a:endParaRPr lang="en-US" sz="1600" dirty="0"/>
           </a:p>
@@ -8493,11 +8481,7 @@
             </a:pPr>
             <a:r>
               <a:rPr lang="en-US" sz="1600" b="1" dirty="0" smtClean="0"/>
-              <a:t>Front-end</a:t>
-            </a:r>
-            <a:r>
-              <a:rPr lang="en-US" sz="1600" b="1" dirty="0" smtClean="0"/>
-              <a:t>:</a:t>
+              <a:t>Front-end:</a:t>
             </a:r>
             <a:endParaRPr lang="en-US" sz="1600" dirty="0" smtClean="0"/>
           </a:p>
@@ -8573,17 +8557,12 @@
             </a:pPr>
             <a:r>
               <a:rPr lang="en-US" sz="1600" dirty="0" err="1" smtClean="0"/>
-              <a:t>.</a:t>
-            </a:r>
-            <a:r>
-              <a:rPr lang="en-US" sz="1600" dirty="0" err="1" smtClean="0"/>
-              <a:t>net</a:t>
+              <a:t>.net</a:t>
             </a:r>
             <a:r>
               <a:rPr lang="en-US" sz="1600" dirty="0" smtClean="0"/>
               <a:t> Core, </a:t>
             </a:r>
-            <a:endParaRPr lang="en-US" sz="1600" dirty="0" smtClean="0"/>
           </a:p>
           <a:p>
             <a:pPr marL="800100" lvl="1" indent="-342900">
@@ -8604,7 +8583,6 @@
               <a:rPr lang="en-US" sz="1600" dirty="0" smtClean="0"/>
               <a:t>Azure</a:t>
             </a:r>
-            <a:endParaRPr lang="en-US" sz="1600" dirty="0" smtClean="0"/>
           </a:p>
           <a:p>
             <a:pPr marL="342900" indent="-342900">
@@ -15007,12 +14985,9 @@
 </file>
 
 <file path=customXml/item1.xml><?xml version="1.0" encoding="utf-8"?>
-<?mso-contentType ?>
-<FormTemplates xmlns="http://schemas.microsoft.com/sharepoint/v3/contenttype/forms">
-  <Display>DocumentLibraryForm</Display>
-  <Edit>DocumentLibraryForm</Edit>
-  <New>DocumentLibraryForm</New>
-</FormTemplates>
+<p:properties xmlns:p="http://schemas.microsoft.com/office/2006/metadata/properties" xmlns:xsi="http://www.w3.org/2001/XMLSchema-instance" xmlns:pc="http://schemas.microsoft.com/office/infopath/2007/PartnerControls">
+  <documentManagement/>
+</p:properties>
 </file>
 
 <file path=customXml/item2.xml><?xml version="1.0" encoding="utf-8"?>
@@ -15188,15 +15163,19 @@
 </file>
 
 <file path=customXml/item3.xml><?xml version="1.0" encoding="utf-8"?>
-<p:properties xmlns:p="http://schemas.microsoft.com/office/2006/metadata/properties" xmlns:xsi="http://www.w3.org/2001/XMLSchema-instance" xmlns:pc="http://schemas.microsoft.com/office/infopath/2007/PartnerControls">
-  <documentManagement/>
-</p:properties>
+<?mso-contentType ?>
+<FormTemplates xmlns="http://schemas.microsoft.com/sharepoint/v3/contenttype/forms">
+  <Display>DocumentLibraryForm</Display>
+  <Edit>DocumentLibraryForm</Edit>
+  <New>DocumentLibraryForm</New>
+</FormTemplates>
 </file>
 
 <file path=customXml/itemProps1.xml><?xml version="1.0" encoding="utf-8"?>
-<ds:datastoreItem xmlns:ds="http://schemas.openxmlformats.org/officeDocument/2006/customXml" ds:itemID="{8CDB702E-3F50-4264-9CFC-35B79A02A69A}">
+<ds:datastoreItem xmlns:ds="http://schemas.openxmlformats.org/officeDocument/2006/customXml" ds:itemID="{2B86CB2E-7645-4F93-82AF-04EAF2AF8C03}">
   <ds:schemaRefs>
-    <ds:schemaRef ds:uri="http://schemas.microsoft.com/sharepoint/v3/contenttype/forms"/>
+    <ds:schemaRef ds:uri="http://schemas.microsoft.com/office/2006/metadata/properties"/>
+    <ds:schemaRef ds:uri="http://schemas.microsoft.com/office/infopath/2007/PartnerControls"/>
   </ds:schemaRefs>
 </ds:datastoreItem>
 </file>
@@ -15220,10 +15199,9 @@
 </file>
 
 <file path=customXml/itemProps3.xml><?xml version="1.0" encoding="utf-8"?>
-<ds:datastoreItem xmlns:ds="http://schemas.openxmlformats.org/officeDocument/2006/customXml" ds:itemID="{2B86CB2E-7645-4F93-82AF-04EAF2AF8C03}">
+<ds:datastoreItem xmlns:ds="http://schemas.openxmlformats.org/officeDocument/2006/customXml" ds:itemID="{8CDB702E-3F50-4264-9CFC-35B79A02A69A}">
   <ds:schemaRefs>
-    <ds:schemaRef ds:uri="http://schemas.microsoft.com/office/2006/metadata/properties"/>
-    <ds:schemaRef ds:uri="http://schemas.microsoft.com/office/infopath/2007/PartnerControls"/>
+    <ds:schemaRef ds:uri="http://schemas.microsoft.com/sharepoint/v3/contenttype/forms"/>
   </ds:schemaRefs>
 </ds:datastoreItem>
 </file>
--- a/Design/Digital Asset - Design.pptx
+++ b/Design/Digital Asset - Design.pptx
@@ -18,8 +18,9 @@
     <p:sldId id="8352" r:id="rId15"/>
     <p:sldId id="8344" r:id="rId16"/>
     <p:sldId id="8353" r:id="rId17"/>
-    <p:sldId id="8345" r:id="rId18"/>
-    <p:sldId id="8350" r:id="rId19"/>
+    <p:sldId id="8354" r:id="rId18"/>
+    <p:sldId id="8345" r:id="rId19"/>
+    <p:sldId id="8350" r:id="rId20"/>
   </p:sldIdLst>
   <p:sldSz cx="12192000" cy="6858000"/>
   <p:notesSz cx="6858000" cy="9144000"/>
@@ -273,7 +274,7 @@
           <a:p>
             <a:fld id="{8FBEF592-9A5F-4028-BE74-EE215189E296}" type="datetimeFigureOut">
               <a:rPr lang="en-US" smtClean="0"/>
-              <a:t>8/8/2021</a:t>
+              <a:t>8/13/2021</a:t>
             </a:fld>
             <a:endParaRPr lang="en-US"/>
           </a:p>
@@ -471,7 +472,7 @@
           <a:p>
             <a:fld id="{8FBEF592-9A5F-4028-BE74-EE215189E296}" type="datetimeFigureOut">
               <a:rPr lang="en-US" smtClean="0"/>
-              <a:t>8/8/2021</a:t>
+              <a:t>8/13/2021</a:t>
             </a:fld>
             <a:endParaRPr lang="en-US"/>
           </a:p>
@@ -679,7 +680,7 @@
           <a:p>
             <a:fld id="{8FBEF592-9A5F-4028-BE74-EE215189E296}" type="datetimeFigureOut">
               <a:rPr lang="en-US" smtClean="0"/>
-              <a:t>8/8/2021</a:t>
+              <a:t>8/13/2021</a:t>
             </a:fld>
             <a:endParaRPr lang="en-US"/>
           </a:p>
@@ -792,7 +793,7 @@
           <a:p>
             <a:fld id="{708BE3AE-D757-42E3-9D32-22A977FECB4E}" type="datetime4">
               <a:rPr lang="en-US" smtClean="0"/>
-              <a:t>August 8, 2021</a:t>
+              <a:t>August 13, 2021</a:t>
             </a:fld>
             <a:endParaRPr lang="en-US" dirty="0"/>
           </a:p>
@@ -994,7 +995,7 @@
           <a:p>
             <a:fld id="{8FBEF592-9A5F-4028-BE74-EE215189E296}" type="datetimeFigureOut">
               <a:rPr lang="en-US" smtClean="0"/>
-              <a:t>8/8/2021</a:t>
+              <a:t>8/13/2021</a:t>
             </a:fld>
             <a:endParaRPr lang="en-US"/>
           </a:p>
@@ -1269,7 +1270,7 @@
           <a:p>
             <a:fld id="{8FBEF592-9A5F-4028-BE74-EE215189E296}" type="datetimeFigureOut">
               <a:rPr lang="en-US" smtClean="0"/>
-              <a:t>8/8/2021</a:t>
+              <a:t>8/13/2021</a:t>
             </a:fld>
             <a:endParaRPr lang="en-US"/>
           </a:p>
@@ -1534,7 +1535,7 @@
           <a:p>
             <a:fld id="{8FBEF592-9A5F-4028-BE74-EE215189E296}" type="datetimeFigureOut">
               <a:rPr lang="en-US" smtClean="0"/>
-              <a:t>8/8/2021</a:t>
+              <a:t>8/13/2021</a:t>
             </a:fld>
             <a:endParaRPr lang="en-US"/>
           </a:p>
@@ -1946,7 +1947,7 @@
           <a:p>
             <a:fld id="{8FBEF592-9A5F-4028-BE74-EE215189E296}" type="datetimeFigureOut">
               <a:rPr lang="en-US" smtClean="0"/>
-              <a:t>8/8/2021</a:t>
+              <a:t>8/13/2021</a:t>
             </a:fld>
             <a:endParaRPr lang="en-US"/>
           </a:p>
@@ -2087,7 +2088,7 @@
           <a:p>
             <a:fld id="{8FBEF592-9A5F-4028-BE74-EE215189E296}" type="datetimeFigureOut">
               <a:rPr lang="en-US" smtClean="0"/>
-              <a:t>8/8/2021</a:t>
+              <a:t>8/13/2021</a:t>
             </a:fld>
             <a:endParaRPr lang="en-US"/>
           </a:p>
@@ -2200,7 +2201,7 @@
           <a:p>
             <a:fld id="{8FBEF592-9A5F-4028-BE74-EE215189E296}" type="datetimeFigureOut">
               <a:rPr lang="en-US" smtClean="0"/>
-              <a:t>8/8/2021</a:t>
+              <a:t>8/13/2021</a:t>
             </a:fld>
             <a:endParaRPr lang="en-US"/>
           </a:p>
@@ -2511,7 +2512,7 @@
           <a:p>
             <a:fld id="{8FBEF592-9A5F-4028-BE74-EE215189E296}" type="datetimeFigureOut">
               <a:rPr lang="en-US" smtClean="0"/>
-              <a:t>8/8/2021</a:t>
+              <a:t>8/13/2021</a:t>
             </a:fld>
             <a:endParaRPr lang="en-US"/>
           </a:p>
@@ -2799,7 +2800,7 @@
           <a:p>
             <a:fld id="{8FBEF592-9A5F-4028-BE74-EE215189E296}" type="datetimeFigureOut">
               <a:rPr lang="en-US" smtClean="0"/>
-              <a:t>8/8/2021</a:t>
+              <a:t>8/13/2021</a:t>
             </a:fld>
             <a:endParaRPr lang="en-US"/>
           </a:p>
@@ -3040,7 +3041,7 @@
           <a:p>
             <a:fld id="{8FBEF592-9A5F-4028-BE74-EE215189E296}" type="datetimeFigureOut">
               <a:rPr lang="en-US" smtClean="0"/>
-              <a:t>8/8/2021</a:t>
+              <a:t>8/13/2021</a:t>
             </a:fld>
             <a:endParaRPr lang="en-US"/>
           </a:p>
@@ -7884,6 +7885,80 @@
       </p:grpSpPr>
       <p:sp>
         <p:nvSpPr>
+          <p:cNvPr id="6" name="Rectangle 5"/>
+          <p:cNvSpPr/>
+          <p:nvPr/>
+        </p:nvSpPr>
+        <p:spPr>
+          <a:xfrm>
+            <a:off x="5125573" y="4775300"/>
+            <a:ext cx="1796143" cy="1136284"/>
+          </a:xfrm>
+          <a:prstGeom prst="rect">
+            <a:avLst/>
+          </a:prstGeom>
+          <a:solidFill>
+            <a:schemeClr val="bg1"/>
+          </a:solidFill>
+          <a:ln>
+            <a:solidFill>
+              <a:schemeClr val="bg1">
+                <a:lumMod val="50000"/>
+              </a:schemeClr>
+            </a:solidFill>
+            <a:prstDash val="dash"/>
+          </a:ln>
+        </p:spPr>
+        <p:style>
+          <a:lnRef idx="2">
+            <a:schemeClr val="accent1">
+              <a:shade val="50000"/>
+            </a:schemeClr>
+          </a:lnRef>
+          <a:fillRef idx="1">
+            <a:schemeClr val="accent1"/>
+          </a:fillRef>
+          <a:effectRef idx="0">
+            <a:schemeClr val="accent1"/>
+          </a:effectRef>
+          <a:fontRef idx="minor">
+            <a:schemeClr val="lt1"/>
+          </a:fontRef>
+        </p:style>
+        <p:txBody>
+          <a:bodyPr rtlCol="0" anchor="b"/>
+          <a:lstStyle/>
+          <a:p>
+            <a:pPr algn="ctr"/>
+            <a:r>
+              <a:rPr lang="en-US" sz="1000" dirty="0" smtClean="0">
+                <a:solidFill>
+                  <a:schemeClr val="accent1"/>
+                </a:solidFill>
+              </a:rPr>
+              <a:t>DAM</a:t>
+            </a:r>
+          </a:p>
+          <a:p>
+            <a:pPr algn="ctr"/>
+            <a:r>
+              <a:rPr lang="en-US" sz="1000" dirty="0" smtClean="0">
+                <a:solidFill>
+                  <a:schemeClr val="accent1"/>
+                </a:solidFill>
+              </a:rPr>
+              <a:t>Database and Blob storage</a:t>
+            </a:r>
+            <a:endParaRPr lang="en-US" sz="1000" dirty="0">
+              <a:solidFill>
+                <a:schemeClr val="accent1"/>
+              </a:solidFill>
+            </a:endParaRPr>
+          </a:p>
+        </p:txBody>
+      </p:sp>
+      <p:sp>
+        <p:nvSpPr>
           <p:cNvPr id="109" name="Title 1">
             <a:extLst>
               <a:ext uri="{FF2B5EF4-FFF2-40B4-BE49-F238E27FC236}">
@@ -7929,6 +8004,806 @@
           <a:p>
             <a:r>
               <a:rPr lang="en-US" sz="3600" dirty="0" smtClean="0"/>
+              <a:t>Assets importer</a:t>
+            </a:r>
+            <a:endParaRPr lang="en-US" sz="3600" dirty="0"/>
+          </a:p>
+        </p:txBody>
+      </p:sp>
+      <p:sp>
+        <p:nvSpPr>
+          <p:cNvPr id="16" name="Rectangle 15"/>
+          <p:cNvSpPr/>
+          <p:nvPr/>
+        </p:nvSpPr>
+        <p:spPr>
+          <a:xfrm>
+            <a:off x="2504039" y="1839417"/>
+            <a:ext cx="1060071" cy="491460"/>
+          </a:xfrm>
+          <a:prstGeom prst="rect">
+            <a:avLst/>
+          </a:prstGeom>
+          <a:solidFill>
+            <a:schemeClr val="accent5">
+              <a:lumMod val="40000"/>
+              <a:lumOff val="60000"/>
+            </a:schemeClr>
+          </a:solidFill>
+        </p:spPr>
+        <p:style>
+          <a:lnRef idx="0">
+            <a:schemeClr val="accent4"/>
+          </a:lnRef>
+          <a:fillRef idx="3">
+            <a:schemeClr val="accent4"/>
+          </a:fillRef>
+          <a:effectRef idx="3">
+            <a:schemeClr val="accent4"/>
+          </a:effectRef>
+          <a:fontRef idx="minor">
+            <a:schemeClr val="lt1"/>
+          </a:fontRef>
+        </p:style>
+        <p:txBody>
+          <a:bodyPr rtlCol="0" anchor="ctr"/>
+          <a:lstStyle/>
+          <a:p>
+            <a:pPr algn="ctr"/>
+            <a:r>
+              <a:rPr lang="en-US" sz="1400" dirty="0" smtClean="0">
+                <a:solidFill>
+                  <a:schemeClr val="tx1"/>
+                </a:solidFill>
+              </a:rPr>
+              <a:t>Extract</a:t>
+            </a:r>
+          </a:p>
+        </p:txBody>
+      </p:sp>
+      <p:sp>
+        <p:nvSpPr>
+          <p:cNvPr id="17" name="Rectangle 16"/>
+          <p:cNvSpPr/>
+          <p:nvPr/>
+        </p:nvSpPr>
+        <p:spPr>
+          <a:xfrm>
+            <a:off x="5395155" y="1839417"/>
+            <a:ext cx="1264022" cy="491460"/>
+          </a:xfrm>
+          <a:prstGeom prst="rect">
+            <a:avLst/>
+          </a:prstGeom>
+        </p:spPr>
+        <p:style>
+          <a:lnRef idx="0">
+            <a:schemeClr val="accent4"/>
+          </a:lnRef>
+          <a:fillRef idx="3">
+            <a:schemeClr val="accent4"/>
+          </a:fillRef>
+          <a:effectRef idx="3">
+            <a:schemeClr val="accent4"/>
+          </a:effectRef>
+          <a:fontRef idx="minor">
+            <a:schemeClr val="lt1"/>
+          </a:fontRef>
+        </p:style>
+        <p:txBody>
+          <a:bodyPr rtlCol="0" anchor="ctr"/>
+          <a:lstStyle/>
+          <a:p>
+            <a:pPr algn="ctr"/>
+            <a:r>
+              <a:rPr lang="en-US" sz="1400" dirty="0" smtClean="0">
+                <a:solidFill>
+                  <a:schemeClr val="tx1"/>
+                </a:solidFill>
+              </a:rPr>
+              <a:t>Find Delta</a:t>
+            </a:r>
+            <a:endParaRPr lang="en-US" sz="1400" dirty="0">
+              <a:solidFill>
+                <a:schemeClr val="tx1"/>
+              </a:solidFill>
+            </a:endParaRPr>
+          </a:p>
+        </p:txBody>
+      </p:sp>
+      <p:cxnSp>
+        <p:nvCxnSpPr>
+          <p:cNvPr id="4" name="Straight Arrow Connector 3"/>
+          <p:cNvCxnSpPr>
+            <a:stCxn id="17" idx="1"/>
+            <a:endCxn id="16" idx="3"/>
+          </p:cNvCxnSpPr>
+          <p:nvPr/>
+        </p:nvCxnSpPr>
+        <p:spPr>
+          <a:xfrm flipH="1">
+            <a:off x="3564110" y="2085147"/>
+            <a:ext cx="1831045" cy="0"/>
+          </a:xfrm>
+          <a:prstGeom prst="straightConnector1">
+            <a:avLst/>
+          </a:prstGeom>
+          <a:ln>
+            <a:tailEnd type="triangle"/>
+          </a:ln>
+        </p:spPr>
+        <p:style>
+          <a:lnRef idx="1">
+            <a:schemeClr val="accent1"/>
+          </a:lnRef>
+          <a:fillRef idx="0">
+            <a:schemeClr val="accent1"/>
+          </a:fillRef>
+          <a:effectRef idx="0">
+            <a:schemeClr val="accent1"/>
+          </a:effectRef>
+          <a:fontRef idx="minor">
+            <a:schemeClr val="tx1"/>
+          </a:fontRef>
+        </p:style>
+      </p:cxnSp>
+      <p:sp>
+        <p:nvSpPr>
+          <p:cNvPr id="21" name="TextBox 20"/>
+          <p:cNvSpPr txBox="1"/>
+          <p:nvPr/>
+        </p:nvSpPr>
+        <p:spPr>
+          <a:xfrm>
+            <a:off x="3960134" y="1848965"/>
+            <a:ext cx="841897" cy="246221"/>
+          </a:xfrm>
+          <a:prstGeom prst="rect">
+            <a:avLst/>
+          </a:prstGeom>
+          <a:noFill/>
+        </p:spPr>
+        <p:txBody>
+          <a:bodyPr wrap="none" rtlCol="0">
+            <a:spAutoFit/>
+          </a:bodyPr>
+          <a:lstStyle/>
+          <a:p>
+            <a:r>
+              <a:rPr lang="en-US" sz="1000" dirty="0" smtClean="0"/>
+              <a:t>Read extract</a:t>
+            </a:r>
+            <a:endParaRPr lang="en-US" sz="1000" dirty="0"/>
+          </a:p>
+        </p:txBody>
+      </p:sp>
+      <p:sp>
+        <p:nvSpPr>
+          <p:cNvPr id="5" name="Flowchart: Magnetic Disk 4"/>
+          <p:cNvSpPr/>
+          <p:nvPr/>
+        </p:nvSpPr>
+        <p:spPr>
+          <a:xfrm>
+            <a:off x="5340726" y="4966551"/>
+            <a:ext cx="581103" cy="480892"/>
+          </a:xfrm>
+          <a:prstGeom prst="flowChartMagneticDisk">
+            <a:avLst/>
+          </a:prstGeom>
+          <a:solidFill>
+            <a:srgbClr val="00B0F0"/>
+          </a:solidFill>
+          <a:effectLst>
+            <a:outerShdw blurRad="50800" dist="38100" dir="2700000" algn="tl" rotWithShape="0">
+              <a:prstClr val="black">
+                <a:alpha val="40000"/>
+              </a:prstClr>
+            </a:outerShdw>
+          </a:effectLst>
+        </p:spPr>
+        <p:style>
+          <a:lnRef idx="2">
+            <a:schemeClr val="accent1">
+              <a:shade val="50000"/>
+            </a:schemeClr>
+          </a:lnRef>
+          <a:fillRef idx="1">
+            <a:schemeClr val="accent1"/>
+          </a:fillRef>
+          <a:effectRef idx="0">
+            <a:schemeClr val="accent1"/>
+          </a:effectRef>
+          <a:fontRef idx="minor">
+            <a:schemeClr val="lt1"/>
+          </a:fontRef>
+        </p:style>
+        <p:txBody>
+          <a:bodyPr rtlCol="0" anchor="t"/>
+          <a:lstStyle/>
+          <a:p>
+            <a:pPr algn="ctr"/>
+            <a:r>
+              <a:rPr lang="en-US" sz="1000" dirty="0" smtClean="0"/>
+              <a:t>assets</a:t>
+            </a:r>
+            <a:endParaRPr lang="en-US" sz="1000" dirty="0"/>
+          </a:p>
+        </p:txBody>
+      </p:sp>
+      <p:sp>
+        <p:nvSpPr>
+          <p:cNvPr id="26" name="Flowchart: Magnetic Disk 25"/>
+          <p:cNvSpPr/>
+          <p:nvPr/>
+        </p:nvSpPr>
+        <p:spPr>
+          <a:xfrm>
+            <a:off x="6023645" y="4966551"/>
+            <a:ext cx="581103" cy="480892"/>
+          </a:xfrm>
+          <a:prstGeom prst="flowChartMagneticDisk">
+            <a:avLst/>
+          </a:prstGeom>
+          <a:solidFill>
+            <a:srgbClr val="00B0F0"/>
+          </a:solidFill>
+          <a:effectLst>
+            <a:outerShdw blurRad="50800" dist="38100" dir="2700000" algn="tl" rotWithShape="0">
+              <a:prstClr val="black">
+                <a:alpha val="40000"/>
+              </a:prstClr>
+            </a:outerShdw>
+          </a:effectLst>
+        </p:spPr>
+        <p:style>
+          <a:lnRef idx="2">
+            <a:schemeClr val="accent1">
+              <a:shade val="50000"/>
+            </a:schemeClr>
+          </a:lnRef>
+          <a:fillRef idx="1">
+            <a:schemeClr val="accent1"/>
+          </a:fillRef>
+          <a:effectRef idx="0">
+            <a:schemeClr val="accent1"/>
+          </a:effectRef>
+          <a:fontRef idx="minor">
+            <a:schemeClr val="lt1"/>
+          </a:fontRef>
+        </p:style>
+        <p:txBody>
+          <a:bodyPr rtlCol="0" anchor="t"/>
+          <a:lstStyle/>
+          <a:p>
+            <a:pPr algn="ctr"/>
+            <a:r>
+              <a:rPr lang="en-US" sz="1000" dirty="0" smtClean="0"/>
+              <a:t>files</a:t>
+            </a:r>
+            <a:endParaRPr lang="en-US" sz="1000" dirty="0"/>
+          </a:p>
+        </p:txBody>
+      </p:sp>
+      <p:sp>
+        <p:nvSpPr>
+          <p:cNvPr id="30" name="Rectangle 29"/>
+          <p:cNvSpPr/>
+          <p:nvPr/>
+        </p:nvSpPr>
+        <p:spPr>
+          <a:xfrm>
+            <a:off x="8486700" y="1839417"/>
+            <a:ext cx="1060071" cy="491460"/>
+          </a:xfrm>
+          <a:prstGeom prst="rect">
+            <a:avLst/>
+          </a:prstGeom>
+          <a:solidFill>
+            <a:schemeClr val="accent5">
+              <a:lumMod val="40000"/>
+              <a:lumOff val="60000"/>
+            </a:schemeClr>
+          </a:solidFill>
+        </p:spPr>
+        <p:style>
+          <a:lnRef idx="0">
+            <a:schemeClr val="accent4"/>
+          </a:lnRef>
+          <a:fillRef idx="3">
+            <a:schemeClr val="accent4"/>
+          </a:fillRef>
+          <a:effectRef idx="3">
+            <a:schemeClr val="accent4"/>
+          </a:effectRef>
+          <a:fontRef idx="minor">
+            <a:schemeClr val="lt1"/>
+          </a:fontRef>
+        </p:style>
+        <p:txBody>
+          <a:bodyPr rtlCol="0" anchor="ctr"/>
+          <a:lstStyle/>
+          <a:p>
+            <a:pPr algn="ctr"/>
+            <a:r>
+              <a:rPr lang="en-US" sz="1400" dirty="0" smtClean="0">
+                <a:solidFill>
+                  <a:schemeClr val="tx1"/>
+                </a:solidFill>
+              </a:rPr>
+              <a:t>Previous</a:t>
+            </a:r>
+          </a:p>
+          <a:p>
+            <a:pPr algn="ctr"/>
+            <a:r>
+              <a:rPr lang="en-US" sz="1400" dirty="0" smtClean="0">
+                <a:solidFill>
+                  <a:schemeClr val="tx1"/>
+                </a:solidFill>
+              </a:rPr>
+              <a:t>State</a:t>
+            </a:r>
+            <a:endParaRPr lang="en-US" sz="1400" dirty="0">
+              <a:solidFill>
+                <a:schemeClr val="tx1"/>
+              </a:solidFill>
+            </a:endParaRPr>
+          </a:p>
+        </p:txBody>
+      </p:sp>
+      <p:cxnSp>
+        <p:nvCxnSpPr>
+          <p:cNvPr id="31" name="Straight Arrow Connector 30"/>
+          <p:cNvCxnSpPr>
+            <a:stCxn id="17" idx="3"/>
+            <a:endCxn id="30" idx="1"/>
+          </p:cNvCxnSpPr>
+          <p:nvPr/>
+        </p:nvCxnSpPr>
+        <p:spPr>
+          <a:xfrm>
+            <a:off x="6659177" y="2085147"/>
+            <a:ext cx="1827523" cy="0"/>
+          </a:xfrm>
+          <a:prstGeom prst="straightConnector1">
+            <a:avLst/>
+          </a:prstGeom>
+          <a:ln>
+            <a:tailEnd type="triangle"/>
+          </a:ln>
+        </p:spPr>
+        <p:style>
+          <a:lnRef idx="1">
+            <a:schemeClr val="accent1"/>
+          </a:lnRef>
+          <a:fillRef idx="0">
+            <a:schemeClr val="accent1"/>
+          </a:fillRef>
+          <a:effectRef idx="0">
+            <a:schemeClr val="accent1"/>
+          </a:effectRef>
+          <a:fontRef idx="minor">
+            <a:schemeClr val="tx1"/>
+          </a:fontRef>
+        </p:style>
+      </p:cxnSp>
+      <p:sp>
+        <p:nvSpPr>
+          <p:cNvPr id="33" name="Flowchart: Magnetic Disk 32"/>
+          <p:cNvSpPr/>
+          <p:nvPr/>
+        </p:nvSpPr>
+        <p:spPr>
+          <a:xfrm>
+            <a:off x="5736614" y="2863262"/>
+            <a:ext cx="581103" cy="480892"/>
+          </a:xfrm>
+          <a:prstGeom prst="flowChartMagneticDisk">
+            <a:avLst/>
+          </a:prstGeom>
+          <a:solidFill>
+            <a:srgbClr val="00B0F0"/>
+          </a:solidFill>
+          <a:effectLst>
+            <a:outerShdw blurRad="50800" dist="38100" dir="2700000" algn="tl" rotWithShape="0">
+              <a:prstClr val="black">
+                <a:alpha val="40000"/>
+              </a:prstClr>
+            </a:outerShdw>
+          </a:effectLst>
+        </p:spPr>
+        <p:style>
+          <a:lnRef idx="2">
+            <a:schemeClr val="accent1">
+              <a:shade val="50000"/>
+            </a:schemeClr>
+          </a:lnRef>
+          <a:fillRef idx="1">
+            <a:schemeClr val="accent1"/>
+          </a:fillRef>
+          <a:effectRef idx="0">
+            <a:schemeClr val="accent1"/>
+          </a:effectRef>
+          <a:fontRef idx="minor">
+            <a:schemeClr val="lt1"/>
+          </a:fontRef>
+        </p:style>
+        <p:txBody>
+          <a:bodyPr rtlCol="0" anchor="t"/>
+          <a:lstStyle/>
+          <a:p>
+            <a:pPr algn="ctr"/>
+            <a:r>
+              <a:rPr lang="en-US" sz="1000" dirty="0" smtClean="0"/>
+              <a:t>Delta</a:t>
+            </a:r>
+            <a:endParaRPr lang="en-US" sz="1000" dirty="0"/>
+          </a:p>
+        </p:txBody>
+      </p:sp>
+      <p:cxnSp>
+        <p:nvCxnSpPr>
+          <p:cNvPr id="34" name="Straight Arrow Connector 33"/>
+          <p:cNvCxnSpPr>
+            <a:stCxn id="17" idx="2"/>
+            <a:endCxn id="33" idx="1"/>
+          </p:cNvCxnSpPr>
+          <p:nvPr/>
+        </p:nvCxnSpPr>
+        <p:spPr>
+          <a:xfrm>
+            <a:off x="6027166" y="2330877"/>
+            <a:ext cx="0" cy="532385"/>
+          </a:xfrm>
+          <a:prstGeom prst="straightConnector1">
+            <a:avLst/>
+          </a:prstGeom>
+          <a:ln>
+            <a:tailEnd type="triangle"/>
+          </a:ln>
+        </p:spPr>
+        <p:style>
+          <a:lnRef idx="1">
+            <a:schemeClr val="accent1"/>
+          </a:lnRef>
+          <a:fillRef idx="0">
+            <a:schemeClr val="accent1"/>
+          </a:fillRef>
+          <a:effectRef idx="0">
+            <a:schemeClr val="accent1"/>
+          </a:effectRef>
+          <a:fontRef idx="minor">
+            <a:schemeClr val="tx1"/>
+          </a:fontRef>
+        </p:style>
+      </p:cxnSp>
+      <p:sp>
+        <p:nvSpPr>
+          <p:cNvPr id="37" name="Rectangle 36"/>
+          <p:cNvSpPr/>
+          <p:nvPr/>
+        </p:nvSpPr>
+        <p:spPr>
+          <a:xfrm>
+            <a:off x="5395310" y="3876539"/>
+            <a:ext cx="1264022" cy="491460"/>
+          </a:xfrm>
+          <a:prstGeom prst="rect">
+            <a:avLst/>
+          </a:prstGeom>
+        </p:spPr>
+        <p:style>
+          <a:lnRef idx="0">
+            <a:schemeClr val="accent4"/>
+          </a:lnRef>
+          <a:fillRef idx="3">
+            <a:schemeClr val="accent4"/>
+          </a:fillRef>
+          <a:effectRef idx="3">
+            <a:schemeClr val="accent4"/>
+          </a:effectRef>
+          <a:fontRef idx="minor">
+            <a:schemeClr val="lt1"/>
+          </a:fontRef>
+        </p:style>
+        <p:txBody>
+          <a:bodyPr rtlCol="0" anchor="ctr"/>
+          <a:lstStyle/>
+          <a:p>
+            <a:pPr algn="ctr"/>
+            <a:r>
+              <a:rPr lang="en-US" sz="1400" dirty="0" smtClean="0">
+                <a:solidFill>
+                  <a:schemeClr val="tx1"/>
+                </a:solidFill>
+              </a:rPr>
+              <a:t>Process</a:t>
+            </a:r>
+            <a:endParaRPr lang="en-US" sz="1400" dirty="0">
+              <a:solidFill>
+                <a:schemeClr val="tx1"/>
+              </a:solidFill>
+            </a:endParaRPr>
+          </a:p>
+        </p:txBody>
+      </p:sp>
+      <p:cxnSp>
+        <p:nvCxnSpPr>
+          <p:cNvPr id="38" name="Straight Arrow Connector 37"/>
+          <p:cNvCxnSpPr>
+            <a:stCxn id="37" idx="0"/>
+            <a:endCxn id="33" idx="3"/>
+          </p:cNvCxnSpPr>
+          <p:nvPr/>
+        </p:nvCxnSpPr>
+        <p:spPr>
+          <a:xfrm flipH="1" flipV="1">
+            <a:off x="6027166" y="3344154"/>
+            <a:ext cx="155" cy="532385"/>
+          </a:xfrm>
+          <a:prstGeom prst="straightConnector1">
+            <a:avLst/>
+          </a:prstGeom>
+          <a:ln>
+            <a:tailEnd type="triangle"/>
+          </a:ln>
+        </p:spPr>
+        <p:style>
+          <a:lnRef idx="1">
+            <a:schemeClr val="accent1"/>
+          </a:lnRef>
+          <a:fillRef idx="0">
+            <a:schemeClr val="accent1"/>
+          </a:fillRef>
+          <a:effectRef idx="0">
+            <a:schemeClr val="accent1"/>
+          </a:effectRef>
+          <a:fontRef idx="minor">
+            <a:schemeClr val="tx1"/>
+          </a:fontRef>
+        </p:style>
+      </p:cxnSp>
+      <p:cxnSp>
+        <p:nvCxnSpPr>
+          <p:cNvPr id="40" name="Straight Arrow Connector 39"/>
+          <p:cNvCxnSpPr>
+            <a:stCxn id="37" idx="2"/>
+            <a:endCxn id="6" idx="0"/>
+          </p:cNvCxnSpPr>
+          <p:nvPr/>
+        </p:nvCxnSpPr>
+        <p:spPr>
+          <a:xfrm flipH="1">
+            <a:off x="6023645" y="4367999"/>
+            <a:ext cx="3676" cy="407301"/>
+          </a:xfrm>
+          <a:prstGeom prst="straightConnector1">
+            <a:avLst/>
+          </a:prstGeom>
+          <a:ln>
+            <a:tailEnd type="triangle"/>
+          </a:ln>
+        </p:spPr>
+        <p:style>
+          <a:lnRef idx="1">
+            <a:schemeClr val="accent1"/>
+          </a:lnRef>
+          <a:fillRef idx="0">
+            <a:schemeClr val="accent1"/>
+          </a:fillRef>
+          <a:effectRef idx="0">
+            <a:schemeClr val="accent1"/>
+          </a:effectRef>
+          <a:fontRef idx="minor">
+            <a:schemeClr val="tx1"/>
+          </a:fontRef>
+        </p:style>
+      </p:cxnSp>
+      <p:sp>
+        <p:nvSpPr>
+          <p:cNvPr id="43" name="TextBox 42"/>
+          <p:cNvSpPr txBox="1"/>
+          <p:nvPr/>
+        </p:nvSpPr>
+        <p:spPr>
+          <a:xfrm>
+            <a:off x="7186079" y="1848965"/>
+            <a:ext cx="1080745" cy="246221"/>
+          </a:xfrm>
+          <a:prstGeom prst="rect">
+            <a:avLst/>
+          </a:prstGeom>
+          <a:noFill/>
+        </p:spPr>
+        <p:txBody>
+          <a:bodyPr wrap="none" rtlCol="0">
+            <a:spAutoFit/>
+          </a:bodyPr>
+          <a:lstStyle/>
+          <a:p>
+            <a:r>
+              <a:rPr lang="en-US" sz="1000" dirty="0" smtClean="0"/>
+              <a:t>Read/Write state</a:t>
+            </a:r>
+            <a:endParaRPr lang="en-US" sz="1000" dirty="0"/>
+          </a:p>
+        </p:txBody>
+      </p:sp>
+      <p:sp>
+        <p:nvSpPr>
+          <p:cNvPr id="44" name="TextBox 43"/>
+          <p:cNvSpPr txBox="1"/>
+          <p:nvPr/>
+        </p:nvSpPr>
+        <p:spPr>
+          <a:xfrm>
+            <a:off x="6045416" y="2480346"/>
+            <a:ext cx="822661" cy="246221"/>
+          </a:xfrm>
+          <a:prstGeom prst="rect">
+            <a:avLst/>
+          </a:prstGeom>
+          <a:noFill/>
+        </p:spPr>
+        <p:txBody>
+          <a:bodyPr wrap="none" rtlCol="0">
+            <a:spAutoFit/>
+          </a:bodyPr>
+          <a:lstStyle/>
+          <a:p>
+            <a:r>
+              <a:rPr lang="en-US" sz="1000" dirty="0" smtClean="0"/>
+              <a:t>Write deltas</a:t>
+            </a:r>
+            <a:endParaRPr lang="en-US" sz="1000" dirty="0"/>
+          </a:p>
+        </p:txBody>
+      </p:sp>
+      <p:sp>
+        <p:nvSpPr>
+          <p:cNvPr id="45" name="TextBox 44"/>
+          <p:cNvSpPr txBox="1"/>
+          <p:nvPr/>
+        </p:nvSpPr>
+        <p:spPr>
+          <a:xfrm>
+            <a:off x="6037066" y="3525869"/>
+            <a:ext cx="788999" cy="246221"/>
+          </a:xfrm>
+          <a:prstGeom prst="rect">
+            <a:avLst/>
+          </a:prstGeom>
+          <a:noFill/>
+        </p:spPr>
+        <p:txBody>
+          <a:bodyPr wrap="none" rtlCol="0">
+            <a:spAutoFit/>
+          </a:bodyPr>
+          <a:lstStyle/>
+          <a:p>
+            <a:r>
+              <a:rPr lang="en-US" sz="1000" dirty="0" smtClean="0"/>
+              <a:t>Read deltas</a:t>
+            </a:r>
+            <a:endParaRPr lang="en-US" sz="1000" dirty="0"/>
+          </a:p>
+        </p:txBody>
+      </p:sp>
+      <p:sp>
+        <p:nvSpPr>
+          <p:cNvPr id="46" name="TextBox 45"/>
+          <p:cNvSpPr txBox="1"/>
+          <p:nvPr/>
+        </p:nvSpPr>
+        <p:spPr>
+          <a:xfrm>
+            <a:off x="6033460" y="4429620"/>
+            <a:ext cx="877163" cy="246221"/>
+          </a:xfrm>
+          <a:prstGeom prst="rect">
+            <a:avLst/>
+          </a:prstGeom>
+          <a:noFill/>
+        </p:spPr>
+        <p:txBody>
+          <a:bodyPr wrap="none" rtlCol="0">
+            <a:spAutoFit/>
+          </a:bodyPr>
+          <a:lstStyle/>
+          <a:p>
+            <a:r>
+              <a:rPr lang="en-US" sz="1000" dirty="0" smtClean="0"/>
+              <a:t>Create assets</a:t>
+            </a:r>
+            <a:endParaRPr lang="en-US" sz="1000" dirty="0"/>
+          </a:p>
+        </p:txBody>
+      </p:sp>
+    </p:spTree>
+    <p:extLst>
+      <p:ext uri="{BB962C8B-B14F-4D97-AF65-F5344CB8AC3E}">
+        <p14:creationId xmlns:p14="http://schemas.microsoft.com/office/powerpoint/2010/main" val="1001311613"/>
+      </p:ext>
+    </p:extLst>
+  </p:cSld>
+  <p:clrMapOvr>
+    <a:masterClrMapping/>
+  </p:clrMapOvr>
+  <p:timing>
+    <p:tnLst>
+      <p:par>
+        <p:cTn id="1" dur="indefinite" restart="never" nodeType="tmRoot"/>
+      </p:par>
+    </p:tnLst>
+  </p:timing>
+</p:sld>
+</file>
+
+<file path=ppt/slides/slide15.xml><?xml version="1.0" encoding="utf-8"?>
+<p:sld xmlns:a="http://schemas.openxmlformats.org/drawingml/2006/main" xmlns:r="http://schemas.openxmlformats.org/officeDocument/2006/relationships" xmlns:p="http://schemas.openxmlformats.org/presentationml/2006/main">
+  <p:cSld>
+    <p:spTree>
+      <p:nvGrpSpPr>
+        <p:cNvPr id="1" name=""/>
+        <p:cNvGrpSpPr/>
+        <p:nvPr/>
+      </p:nvGrpSpPr>
+      <p:grpSpPr>
+        <a:xfrm>
+          <a:off x="0" y="0"/>
+          <a:ext cx="0" cy="0"/>
+          <a:chOff x="0" y="0"/>
+          <a:chExt cx="0" cy="0"/>
+        </a:xfrm>
+      </p:grpSpPr>
+      <p:sp>
+        <p:nvSpPr>
+          <p:cNvPr id="109" name="Title 1">
+            <a:extLst>
+              <a:ext uri="{FF2B5EF4-FFF2-40B4-BE49-F238E27FC236}">
+                <a16:creationId xmlns:a16="http://schemas.microsoft.com/office/drawing/2014/main" id="{78C07964-174A-4A54-84D3-E88913B49D0E}"/>
+              </a:ext>
+            </a:extLst>
+          </p:cNvPr>
+          <p:cNvSpPr txBox="1">
+            <a:spLocks/>
+          </p:cNvSpPr>
+          <p:nvPr/>
+        </p:nvSpPr>
+        <p:spPr>
+          <a:xfrm>
+            <a:off x="555171" y="-4998"/>
+            <a:ext cx="11070772" cy="1039142"/>
+          </a:xfrm>
+          <a:prstGeom prst="rect">
+            <a:avLst/>
+          </a:prstGeom>
+        </p:spPr>
+        <p:txBody>
+          <a:bodyPr anchor="ctr"/>
+          <a:lstStyle>
+            <a:lvl1pPr algn="l" defTabSz="914400" rtl="0" eaLnBrk="1" latinLnBrk="0" hangingPunct="1">
+              <a:lnSpc>
+                <a:spcPct val="90000"/>
+              </a:lnSpc>
+              <a:spcBef>
+                <a:spcPct val="0"/>
+              </a:spcBef>
+              <a:buNone/>
+              <a:defRPr sz="4400" kern="1200">
+                <a:solidFill>
+                  <a:schemeClr val="tx1"/>
+                </a:solidFill>
+                <a:latin typeface="+mj-lt"/>
+                <a:ea typeface="+mj-ea"/>
+                <a:cs typeface="+mj-cs"/>
+              </a:defRPr>
+            </a:lvl1pPr>
+          </a:lstStyle>
+          <a:p>
+            <a:r>
+              <a:rPr lang="en-US" sz="3600" dirty="0" smtClean="0"/>
               <a:t>Entity framework</a:t>
             </a:r>
             <a:endParaRPr lang="en-US" sz="3600" dirty="0"/>
@@ -8053,7 +8928,7 @@
 </p:sld>
 </file>
 
-<file path=ppt/slides/slide15.xml><?xml version="1.0" encoding="utf-8"?>
+<file path=ppt/slides/slide16.xml><?xml version="1.0" encoding="utf-8"?>
 <p:sld xmlns:a="http://schemas.openxmlformats.org/drawingml/2006/main" xmlns:r="http://schemas.openxmlformats.org/officeDocument/2006/relationships" xmlns:p="http://schemas.openxmlformats.org/presentationml/2006/main">
   <p:cSld>
     <p:spTree>
@@ -8462,7 +9337,7 @@
         <p:spPr>
           <a:xfrm>
             <a:off x="555170" y="1390979"/>
-            <a:ext cx="10657115" cy="3293209"/>
+            <a:ext cx="10657115" cy="4770537"/>
           </a:xfrm>
           <a:prstGeom prst="rect">
             <a:avLst/>
@@ -8563,6 +9438,28 @@
               <a:rPr lang="en-US" sz="1600" dirty="0" smtClean="0"/>
               <a:t> Core, </a:t>
             </a:r>
+            <a:endParaRPr lang="en-US" sz="1600" dirty="0" smtClean="0"/>
+          </a:p>
+          <a:p>
+            <a:pPr marL="1257300" lvl="2" indent="-342900">
+              <a:buFont typeface="Arial" panose="020B0604020202020204" pitchFamily="34" charset="0"/>
+              <a:buChar char="•"/>
+            </a:pPr>
+            <a:r>
+              <a:rPr lang="en-US" sz="1600" dirty="0" smtClean="0"/>
+              <a:t>Web API</a:t>
+            </a:r>
+          </a:p>
+          <a:p>
+            <a:pPr marL="1257300" lvl="2" indent="-342900">
+              <a:buFont typeface="Arial" panose="020B0604020202020204" pitchFamily="34" charset="0"/>
+              <a:buChar char="•"/>
+            </a:pPr>
+            <a:r>
+              <a:rPr lang="en-US" sz="1600" dirty="0" smtClean="0"/>
+              <a:t>Console App for web jobs</a:t>
+            </a:r>
+            <a:endParaRPr lang="en-US" sz="1600" dirty="0" smtClean="0"/>
           </a:p>
           <a:p>
             <a:pPr marL="800100" lvl="1" indent="-342900">
@@ -8583,6 +9480,47 @@
               <a:rPr lang="en-US" sz="1600" dirty="0" smtClean="0"/>
               <a:t>Azure</a:t>
             </a:r>
+          </a:p>
+          <a:p>
+            <a:pPr marL="1257300" lvl="2" indent="-342900">
+              <a:buFont typeface="Arial" panose="020B0604020202020204" pitchFamily="34" charset="0"/>
+              <a:buChar char="•"/>
+            </a:pPr>
+            <a:r>
+              <a:rPr lang="en-US" sz="1600" dirty="0" smtClean="0"/>
+              <a:t>Blob storage</a:t>
+            </a:r>
+          </a:p>
+          <a:p>
+            <a:pPr marL="1257300" lvl="2" indent="-342900">
+              <a:buFont typeface="Arial" panose="020B0604020202020204" pitchFamily="34" charset="0"/>
+              <a:buChar char="•"/>
+            </a:pPr>
+            <a:r>
+              <a:rPr lang="en-US" sz="1600" dirty="0" smtClean="0"/>
+              <a:t>App service</a:t>
+            </a:r>
+          </a:p>
+          <a:p>
+            <a:pPr marL="1257300" lvl="2" indent="-342900">
+              <a:buFont typeface="Arial" panose="020B0604020202020204" pitchFamily="34" charset="0"/>
+              <a:buChar char="•"/>
+            </a:pPr>
+            <a:r>
+              <a:rPr lang="en-US" sz="1600" dirty="0" smtClean="0"/>
+              <a:t>SQL Database</a:t>
+            </a:r>
+          </a:p>
+          <a:p>
+            <a:pPr marL="1257300" lvl="2" indent="-342900">
+              <a:buFont typeface="Arial" panose="020B0604020202020204" pitchFamily="34" charset="0"/>
+              <a:buChar char="•"/>
+            </a:pPr>
+            <a:r>
+              <a:rPr lang="en-US" sz="1600" dirty="0" smtClean="0"/>
+              <a:t>Web jobs</a:t>
+            </a:r>
+            <a:endParaRPr lang="en-US" sz="1600" dirty="0" smtClean="0"/>
           </a:p>
           <a:p>
             <a:pPr marL="342900" indent="-342900">
@@ -14985,9 +15923,12 @@
 </file>
 
 <file path=customXml/item1.xml><?xml version="1.0" encoding="utf-8"?>
-<p:properties xmlns:p="http://schemas.microsoft.com/office/2006/metadata/properties" xmlns:xsi="http://www.w3.org/2001/XMLSchema-instance" xmlns:pc="http://schemas.microsoft.com/office/infopath/2007/PartnerControls">
-  <documentManagement/>
-</p:properties>
+<?mso-contentType ?>
+<FormTemplates xmlns="http://schemas.microsoft.com/sharepoint/v3/contenttype/forms">
+  <Display>DocumentLibraryForm</Display>
+  <Edit>DocumentLibraryForm</Edit>
+  <New>DocumentLibraryForm</New>
+</FormTemplates>
 </file>
 
 <file path=customXml/item2.xml><?xml version="1.0" encoding="utf-8"?>
@@ -15163,19 +16104,15 @@
 </file>
 
 <file path=customXml/item3.xml><?xml version="1.0" encoding="utf-8"?>
-<?mso-contentType ?>
-<FormTemplates xmlns="http://schemas.microsoft.com/sharepoint/v3/contenttype/forms">
-  <Display>DocumentLibraryForm</Display>
-  <Edit>DocumentLibraryForm</Edit>
-  <New>DocumentLibraryForm</New>
-</FormTemplates>
+<p:properties xmlns:p="http://schemas.microsoft.com/office/2006/metadata/properties" xmlns:xsi="http://www.w3.org/2001/XMLSchema-instance" xmlns:pc="http://schemas.microsoft.com/office/infopath/2007/PartnerControls">
+  <documentManagement/>
+</p:properties>
 </file>
 
 <file path=customXml/itemProps1.xml><?xml version="1.0" encoding="utf-8"?>
-<ds:datastoreItem xmlns:ds="http://schemas.openxmlformats.org/officeDocument/2006/customXml" ds:itemID="{2B86CB2E-7645-4F93-82AF-04EAF2AF8C03}">
+<ds:datastoreItem xmlns:ds="http://schemas.openxmlformats.org/officeDocument/2006/customXml" ds:itemID="{8CDB702E-3F50-4264-9CFC-35B79A02A69A}">
   <ds:schemaRefs>
-    <ds:schemaRef ds:uri="http://schemas.microsoft.com/office/2006/metadata/properties"/>
-    <ds:schemaRef ds:uri="http://schemas.microsoft.com/office/infopath/2007/PartnerControls"/>
+    <ds:schemaRef ds:uri="http://schemas.microsoft.com/sharepoint/v3/contenttype/forms"/>
   </ds:schemaRefs>
 </ds:datastoreItem>
 </file>
@@ -15199,9 +16136,10 @@
 </file>
 
 <file path=customXml/itemProps3.xml><?xml version="1.0" encoding="utf-8"?>
-<ds:datastoreItem xmlns:ds="http://schemas.openxmlformats.org/officeDocument/2006/customXml" ds:itemID="{8CDB702E-3F50-4264-9CFC-35B79A02A69A}">
+<ds:datastoreItem xmlns:ds="http://schemas.openxmlformats.org/officeDocument/2006/customXml" ds:itemID="{2B86CB2E-7645-4F93-82AF-04EAF2AF8C03}">
   <ds:schemaRefs>
-    <ds:schemaRef ds:uri="http://schemas.microsoft.com/sharepoint/v3/contenttype/forms"/>
+    <ds:schemaRef ds:uri="http://schemas.microsoft.com/office/2006/metadata/properties"/>
+    <ds:schemaRef ds:uri="http://schemas.microsoft.com/office/infopath/2007/PartnerControls"/>
   </ds:schemaRefs>
 </ds:datastoreItem>
 </file>